--- a/c云服务架构/Paas架构设计.pptx
+++ b/c云服务架构/Paas架构设计.pptx
@@ -5,7 +5,7 @@
     <p:sldMasterId id="2147483684" r:id="rId1"/>
   </p:sldMasterIdLst>
   <p:notesMasterIdLst>
-    <p:notesMasterId r:id="rId29"/>
+    <p:notesMasterId r:id="rId32"/>
   </p:notesMasterIdLst>
   <p:sldIdLst>
     <p:sldId id="256" r:id="rId2"/>
@@ -20,21 +20,24 @@
     <p:sldId id="297" r:id="rId11"/>
     <p:sldId id="299" r:id="rId12"/>
     <p:sldId id="300" r:id="rId13"/>
-    <p:sldId id="266" r:id="rId14"/>
-    <p:sldId id="280" r:id="rId15"/>
-    <p:sldId id="281" r:id="rId16"/>
-    <p:sldId id="268" r:id="rId17"/>
-    <p:sldId id="288" r:id="rId18"/>
-    <p:sldId id="289" r:id="rId19"/>
-    <p:sldId id="282" r:id="rId20"/>
-    <p:sldId id="302" r:id="rId21"/>
-    <p:sldId id="301" r:id="rId22"/>
-    <p:sldId id="303" r:id="rId23"/>
-    <p:sldId id="304" r:id="rId24"/>
-    <p:sldId id="305" r:id="rId25"/>
-    <p:sldId id="306" r:id="rId26"/>
-    <p:sldId id="279" r:id="rId27"/>
-    <p:sldId id="264" r:id="rId28"/>
+    <p:sldId id="309" r:id="rId14"/>
+    <p:sldId id="266" r:id="rId15"/>
+    <p:sldId id="280" r:id="rId16"/>
+    <p:sldId id="281" r:id="rId17"/>
+    <p:sldId id="308" r:id="rId18"/>
+    <p:sldId id="307" r:id="rId19"/>
+    <p:sldId id="268" r:id="rId20"/>
+    <p:sldId id="288" r:id="rId21"/>
+    <p:sldId id="289" r:id="rId22"/>
+    <p:sldId id="282" r:id="rId23"/>
+    <p:sldId id="302" r:id="rId24"/>
+    <p:sldId id="301" r:id="rId25"/>
+    <p:sldId id="303" r:id="rId26"/>
+    <p:sldId id="304" r:id="rId27"/>
+    <p:sldId id="305" r:id="rId28"/>
+    <p:sldId id="306" r:id="rId29"/>
+    <p:sldId id="279" r:id="rId30"/>
+    <p:sldId id="264" r:id="rId31"/>
   </p:sldIdLst>
   <p:sldSz cx="13004800" cy="8623300"/>
   <p:notesSz cx="6858000" cy="9144000"/>
@@ -218,7 +221,7 @@
           <a:p>
             <a:fld id="{FCF34936-9BE8-4133-A782-55B70958D9F1}" type="datetimeFigureOut">
               <a:rPr lang="zh-CN" altLang="en-US" smtClean="0"/>
-              <a:t>2017/4/5</a:t>
+              <a:t>2017/4/14</a:t>
             </a:fld>
             <a:endParaRPr lang="zh-CN" altLang="en-US"/>
           </a:p>
@@ -810,7 +813,15 @@
           <a:bodyPr/>
           <a:lstStyle/>
           <a:p>
-            <a:endParaRPr lang="zh-CN" altLang="en-US" dirty="0"/>
+            <a:endParaRPr lang="en-US" altLang="zh-CN" sz="1200" b="1" i="0" kern="1200" dirty="0">
+              <a:solidFill>
+                <a:schemeClr val="tx1"/>
+              </a:solidFill>
+              <a:effectLst/>
+              <a:latin typeface="+mn-lt"/>
+              <a:ea typeface="+mn-ea"/>
+              <a:cs typeface="+mn-cs"/>
+            </a:endParaRPr>
           </a:p>
         </p:txBody>
       </p:sp>
@@ -831,7 +842,7 @@
           <a:p>
             <a:fld id="{7E93476A-C8EF-4948-84D8-CD0A70688003}" type="slidenum">
               <a:rPr lang="zh-CN" altLang="en-US" smtClean="0"/>
-              <a:t>16</a:t>
+              <a:t>13</a:t>
             </a:fld>
             <a:endParaRPr lang="zh-CN" altLang="en-US"/>
           </a:p>
@@ -915,7 +926,7 @@
           <a:p>
             <a:fld id="{7E93476A-C8EF-4948-84D8-CD0A70688003}" type="slidenum">
               <a:rPr lang="zh-CN" altLang="en-US" smtClean="0"/>
-              <a:t>17</a:t>
+              <a:t>15</a:t>
             </a:fld>
             <a:endParaRPr lang="zh-CN" altLang="en-US"/>
           </a:p>
@@ -924,7 +935,7 @@
     </p:spTree>
     <p:extLst>
       <p:ext uri="{BB962C8B-B14F-4D97-AF65-F5344CB8AC3E}">
-        <p14:creationId xmlns:p14="http://schemas.microsoft.com/office/powerpoint/2010/main" val="237361177"/>
+        <p14:creationId xmlns:p14="http://schemas.microsoft.com/office/powerpoint/2010/main" val="3850138455"/>
       </p:ext>
     </p:extLst>
   </p:cSld>
@@ -978,9 +989,6 @@
           <a:bodyPr/>
           <a:lstStyle/>
           <a:p>
-            <a:endParaRPr lang="en-US" altLang="zh-CN" dirty="0" smtClean="0"/>
-          </a:p>
-          <a:p>
             <a:endParaRPr lang="zh-CN" altLang="en-US" dirty="0"/>
           </a:p>
         </p:txBody>
@@ -1002,7 +1010,7 @@
           <a:p>
             <a:fld id="{7E93476A-C8EF-4948-84D8-CD0A70688003}" type="slidenum">
               <a:rPr lang="zh-CN" altLang="en-US" smtClean="0"/>
-              <a:t>18</a:t>
+              <a:t>19</a:t>
             </a:fld>
             <a:endParaRPr lang="zh-CN" altLang="en-US"/>
           </a:p>
@@ -1086,7 +1094,7 @@
           <a:p>
             <a:fld id="{7E93476A-C8EF-4948-84D8-CD0A70688003}" type="slidenum">
               <a:rPr lang="zh-CN" altLang="en-US" smtClean="0"/>
-              <a:t>19</a:t>
+              <a:t>20</a:t>
             </a:fld>
             <a:endParaRPr lang="zh-CN" altLang="en-US"/>
           </a:p>
@@ -1149,6 +1157,9 @@
           <a:bodyPr/>
           <a:lstStyle/>
           <a:p>
+            <a:endParaRPr lang="en-US" altLang="zh-CN" dirty="0" smtClean="0"/>
+          </a:p>
+          <a:p>
             <a:endParaRPr lang="zh-CN" altLang="en-US" dirty="0"/>
           </a:p>
         </p:txBody>
@@ -1170,7 +1181,7 @@
           <a:p>
             <a:fld id="{7E93476A-C8EF-4948-84D8-CD0A70688003}" type="slidenum">
               <a:rPr lang="zh-CN" altLang="en-US" smtClean="0"/>
-              <a:t>20</a:t>
+              <a:t>21</a:t>
             </a:fld>
             <a:endParaRPr lang="zh-CN" altLang="en-US"/>
           </a:p>
@@ -1254,7 +1265,7 @@
           <a:p>
             <a:fld id="{7E93476A-C8EF-4948-84D8-CD0A70688003}" type="slidenum">
               <a:rPr lang="zh-CN" altLang="en-US" smtClean="0"/>
-              <a:t>21</a:t>
+              <a:t>22</a:t>
             </a:fld>
             <a:endParaRPr lang="zh-CN" altLang="en-US"/>
           </a:p>
@@ -1338,7 +1349,7 @@
           <a:p>
             <a:fld id="{7E93476A-C8EF-4948-84D8-CD0A70688003}" type="slidenum">
               <a:rPr lang="zh-CN" altLang="en-US" smtClean="0"/>
-              <a:t>22</a:t>
+              <a:t>23</a:t>
             </a:fld>
             <a:endParaRPr lang="zh-CN" altLang="en-US"/>
           </a:p>
@@ -1422,7 +1433,7 @@
           <a:p>
             <a:fld id="{7E93476A-C8EF-4948-84D8-CD0A70688003}" type="slidenum">
               <a:rPr lang="zh-CN" altLang="en-US" smtClean="0"/>
-              <a:t>23</a:t>
+              <a:t>24</a:t>
             </a:fld>
             <a:endParaRPr lang="zh-CN" altLang="en-US"/>
           </a:p>
@@ -1594,7 +1605,7 @@
           <a:p>
             <a:fld id="{7E93476A-C8EF-4948-84D8-CD0A70688003}" type="slidenum">
               <a:rPr lang="zh-CN" altLang="en-US" smtClean="0"/>
-              <a:t>24</a:t>
+              <a:t>25</a:t>
             </a:fld>
             <a:endParaRPr lang="zh-CN" altLang="en-US"/>
           </a:p>
@@ -1678,7 +1689,175 @@
           <a:p>
             <a:fld id="{7E93476A-C8EF-4948-84D8-CD0A70688003}" type="slidenum">
               <a:rPr lang="zh-CN" altLang="en-US" smtClean="0"/>
-              <a:t>25</a:t>
+              <a:t>26</a:t>
+            </a:fld>
+            <a:endParaRPr lang="zh-CN" altLang="en-US"/>
+          </a:p>
+        </p:txBody>
+      </p:sp>
+    </p:spTree>
+    <p:extLst>
+      <p:ext uri="{BB962C8B-B14F-4D97-AF65-F5344CB8AC3E}">
+        <p14:creationId xmlns:p14="http://schemas.microsoft.com/office/powerpoint/2010/main" val="237361177"/>
+      </p:ext>
+    </p:extLst>
+  </p:cSld>
+  <p:clrMapOvr>
+    <a:masterClrMapping/>
+  </p:clrMapOvr>
+</p:notes>
+</file>
+
+<file path=ppt/notesSlides/notesSlide22.xml><?xml version="1.0" encoding="utf-8"?>
+<p:notes xmlns:a="http://schemas.openxmlformats.org/drawingml/2006/main" xmlns:r="http://schemas.openxmlformats.org/officeDocument/2006/relationships" xmlns:p="http://schemas.openxmlformats.org/presentationml/2006/main">
+  <p:cSld>
+    <p:spTree>
+      <p:nvGrpSpPr>
+        <p:cNvPr id="1" name=""/>
+        <p:cNvGrpSpPr/>
+        <p:nvPr/>
+      </p:nvGrpSpPr>
+      <p:grpSpPr>
+        <a:xfrm>
+          <a:off x="0" y="0"/>
+          <a:ext cx="0" cy="0"/>
+          <a:chOff x="0" y="0"/>
+          <a:chExt cx="0" cy="0"/>
+        </a:xfrm>
+      </p:grpSpPr>
+      <p:sp>
+        <p:nvSpPr>
+          <p:cNvPr id="2" name="幻灯片图像占位符 1"/>
+          <p:cNvSpPr>
+            <a:spLocks noGrp="1" noRot="1" noChangeAspect="1"/>
+          </p:cNvSpPr>
+          <p:nvPr>
+            <p:ph type="sldImg"/>
+          </p:nvPr>
+        </p:nvSpPr>
+        <p:spPr/>
+      </p:sp>
+      <p:sp>
+        <p:nvSpPr>
+          <p:cNvPr id="3" name="备注占位符 2"/>
+          <p:cNvSpPr>
+            <a:spLocks noGrp="1"/>
+          </p:cNvSpPr>
+          <p:nvPr>
+            <p:ph type="body" idx="1"/>
+          </p:nvPr>
+        </p:nvSpPr>
+        <p:spPr/>
+        <p:txBody>
+          <a:bodyPr/>
+          <a:lstStyle/>
+          <a:p>
+            <a:endParaRPr lang="zh-CN" altLang="en-US" dirty="0"/>
+          </a:p>
+        </p:txBody>
+      </p:sp>
+      <p:sp>
+        <p:nvSpPr>
+          <p:cNvPr id="4" name="灯片编号占位符 3"/>
+          <p:cNvSpPr>
+            <a:spLocks noGrp="1"/>
+          </p:cNvSpPr>
+          <p:nvPr>
+            <p:ph type="sldNum" sz="quarter" idx="10"/>
+          </p:nvPr>
+        </p:nvSpPr>
+        <p:spPr/>
+        <p:txBody>
+          <a:bodyPr/>
+          <a:lstStyle/>
+          <a:p>
+            <a:fld id="{7E93476A-C8EF-4948-84D8-CD0A70688003}" type="slidenum">
+              <a:rPr lang="zh-CN" altLang="en-US" smtClean="0"/>
+              <a:t>27</a:t>
+            </a:fld>
+            <a:endParaRPr lang="zh-CN" altLang="en-US"/>
+          </a:p>
+        </p:txBody>
+      </p:sp>
+    </p:spTree>
+    <p:extLst>
+      <p:ext uri="{BB962C8B-B14F-4D97-AF65-F5344CB8AC3E}">
+        <p14:creationId xmlns:p14="http://schemas.microsoft.com/office/powerpoint/2010/main" val="237361177"/>
+      </p:ext>
+    </p:extLst>
+  </p:cSld>
+  <p:clrMapOvr>
+    <a:masterClrMapping/>
+  </p:clrMapOvr>
+</p:notes>
+</file>
+
+<file path=ppt/notesSlides/notesSlide23.xml><?xml version="1.0" encoding="utf-8"?>
+<p:notes xmlns:a="http://schemas.openxmlformats.org/drawingml/2006/main" xmlns:r="http://schemas.openxmlformats.org/officeDocument/2006/relationships" xmlns:p="http://schemas.openxmlformats.org/presentationml/2006/main">
+  <p:cSld>
+    <p:spTree>
+      <p:nvGrpSpPr>
+        <p:cNvPr id="1" name=""/>
+        <p:cNvGrpSpPr/>
+        <p:nvPr/>
+      </p:nvGrpSpPr>
+      <p:grpSpPr>
+        <a:xfrm>
+          <a:off x="0" y="0"/>
+          <a:ext cx="0" cy="0"/>
+          <a:chOff x="0" y="0"/>
+          <a:chExt cx="0" cy="0"/>
+        </a:xfrm>
+      </p:grpSpPr>
+      <p:sp>
+        <p:nvSpPr>
+          <p:cNvPr id="2" name="幻灯片图像占位符 1"/>
+          <p:cNvSpPr>
+            <a:spLocks noGrp="1" noRot="1" noChangeAspect="1"/>
+          </p:cNvSpPr>
+          <p:nvPr>
+            <p:ph type="sldImg"/>
+          </p:nvPr>
+        </p:nvSpPr>
+        <p:spPr/>
+      </p:sp>
+      <p:sp>
+        <p:nvSpPr>
+          <p:cNvPr id="3" name="备注占位符 2"/>
+          <p:cNvSpPr>
+            <a:spLocks noGrp="1"/>
+          </p:cNvSpPr>
+          <p:nvPr>
+            <p:ph type="body" idx="1"/>
+          </p:nvPr>
+        </p:nvSpPr>
+        <p:spPr/>
+        <p:txBody>
+          <a:bodyPr/>
+          <a:lstStyle/>
+          <a:p>
+            <a:endParaRPr lang="zh-CN" altLang="en-US" dirty="0"/>
+          </a:p>
+        </p:txBody>
+      </p:sp>
+      <p:sp>
+        <p:nvSpPr>
+          <p:cNvPr id="4" name="灯片编号占位符 3"/>
+          <p:cNvSpPr>
+            <a:spLocks noGrp="1"/>
+          </p:cNvSpPr>
+          <p:nvPr>
+            <p:ph type="sldNum" sz="quarter" idx="10"/>
+          </p:nvPr>
+        </p:nvSpPr>
+        <p:spPr/>
+        <p:txBody>
+          <a:bodyPr/>
+          <a:lstStyle/>
+          <a:p>
+            <a:fld id="{7E93476A-C8EF-4948-84D8-CD0A70688003}" type="slidenum">
+              <a:rPr lang="zh-CN" altLang="en-US" smtClean="0"/>
+              <a:t>28</a:t>
             </a:fld>
             <a:endParaRPr lang="zh-CN" altLang="en-US"/>
           </a:p>
@@ -2854,7 +3033,7 @@
           <a:p>
             <a:fld id="{A9A3A160-64B0-433E-876E-E206ABB7688A}" type="datetimeFigureOut">
               <a:rPr lang="zh-CN" altLang="en-US" smtClean="0"/>
-              <a:t>2017/4/5</a:t>
+              <a:t>2017/4/14</a:t>
             </a:fld>
             <a:endParaRPr lang="zh-CN" altLang="en-US"/>
           </a:p>
@@ -3066,7 +3245,7 @@
           <a:p>
             <a:fld id="{A9A3A160-64B0-433E-876E-E206ABB7688A}" type="datetimeFigureOut">
               <a:rPr lang="zh-CN" altLang="en-US" smtClean="0"/>
-              <a:t>2017/4/5</a:t>
+              <a:t>2017/4/14</a:t>
             </a:fld>
             <a:endParaRPr lang="zh-CN" altLang="en-US"/>
           </a:p>
@@ -3253,7 +3432,7 @@
           <a:p>
             <a:fld id="{A9A3A160-64B0-433E-876E-E206ABB7688A}" type="datetimeFigureOut">
               <a:rPr lang="zh-CN" altLang="en-US" smtClean="0"/>
-              <a:t>2017/4/5</a:t>
+              <a:t>2017/4/14</a:t>
             </a:fld>
             <a:endParaRPr lang="zh-CN" altLang="en-US"/>
           </a:p>
@@ -3350,7 +3529,7 @@
           <a:p>
             <a:fld id="{A9A3A160-64B0-433E-876E-E206ABB7688A}" type="datetimeFigureOut">
               <a:rPr lang="zh-CN" altLang="en-US" smtClean="0"/>
-              <a:t>2017/4/5</a:t>
+              <a:t>2017/4/14</a:t>
             </a:fld>
             <a:endParaRPr lang="zh-CN" altLang="en-US"/>
           </a:p>
@@ -3946,7 +4125,7 @@
           <a:p>
             <a:fld id="{A9A3A160-64B0-433E-876E-E206ABB7688A}" type="datetimeFigureOut">
               <a:rPr lang="zh-CN" altLang="en-US" smtClean="0"/>
-              <a:t>2017/4/5</a:t>
+              <a:t>2017/4/14</a:t>
             </a:fld>
             <a:endParaRPr lang="zh-CN" altLang="en-US"/>
           </a:p>
@@ -4043,7 +4222,7 @@
           <a:p>
             <a:fld id="{A9A3A160-64B0-433E-876E-E206ABB7688A}" type="datetimeFigureOut">
               <a:rPr lang="zh-CN" altLang="en-US" smtClean="0"/>
-              <a:t>2017/4/5</a:t>
+              <a:t>2017/4/14</a:t>
             </a:fld>
             <a:endParaRPr lang="zh-CN" altLang="en-US"/>
           </a:p>
@@ -4648,7 +4827,7 @@
           <a:p>
             <a:fld id="{A9A3A160-64B0-433E-876E-E206ABB7688A}" type="datetimeFigureOut">
               <a:rPr lang="zh-CN" altLang="en-US" smtClean="0"/>
-              <a:t>2017/4/5</a:t>
+              <a:t>2017/4/14</a:t>
             </a:fld>
             <a:endParaRPr lang="zh-CN" altLang="en-US"/>
           </a:p>
@@ -4791,7 +4970,7 @@
           <a:p>
             <a:fld id="{A9A3A160-64B0-433E-876E-E206ABB7688A}" type="datetimeFigureOut">
               <a:rPr lang="zh-CN" altLang="en-US" smtClean="0"/>
-              <a:t>2017/4/5</a:t>
+              <a:t>2017/4/14</a:t>
             </a:fld>
             <a:endParaRPr lang="zh-CN" altLang="en-US"/>
           </a:p>
@@ -4888,7 +5067,7 @@
           <a:p>
             <a:fld id="{A9A3A160-64B0-433E-876E-E206ABB7688A}" type="datetimeFigureOut">
               <a:rPr lang="zh-CN" altLang="en-US" smtClean="0"/>
-              <a:t>2017/4/5</a:t>
+              <a:t>2017/4/14</a:t>
             </a:fld>
             <a:endParaRPr lang="zh-CN" altLang="en-US"/>
           </a:p>
@@ -5172,7 +5351,7 @@
           <a:p>
             <a:fld id="{A9A3A160-64B0-433E-876E-E206ABB7688A}" type="datetimeFigureOut">
               <a:rPr lang="zh-CN" altLang="en-US" smtClean="0"/>
-              <a:t>2017/4/5</a:t>
+              <a:t>2017/4/14</a:t>
             </a:fld>
             <a:endParaRPr lang="zh-CN" altLang="en-US"/>
           </a:p>
@@ -5694,7 +5873,7 @@
           <a:p>
             <a:fld id="{A9A3A160-64B0-433E-876E-E206ABB7688A}" type="datetimeFigureOut">
               <a:rPr lang="zh-CN" altLang="en-US" smtClean="0"/>
-              <a:t>2017/4/5</a:t>
+              <a:t>2017/4/14</a:t>
             </a:fld>
             <a:endParaRPr lang="zh-CN" altLang="en-US"/>
           </a:p>
@@ -6214,7 +6393,7 @@
           <a:p>
             <a:fld id="{A9A3A160-64B0-433E-876E-E206ABB7688A}" type="datetimeFigureOut">
               <a:rPr lang="zh-CN" altLang="en-US" smtClean="0"/>
-              <a:t>2017/4/5</a:t>
+              <a:t>2017/4/14</a:t>
             </a:fld>
             <a:endParaRPr lang="zh-CN" altLang="en-US"/>
           </a:p>
@@ -8181,7 +8360,7 @@
         </p:nvSpPr>
         <p:spPr>
           <a:xfrm>
-            <a:off x="885776" y="279202"/>
+            <a:off x="741760" y="639242"/>
             <a:ext cx="15989242" cy="801897"/>
           </a:xfrm>
           <a:prstGeom prst="rect">
@@ -8196,22 +8375,10 @@
           <a:lstStyle/>
           <a:p>
             <a:r>
-              <a:rPr lang="zh-CN" altLang="en-US" sz="4400" dirty="0" smtClean="0">
-                <a:solidFill>
-                  <a:srgbClr val="0070C0"/>
-                </a:solidFill>
-                <a:latin typeface="黑体" panose="02010609060101010101" pitchFamily="49" charset="-122"/>
-                <a:ea typeface="黑体" panose="02010609060101010101" pitchFamily="49" charset="-122"/>
-              </a:rPr>
-              <a:t>应用架构</a:t>
-            </a:r>
-            <a:endParaRPr lang="zh-CN" altLang="en-US" sz="4400" dirty="0">
-              <a:solidFill>
-                <a:srgbClr val="0070C0"/>
-              </a:solidFill>
-              <a:latin typeface="黑体" panose="02010609060101010101" pitchFamily="49" charset="-122"/>
-              <a:ea typeface="黑体" panose="02010609060101010101" pitchFamily="49" charset="-122"/>
-            </a:endParaRPr>
+              <a:rPr lang="zh-CN" altLang="en-US" sz="4400" dirty="0" smtClean="0"/>
+              <a:t>技术方案重点</a:t>
+            </a:r>
+            <a:endParaRPr lang="en-US" altLang="zh-CN" sz="4400" dirty="0"/>
           </a:p>
         </p:txBody>
       </p:sp>
@@ -8223,7 +8390,7 @@
         </p:nvCxnSpPr>
         <p:spPr>
           <a:xfrm>
-            <a:off x="584734" y="1164177"/>
+            <a:off x="584734" y="1657163"/>
             <a:ext cx="11367663" cy="0"/>
           </a:xfrm>
           <a:prstGeom prst="line">
@@ -8236,1192 +8403,6 @@
                 <a:lumOff val="50000"/>
               </a:schemeClr>
             </a:solidFill>
-          </a:ln>
-        </p:spPr>
-        <p:style>
-          <a:lnRef idx="1">
-            <a:schemeClr val="accent1"/>
-          </a:lnRef>
-          <a:fillRef idx="0">
-            <a:schemeClr val="accent1"/>
-          </a:fillRef>
-          <a:effectRef idx="0">
-            <a:schemeClr val="accent1"/>
-          </a:effectRef>
-          <a:fontRef idx="minor">
-            <a:schemeClr val="tx1"/>
-          </a:fontRef>
-        </p:style>
-      </p:cxnSp>
-      <p:sp>
-        <p:nvSpPr>
-          <p:cNvPr id="4" name="矩形 3"/>
-          <p:cNvSpPr/>
-          <p:nvPr/>
-        </p:nvSpPr>
-        <p:spPr>
-          <a:xfrm>
-            <a:off x="2325936" y="2511450"/>
-            <a:ext cx="9626461" cy="3744416"/>
-          </a:xfrm>
-          <a:prstGeom prst="rect">
-            <a:avLst/>
-          </a:prstGeom>
-          <a:solidFill>
-            <a:schemeClr val="accent2">
-              <a:lumMod val="20000"/>
-              <a:lumOff val="80000"/>
-              <a:alpha val="78000"/>
-            </a:schemeClr>
-          </a:solidFill>
-          <a:ln w="41275">
-            <a:solidFill>
-              <a:schemeClr val="bg2">
-                <a:lumMod val="50000"/>
-              </a:schemeClr>
-            </a:solidFill>
-            <a:prstDash val="dash"/>
-          </a:ln>
-        </p:spPr>
-        <p:style>
-          <a:lnRef idx="2">
-            <a:schemeClr val="accent1">
-              <a:shade val="50000"/>
-            </a:schemeClr>
-          </a:lnRef>
-          <a:fillRef idx="1">
-            <a:schemeClr val="accent1"/>
-          </a:fillRef>
-          <a:effectRef idx="0">
-            <a:schemeClr val="accent1"/>
-          </a:effectRef>
-          <a:fontRef idx="minor">
-            <a:schemeClr val="lt1"/>
-          </a:fontRef>
-        </p:style>
-        <p:txBody>
-          <a:bodyPr rtlCol="0" anchor="ctr"/>
-          <a:lstStyle/>
-          <a:p>
-            <a:pPr algn="ctr"/>
-            <a:endParaRPr lang="zh-CN" altLang="en-US" dirty="0"/>
-          </a:p>
-        </p:txBody>
-      </p:sp>
-      <p:sp>
-        <p:nvSpPr>
-          <p:cNvPr id="5" name="TextBox 4"/>
-          <p:cNvSpPr txBox="1"/>
-          <p:nvPr/>
-        </p:nvSpPr>
-        <p:spPr>
-          <a:xfrm>
-            <a:off x="10844400" y="2511450"/>
-            <a:ext cx="1107996" cy="461665"/>
-          </a:xfrm>
-          <a:prstGeom prst="rect">
-            <a:avLst/>
-          </a:prstGeom>
-          <a:noFill/>
-        </p:spPr>
-        <p:txBody>
-          <a:bodyPr wrap="none" rtlCol="0">
-            <a:spAutoFit/>
-          </a:bodyPr>
-          <a:lstStyle/>
-          <a:p>
-            <a:r>
-              <a:rPr lang="zh-CN" altLang="en-US" dirty="0">
-                <a:solidFill>
-                  <a:schemeClr val="accent1">
-                    <a:lumMod val="75000"/>
-                  </a:schemeClr>
-                </a:solidFill>
-                <a:latin typeface="黑体" panose="02010609060101010101" pitchFamily="49" charset="-122"/>
-                <a:ea typeface="黑体" panose="02010609060101010101" pitchFamily="49" charset="-122"/>
-              </a:rPr>
-              <a:t>公</a:t>
-            </a:r>
-            <a:r>
-              <a:rPr lang="zh-CN" altLang="en-US" dirty="0" smtClean="0">
-                <a:solidFill>
-                  <a:schemeClr val="accent1">
-                    <a:lumMod val="75000"/>
-                  </a:schemeClr>
-                </a:solidFill>
-                <a:latin typeface="黑体" panose="02010609060101010101" pitchFamily="49" charset="-122"/>
-                <a:ea typeface="黑体" panose="02010609060101010101" pitchFamily="49" charset="-122"/>
-              </a:rPr>
-              <a:t>有云</a:t>
-            </a:r>
-            <a:endParaRPr lang="zh-CN" altLang="en-US" dirty="0">
-              <a:solidFill>
-                <a:schemeClr val="accent1">
-                  <a:lumMod val="75000"/>
-                </a:schemeClr>
-              </a:solidFill>
-              <a:latin typeface="黑体" panose="02010609060101010101" pitchFamily="49" charset="-122"/>
-              <a:ea typeface="黑体" panose="02010609060101010101" pitchFamily="49" charset="-122"/>
-            </a:endParaRPr>
-          </a:p>
-        </p:txBody>
-      </p:sp>
-      <p:sp>
-        <p:nvSpPr>
-          <p:cNvPr id="8" name="矩形 7"/>
-          <p:cNvSpPr/>
-          <p:nvPr/>
-        </p:nvSpPr>
-        <p:spPr>
-          <a:xfrm>
-            <a:off x="2760066" y="2943498"/>
-            <a:ext cx="8640415" cy="3096344"/>
-          </a:xfrm>
-          <a:prstGeom prst="rect">
-            <a:avLst/>
-          </a:prstGeom>
-          <a:noFill/>
-          <a:ln>
-            <a:solidFill>
-              <a:schemeClr val="accent4"/>
-            </a:solidFill>
-            <a:prstDash val="sysDash"/>
-          </a:ln>
-        </p:spPr>
-        <p:style>
-          <a:lnRef idx="2">
-            <a:schemeClr val="accent1">
-              <a:shade val="50000"/>
-            </a:schemeClr>
-          </a:lnRef>
-          <a:fillRef idx="1">
-            <a:schemeClr val="accent1"/>
-          </a:fillRef>
-          <a:effectRef idx="0">
-            <a:schemeClr val="accent1"/>
-          </a:effectRef>
-          <a:fontRef idx="minor">
-            <a:schemeClr val="lt1"/>
-          </a:fontRef>
-        </p:style>
-        <p:txBody>
-          <a:bodyPr rtlCol="0" anchor="t"/>
-          <a:lstStyle/>
-          <a:p>
-            <a:r>
-              <a:rPr lang="en-US" altLang="zh-CN" dirty="0" err="1" smtClean="0">
-                <a:solidFill>
-                  <a:schemeClr val="accent1">
-                    <a:lumMod val="75000"/>
-                  </a:schemeClr>
-                </a:solidFill>
-              </a:rPr>
-              <a:t>Paas</a:t>
-            </a:r>
-            <a:r>
-              <a:rPr lang="zh-CN" altLang="en-US" dirty="0" smtClean="0">
-                <a:solidFill>
-                  <a:schemeClr val="accent1">
-                    <a:lumMod val="75000"/>
-                  </a:schemeClr>
-                </a:solidFill>
-              </a:rPr>
-              <a:t>平台</a:t>
-            </a:r>
-            <a:endParaRPr lang="en-US" altLang="zh-CN" dirty="0" smtClean="0">
-              <a:solidFill>
-                <a:schemeClr val="accent1">
-                  <a:lumMod val="75000"/>
-                </a:schemeClr>
-              </a:solidFill>
-            </a:endParaRPr>
-          </a:p>
-        </p:txBody>
-      </p:sp>
-      <p:sp>
-        <p:nvSpPr>
-          <p:cNvPr id="9" name="矩形 8"/>
-          <p:cNvSpPr/>
-          <p:nvPr/>
-        </p:nvSpPr>
-        <p:spPr>
-          <a:xfrm>
-            <a:off x="3120105" y="3417938"/>
-            <a:ext cx="5256585" cy="1728192"/>
-          </a:xfrm>
-          <a:prstGeom prst="rect">
-            <a:avLst/>
-          </a:prstGeom>
-          <a:solidFill>
-            <a:schemeClr val="bg2"/>
-          </a:solidFill>
-          <a:ln>
-            <a:solidFill>
-              <a:schemeClr val="accent1">
-                <a:lumMod val="50000"/>
-              </a:schemeClr>
-            </a:solidFill>
-            <a:prstDash val="dash"/>
-          </a:ln>
-        </p:spPr>
-        <p:style>
-          <a:lnRef idx="2">
-            <a:schemeClr val="accent1">
-              <a:shade val="50000"/>
-            </a:schemeClr>
-          </a:lnRef>
-          <a:fillRef idx="1">
-            <a:schemeClr val="accent1"/>
-          </a:fillRef>
-          <a:effectRef idx="0">
-            <a:schemeClr val="accent1"/>
-          </a:effectRef>
-          <a:fontRef idx="minor">
-            <a:schemeClr val="lt1"/>
-          </a:fontRef>
-        </p:style>
-        <p:txBody>
-          <a:bodyPr rtlCol="0" anchor="t"/>
-          <a:lstStyle/>
-          <a:p>
-            <a:pPr algn="ctr"/>
-            <a:r>
-              <a:rPr lang="zh-CN" altLang="en-US" dirty="0" smtClean="0">
-                <a:solidFill>
-                  <a:schemeClr val="accent1">
-                    <a:lumMod val="75000"/>
-                  </a:schemeClr>
-                </a:solidFill>
-              </a:rPr>
-              <a:t>服务</a:t>
-            </a:r>
-            <a:endParaRPr lang="zh-CN" altLang="en-US" dirty="0">
-              <a:solidFill>
-                <a:schemeClr val="accent1">
-                  <a:lumMod val="75000"/>
-                </a:schemeClr>
-              </a:solidFill>
-            </a:endParaRPr>
-          </a:p>
-        </p:txBody>
-      </p:sp>
-      <p:sp>
-        <p:nvSpPr>
-          <p:cNvPr id="10" name="矩形 9"/>
-          <p:cNvSpPr/>
-          <p:nvPr/>
-        </p:nvSpPr>
-        <p:spPr>
-          <a:xfrm>
-            <a:off x="3336131" y="4022808"/>
-            <a:ext cx="288032" cy="864096"/>
-          </a:xfrm>
-          <a:prstGeom prst="rect">
-            <a:avLst/>
-          </a:prstGeom>
-          <a:solidFill>
-            <a:schemeClr val="accent3">
-              <a:lumMod val="40000"/>
-              <a:lumOff val="60000"/>
-            </a:schemeClr>
-          </a:solidFill>
-          <a:ln>
-            <a:noFill/>
-          </a:ln>
-        </p:spPr>
-        <p:style>
-          <a:lnRef idx="2">
-            <a:schemeClr val="accent1">
-              <a:shade val="50000"/>
-            </a:schemeClr>
-          </a:lnRef>
-          <a:fillRef idx="1">
-            <a:schemeClr val="accent1"/>
-          </a:fillRef>
-          <a:effectRef idx="0">
-            <a:schemeClr val="accent1"/>
-          </a:effectRef>
-          <a:fontRef idx="minor">
-            <a:schemeClr val="lt1"/>
-          </a:fontRef>
-        </p:style>
-        <p:txBody>
-          <a:bodyPr rtlCol="0" anchor="ctr"/>
-          <a:lstStyle/>
-          <a:p>
-            <a:pPr algn="ctr"/>
-            <a:endParaRPr lang="zh-CN" altLang="en-US"/>
-          </a:p>
-        </p:txBody>
-      </p:sp>
-      <p:sp>
-        <p:nvSpPr>
-          <p:cNvPr id="18" name="矩形 17"/>
-          <p:cNvSpPr/>
-          <p:nvPr/>
-        </p:nvSpPr>
-        <p:spPr>
-          <a:xfrm>
-            <a:off x="4488259" y="4022808"/>
-            <a:ext cx="1512167" cy="864096"/>
-          </a:xfrm>
-          <a:prstGeom prst="rect">
-            <a:avLst/>
-          </a:prstGeom>
-          <a:solidFill>
-            <a:schemeClr val="accent6">
-              <a:lumMod val="40000"/>
-              <a:lumOff val="60000"/>
-            </a:schemeClr>
-          </a:solidFill>
-          <a:ln>
-            <a:noFill/>
-          </a:ln>
-        </p:spPr>
-        <p:style>
-          <a:lnRef idx="2">
-            <a:schemeClr val="accent1">
-              <a:shade val="50000"/>
-            </a:schemeClr>
-          </a:lnRef>
-          <a:fillRef idx="1">
-            <a:schemeClr val="accent1"/>
-          </a:fillRef>
-          <a:effectRef idx="0">
-            <a:schemeClr val="accent1"/>
-          </a:effectRef>
-          <a:fontRef idx="minor">
-            <a:schemeClr val="lt1"/>
-          </a:fontRef>
-        </p:style>
-        <p:txBody>
-          <a:bodyPr rtlCol="0" anchor="ctr"/>
-          <a:lstStyle/>
-          <a:p>
-            <a:pPr algn="ctr"/>
-            <a:r>
-              <a:rPr lang="en-US" altLang="zh-CN" dirty="0" smtClean="0">
-                <a:solidFill>
-                  <a:schemeClr val="accent1">
-                    <a:lumMod val="75000"/>
-                  </a:schemeClr>
-                </a:solidFill>
-              </a:rPr>
-              <a:t>SAAS</a:t>
-            </a:r>
-            <a:endParaRPr lang="zh-CN" altLang="en-US" dirty="0">
-              <a:solidFill>
-                <a:schemeClr val="accent1">
-                  <a:lumMod val="75000"/>
-                </a:schemeClr>
-              </a:solidFill>
-            </a:endParaRPr>
-          </a:p>
-        </p:txBody>
-      </p:sp>
-      <p:sp>
-        <p:nvSpPr>
-          <p:cNvPr id="19" name="矩形 18"/>
-          <p:cNvSpPr/>
-          <p:nvPr/>
-        </p:nvSpPr>
-        <p:spPr>
-          <a:xfrm>
-            <a:off x="4056211" y="4022808"/>
-            <a:ext cx="288032" cy="864096"/>
-          </a:xfrm>
-          <a:prstGeom prst="rect">
-            <a:avLst/>
-          </a:prstGeom>
-          <a:solidFill>
-            <a:schemeClr val="accent3">
-              <a:lumMod val="40000"/>
-              <a:lumOff val="60000"/>
-            </a:schemeClr>
-          </a:solidFill>
-          <a:ln>
-            <a:noFill/>
-          </a:ln>
-        </p:spPr>
-        <p:style>
-          <a:lnRef idx="2">
-            <a:schemeClr val="accent1">
-              <a:shade val="50000"/>
-            </a:schemeClr>
-          </a:lnRef>
-          <a:fillRef idx="1">
-            <a:schemeClr val="accent1"/>
-          </a:fillRef>
-          <a:effectRef idx="0">
-            <a:schemeClr val="accent1"/>
-          </a:effectRef>
-          <a:fontRef idx="minor">
-            <a:schemeClr val="lt1"/>
-          </a:fontRef>
-        </p:style>
-        <p:txBody>
-          <a:bodyPr rtlCol="0" anchor="ctr"/>
-          <a:lstStyle/>
-          <a:p>
-            <a:pPr algn="ctr"/>
-            <a:endParaRPr lang="zh-CN" altLang="en-US"/>
-          </a:p>
-        </p:txBody>
-      </p:sp>
-      <p:sp>
-        <p:nvSpPr>
-          <p:cNvPr id="20" name="矩形 19"/>
-          <p:cNvSpPr/>
-          <p:nvPr/>
-        </p:nvSpPr>
-        <p:spPr>
-          <a:xfrm>
-            <a:off x="3696171" y="4022808"/>
-            <a:ext cx="288032" cy="864096"/>
-          </a:xfrm>
-          <a:prstGeom prst="rect">
-            <a:avLst/>
-          </a:prstGeom>
-          <a:solidFill>
-            <a:schemeClr val="accent3">
-              <a:lumMod val="40000"/>
-              <a:lumOff val="60000"/>
-            </a:schemeClr>
-          </a:solidFill>
-          <a:ln>
-            <a:noFill/>
-          </a:ln>
-        </p:spPr>
-        <p:style>
-          <a:lnRef idx="2">
-            <a:schemeClr val="accent1">
-              <a:shade val="50000"/>
-            </a:schemeClr>
-          </a:lnRef>
-          <a:fillRef idx="1">
-            <a:schemeClr val="accent1"/>
-          </a:fillRef>
-          <a:effectRef idx="0">
-            <a:schemeClr val="accent1"/>
-          </a:effectRef>
-          <a:fontRef idx="minor">
-            <a:schemeClr val="lt1"/>
-          </a:fontRef>
-        </p:style>
-        <p:txBody>
-          <a:bodyPr rtlCol="0" anchor="ctr"/>
-          <a:lstStyle/>
-          <a:p>
-            <a:pPr algn="ctr"/>
-            <a:endParaRPr lang="zh-CN" altLang="en-US"/>
-          </a:p>
-        </p:txBody>
-      </p:sp>
-      <p:sp>
-        <p:nvSpPr>
-          <p:cNvPr id="16" name="矩形 15"/>
-          <p:cNvSpPr/>
-          <p:nvPr/>
-        </p:nvSpPr>
-        <p:spPr>
-          <a:xfrm>
-            <a:off x="6311074" y="4024718"/>
-            <a:ext cx="1847510" cy="935294"/>
-          </a:xfrm>
-          <a:prstGeom prst="rect">
-            <a:avLst/>
-          </a:prstGeom>
-          <a:solidFill>
-            <a:srgbClr val="92D050"/>
-          </a:solidFill>
-          <a:ln>
-            <a:noFill/>
-          </a:ln>
-        </p:spPr>
-        <p:style>
-          <a:lnRef idx="2">
-            <a:schemeClr val="accent1">
-              <a:shade val="50000"/>
-            </a:schemeClr>
-          </a:lnRef>
-          <a:fillRef idx="1">
-            <a:schemeClr val="accent1"/>
-          </a:fillRef>
-          <a:effectRef idx="0">
-            <a:schemeClr val="accent1"/>
-          </a:effectRef>
-          <a:fontRef idx="minor">
-            <a:schemeClr val="lt1"/>
-          </a:fontRef>
-        </p:style>
-        <p:txBody>
-          <a:bodyPr rtlCol="0" anchor="ctr"/>
-          <a:lstStyle/>
-          <a:p>
-            <a:pPr algn="ctr"/>
-            <a:r>
-              <a:rPr lang="en-US" altLang="zh-CN" dirty="0" err="1" smtClean="0"/>
-              <a:t>Dcjet</a:t>
-            </a:r>
-            <a:r>
-              <a:rPr lang="en-US" altLang="zh-CN" dirty="0" smtClean="0"/>
-              <a:t> APIs</a:t>
-            </a:r>
-            <a:endParaRPr lang="zh-CN" altLang="en-US" dirty="0"/>
-          </a:p>
-        </p:txBody>
-      </p:sp>
-      <p:sp>
-        <p:nvSpPr>
-          <p:cNvPr id="21" name="矩形 20"/>
-          <p:cNvSpPr/>
-          <p:nvPr/>
-        </p:nvSpPr>
-        <p:spPr>
-          <a:xfrm>
-            <a:off x="3118024" y="5391770"/>
-            <a:ext cx="5258667" cy="504056"/>
-          </a:xfrm>
-          <a:prstGeom prst="rect">
-            <a:avLst/>
-          </a:prstGeom>
-          <a:solidFill>
-            <a:schemeClr val="accent5">
-              <a:lumMod val="40000"/>
-              <a:lumOff val="60000"/>
-            </a:schemeClr>
-          </a:solidFill>
-          <a:ln>
-            <a:noFill/>
-          </a:ln>
-        </p:spPr>
-        <p:style>
-          <a:lnRef idx="2">
-            <a:schemeClr val="accent1">
-              <a:shade val="50000"/>
-            </a:schemeClr>
-          </a:lnRef>
-          <a:fillRef idx="1">
-            <a:schemeClr val="accent1"/>
-          </a:fillRef>
-          <a:effectRef idx="0">
-            <a:schemeClr val="accent1"/>
-          </a:effectRef>
-          <a:fontRef idx="minor">
-            <a:schemeClr val="lt1"/>
-          </a:fontRef>
-        </p:style>
-        <p:txBody>
-          <a:bodyPr rtlCol="0" anchor="ctr"/>
-          <a:lstStyle/>
-          <a:p>
-            <a:pPr algn="ctr"/>
-            <a:r>
-              <a:rPr lang="zh-CN" altLang="en-US" dirty="0" smtClean="0">
-                <a:solidFill>
-                  <a:schemeClr val="accent1">
-                    <a:lumMod val="75000"/>
-                  </a:schemeClr>
-                </a:solidFill>
-              </a:rPr>
-              <a:t>管控中心</a:t>
-            </a:r>
-            <a:endParaRPr lang="zh-CN" altLang="en-US" dirty="0">
-              <a:solidFill>
-                <a:schemeClr val="accent1">
-                  <a:lumMod val="75000"/>
-                </a:schemeClr>
-              </a:solidFill>
-            </a:endParaRPr>
-          </a:p>
-        </p:txBody>
-      </p:sp>
-      <p:sp>
-        <p:nvSpPr>
-          <p:cNvPr id="22" name="矩形 21"/>
-          <p:cNvSpPr/>
-          <p:nvPr/>
-        </p:nvSpPr>
-        <p:spPr>
-          <a:xfrm>
-            <a:off x="8822961" y="3406876"/>
-            <a:ext cx="2232248" cy="2477888"/>
-          </a:xfrm>
-          <a:prstGeom prst="rect">
-            <a:avLst/>
-          </a:prstGeom>
-          <a:solidFill>
-            <a:schemeClr val="bg1">
-              <a:lumMod val="85000"/>
-            </a:schemeClr>
-          </a:solidFill>
-          <a:ln>
-            <a:noFill/>
-          </a:ln>
-        </p:spPr>
-        <p:style>
-          <a:lnRef idx="2">
-            <a:schemeClr val="accent1">
-              <a:shade val="50000"/>
-            </a:schemeClr>
-          </a:lnRef>
-          <a:fillRef idx="1">
-            <a:schemeClr val="accent1"/>
-          </a:fillRef>
-          <a:effectRef idx="0">
-            <a:schemeClr val="accent1"/>
-          </a:effectRef>
-          <a:fontRef idx="minor">
-            <a:schemeClr val="lt1"/>
-          </a:fontRef>
-        </p:style>
-        <p:txBody>
-          <a:bodyPr rtlCol="0" anchor="ctr"/>
-          <a:lstStyle/>
-          <a:p>
-            <a:pPr algn="ctr"/>
-            <a:r>
-              <a:rPr lang="zh-CN" altLang="en-US" dirty="0" smtClean="0">
-                <a:solidFill>
-                  <a:schemeClr val="accent1">
-                    <a:lumMod val="75000"/>
-                  </a:schemeClr>
-                </a:solidFill>
-              </a:rPr>
-              <a:t>数据中心</a:t>
-            </a:r>
-            <a:endParaRPr lang="en-US" altLang="zh-CN" dirty="0" smtClean="0">
-              <a:solidFill>
-                <a:schemeClr val="accent1">
-                  <a:lumMod val="75000"/>
-                </a:schemeClr>
-              </a:solidFill>
-            </a:endParaRPr>
-          </a:p>
-          <a:p>
-            <a:pPr algn="ctr"/>
-            <a:r>
-              <a:rPr lang="zh-CN" altLang="en-US" dirty="0" smtClean="0">
-                <a:solidFill>
-                  <a:schemeClr val="accent1">
-                    <a:lumMod val="75000"/>
-                  </a:schemeClr>
-                </a:solidFill>
-              </a:rPr>
-              <a:t>数据仓库</a:t>
-            </a:r>
-            <a:endParaRPr lang="zh-CN" altLang="en-US" dirty="0">
-              <a:solidFill>
-                <a:schemeClr val="accent1">
-                  <a:lumMod val="75000"/>
-                </a:schemeClr>
-              </a:solidFill>
-            </a:endParaRPr>
-          </a:p>
-        </p:txBody>
-      </p:sp>
-      <p:sp>
-        <p:nvSpPr>
-          <p:cNvPr id="23" name="矩形 22"/>
-          <p:cNvSpPr/>
-          <p:nvPr/>
-        </p:nvSpPr>
-        <p:spPr>
-          <a:xfrm>
-            <a:off x="8732440" y="1359322"/>
-            <a:ext cx="2665958" cy="792088"/>
-          </a:xfrm>
-          <a:prstGeom prst="rect">
-            <a:avLst/>
-          </a:prstGeom>
-        </p:spPr>
-        <p:style>
-          <a:lnRef idx="2">
-            <a:schemeClr val="accent1">
-              <a:shade val="50000"/>
-            </a:schemeClr>
-          </a:lnRef>
-          <a:fillRef idx="1">
-            <a:schemeClr val="accent1"/>
-          </a:fillRef>
-          <a:effectRef idx="0">
-            <a:schemeClr val="accent1"/>
-          </a:effectRef>
-          <a:fontRef idx="minor">
-            <a:schemeClr val="lt1"/>
-          </a:fontRef>
-        </p:style>
-        <p:txBody>
-          <a:bodyPr rtlCol="0" anchor="ctr"/>
-          <a:lstStyle/>
-          <a:p>
-            <a:pPr algn="ctr"/>
-            <a:r>
-              <a:rPr lang="zh-CN" altLang="en-US" dirty="0" smtClean="0"/>
-              <a:t>海关、</a:t>
-            </a:r>
-            <a:r>
-              <a:rPr lang="en-US" altLang="zh-CN" dirty="0" smtClean="0"/>
-              <a:t>H2k</a:t>
-            </a:r>
-            <a:r>
-              <a:rPr lang="zh-CN" altLang="en-US" dirty="0" smtClean="0"/>
-              <a:t>数据</a:t>
-            </a:r>
-            <a:endParaRPr lang="zh-CN" altLang="en-US" dirty="0"/>
-          </a:p>
-        </p:txBody>
-      </p:sp>
-      <p:cxnSp>
-        <p:nvCxnSpPr>
-          <p:cNvPr id="25" name="直接箭头连接符 24"/>
-          <p:cNvCxnSpPr>
-            <a:stCxn id="23" idx="2"/>
-          </p:cNvCxnSpPr>
-          <p:nvPr/>
-        </p:nvCxnSpPr>
-        <p:spPr>
-          <a:xfrm>
-            <a:off x="10065419" y="2151410"/>
-            <a:ext cx="0" cy="1260000"/>
-          </a:xfrm>
-          <a:prstGeom prst="straightConnector1">
-            <a:avLst/>
-          </a:prstGeom>
-          <a:ln w="38100">
-            <a:prstDash val="dash"/>
-            <a:headEnd type="none"/>
-            <a:tailEnd type="triangle"/>
-          </a:ln>
-        </p:spPr>
-        <p:style>
-          <a:lnRef idx="1">
-            <a:schemeClr val="accent1"/>
-          </a:lnRef>
-          <a:fillRef idx="0">
-            <a:schemeClr val="accent1"/>
-          </a:fillRef>
-          <a:effectRef idx="0">
-            <a:schemeClr val="accent1"/>
-          </a:effectRef>
-          <a:fontRef idx="minor">
-            <a:schemeClr val="tx1"/>
-          </a:fontRef>
-        </p:style>
-      </p:cxnSp>
-      <p:cxnSp>
-        <p:nvCxnSpPr>
-          <p:cNvPr id="28" name="直接箭头连接符 27"/>
-          <p:cNvCxnSpPr/>
-          <p:nvPr/>
-        </p:nvCxnSpPr>
-        <p:spPr>
-          <a:xfrm>
-            <a:off x="8376690" y="4024718"/>
-            <a:ext cx="446271" cy="0"/>
-          </a:xfrm>
-          <a:prstGeom prst="straightConnector1">
-            <a:avLst/>
-          </a:prstGeom>
-          <a:ln>
-            <a:tailEnd type="arrow"/>
-          </a:ln>
-        </p:spPr>
-        <p:style>
-          <a:lnRef idx="1">
-            <a:schemeClr val="accent1"/>
-          </a:lnRef>
-          <a:fillRef idx="0">
-            <a:schemeClr val="accent1"/>
-          </a:fillRef>
-          <a:effectRef idx="0">
-            <a:schemeClr val="accent1"/>
-          </a:effectRef>
-          <a:fontRef idx="minor">
-            <a:schemeClr val="tx1"/>
-          </a:fontRef>
-        </p:style>
-      </p:cxnSp>
-      <p:cxnSp>
-        <p:nvCxnSpPr>
-          <p:cNvPr id="31" name="直接箭头连接符 30"/>
-          <p:cNvCxnSpPr>
-            <a:stCxn id="22" idx="1"/>
-          </p:cNvCxnSpPr>
-          <p:nvPr/>
-        </p:nvCxnSpPr>
-        <p:spPr>
-          <a:xfrm flipH="1">
-            <a:off x="8376691" y="4645820"/>
-            <a:ext cx="446270" cy="0"/>
-          </a:xfrm>
-          <a:prstGeom prst="straightConnector1">
-            <a:avLst/>
-          </a:prstGeom>
-          <a:ln>
-            <a:tailEnd type="arrow"/>
-          </a:ln>
-        </p:spPr>
-        <p:style>
-          <a:lnRef idx="1">
-            <a:schemeClr val="accent1"/>
-          </a:lnRef>
-          <a:fillRef idx="0">
-            <a:schemeClr val="accent1"/>
-          </a:fillRef>
-          <a:effectRef idx="0">
-            <a:schemeClr val="accent1"/>
-          </a:effectRef>
-          <a:fontRef idx="minor">
-            <a:schemeClr val="tx1"/>
-          </a:fontRef>
-        </p:style>
-      </p:cxnSp>
-      <p:cxnSp>
-        <p:nvCxnSpPr>
-          <p:cNvPr id="34" name="直接箭头连接符 33"/>
-          <p:cNvCxnSpPr>
-            <a:stCxn id="18" idx="0"/>
-          </p:cNvCxnSpPr>
-          <p:nvPr/>
-        </p:nvCxnSpPr>
-        <p:spPr>
-          <a:xfrm flipV="1">
-            <a:off x="5244343" y="1837708"/>
-            <a:ext cx="0" cy="2185100"/>
-          </a:xfrm>
-          <a:prstGeom prst="straightConnector1">
-            <a:avLst/>
-          </a:prstGeom>
-          <a:ln>
-            <a:tailEnd type="arrow"/>
-          </a:ln>
-        </p:spPr>
-        <p:style>
-          <a:lnRef idx="1">
-            <a:schemeClr val="accent1"/>
-          </a:lnRef>
-          <a:fillRef idx="0">
-            <a:schemeClr val="accent1"/>
-          </a:fillRef>
-          <a:effectRef idx="0">
-            <a:schemeClr val="accent1"/>
-          </a:effectRef>
-          <a:fontRef idx="minor">
-            <a:schemeClr val="tx1"/>
-          </a:fontRef>
-        </p:style>
-      </p:cxnSp>
-      <p:sp>
-        <p:nvSpPr>
-          <p:cNvPr id="36" name="TextBox 35"/>
-          <p:cNvSpPr txBox="1"/>
-          <p:nvPr/>
-        </p:nvSpPr>
-        <p:spPr>
-          <a:xfrm>
-            <a:off x="4056211" y="1325267"/>
-            <a:ext cx="2031325" cy="461665"/>
-          </a:xfrm>
-          <a:prstGeom prst="rect">
-            <a:avLst/>
-          </a:prstGeom>
-          <a:noFill/>
-        </p:spPr>
-        <p:txBody>
-          <a:bodyPr wrap="none" rtlCol="0">
-            <a:spAutoFit/>
-          </a:bodyPr>
-          <a:lstStyle/>
-          <a:p>
-            <a:r>
-              <a:rPr lang="zh-CN" altLang="en-US" dirty="0" smtClean="0"/>
-              <a:t>外部用户使用</a:t>
-            </a:r>
-            <a:endParaRPr lang="zh-CN" altLang="en-US" dirty="0"/>
-          </a:p>
-        </p:txBody>
-      </p:sp>
-      <p:sp>
-        <p:nvSpPr>
-          <p:cNvPr id="37" name="矩形 36"/>
-          <p:cNvSpPr/>
-          <p:nvPr/>
-        </p:nvSpPr>
-        <p:spPr>
-          <a:xfrm>
-            <a:off x="8822961" y="6687914"/>
-            <a:ext cx="2577520" cy="1440160"/>
-          </a:xfrm>
-          <a:prstGeom prst="rect">
-            <a:avLst/>
-          </a:prstGeom>
-        </p:spPr>
-        <p:style>
-          <a:lnRef idx="2">
-            <a:schemeClr val="accent1">
-              <a:shade val="50000"/>
-            </a:schemeClr>
-          </a:lnRef>
-          <a:fillRef idx="1">
-            <a:schemeClr val="accent1"/>
-          </a:fillRef>
-          <a:effectRef idx="0">
-            <a:schemeClr val="accent1"/>
-          </a:effectRef>
-          <a:fontRef idx="minor">
-            <a:schemeClr val="lt1"/>
-          </a:fontRef>
-        </p:style>
-        <p:txBody>
-          <a:bodyPr rtlCol="0" anchor="ctr"/>
-          <a:lstStyle/>
-          <a:p>
-            <a:pPr algn="ctr"/>
-            <a:r>
-              <a:rPr lang="zh-CN" altLang="en-US" dirty="0" smtClean="0"/>
-              <a:t>海关内部系统</a:t>
-            </a:r>
-            <a:endParaRPr lang="zh-CN" altLang="en-US" dirty="0"/>
-          </a:p>
-        </p:txBody>
-      </p:sp>
-      <p:cxnSp>
-        <p:nvCxnSpPr>
-          <p:cNvPr id="39" name="直接箭头连接符 38"/>
-          <p:cNvCxnSpPr>
-            <a:stCxn id="22" idx="2"/>
-          </p:cNvCxnSpPr>
-          <p:nvPr/>
-        </p:nvCxnSpPr>
-        <p:spPr>
-          <a:xfrm>
-            <a:off x="9939085" y="5884764"/>
-            <a:ext cx="0" cy="803150"/>
-          </a:xfrm>
-          <a:prstGeom prst="straightConnector1">
-            <a:avLst/>
-          </a:prstGeom>
-          <a:ln>
-            <a:headEnd type="arrow"/>
-            <a:tailEnd type="arrow"/>
-          </a:ln>
-        </p:spPr>
-        <p:style>
-          <a:lnRef idx="1">
-            <a:schemeClr val="accent1"/>
-          </a:lnRef>
-          <a:fillRef idx="0">
-            <a:schemeClr val="accent1"/>
-          </a:fillRef>
-          <a:effectRef idx="0">
-            <a:schemeClr val="accent1"/>
-          </a:effectRef>
-          <a:fontRef idx="minor">
-            <a:schemeClr val="tx1"/>
-          </a:fontRef>
-        </p:style>
-      </p:cxnSp>
-      <p:sp>
-        <p:nvSpPr>
-          <p:cNvPr id="41" name="矩形 40"/>
-          <p:cNvSpPr/>
-          <p:nvPr/>
-        </p:nvSpPr>
-        <p:spPr>
-          <a:xfrm>
-            <a:off x="3971853" y="6687915"/>
-            <a:ext cx="3551008" cy="1455900"/>
-          </a:xfrm>
-          <a:prstGeom prst="rect">
-            <a:avLst/>
-          </a:prstGeom>
-        </p:spPr>
-        <p:style>
-          <a:lnRef idx="2">
-            <a:schemeClr val="accent1">
-              <a:shade val="50000"/>
-            </a:schemeClr>
-          </a:lnRef>
-          <a:fillRef idx="1">
-            <a:schemeClr val="accent1"/>
-          </a:fillRef>
-          <a:effectRef idx="0">
-            <a:schemeClr val="accent1"/>
-          </a:effectRef>
-          <a:fontRef idx="minor">
-            <a:schemeClr val="lt1"/>
-          </a:fontRef>
-        </p:style>
-        <p:txBody>
-          <a:bodyPr rtlCol="0" anchor="ctr"/>
-          <a:lstStyle/>
-          <a:p>
-            <a:pPr algn="ctr"/>
-            <a:r>
-              <a:rPr lang="zh-CN" altLang="en-US" dirty="0" smtClean="0"/>
-              <a:t>运维及内部管理</a:t>
-            </a:r>
-            <a:endParaRPr lang="zh-CN" altLang="en-US" dirty="0"/>
-          </a:p>
-        </p:txBody>
-      </p:sp>
-      <p:cxnSp>
-        <p:nvCxnSpPr>
-          <p:cNvPr id="43" name="直接箭头连接符 42"/>
-          <p:cNvCxnSpPr>
-            <a:stCxn id="41" idx="0"/>
-          </p:cNvCxnSpPr>
-          <p:nvPr/>
-        </p:nvCxnSpPr>
-        <p:spPr>
-          <a:xfrm flipV="1">
-            <a:off x="5747357" y="6039843"/>
-            <a:ext cx="0" cy="648072"/>
-          </a:xfrm>
-          <a:prstGeom prst="straightConnector1">
-            <a:avLst/>
-          </a:prstGeom>
-          <a:ln>
-            <a:headEnd type="arrow"/>
-            <a:tailEnd type="arrow"/>
-          </a:ln>
-        </p:spPr>
-        <p:style>
-          <a:lnRef idx="1">
-            <a:schemeClr val="accent1"/>
-          </a:lnRef>
-          <a:fillRef idx="0">
-            <a:schemeClr val="accent1"/>
-          </a:fillRef>
-          <a:effectRef idx="0">
-            <a:schemeClr val="accent1"/>
-          </a:effectRef>
-          <a:fontRef idx="minor">
-            <a:schemeClr val="tx1"/>
-          </a:fontRef>
-        </p:style>
-      </p:cxnSp>
-      <p:sp>
-        <p:nvSpPr>
-          <p:cNvPr id="49" name="TextBox 48"/>
-          <p:cNvSpPr txBox="1"/>
-          <p:nvPr/>
-        </p:nvSpPr>
-        <p:spPr>
-          <a:xfrm>
-            <a:off x="6574408" y="1556099"/>
-            <a:ext cx="2031325" cy="461665"/>
-          </a:xfrm>
-          <a:prstGeom prst="rect">
-            <a:avLst/>
-          </a:prstGeom>
-          <a:noFill/>
-        </p:spPr>
-        <p:txBody>
-          <a:bodyPr wrap="none" rtlCol="0">
-            <a:spAutoFit/>
-          </a:bodyPr>
-          <a:lstStyle/>
-          <a:p>
-            <a:r>
-              <a:rPr lang="zh-CN" altLang="en-US" dirty="0" smtClean="0"/>
-              <a:t>外部系统调用</a:t>
-            </a:r>
-            <a:endParaRPr lang="zh-CN" altLang="en-US" dirty="0"/>
-          </a:p>
-        </p:txBody>
-      </p:sp>
-      <p:cxnSp>
-        <p:nvCxnSpPr>
-          <p:cNvPr id="51" name="直接箭头连接符 50"/>
-          <p:cNvCxnSpPr>
-            <a:stCxn id="16" idx="0"/>
-          </p:cNvCxnSpPr>
-          <p:nvPr/>
-        </p:nvCxnSpPr>
-        <p:spPr>
-          <a:xfrm flipV="1">
-            <a:off x="7234829" y="2017764"/>
-            <a:ext cx="0" cy="2006954"/>
-          </a:xfrm>
-          <a:prstGeom prst="straightConnector1">
-            <a:avLst/>
-          </a:prstGeom>
-          <a:ln>
-            <a:tailEnd type="arrow"/>
-          </a:ln>
-        </p:spPr>
-        <p:style>
-          <a:lnRef idx="1">
-            <a:schemeClr val="accent1"/>
-          </a:lnRef>
-          <a:fillRef idx="0">
-            <a:schemeClr val="accent1"/>
-          </a:fillRef>
-          <a:effectRef idx="0">
-            <a:schemeClr val="accent1"/>
-          </a:effectRef>
-          <a:fontRef idx="minor">
-            <a:schemeClr val="tx1"/>
-          </a:fontRef>
-        </p:style>
-      </p:cxnSp>
-      <p:sp>
-        <p:nvSpPr>
-          <p:cNvPr id="53" name="TextBox 52"/>
-          <p:cNvSpPr txBox="1"/>
-          <p:nvPr/>
-        </p:nvSpPr>
-        <p:spPr>
-          <a:xfrm>
-            <a:off x="584734" y="4167634"/>
-            <a:ext cx="1107996" cy="830997"/>
-          </a:xfrm>
-          <a:prstGeom prst="rect">
-            <a:avLst/>
-          </a:prstGeom>
-          <a:noFill/>
-        </p:spPr>
-        <p:txBody>
-          <a:bodyPr wrap="none" rtlCol="0">
-            <a:spAutoFit/>
-          </a:bodyPr>
-          <a:lstStyle/>
-          <a:p>
-            <a:r>
-              <a:rPr lang="zh-CN" altLang="en-US" dirty="0" smtClean="0"/>
-              <a:t>企业租</a:t>
-            </a:r>
-            <a:endParaRPr lang="en-US" altLang="zh-CN" dirty="0" smtClean="0"/>
-          </a:p>
-          <a:p>
-            <a:r>
-              <a:rPr lang="zh-CN" altLang="en-US" dirty="0" smtClean="0"/>
-              <a:t>户使用</a:t>
-            </a:r>
-            <a:endParaRPr lang="zh-CN" altLang="en-US" dirty="0"/>
-          </a:p>
-        </p:txBody>
-      </p:sp>
-      <p:cxnSp>
-        <p:nvCxnSpPr>
-          <p:cNvPr id="55" name="直接箭头连接符 54"/>
-          <p:cNvCxnSpPr>
-            <a:stCxn id="10" idx="1"/>
-          </p:cNvCxnSpPr>
-          <p:nvPr/>
-        </p:nvCxnSpPr>
-        <p:spPr>
-          <a:xfrm flipH="1">
-            <a:off x="1692730" y="4454856"/>
-            <a:ext cx="1643401" cy="0"/>
-          </a:xfrm>
-          <a:prstGeom prst="straightConnector1">
-            <a:avLst/>
-          </a:prstGeom>
-          <a:ln>
-            <a:tailEnd type="arrow"/>
           </a:ln>
         </p:spPr>
         <p:style>
@@ -9442,7 +8423,7 @@
     </p:spTree>
     <p:extLst>
       <p:ext uri="{BB962C8B-B14F-4D97-AF65-F5344CB8AC3E}">
-        <p14:creationId xmlns:p14="http://schemas.microsoft.com/office/powerpoint/2010/main" val="1558562998"/>
+        <p14:creationId xmlns:p14="http://schemas.microsoft.com/office/powerpoint/2010/main" val="2134340977"/>
       </p:ext>
     </p:extLst>
   </p:cSld>
@@ -9516,7 +8497,7 @@
                         <p:par>
                           <p:cTn id="8" fill="hold">
                             <p:stCondLst>
-                              <p:cond delay="650"/>
+                              <p:cond delay="750"/>
                             </p:stCondLst>
                             <p:childTnLst>
                               <p:par>
@@ -9613,7 +8594,7 @@
         </p:nvSpPr>
         <p:spPr>
           <a:xfrm>
-            <a:off x="885776" y="-13911"/>
+            <a:off x="885776" y="279202"/>
             <a:ext cx="15989242" cy="801897"/>
           </a:xfrm>
           <a:prstGeom prst="rect">
@@ -9635,18 +8616,15 @@
                 <a:latin typeface="黑体" panose="02010609060101010101" pitchFamily="49" charset="-122"/>
                 <a:ea typeface="黑体" panose="02010609060101010101" pitchFamily="49" charset="-122"/>
               </a:rPr>
-              <a:t>解决方案架构</a:t>
-            </a:r>
-            <a:r>
-              <a:rPr lang="zh-CN" altLang="en-US" sz="4400" dirty="0">
-                <a:solidFill>
-                  <a:srgbClr val="0070C0"/>
-                </a:solidFill>
-                <a:latin typeface="黑体" panose="02010609060101010101" pitchFamily="49" charset="-122"/>
-                <a:ea typeface="黑体" panose="02010609060101010101" pitchFamily="49" charset="-122"/>
-              </a:rPr>
-              <a:t>总体</a:t>
-            </a:r>
+              <a:t>总的应用架构愿景</a:t>
+            </a:r>
+            <a:endParaRPr lang="zh-CN" altLang="en-US" sz="4400" dirty="0">
+              <a:solidFill>
+                <a:srgbClr val="0070C0"/>
+              </a:solidFill>
+              <a:latin typeface="黑体" panose="02010609060101010101" pitchFamily="49" charset="-122"/>
+              <a:ea typeface="黑体" panose="02010609060101010101" pitchFamily="49" charset="-122"/>
+            </a:endParaRPr>
           </a:p>
         </p:txBody>
       </p:sp>
@@ -9658,7 +8636,7 @@
         </p:nvCxnSpPr>
         <p:spPr>
           <a:xfrm>
-            <a:off x="584734" y="787986"/>
+            <a:off x="584734" y="1164177"/>
             <a:ext cx="11367663" cy="0"/>
           </a:xfrm>
           <a:prstGeom prst="line">
@@ -9690,18 +8668,33 @@
       </p:cxnSp>
       <p:sp>
         <p:nvSpPr>
-          <p:cNvPr id="2" name="矩形 1"/>
+          <p:cNvPr id="4" name="矩形 3"/>
           <p:cNvSpPr/>
           <p:nvPr/>
         </p:nvSpPr>
         <p:spPr>
           <a:xfrm>
-            <a:off x="1461840" y="1719362"/>
-            <a:ext cx="8928992" cy="5544616"/>
+            <a:off x="2325936" y="2511450"/>
+            <a:ext cx="9626461" cy="3744416"/>
           </a:xfrm>
           <a:prstGeom prst="rect">
             <a:avLst/>
           </a:prstGeom>
+          <a:solidFill>
+            <a:schemeClr val="accent2">
+              <a:lumMod val="20000"/>
+              <a:lumOff val="80000"/>
+              <a:alpha val="78000"/>
+            </a:schemeClr>
+          </a:solidFill>
+          <a:ln w="41275">
+            <a:solidFill>
+              <a:schemeClr val="bg2">
+                <a:lumMod val="50000"/>
+              </a:schemeClr>
+            </a:solidFill>
+            <a:prstDash val="dash"/>
+          </a:ln>
         </p:spPr>
         <p:style>
           <a:lnRef idx="2">
@@ -9724,24 +8717,89 @@
           <a:lstStyle/>
           <a:p>
             <a:pPr algn="ctr"/>
-            <a:endParaRPr lang="zh-CN" altLang="en-US"/>
-          </a:p>
-        </p:txBody>
-      </p:sp>
-      <p:sp>
-        <p:nvSpPr>
-          <p:cNvPr id="3" name="矩形 2"/>
+            <a:endParaRPr lang="zh-CN" altLang="en-US" dirty="0"/>
+          </a:p>
+        </p:txBody>
+      </p:sp>
+      <p:sp>
+        <p:nvSpPr>
+          <p:cNvPr id="5" name="TextBox 4"/>
+          <p:cNvSpPr txBox="1"/>
+          <p:nvPr/>
+        </p:nvSpPr>
+        <p:spPr>
+          <a:xfrm>
+            <a:off x="10844400" y="2511450"/>
+            <a:ext cx="1107996" cy="461665"/>
+          </a:xfrm>
+          <a:prstGeom prst="rect">
+            <a:avLst/>
+          </a:prstGeom>
+          <a:noFill/>
+        </p:spPr>
+        <p:txBody>
+          <a:bodyPr wrap="none" rtlCol="0">
+            <a:spAutoFit/>
+          </a:bodyPr>
+          <a:lstStyle/>
+          <a:p>
+            <a:r>
+              <a:rPr lang="zh-CN" altLang="en-US" dirty="0">
+                <a:solidFill>
+                  <a:schemeClr val="accent1">
+                    <a:lumMod val="75000"/>
+                  </a:schemeClr>
+                </a:solidFill>
+                <a:latin typeface="黑体" panose="02010609060101010101" pitchFamily="49" charset="-122"/>
+                <a:ea typeface="黑体" panose="02010609060101010101" pitchFamily="49" charset="-122"/>
+              </a:rPr>
+              <a:t>公</a:t>
+            </a:r>
+            <a:r>
+              <a:rPr lang="zh-CN" altLang="en-US" dirty="0" smtClean="0">
+                <a:solidFill>
+                  <a:schemeClr val="accent1">
+                    <a:lumMod val="75000"/>
+                  </a:schemeClr>
+                </a:solidFill>
+                <a:latin typeface="黑体" panose="02010609060101010101" pitchFamily="49" charset="-122"/>
+                <a:ea typeface="黑体" panose="02010609060101010101" pitchFamily="49" charset="-122"/>
+              </a:rPr>
+              <a:t>有云</a:t>
+            </a:r>
+            <a:endParaRPr lang="zh-CN" altLang="en-US" dirty="0">
+              <a:solidFill>
+                <a:schemeClr val="accent1">
+                  <a:lumMod val="75000"/>
+                </a:schemeClr>
+              </a:solidFill>
+              <a:latin typeface="黑体" panose="02010609060101010101" pitchFamily="49" charset="-122"/>
+              <a:ea typeface="黑体" panose="02010609060101010101" pitchFamily="49" charset="-122"/>
+            </a:endParaRPr>
+          </a:p>
+        </p:txBody>
+      </p:sp>
+      <p:sp>
+        <p:nvSpPr>
+          <p:cNvPr id="8" name="矩形 7"/>
           <p:cNvSpPr/>
           <p:nvPr/>
         </p:nvSpPr>
         <p:spPr>
           <a:xfrm>
-            <a:off x="1461840" y="7552010"/>
-            <a:ext cx="10585176" cy="792088"/>
+            <a:off x="2760066" y="2943498"/>
+            <a:ext cx="8640415" cy="3096344"/>
           </a:xfrm>
           <a:prstGeom prst="rect">
             <a:avLst/>
           </a:prstGeom>
+          <a:noFill/>
+          <a:ln>
+            <a:solidFill>
+              <a:schemeClr val="accent4"/>
+            </a:solidFill>
+            <a:prstDash val="sysDash"/>
+          </a:ln>
         </p:spPr>
         <p:style>
           <a:lnRef idx="2">
@@ -9760,182 +8818,63 @@
           </a:fontRef>
         </p:style>
         <p:txBody>
-          <a:bodyPr rtlCol="0" anchor="ctr"/>
-          <a:lstStyle/>
-          <a:p>
-            <a:pPr algn="ctr"/>
-            <a:r>
-              <a:rPr lang="zh-CN" altLang="en-US" dirty="0" smtClean="0"/>
-              <a:t>基础设施层</a:t>
-            </a:r>
-            <a:endParaRPr lang="zh-CN" altLang="en-US" dirty="0"/>
-          </a:p>
-        </p:txBody>
-      </p:sp>
-      <p:sp>
-        <p:nvSpPr>
-          <p:cNvPr id="11" name="矩形 10"/>
+          <a:bodyPr rtlCol="0" anchor="t"/>
+          <a:lstStyle/>
+          <a:p>
+            <a:r>
+              <a:rPr lang="en-US" altLang="zh-CN" dirty="0" err="1" smtClean="0">
+                <a:solidFill>
+                  <a:schemeClr val="accent1">
+                    <a:lumMod val="75000"/>
+                  </a:schemeClr>
+                </a:solidFill>
+              </a:rPr>
+              <a:t>Paas</a:t>
+            </a:r>
+            <a:r>
+              <a:rPr lang="zh-CN" altLang="en-US" dirty="0" smtClean="0">
+                <a:solidFill>
+                  <a:schemeClr val="accent1">
+                    <a:lumMod val="75000"/>
+                  </a:schemeClr>
+                </a:solidFill>
+              </a:rPr>
+              <a:t>平台</a:t>
+            </a:r>
+            <a:endParaRPr lang="en-US" altLang="zh-CN" dirty="0" smtClean="0">
+              <a:solidFill>
+                <a:schemeClr val="accent1">
+                  <a:lumMod val="75000"/>
+                </a:schemeClr>
+              </a:solidFill>
+            </a:endParaRPr>
+          </a:p>
+        </p:txBody>
+      </p:sp>
+      <p:sp>
+        <p:nvSpPr>
+          <p:cNvPr id="9" name="矩形 8"/>
           <p:cNvSpPr/>
           <p:nvPr/>
         </p:nvSpPr>
         <p:spPr>
           <a:xfrm>
-            <a:off x="1965896" y="6039842"/>
-            <a:ext cx="3744416" cy="936104"/>
+            <a:off x="3120105" y="3417938"/>
+            <a:ext cx="5256585" cy="1728192"/>
           </a:xfrm>
           <a:prstGeom prst="rect">
             <a:avLst/>
           </a:prstGeom>
-        </p:spPr>
-        <p:style>
-          <a:lnRef idx="2">
-            <a:schemeClr val="accent2">
-              <a:shade val="50000"/>
-            </a:schemeClr>
-          </a:lnRef>
-          <a:fillRef idx="1">
-            <a:schemeClr val="accent2"/>
-          </a:fillRef>
-          <a:effectRef idx="0">
-            <a:schemeClr val="accent2"/>
-          </a:effectRef>
-          <a:fontRef idx="minor">
-            <a:schemeClr val="lt1"/>
-          </a:fontRef>
-        </p:style>
-        <p:txBody>
-          <a:bodyPr rtlCol="0" anchor="ctr"/>
-          <a:lstStyle/>
-          <a:p>
-            <a:pPr algn="ctr"/>
-            <a:r>
-              <a:rPr lang="zh-CN" altLang="en-US" dirty="0" smtClean="0"/>
-              <a:t>弹性层</a:t>
-            </a:r>
-            <a:r>
-              <a:rPr lang="en-US" altLang="zh-CN" dirty="0" smtClean="0"/>
-              <a:t/>
-            </a:r>
-            <a:br>
-              <a:rPr lang="en-US" altLang="zh-CN" dirty="0" smtClean="0"/>
-            </a:br>
-            <a:r>
-              <a:rPr lang="en-US" altLang="zh-CN" dirty="0" err="1" smtClean="0"/>
-              <a:t>linux+docker</a:t>
-            </a:r>
-            <a:endParaRPr lang="zh-CN" altLang="en-US" dirty="0"/>
-          </a:p>
-        </p:txBody>
-      </p:sp>
-      <p:sp>
-        <p:nvSpPr>
-          <p:cNvPr id="12" name="矩形 11"/>
-          <p:cNvSpPr/>
-          <p:nvPr/>
-        </p:nvSpPr>
-        <p:spPr>
-          <a:xfrm>
-            <a:off x="5926336" y="6039842"/>
-            <a:ext cx="3816424" cy="936104"/>
-          </a:xfrm>
-          <a:prstGeom prst="rect">
-            <a:avLst/>
-          </a:prstGeom>
-        </p:spPr>
-        <p:style>
-          <a:lnRef idx="2">
-            <a:schemeClr val="accent6">
-              <a:shade val="50000"/>
-            </a:schemeClr>
-          </a:lnRef>
-          <a:fillRef idx="1">
-            <a:schemeClr val="accent6"/>
-          </a:fillRef>
-          <a:effectRef idx="0">
-            <a:schemeClr val="accent6"/>
-          </a:effectRef>
-          <a:fontRef idx="minor">
-            <a:schemeClr val="lt1"/>
-          </a:fontRef>
-        </p:style>
-        <p:txBody>
-          <a:bodyPr rtlCol="0" anchor="ctr"/>
-          <a:lstStyle/>
-          <a:p>
-            <a:pPr algn="ctr"/>
-            <a:r>
-              <a:rPr lang="zh-CN" altLang="en-US" dirty="0" smtClean="0"/>
-              <a:t>非弹性层</a:t>
-            </a:r>
-            <a:endParaRPr lang="zh-CN" altLang="en-US" dirty="0"/>
-          </a:p>
-        </p:txBody>
-      </p:sp>
-      <p:sp>
-        <p:nvSpPr>
-          <p:cNvPr id="13" name="矩形 12"/>
-          <p:cNvSpPr/>
-          <p:nvPr/>
-        </p:nvSpPr>
-        <p:spPr>
-          <a:xfrm>
-            <a:off x="4270152" y="2655466"/>
-            <a:ext cx="3240360" cy="3312368"/>
-          </a:xfrm>
-          <a:prstGeom prst="rect">
-            <a:avLst/>
-          </a:prstGeom>
-        </p:spPr>
-        <p:style>
-          <a:lnRef idx="2">
-            <a:schemeClr val="accent5">
-              <a:shade val="50000"/>
-            </a:schemeClr>
-          </a:lnRef>
-          <a:fillRef idx="1">
-            <a:schemeClr val="accent5"/>
-          </a:fillRef>
-          <a:effectRef idx="0">
-            <a:schemeClr val="accent5"/>
-          </a:effectRef>
-          <a:fontRef idx="minor">
-            <a:schemeClr val="lt1"/>
-          </a:fontRef>
-        </p:style>
-        <p:txBody>
-          <a:bodyPr rtlCol="0" anchor="t"/>
-          <a:lstStyle/>
-          <a:p>
-            <a:pPr algn="ctr"/>
-            <a:r>
-              <a:rPr lang="zh-CN" altLang="en-US" dirty="0" smtClean="0"/>
-              <a:t>基础层</a:t>
-            </a:r>
-            <a:endParaRPr lang="zh-CN" altLang="en-US" dirty="0"/>
-          </a:p>
-        </p:txBody>
-      </p:sp>
-      <p:sp>
-        <p:nvSpPr>
-          <p:cNvPr id="14" name="矩形 13"/>
-          <p:cNvSpPr/>
-          <p:nvPr/>
-        </p:nvSpPr>
-        <p:spPr>
-          <a:xfrm>
-            <a:off x="1965896" y="2674464"/>
-            <a:ext cx="2088232" cy="3293370"/>
-          </a:xfrm>
-          <a:prstGeom prst="rect">
-            <a:avLst/>
-          </a:prstGeom>
           <a:solidFill>
-            <a:schemeClr val="bg2">
-              <a:lumMod val="90000"/>
-            </a:schemeClr>
+            <a:schemeClr val="bg2"/>
           </a:solidFill>
           <a:ln>
-            <a:noFill/>
+            <a:solidFill>
+              <a:schemeClr val="accent1">
+                <a:lumMod val="50000"/>
+              </a:schemeClr>
+            </a:solidFill>
+            <a:prstDash val="dash"/>
           </a:ln>
         </p:spPr>
         <p:style>
@@ -9960,27 +8899,48 @@
           <a:p>
             <a:pPr algn="ctr"/>
             <a:r>
-              <a:rPr lang="en-US" altLang="zh-CN" dirty="0" smtClean="0"/>
-              <a:t>CNAs</a:t>
-            </a:r>
-            <a:endParaRPr lang="zh-CN" altLang="en-US" dirty="0"/>
-          </a:p>
-        </p:txBody>
-      </p:sp>
-      <p:sp>
-        <p:nvSpPr>
-          <p:cNvPr id="15" name="矩形 14"/>
+              <a:rPr lang="zh-CN" altLang="en-US" dirty="0" smtClean="0">
+                <a:solidFill>
+                  <a:schemeClr val="accent1">
+                    <a:lumMod val="75000"/>
+                  </a:schemeClr>
+                </a:solidFill>
+              </a:rPr>
+              <a:t>服务</a:t>
+            </a:r>
+            <a:endParaRPr lang="zh-CN" altLang="en-US" dirty="0">
+              <a:solidFill>
+                <a:schemeClr val="accent1">
+                  <a:lumMod val="75000"/>
+                </a:schemeClr>
+              </a:solidFill>
+            </a:endParaRPr>
+          </a:p>
+        </p:txBody>
+      </p:sp>
+      <p:sp>
+        <p:nvSpPr>
+          <p:cNvPr id="10" name="矩形 9"/>
           <p:cNvSpPr/>
           <p:nvPr/>
         </p:nvSpPr>
         <p:spPr>
           <a:xfrm>
-            <a:off x="7726536" y="2655466"/>
-            <a:ext cx="2016224" cy="3312368"/>
+            <a:off x="3336131" y="4022808"/>
+            <a:ext cx="288032" cy="864096"/>
           </a:xfrm>
           <a:prstGeom prst="rect">
             <a:avLst/>
           </a:prstGeom>
+          <a:solidFill>
+            <a:schemeClr val="accent3">
+              <a:lumMod val="40000"/>
+              <a:lumOff val="60000"/>
+            </a:schemeClr>
+          </a:solidFill>
+          <a:ln>
+            <a:noFill/>
+          </a:ln>
         </p:spPr>
         <p:style>
           <a:lnRef idx="2">
@@ -10003,44 +8963,33 @@
           <a:lstStyle/>
           <a:p>
             <a:pPr algn="ctr"/>
-            <a:r>
-              <a:rPr lang="zh-CN" altLang="en-US" dirty="0" smtClean="0"/>
-              <a:t>单体应用</a:t>
-            </a:r>
-            <a:endParaRPr lang="en-US" altLang="zh-CN" dirty="0" smtClean="0"/>
-          </a:p>
-          <a:p>
-            <a:pPr algn="ctr"/>
-            <a:r>
-              <a:rPr lang="zh-CN" altLang="en-US" sz="1600" dirty="0" smtClean="0"/>
-              <a:t>（原应用进行</a:t>
-            </a:r>
-            <a:r>
-              <a:rPr lang="en-US" altLang="zh-CN" sz="1600" dirty="0" smtClean="0"/>
-              <a:t>LB</a:t>
-            </a:r>
-            <a:r>
-              <a:rPr lang="zh-CN" altLang="en-US" sz="1600" dirty="0" smtClean="0"/>
-              <a:t>改造）</a:t>
-            </a:r>
-            <a:endParaRPr lang="zh-CN" altLang="en-US" sz="1600" dirty="0"/>
-          </a:p>
-        </p:txBody>
-      </p:sp>
-      <p:sp>
-        <p:nvSpPr>
-          <p:cNvPr id="17" name="矩形 16"/>
+            <a:endParaRPr lang="zh-CN" altLang="en-US"/>
+          </a:p>
+        </p:txBody>
+      </p:sp>
+      <p:sp>
+        <p:nvSpPr>
+          <p:cNvPr id="18" name="矩形 17"/>
           <p:cNvSpPr/>
           <p:nvPr/>
         </p:nvSpPr>
         <p:spPr>
           <a:xfrm>
-            <a:off x="1965896" y="1863378"/>
-            <a:ext cx="7776864" cy="648072"/>
+            <a:off x="4488259" y="4022808"/>
+            <a:ext cx="1512167" cy="864096"/>
           </a:xfrm>
           <a:prstGeom prst="rect">
             <a:avLst/>
           </a:prstGeom>
+          <a:solidFill>
+            <a:schemeClr val="accent6">
+              <a:lumMod val="40000"/>
+              <a:lumOff val="60000"/>
+            </a:schemeClr>
+          </a:solidFill>
+          <a:ln>
+            <a:noFill/>
+          </a:ln>
         </p:spPr>
         <p:style>
           <a:lnRef idx="2">
@@ -10064,35 +9013,48 @@
           <a:p>
             <a:pPr algn="ctr"/>
             <a:r>
-              <a:rPr lang="zh-CN" altLang="en-US" dirty="0" smtClean="0"/>
-              <a:t>路由层（</a:t>
-            </a:r>
-            <a:r>
-              <a:rPr lang="en-US" altLang="zh-CN" dirty="0" smtClean="0"/>
-              <a:t>route &amp; LB</a:t>
-            </a:r>
-            <a:r>
-              <a:rPr lang="zh-CN" altLang="en-US" dirty="0" smtClean="0"/>
-              <a:t>）</a:t>
-            </a:r>
-            <a:endParaRPr lang="zh-CN" altLang="en-US" dirty="0"/>
-          </a:p>
-        </p:txBody>
-      </p:sp>
-      <p:sp>
-        <p:nvSpPr>
-          <p:cNvPr id="24" name="矩形 23"/>
+              <a:rPr lang="en-US" altLang="zh-CN" dirty="0" smtClean="0">
+                <a:solidFill>
+                  <a:schemeClr val="accent1">
+                    <a:lumMod val="75000"/>
+                  </a:schemeClr>
+                </a:solidFill>
+              </a:rPr>
+              <a:t>SAAS</a:t>
+            </a:r>
+            <a:endParaRPr lang="zh-CN" altLang="en-US" dirty="0">
+              <a:solidFill>
+                <a:schemeClr val="accent1">
+                  <a:lumMod val="75000"/>
+                </a:schemeClr>
+              </a:solidFill>
+            </a:endParaRPr>
+          </a:p>
+        </p:txBody>
+      </p:sp>
+      <p:sp>
+        <p:nvSpPr>
+          <p:cNvPr id="19" name="矩形 18"/>
           <p:cNvSpPr/>
           <p:nvPr/>
         </p:nvSpPr>
         <p:spPr>
           <a:xfrm>
-            <a:off x="1461840" y="787986"/>
-            <a:ext cx="8928992" cy="787360"/>
+            <a:off x="4056211" y="4022808"/>
+            <a:ext cx="288032" cy="864096"/>
           </a:xfrm>
           <a:prstGeom prst="rect">
             <a:avLst/>
           </a:prstGeom>
+          <a:solidFill>
+            <a:schemeClr val="accent3">
+              <a:lumMod val="40000"/>
+              <a:lumOff val="60000"/>
+            </a:schemeClr>
+          </a:solidFill>
+          <a:ln>
+            <a:noFill/>
+          </a:ln>
         </p:spPr>
         <p:style>
           <a:lnRef idx="2">
@@ -10115,28 +9077,33 @@
           <a:lstStyle/>
           <a:p>
             <a:pPr algn="ctr"/>
-            <a:r>
-              <a:rPr lang="zh-CN" altLang="en-US" dirty="0" smtClean="0"/>
-              <a:t>用户终端</a:t>
-            </a:r>
-            <a:endParaRPr lang="zh-CN" altLang="en-US" dirty="0"/>
-          </a:p>
-        </p:txBody>
-      </p:sp>
-      <p:sp>
-        <p:nvSpPr>
-          <p:cNvPr id="26" name="矩形 25"/>
+            <a:endParaRPr lang="zh-CN" altLang="en-US"/>
+          </a:p>
+        </p:txBody>
+      </p:sp>
+      <p:sp>
+        <p:nvSpPr>
+          <p:cNvPr id="20" name="矩形 19"/>
           <p:cNvSpPr/>
           <p:nvPr/>
         </p:nvSpPr>
         <p:spPr>
           <a:xfrm>
-            <a:off x="381720" y="1719362"/>
-            <a:ext cx="864096" cy="5544616"/>
+            <a:off x="3696171" y="4022808"/>
+            <a:ext cx="288032" cy="864096"/>
           </a:xfrm>
           <a:prstGeom prst="rect">
             <a:avLst/>
           </a:prstGeom>
+          <a:solidFill>
+            <a:schemeClr val="accent3">
+              <a:lumMod val="40000"/>
+              <a:lumOff val="60000"/>
+            </a:schemeClr>
+          </a:solidFill>
+          <a:ln>
+            <a:noFill/>
+          </a:ln>
         </p:spPr>
         <p:style>
           <a:lnRef idx="2">
@@ -10159,28 +9126,30 @@
           <a:lstStyle/>
           <a:p>
             <a:pPr algn="ctr"/>
-            <a:r>
-              <a:rPr lang="zh-CN" altLang="en-US" dirty="0" smtClean="0"/>
-              <a:t>开发运维中心</a:t>
-            </a:r>
-            <a:endParaRPr lang="zh-CN" altLang="en-US" dirty="0"/>
-          </a:p>
-        </p:txBody>
-      </p:sp>
-      <p:sp>
-        <p:nvSpPr>
-          <p:cNvPr id="27" name="矩形 26"/>
+            <a:endParaRPr lang="zh-CN" altLang="en-US"/>
+          </a:p>
+        </p:txBody>
+      </p:sp>
+      <p:sp>
+        <p:nvSpPr>
+          <p:cNvPr id="16" name="矩形 15"/>
           <p:cNvSpPr/>
           <p:nvPr/>
         </p:nvSpPr>
         <p:spPr>
           <a:xfrm>
-            <a:off x="10606856" y="1719362"/>
-            <a:ext cx="864096" cy="5544616"/>
+            <a:off x="6311074" y="4024718"/>
+            <a:ext cx="1847510" cy="935294"/>
           </a:xfrm>
           <a:prstGeom prst="rect">
             <a:avLst/>
           </a:prstGeom>
+          <a:solidFill>
+            <a:srgbClr val="92D050"/>
+          </a:solidFill>
+          <a:ln>
+            <a:noFill/>
+          </a:ln>
         </p:spPr>
         <p:style>
           <a:lnRef idx="2">
@@ -10204,8 +9173,12 @@
           <a:p>
             <a:pPr algn="ctr"/>
             <a:r>
-              <a:rPr lang="zh-CN" altLang="en-US" dirty="0" smtClean="0"/>
-              <a:t>安全中心</a:t>
+              <a:rPr lang="en-US" altLang="zh-CN" dirty="0" err="1" smtClean="0"/>
+              <a:t>Dcjet</a:t>
+            </a:r>
+            <a:r>
+              <a:rPr lang="en-US" altLang="zh-CN" dirty="0" smtClean="0"/>
+              <a:t> APIs</a:t>
             </a:r>
             <a:endParaRPr lang="zh-CN" altLang="en-US" dirty="0"/>
           </a:p>
@@ -10213,740 +9186,14 @@
       </p:sp>
       <p:sp>
         <p:nvSpPr>
-          <p:cNvPr id="29" name="矩形 28"/>
+          <p:cNvPr id="21" name="矩形 20"/>
           <p:cNvSpPr/>
           <p:nvPr/>
         </p:nvSpPr>
         <p:spPr>
           <a:xfrm>
-            <a:off x="11686976" y="1719362"/>
-            <a:ext cx="792088" cy="5544616"/>
-          </a:xfrm>
-          <a:prstGeom prst="rect">
-            <a:avLst/>
-          </a:prstGeom>
-        </p:spPr>
-        <p:style>
-          <a:lnRef idx="2">
-            <a:schemeClr val="accent1">
-              <a:shade val="50000"/>
-            </a:schemeClr>
-          </a:lnRef>
-          <a:fillRef idx="1">
-            <a:schemeClr val="accent1"/>
-          </a:fillRef>
-          <a:effectRef idx="0">
-            <a:schemeClr val="accent1"/>
-          </a:effectRef>
-          <a:fontRef idx="minor">
-            <a:schemeClr val="lt1"/>
-          </a:fontRef>
-        </p:style>
-        <p:txBody>
-          <a:bodyPr rtlCol="0" anchor="ctr"/>
-          <a:lstStyle/>
-          <a:p>
-            <a:pPr algn="ctr"/>
-            <a:r>
-              <a:rPr lang="zh-CN" altLang="en-US" dirty="0" smtClean="0"/>
-              <a:t>管控中心</a:t>
-            </a:r>
-            <a:endParaRPr lang="zh-CN" altLang="en-US" dirty="0"/>
-          </a:p>
-        </p:txBody>
-      </p:sp>
-      <p:sp>
-        <p:nvSpPr>
-          <p:cNvPr id="30" name="矩形 29"/>
-          <p:cNvSpPr/>
-          <p:nvPr/>
-        </p:nvSpPr>
-        <p:spPr>
-          <a:xfrm>
-            <a:off x="4414296" y="3159522"/>
-            <a:ext cx="936104" cy="504056"/>
-          </a:xfrm>
-          <a:prstGeom prst="rect">
-            <a:avLst/>
-          </a:prstGeom>
-        </p:spPr>
-        <p:style>
-          <a:lnRef idx="2">
-            <a:schemeClr val="accent1">
-              <a:shade val="50000"/>
-            </a:schemeClr>
-          </a:lnRef>
-          <a:fillRef idx="1">
-            <a:schemeClr val="accent1"/>
-          </a:fillRef>
-          <a:effectRef idx="0">
-            <a:schemeClr val="accent1"/>
-          </a:effectRef>
-          <a:fontRef idx="minor">
-            <a:schemeClr val="lt1"/>
-          </a:fontRef>
-        </p:style>
-        <p:txBody>
-          <a:bodyPr rtlCol="0" anchor="ctr"/>
-          <a:lstStyle/>
-          <a:p>
-            <a:pPr algn="ctr"/>
-            <a:r>
-              <a:rPr lang="en-US" altLang="zh-CN" sz="1200" dirty="0" smtClean="0"/>
-              <a:t>Big Data</a:t>
-            </a:r>
-            <a:endParaRPr lang="zh-CN" altLang="en-US" sz="1200" dirty="0"/>
-          </a:p>
-        </p:txBody>
-      </p:sp>
-      <p:sp>
-        <p:nvSpPr>
-          <p:cNvPr id="42" name="矩形 41"/>
-          <p:cNvSpPr/>
-          <p:nvPr/>
-        </p:nvSpPr>
-        <p:spPr>
-          <a:xfrm>
-            <a:off x="4414296" y="3735586"/>
-            <a:ext cx="936104" cy="504056"/>
-          </a:xfrm>
-          <a:prstGeom prst="rect">
-            <a:avLst/>
-          </a:prstGeom>
-        </p:spPr>
-        <p:style>
-          <a:lnRef idx="2">
-            <a:schemeClr val="accent1">
-              <a:shade val="50000"/>
-            </a:schemeClr>
-          </a:lnRef>
-          <a:fillRef idx="1">
-            <a:schemeClr val="accent1"/>
-          </a:fillRef>
-          <a:effectRef idx="0">
-            <a:schemeClr val="accent1"/>
-          </a:effectRef>
-          <a:fontRef idx="minor">
-            <a:schemeClr val="lt1"/>
-          </a:fontRef>
-        </p:style>
-        <p:txBody>
-          <a:bodyPr rtlCol="0" anchor="ctr"/>
-          <a:lstStyle/>
-          <a:p>
-            <a:pPr algn="ctr"/>
-            <a:r>
-              <a:rPr lang="en-US" altLang="zh-CN" sz="1200" dirty="0" smtClean="0"/>
-              <a:t>LB</a:t>
-            </a:r>
-          </a:p>
-        </p:txBody>
-      </p:sp>
-      <p:sp>
-        <p:nvSpPr>
-          <p:cNvPr id="44" name="矩形 43"/>
-          <p:cNvSpPr/>
-          <p:nvPr/>
-        </p:nvSpPr>
-        <p:spPr>
-          <a:xfrm>
-            <a:off x="4421386" y="4311650"/>
-            <a:ext cx="936104" cy="504056"/>
-          </a:xfrm>
-          <a:prstGeom prst="rect">
-            <a:avLst/>
-          </a:prstGeom>
-        </p:spPr>
-        <p:style>
-          <a:lnRef idx="2">
-            <a:schemeClr val="accent1">
-              <a:shade val="50000"/>
-            </a:schemeClr>
-          </a:lnRef>
-          <a:fillRef idx="1">
-            <a:schemeClr val="accent1"/>
-          </a:fillRef>
-          <a:effectRef idx="0">
-            <a:schemeClr val="accent1"/>
-          </a:effectRef>
-          <a:fontRef idx="minor">
-            <a:schemeClr val="lt1"/>
-          </a:fontRef>
-        </p:style>
-        <p:txBody>
-          <a:bodyPr rtlCol="0" anchor="ctr"/>
-          <a:lstStyle/>
-          <a:p>
-            <a:pPr algn="ctr"/>
-            <a:r>
-              <a:rPr lang="en-US" altLang="zh-CN" sz="1200" dirty="0" err="1" smtClean="0"/>
-              <a:t>Conf</a:t>
-            </a:r>
-            <a:r>
-              <a:rPr lang="en-US" altLang="zh-CN" sz="1200" dirty="0" smtClean="0"/>
-              <a:t> Center</a:t>
-            </a:r>
-            <a:endParaRPr lang="zh-CN" altLang="en-US" sz="1200" dirty="0"/>
-          </a:p>
-        </p:txBody>
-      </p:sp>
-      <p:sp>
-        <p:nvSpPr>
-          <p:cNvPr id="45" name="矩形 44"/>
-          <p:cNvSpPr/>
-          <p:nvPr/>
-        </p:nvSpPr>
-        <p:spPr>
-          <a:xfrm>
-            <a:off x="4414168" y="4887714"/>
-            <a:ext cx="936104" cy="504056"/>
-          </a:xfrm>
-          <a:prstGeom prst="rect">
-            <a:avLst/>
-          </a:prstGeom>
-        </p:spPr>
-        <p:style>
-          <a:lnRef idx="2">
-            <a:schemeClr val="accent1">
-              <a:shade val="50000"/>
-            </a:schemeClr>
-          </a:lnRef>
-          <a:fillRef idx="1">
-            <a:schemeClr val="accent1"/>
-          </a:fillRef>
-          <a:effectRef idx="0">
-            <a:schemeClr val="accent1"/>
-          </a:effectRef>
-          <a:fontRef idx="minor">
-            <a:schemeClr val="lt1"/>
-          </a:fontRef>
-        </p:style>
-        <p:txBody>
-          <a:bodyPr rtlCol="0" anchor="ctr"/>
-          <a:lstStyle/>
-          <a:p>
-            <a:pPr algn="ctr"/>
-            <a:r>
-              <a:rPr lang="en-US" altLang="zh-CN" sz="1200" dirty="0"/>
-              <a:t>SSO</a:t>
-            </a:r>
-            <a:endParaRPr lang="zh-CN" altLang="en-US" sz="1200" dirty="0"/>
-          </a:p>
-        </p:txBody>
-      </p:sp>
-      <p:sp>
-        <p:nvSpPr>
-          <p:cNvPr id="46" name="矩形 45"/>
-          <p:cNvSpPr/>
-          <p:nvPr/>
-        </p:nvSpPr>
-        <p:spPr>
-          <a:xfrm>
-            <a:off x="5458284" y="3159522"/>
-            <a:ext cx="936104" cy="504056"/>
-          </a:xfrm>
-          <a:prstGeom prst="rect">
-            <a:avLst/>
-          </a:prstGeom>
-        </p:spPr>
-        <p:style>
-          <a:lnRef idx="2">
-            <a:schemeClr val="accent1">
-              <a:shade val="50000"/>
-            </a:schemeClr>
-          </a:lnRef>
-          <a:fillRef idx="1">
-            <a:schemeClr val="accent1"/>
-          </a:fillRef>
-          <a:effectRef idx="0">
-            <a:schemeClr val="accent1"/>
-          </a:effectRef>
-          <a:fontRef idx="minor">
-            <a:schemeClr val="lt1"/>
-          </a:fontRef>
-        </p:style>
-        <p:txBody>
-          <a:bodyPr rtlCol="0" anchor="ctr"/>
-          <a:lstStyle/>
-          <a:p>
-            <a:pPr algn="ctr"/>
-            <a:r>
-              <a:rPr lang="en-US" altLang="zh-CN" sz="1200" dirty="0" smtClean="0"/>
-              <a:t>Job</a:t>
-            </a:r>
-            <a:endParaRPr lang="zh-CN" altLang="en-US" sz="1200" dirty="0"/>
-          </a:p>
-        </p:txBody>
-      </p:sp>
-      <p:sp>
-        <p:nvSpPr>
-          <p:cNvPr id="47" name="矩形 46"/>
-          <p:cNvSpPr/>
-          <p:nvPr/>
-        </p:nvSpPr>
-        <p:spPr>
-          <a:xfrm>
-            <a:off x="5458284" y="3735586"/>
-            <a:ext cx="936104" cy="504056"/>
-          </a:xfrm>
-          <a:prstGeom prst="rect">
-            <a:avLst/>
-          </a:prstGeom>
-        </p:spPr>
-        <p:style>
-          <a:lnRef idx="2">
-            <a:schemeClr val="accent1">
-              <a:shade val="50000"/>
-            </a:schemeClr>
-          </a:lnRef>
-          <a:fillRef idx="1">
-            <a:schemeClr val="accent1"/>
-          </a:fillRef>
-          <a:effectRef idx="0">
-            <a:schemeClr val="accent1"/>
-          </a:effectRef>
-          <a:fontRef idx="minor">
-            <a:schemeClr val="lt1"/>
-          </a:fontRef>
-        </p:style>
-        <p:txBody>
-          <a:bodyPr rtlCol="0" anchor="ctr"/>
-          <a:lstStyle/>
-          <a:p>
-            <a:pPr algn="ctr"/>
-            <a:r>
-              <a:rPr lang="en-US" altLang="zh-CN" sz="1200" dirty="0" smtClean="0"/>
-              <a:t>Log Center</a:t>
-            </a:r>
-            <a:endParaRPr lang="zh-CN" altLang="en-US" sz="1200" dirty="0"/>
-          </a:p>
-        </p:txBody>
-      </p:sp>
-      <p:sp>
-        <p:nvSpPr>
-          <p:cNvPr id="48" name="矩形 47"/>
-          <p:cNvSpPr/>
-          <p:nvPr/>
-        </p:nvSpPr>
-        <p:spPr>
-          <a:xfrm>
-            <a:off x="5466420" y="4318397"/>
-            <a:ext cx="936104" cy="504056"/>
-          </a:xfrm>
-          <a:prstGeom prst="rect">
-            <a:avLst/>
-          </a:prstGeom>
-        </p:spPr>
-        <p:style>
-          <a:lnRef idx="2">
-            <a:schemeClr val="accent1">
-              <a:shade val="50000"/>
-            </a:schemeClr>
-          </a:lnRef>
-          <a:fillRef idx="1">
-            <a:schemeClr val="accent1"/>
-          </a:fillRef>
-          <a:effectRef idx="0">
-            <a:schemeClr val="accent1"/>
-          </a:effectRef>
-          <a:fontRef idx="minor">
-            <a:schemeClr val="lt1"/>
-          </a:fontRef>
-        </p:style>
-        <p:txBody>
-          <a:bodyPr rtlCol="0" anchor="ctr"/>
-          <a:lstStyle/>
-          <a:p>
-            <a:pPr algn="ctr"/>
-            <a:r>
-              <a:rPr lang="en-US" altLang="zh-CN" sz="1200" dirty="0" smtClean="0"/>
-              <a:t>Dis-DB/</a:t>
-            </a:r>
-            <a:r>
-              <a:rPr lang="en-US" altLang="zh-CN" sz="1200" dirty="0" err="1" smtClean="0"/>
-              <a:t>noSql</a:t>
-            </a:r>
-            <a:endParaRPr lang="zh-CN" altLang="en-US" sz="1200" dirty="0"/>
-          </a:p>
-        </p:txBody>
-      </p:sp>
-      <p:sp>
-        <p:nvSpPr>
-          <p:cNvPr id="50" name="矩形 49"/>
-          <p:cNvSpPr/>
-          <p:nvPr/>
-        </p:nvSpPr>
-        <p:spPr>
-          <a:xfrm>
-            <a:off x="5458284" y="4887714"/>
-            <a:ext cx="936104" cy="504056"/>
-          </a:xfrm>
-          <a:prstGeom prst="rect">
-            <a:avLst/>
-          </a:prstGeom>
-        </p:spPr>
-        <p:style>
-          <a:lnRef idx="2">
-            <a:schemeClr val="accent1">
-              <a:shade val="50000"/>
-            </a:schemeClr>
-          </a:lnRef>
-          <a:fillRef idx="1">
-            <a:schemeClr val="accent1"/>
-          </a:fillRef>
-          <a:effectRef idx="0">
-            <a:schemeClr val="accent1"/>
-          </a:effectRef>
-          <a:fontRef idx="minor">
-            <a:schemeClr val="lt1"/>
-          </a:fontRef>
-        </p:style>
-        <p:txBody>
-          <a:bodyPr rtlCol="0" anchor="ctr"/>
-          <a:lstStyle/>
-          <a:p>
-            <a:pPr algn="ctr"/>
-            <a:r>
-              <a:rPr lang="en-US" altLang="zh-CN" sz="1200" dirty="0" smtClean="0"/>
-              <a:t>Dis-Cache</a:t>
-            </a:r>
-            <a:endParaRPr lang="zh-CN" altLang="en-US" sz="1200" dirty="0"/>
-          </a:p>
-        </p:txBody>
-      </p:sp>
-      <p:sp>
-        <p:nvSpPr>
-          <p:cNvPr id="52" name="矩形 51"/>
-          <p:cNvSpPr/>
-          <p:nvPr/>
-        </p:nvSpPr>
-        <p:spPr>
-          <a:xfrm>
-            <a:off x="6494264" y="3159522"/>
-            <a:ext cx="936104" cy="504056"/>
-          </a:xfrm>
-          <a:prstGeom prst="rect">
-            <a:avLst/>
-          </a:prstGeom>
-        </p:spPr>
-        <p:style>
-          <a:lnRef idx="2">
-            <a:schemeClr val="accent1">
-              <a:shade val="50000"/>
-            </a:schemeClr>
-          </a:lnRef>
-          <a:fillRef idx="1">
-            <a:schemeClr val="accent1"/>
-          </a:fillRef>
-          <a:effectRef idx="0">
-            <a:schemeClr val="accent1"/>
-          </a:effectRef>
-          <a:fontRef idx="minor">
-            <a:schemeClr val="lt1"/>
-          </a:fontRef>
-        </p:style>
-        <p:txBody>
-          <a:bodyPr rtlCol="0" anchor="ctr"/>
-          <a:lstStyle/>
-          <a:p>
-            <a:pPr algn="ctr"/>
-            <a:r>
-              <a:rPr lang="en-US" altLang="zh-CN" sz="1200" dirty="0"/>
-              <a:t>AI</a:t>
-            </a:r>
-            <a:endParaRPr lang="zh-CN" altLang="en-US" sz="1200" dirty="0"/>
-          </a:p>
-        </p:txBody>
-      </p:sp>
-      <p:sp>
-        <p:nvSpPr>
-          <p:cNvPr id="54" name="矩形 53"/>
-          <p:cNvSpPr/>
-          <p:nvPr/>
-        </p:nvSpPr>
-        <p:spPr>
-          <a:xfrm>
-            <a:off x="6494264" y="3735586"/>
-            <a:ext cx="936104" cy="504056"/>
-          </a:xfrm>
-          <a:prstGeom prst="rect">
-            <a:avLst/>
-          </a:prstGeom>
-        </p:spPr>
-        <p:style>
-          <a:lnRef idx="2">
-            <a:schemeClr val="accent1">
-              <a:shade val="50000"/>
-            </a:schemeClr>
-          </a:lnRef>
-          <a:fillRef idx="1">
-            <a:schemeClr val="accent1"/>
-          </a:fillRef>
-          <a:effectRef idx="0">
-            <a:schemeClr val="accent1"/>
-          </a:effectRef>
-          <a:fontRef idx="minor">
-            <a:schemeClr val="lt1"/>
-          </a:fontRef>
-        </p:style>
-        <p:txBody>
-          <a:bodyPr rtlCol="0" anchor="ctr"/>
-          <a:lstStyle/>
-          <a:p>
-            <a:pPr algn="ctr"/>
-            <a:r>
-              <a:rPr lang="en-US" altLang="zh-CN" sz="1200" dirty="0" err="1" smtClean="0"/>
-              <a:t>Reg</a:t>
-            </a:r>
-            <a:r>
-              <a:rPr lang="zh-CN" altLang="en-US" sz="1200" dirty="0"/>
-              <a:t> </a:t>
-            </a:r>
-            <a:r>
-              <a:rPr lang="en-US" altLang="zh-CN" sz="1200" dirty="0" smtClean="0"/>
-              <a:t>Center</a:t>
-            </a:r>
-            <a:endParaRPr lang="zh-CN" altLang="en-US" sz="1200" dirty="0"/>
-          </a:p>
-        </p:txBody>
-      </p:sp>
-      <p:sp>
-        <p:nvSpPr>
-          <p:cNvPr id="56" name="矩形 55"/>
-          <p:cNvSpPr/>
-          <p:nvPr/>
-        </p:nvSpPr>
-        <p:spPr>
-          <a:xfrm>
-            <a:off x="6502400" y="4318397"/>
-            <a:ext cx="936104" cy="504056"/>
-          </a:xfrm>
-          <a:prstGeom prst="rect">
-            <a:avLst/>
-          </a:prstGeom>
-        </p:spPr>
-        <p:style>
-          <a:lnRef idx="2">
-            <a:schemeClr val="accent1">
-              <a:shade val="50000"/>
-            </a:schemeClr>
-          </a:lnRef>
-          <a:fillRef idx="1">
-            <a:schemeClr val="accent1"/>
-          </a:fillRef>
-          <a:effectRef idx="0">
-            <a:schemeClr val="accent1"/>
-          </a:effectRef>
-          <a:fontRef idx="minor">
-            <a:schemeClr val="lt1"/>
-          </a:fontRef>
-        </p:style>
-        <p:txBody>
-          <a:bodyPr rtlCol="0" anchor="ctr"/>
-          <a:lstStyle/>
-          <a:p>
-            <a:pPr algn="ctr"/>
-            <a:r>
-              <a:rPr lang="en-US" altLang="zh-CN" sz="1200" dirty="0" smtClean="0"/>
-              <a:t>Dis Storage</a:t>
-            </a:r>
-            <a:endParaRPr lang="zh-CN" altLang="en-US" sz="1200" dirty="0"/>
-          </a:p>
-        </p:txBody>
-      </p:sp>
-      <p:sp>
-        <p:nvSpPr>
-          <p:cNvPr id="57" name="矩形 56"/>
-          <p:cNvSpPr/>
-          <p:nvPr/>
-        </p:nvSpPr>
-        <p:spPr>
-          <a:xfrm>
-            <a:off x="6494264" y="4887714"/>
-            <a:ext cx="936104" cy="504056"/>
-          </a:xfrm>
-          <a:prstGeom prst="rect">
-            <a:avLst/>
-          </a:prstGeom>
-        </p:spPr>
-        <p:style>
-          <a:lnRef idx="2">
-            <a:schemeClr val="accent1">
-              <a:shade val="50000"/>
-            </a:schemeClr>
-          </a:lnRef>
-          <a:fillRef idx="1">
-            <a:schemeClr val="accent1"/>
-          </a:fillRef>
-          <a:effectRef idx="0">
-            <a:schemeClr val="accent1"/>
-          </a:effectRef>
-          <a:fontRef idx="minor">
-            <a:schemeClr val="lt1"/>
-          </a:fontRef>
-        </p:style>
-        <p:txBody>
-          <a:bodyPr rtlCol="0" anchor="ctr"/>
-          <a:lstStyle/>
-          <a:p>
-            <a:pPr algn="ctr"/>
-            <a:r>
-              <a:rPr lang="en-US" altLang="zh-CN" sz="1200" dirty="0" smtClean="0"/>
-              <a:t>Pipe</a:t>
-            </a:r>
-          </a:p>
-          <a:p>
-            <a:pPr algn="ctr"/>
-            <a:r>
-              <a:rPr lang="en-US" altLang="zh-CN" sz="1200" dirty="0" err="1"/>
-              <a:t>mq</a:t>
-            </a:r>
-            <a:endParaRPr lang="zh-CN" altLang="en-US" sz="1200" dirty="0"/>
-          </a:p>
-        </p:txBody>
-      </p:sp>
-      <p:sp>
-        <p:nvSpPr>
-          <p:cNvPr id="58" name="矩形 57"/>
-          <p:cNvSpPr/>
-          <p:nvPr/>
-        </p:nvSpPr>
-        <p:spPr>
-          <a:xfrm>
-            <a:off x="4414168" y="5444780"/>
-            <a:ext cx="936104" cy="504056"/>
-          </a:xfrm>
-          <a:prstGeom prst="rect">
-            <a:avLst/>
-          </a:prstGeom>
-        </p:spPr>
-        <p:style>
-          <a:lnRef idx="2">
-            <a:schemeClr val="accent1">
-              <a:shade val="50000"/>
-            </a:schemeClr>
-          </a:lnRef>
-          <a:fillRef idx="1">
-            <a:schemeClr val="accent1"/>
-          </a:fillRef>
-          <a:effectRef idx="0">
-            <a:schemeClr val="accent1"/>
-          </a:effectRef>
-          <a:fontRef idx="minor">
-            <a:schemeClr val="lt1"/>
-          </a:fontRef>
-        </p:style>
-        <p:txBody>
-          <a:bodyPr rtlCol="0" anchor="ctr"/>
-          <a:lstStyle/>
-          <a:p>
-            <a:pPr algn="ctr"/>
-            <a:r>
-              <a:rPr lang="zh-CN" altLang="en-US" sz="1200" dirty="0" smtClean="0"/>
-              <a:t>服务治理</a:t>
-            </a:r>
-            <a:endParaRPr lang="zh-CN" altLang="en-US" sz="1200" dirty="0"/>
-          </a:p>
-        </p:txBody>
-      </p:sp>
-      <p:sp>
-        <p:nvSpPr>
-          <p:cNvPr id="59" name="矩形 58"/>
-          <p:cNvSpPr/>
-          <p:nvPr/>
-        </p:nvSpPr>
-        <p:spPr>
-          <a:xfrm>
-            <a:off x="5458284" y="5444780"/>
-            <a:ext cx="936104" cy="504056"/>
-          </a:xfrm>
-          <a:prstGeom prst="rect">
-            <a:avLst/>
-          </a:prstGeom>
-        </p:spPr>
-        <p:style>
-          <a:lnRef idx="2">
-            <a:schemeClr val="accent1">
-              <a:shade val="50000"/>
-            </a:schemeClr>
-          </a:lnRef>
-          <a:fillRef idx="1">
-            <a:schemeClr val="accent1"/>
-          </a:fillRef>
-          <a:effectRef idx="0">
-            <a:schemeClr val="accent1"/>
-          </a:effectRef>
-          <a:fontRef idx="minor">
-            <a:schemeClr val="lt1"/>
-          </a:fontRef>
-        </p:style>
-        <p:txBody>
-          <a:bodyPr rtlCol="0" anchor="ctr"/>
-          <a:lstStyle/>
-          <a:p>
-            <a:pPr algn="ctr"/>
-            <a:r>
-              <a:rPr lang="zh-CN" altLang="en-US" sz="1200" dirty="0" smtClean="0"/>
-              <a:t>弹性组件及管理</a:t>
-            </a:r>
-            <a:endParaRPr lang="zh-CN" altLang="en-US" sz="1200" dirty="0"/>
-          </a:p>
-        </p:txBody>
-      </p:sp>
-      <p:sp>
-        <p:nvSpPr>
-          <p:cNvPr id="60" name="矩形 59"/>
-          <p:cNvSpPr/>
-          <p:nvPr/>
-        </p:nvSpPr>
-        <p:spPr>
-          <a:xfrm>
-            <a:off x="6494264" y="5444780"/>
-            <a:ext cx="936104" cy="504056"/>
-          </a:xfrm>
-          <a:prstGeom prst="rect">
-            <a:avLst/>
-          </a:prstGeom>
-        </p:spPr>
-        <p:style>
-          <a:lnRef idx="2">
-            <a:schemeClr val="accent1">
-              <a:shade val="50000"/>
-            </a:schemeClr>
-          </a:lnRef>
-          <a:fillRef idx="1">
-            <a:schemeClr val="accent1"/>
-          </a:fillRef>
-          <a:effectRef idx="0">
-            <a:schemeClr val="accent1"/>
-          </a:effectRef>
-          <a:fontRef idx="minor">
-            <a:schemeClr val="lt1"/>
-          </a:fontRef>
-        </p:style>
-        <p:txBody>
-          <a:bodyPr rtlCol="0" anchor="ctr"/>
-          <a:lstStyle/>
-          <a:p>
-            <a:pPr algn="ctr"/>
-            <a:r>
-              <a:rPr lang="en-US" altLang="zh-CN" sz="1200" dirty="0"/>
-              <a:t>safe</a:t>
-            </a:r>
-            <a:endParaRPr lang="zh-CN" altLang="en-US" sz="1200" dirty="0"/>
-          </a:p>
-        </p:txBody>
-      </p:sp>
-      <p:sp>
-        <p:nvSpPr>
-          <p:cNvPr id="8" name="矩形 7"/>
-          <p:cNvSpPr/>
-          <p:nvPr/>
-        </p:nvSpPr>
-        <p:spPr>
-          <a:xfrm>
-            <a:off x="2325936" y="3159522"/>
-            <a:ext cx="1368152" cy="576064"/>
+            <a:off x="3118024" y="5391770"/>
+            <a:ext cx="5258667" cy="504056"/>
           </a:xfrm>
           <a:prstGeom prst="rect">
             <a:avLst/>
@@ -10983,24 +9230,20 @@
           <a:p>
             <a:pPr algn="ctr"/>
             <a:r>
-              <a:rPr lang="en-US" altLang="zh-CN" sz="1400" dirty="0" smtClean="0">
+              <a:rPr lang="zh-CN" altLang="en-US" dirty="0" smtClean="0">
                 <a:solidFill>
-                  <a:srgbClr val="0070C0"/>
+                  <a:schemeClr val="accent1">
+                    <a:lumMod val="75000"/>
+                  </a:schemeClr>
                 </a:solidFill>
               </a:rPr>
-              <a:t>Web</a:t>
-            </a:r>
-            <a:r>
-              <a:rPr lang="zh-CN" altLang="en-US" sz="1400" dirty="0" smtClean="0">
-                <a:solidFill>
-                  <a:srgbClr val="0070C0"/>
-                </a:solidFill>
-              </a:rPr>
-              <a:t>应用</a:t>
-            </a:r>
-            <a:endParaRPr lang="zh-CN" altLang="en-US" sz="1400" dirty="0">
+              <a:t>管控中心</a:t>
+            </a:r>
+            <a:endParaRPr lang="zh-CN" altLang="en-US" dirty="0">
               <a:solidFill>
-                <a:srgbClr val="0070C0"/>
+                <a:schemeClr val="accent1">
+                  <a:lumMod val="75000"/>
+                </a:schemeClr>
               </a:solidFill>
             </a:endParaRPr>
           </a:p>
@@ -11008,22 +9251,21 @@
       </p:sp>
       <p:sp>
         <p:nvSpPr>
-          <p:cNvPr id="36" name="矩形 35"/>
+          <p:cNvPr id="22" name="矩形 21"/>
           <p:cNvSpPr/>
           <p:nvPr/>
         </p:nvSpPr>
         <p:spPr>
           <a:xfrm>
-            <a:off x="2330436" y="3887986"/>
-            <a:ext cx="1368152" cy="576064"/>
+            <a:off x="8822961" y="3406876"/>
+            <a:ext cx="2232248" cy="2477888"/>
           </a:xfrm>
           <a:prstGeom prst="rect">
             <a:avLst/>
           </a:prstGeom>
           <a:solidFill>
-            <a:schemeClr val="accent5">
-              <a:lumMod val="40000"/>
-              <a:lumOff val="60000"/>
+            <a:schemeClr val="bg1">
+              <a:lumMod val="85000"/>
             </a:schemeClr>
           </a:solidFill>
           <a:ln>
@@ -11052,44 +9294,59 @@
           <a:p>
             <a:pPr algn="ctr"/>
             <a:r>
-              <a:rPr lang="zh-CN" altLang="en-US" sz="1400" dirty="0" smtClean="0">
+              <a:rPr lang="zh-CN" altLang="en-US" dirty="0" smtClean="0">
                 <a:solidFill>
-                  <a:srgbClr val="0070C0"/>
+                  <a:schemeClr val="accent1">
+                    <a:lumMod val="75000"/>
+                  </a:schemeClr>
                 </a:solidFill>
               </a:rPr>
-              <a:t>数据应用</a:t>
-            </a:r>
-            <a:endParaRPr lang="en-US" altLang="zh-CN" sz="1400" dirty="0" smtClean="0">
+              <a:t>数据中心</a:t>
+            </a:r>
+            <a:endParaRPr lang="en-US" altLang="zh-CN" dirty="0" smtClean="0">
               <a:solidFill>
-                <a:srgbClr val="0070C0"/>
+                <a:schemeClr val="accent1">
+                  <a:lumMod val="75000"/>
+                </a:schemeClr>
               </a:solidFill>
             </a:endParaRPr>
           </a:p>
-        </p:txBody>
-      </p:sp>
-      <p:sp>
-        <p:nvSpPr>
-          <p:cNvPr id="37" name="矩形 36"/>
+          <a:p>
+            <a:pPr algn="ctr"/>
+            <a:r>
+              <a:rPr lang="zh-CN" altLang="en-US" dirty="0" smtClean="0">
+                <a:solidFill>
+                  <a:schemeClr val="accent1">
+                    <a:lumMod val="75000"/>
+                  </a:schemeClr>
+                </a:solidFill>
+              </a:rPr>
+              <a:t>数据仓库</a:t>
+            </a:r>
+            <a:endParaRPr lang="zh-CN" altLang="en-US" dirty="0">
+              <a:solidFill>
+                <a:schemeClr val="accent1">
+                  <a:lumMod val="75000"/>
+                </a:schemeClr>
+              </a:solidFill>
+            </a:endParaRPr>
+          </a:p>
+        </p:txBody>
+      </p:sp>
+      <p:sp>
+        <p:nvSpPr>
+          <p:cNvPr id="23" name="矩形 22"/>
           <p:cNvSpPr/>
           <p:nvPr/>
         </p:nvSpPr>
         <p:spPr>
           <a:xfrm>
-            <a:off x="2330436" y="4599682"/>
-            <a:ext cx="1368152" cy="576064"/>
+            <a:off x="8732440" y="1359322"/>
+            <a:ext cx="2665958" cy="792088"/>
           </a:xfrm>
           <a:prstGeom prst="rect">
             <a:avLst/>
           </a:prstGeom>
-          <a:solidFill>
-            <a:schemeClr val="accent5">
-              <a:lumMod val="40000"/>
-              <a:lumOff val="60000"/>
-            </a:schemeClr>
-          </a:solidFill>
-          <a:ln>
-            <a:noFill/>
-          </a:ln>
         </p:spPr>
         <p:style>
           <a:lnRef idx="2">
@@ -11113,39 +9370,205 @@
           <a:p>
             <a:pPr algn="ctr"/>
             <a:r>
-              <a:rPr lang="en-US" altLang="zh-CN" sz="1400" dirty="0" smtClean="0">
-                <a:solidFill>
-                  <a:srgbClr val="0070C0"/>
-                </a:solidFill>
-              </a:rPr>
-              <a:t>Job</a:t>
-            </a:r>
-          </a:p>
-        </p:txBody>
-      </p:sp>
-      <p:sp>
-        <p:nvSpPr>
-          <p:cNvPr id="38" name="矩形 37"/>
+              <a:rPr lang="zh-CN" altLang="en-US" dirty="0" smtClean="0"/>
+              <a:t>海关、</a:t>
+            </a:r>
+            <a:r>
+              <a:rPr lang="en-US" altLang="zh-CN" dirty="0" smtClean="0"/>
+              <a:t>H2k</a:t>
+            </a:r>
+            <a:r>
+              <a:rPr lang="zh-CN" altLang="en-US" dirty="0" smtClean="0"/>
+              <a:t>数据</a:t>
+            </a:r>
+            <a:endParaRPr lang="zh-CN" altLang="en-US" dirty="0"/>
+          </a:p>
+        </p:txBody>
+      </p:sp>
+      <p:cxnSp>
+        <p:nvCxnSpPr>
+          <p:cNvPr id="25" name="直接箭头连接符 24"/>
+          <p:cNvCxnSpPr>
+            <a:stCxn id="23" idx="2"/>
+          </p:cNvCxnSpPr>
+          <p:nvPr/>
+        </p:nvCxnSpPr>
+        <p:spPr>
+          <a:xfrm>
+            <a:off x="10065419" y="2151410"/>
+            <a:ext cx="0" cy="1260000"/>
+          </a:xfrm>
+          <a:prstGeom prst="straightConnector1">
+            <a:avLst/>
+          </a:prstGeom>
+          <a:ln w="38100">
+            <a:prstDash val="dash"/>
+            <a:headEnd type="none"/>
+            <a:tailEnd type="triangle"/>
+          </a:ln>
+        </p:spPr>
+        <p:style>
+          <a:lnRef idx="1">
+            <a:schemeClr val="accent1"/>
+          </a:lnRef>
+          <a:fillRef idx="0">
+            <a:schemeClr val="accent1"/>
+          </a:fillRef>
+          <a:effectRef idx="0">
+            <a:schemeClr val="accent1"/>
+          </a:effectRef>
+          <a:fontRef idx="minor">
+            <a:schemeClr val="tx1"/>
+          </a:fontRef>
+        </p:style>
+      </p:cxnSp>
+      <p:cxnSp>
+        <p:nvCxnSpPr>
+          <p:cNvPr id="28" name="直接箭头连接符 27"/>
+          <p:cNvCxnSpPr/>
+          <p:nvPr/>
+        </p:nvCxnSpPr>
+        <p:spPr>
+          <a:xfrm>
+            <a:off x="8376690" y="4024718"/>
+            <a:ext cx="446271" cy="0"/>
+          </a:xfrm>
+          <a:prstGeom prst="straightConnector1">
+            <a:avLst/>
+          </a:prstGeom>
+          <a:ln>
+            <a:tailEnd type="arrow"/>
+          </a:ln>
+        </p:spPr>
+        <p:style>
+          <a:lnRef idx="1">
+            <a:schemeClr val="accent1"/>
+          </a:lnRef>
+          <a:fillRef idx="0">
+            <a:schemeClr val="accent1"/>
+          </a:fillRef>
+          <a:effectRef idx="0">
+            <a:schemeClr val="accent1"/>
+          </a:effectRef>
+          <a:fontRef idx="minor">
+            <a:schemeClr val="tx1"/>
+          </a:fontRef>
+        </p:style>
+      </p:cxnSp>
+      <p:cxnSp>
+        <p:nvCxnSpPr>
+          <p:cNvPr id="31" name="直接箭头连接符 30"/>
+          <p:cNvCxnSpPr>
+            <a:stCxn id="22" idx="1"/>
+          </p:cNvCxnSpPr>
+          <p:nvPr/>
+        </p:nvCxnSpPr>
+        <p:spPr>
+          <a:xfrm flipH="1">
+            <a:off x="8376691" y="4645820"/>
+            <a:ext cx="446270" cy="0"/>
+          </a:xfrm>
+          <a:prstGeom prst="straightConnector1">
+            <a:avLst/>
+          </a:prstGeom>
+          <a:ln>
+            <a:tailEnd type="arrow"/>
+          </a:ln>
+        </p:spPr>
+        <p:style>
+          <a:lnRef idx="1">
+            <a:schemeClr val="accent1"/>
+          </a:lnRef>
+          <a:fillRef idx="0">
+            <a:schemeClr val="accent1"/>
+          </a:fillRef>
+          <a:effectRef idx="0">
+            <a:schemeClr val="accent1"/>
+          </a:effectRef>
+          <a:fontRef idx="minor">
+            <a:schemeClr val="tx1"/>
+          </a:fontRef>
+        </p:style>
+      </p:cxnSp>
+      <p:cxnSp>
+        <p:nvCxnSpPr>
+          <p:cNvPr id="34" name="直接箭头连接符 33"/>
+          <p:cNvCxnSpPr>
+            <a:stCxn id="18" idx="0"/>
+          </p:cNvCxnSpPr>
+          <p:nvPr/>
+        </p:nvCxnSpPr>
+        <p:spPr>
+          <a:xfrm flipV="1">
+            <a:off x="5244343" y="1837708"/>
+            <a:ext cx="0" cy="2185100"/>
+          </a:xfrm>
+          <a:prstGeom prst="straightConnector1">
+            <a:avLst/>
+          </a:prstGeom>
+          <a:ln>
+            <a:tailEnd type="arrow"/>
+          </a:ln>
+        </p:spPr>
+        <p:style>
+          <a:lnRef idx="1">
+            <a:schemeClr val="accent1"/>
+          </a:lnRef>
+          <a:fillRef idx="0">
+            <a:schemeClr val="accent1"/>
+          </a:fillRef>
+          <a:effectRef idx="0">
+            <a:schemeClr val="accent1"/>
+          </a:effectRef>
+          <a:fontRef idx="minor">
+            <a:schemeClr val="tx1"/>
+          </a:fontRef>
+        </p:style>
+      </p:cxnSp>
+      <p:sp>
+        <p:nvSpPr>
+          <p:cNvPr id="36" name="TextBox 35"/>
+          <p:cNvSpPr txBox="1"/>
+          <p:nvPr/>
+        </p:nvSpPr>
+        <p:spPr>
+          <a:xfrm>
+            <a:off x="4056211" y="1325267"/>
+            <a:ext cx="2031325" cy="461665"/>
+          </a:xfrm>
+          <a:prstGeom prst="rect">
+            <a:avLst/>
+          </a:prstGeom>
+          <a:noFill/>
+        </p:spPr>
+        <p:txBody>
+          <a:bodyPr wrap="none" rtlCol="0">
+            <a:spAutoFit/>
+          </a:bodyPr>
+          <a:lstStyle/>
+          <a:p>
+            <a:r>
+              <a:rPr lang="zh-CN" altLang="en-US" dirty="0" smtClean="0"/>
+              <a:t>外部用户使用</a:t>
+            </a:r>
+            <a:endParaRPr lang="zh-CN" altLang="en-US" dirty="0"/>
+          </a:p>
+        </p:txBody>
+      </p:sp>
+      <p:sp>
+        <p:nvSpPr>
+          <p:cNvPr id="37" name="矩形 36"/>
           <p:cNvSpPr/>
           <p:nvPr/>
         </p:nvSpPr>
         <p:spPr>
           <a:xfrm>
-            <a:off x="2330436" y="5319762"/>
-            <a:ext cx="1368152" cy="576064"/>
+            <a:off x="8822961" y="6687914"/>
+            <a:ext cx="2577520" cy="1440160"/>
           </a:xfrm>
           <a:prstGeom prst="rect">
             <a:avLst/>
           </a:prstGeom>
-          <a:solidFill>
-            <a:schemeClr val="accent5">
-              <a:lumMod val="40000"/>
-              <a:lumOff val="60000"/>
-            </a:schemeClr>
-          </a:solidFill>
-          <a:ln>
-            <a:noFill/>
-          </a:ln>
         </p:spPr>
         <p:style>
           <a:lnRef idx="2">
@@ -11169,25 +9592,274 @@
           <a:p>
             <a:pPr algn="ctr"/>
             <a:r>
-              <a:rPr lang="zh-CN" altLang="en-US" sz="1400" dirty="0">
-                <a:solidFill>
-                  <a:srgbClr val="0070C0"/>
-                </a:solidFill>
-              </a:rPr>
-              <a:t>微服务</a:t>
-            </a:r>
-            <a:endParaRPr lang="en-US" altLang="zh-CN" sz="1400" dirty="0" smtClean="0">
-              <a:solidFill>
-                <a:srgbClr val="0070C0"/>
-              </a:solidFill>
-            </a:endParaRPr>
-          </a:p>
-        </p:txBody>
-      </p:sp>
+              <a:rPr lang="zh-CN" altLang="en-US" dirty="0" smtClean="0"/>
+              <a:t>海关内部系统</a:t>
+            </a:r>
+            <a:endParaRPr lang="zh-CN" altLang="en-US" dirty="0"/>
+          </a:p>
+        </p:txBody>
+      </p:sp>
+      <p:cxnSp>
+        <p:nvCxnSpPr>
+          <p:cNvPr id="39" name="直接箭头连接符 38"/>
+          <p:cNvCxnSpPr>
+            <a:stCxn id="22" idx="2"/>
+          </p:cNvCxnSpPr>
+          <p:nvPr/>
+        </p:nvCxnSpPr>
+        <p:spPr>
+          <a:xfrm>
+            <a:off x="9939085" y="5884764"/>
+            <a:ext cx="0" cy="803150"/>
+          </a:xfrm>
+          <a:prstGeom prst="straightConnector1">
+            <a:avLst/>
+          </a:prstGeom>
+          <a:ln>
+            <a:headEnd type="arrow"/>
+            <a:tailEnd type="arrow"/>
+          </a:ln>
+        </p:spPr>
+        <p:style>
+          <a:lnRef idx="1">
+            <a:schemeClr val="accent1"/>
+          </a:lnRef>
+          <a:fillRef idx="0">
+            <a:schemeClr val="accent1"/>
+          </a:fillRef>
+          <a:effectRef idx="0">
+            <a:schemeClr val="accent1"/>
+          </a:effectRef>
+          <a:fontRef idx="minor">
+            <a:schemeClr val="tx1"/>
+          </a:fontRef>
+        </p:style>
+      </p:cxnSp>
+      <p:sp>
+        <p:nvSpPr>
+          <p:cNvPr id="41" name="矩形 40"/>
+          <p:cNvSpPr/>
+          <p:nvPr/>
+        </p:nvSpPr>
+        <p:spPr>
+          <a:xfrm>
+            <a:off x="3971853" y="6687915"/>
+            <a:ext cx="3551008" cy="1455900"/>
+          </a:xfrm>
+          <a:prstGeom prst="rect">
+            <a:avLst/>
+          </a:prstGeom>
+        </p:spPr>
+        <p:style>
+          <a:lnRef idx="2">
+            <a:schemeClr val="accent1">
+              <a:shade val="50000"/>
+            </a:schemeClr>
+          </a:lnRef>
+          <a:fillRef idx="1">
+            <a:schemeClr val="accent1"/>
+          </a:fillRef>
+          <a:effectRef idx="0">
+            <a:schemeClr val="accent1"/>
+          </a:effectRef>
+          <a:fontRef idx="minor">
+            <a:schemeClr val="lt1"/>
+          </a:fontRef>
+        </p:style>
+        <p:txBody>
+          <a:bodyPr rtlCol="0" anchor="ctr"/>
+          <a:lstStyle/>
+          <a:p>
+            <a:pPr algn="ctr"/>
+            <a:r>
+              <a:rPr lang="zh-CN" altLang="en-US" dirty="0" smtClean="0"/>
+              <a:t>运维及内部管理</a:t>
+            </a:r>
+            <a:endParaRPr lang="zh-CN" altLang="en-US" dirty="0"/>
+          </a:p>
+        </p:txBody>
+      </p:sp>
+      <p:cxnSp>
+        <p:nvCxnSpPr>
+          <p:cNvPr id="43" name="直接箭头连接符 42"/>
+          <p:cNvCxnSpPr>
+            <a:stCxn id="41" idx="0"/>
+          </p:cNvCxnSpPr>
+          <p:nvPr/>
+        </p:nvCxnSpPr>
+        <p:spPr>
+          <a:xfrm flipV="1">
+            <a:off x="5747357" y="6039843"/>
+            <a:ext cx="0" cy="648072"/>
+          </a:xfrm>
+          <a:prstGeom prst="straightConnector1">
+            <a:avLst/>
+          </a:prstGeom>
+          <a:ln>
+            <a:headEnd type="arrow"/>
+            <a:tailEnd type="arrow"/>
+          </a:ln>
+        </p:spPr>
+        <p:style>
+          <a:lnRef idx="1">
+            <a:schemeClr val="accent1"/>
+          </a:lnRef>
+          <a:fillRef idx="0">
+            <a:schemeClr val="accent1"/>
+          </a:fillRef>
+          <a:effectRef idx="0">
+            <a:schemeClr val="accent1"/>
+          </a:effectRef>
+          <a:fontRef idx="minor">
+            <a:schemeClr val="tx1"/>
+          </a:fontRef>
+        </p:style>
+      </p:cxnSp>
+      <p:sp>
+        <p:nvSpPr>
+          <p:cNvPr id="49" name="TextBox 48"/>
+          <p:cNvSpPr txBox="1"/>
+          <p:nvPr/>
+        </p:nvSpPr>
+        <p:spPr>
+          <a:xfrm>
+            <a:off x="6574408" y="1556099"/>
+            <a:ext cx="2031325" cy="461665"/>
+          </a:xfrm>
+          <a:prstGeom prst="rect">
+            <a:avLst/>
+          </a:prstGeom>
+          <a:noFill/>
+        </p:spPr>
+        <p:txBody>
+          <a:bodyPr wrap="none" rtlCol="0">
+            <a:spAutoFit/>
+          </a:bodyPr>
+          <a:lstStyle/>
+          <a:p>
+            <a:r>
+              <a:rPr lang="zh-CN" altLang="en-US" dirty="0" smtClean="0"/>
+              <a:t>外部系统调用</a:t>
+            </a:r>
+            <a:endParaRPr lang="zh-CN" altLang="en-US" dirty="0"/>
+          </a:p>
+        </p:txBody>
+      </p:sp>
+      <p:cxnSp>
+        <p:nvCxnSpPr>
+          <p:cNvPr id="51" name="直接箭头连接符 50"/>
+          <p:cNvCxnSpPr>
+            <a:stCxn id="16" idx="0"/>
+          </p:cNvCxnSpPr>
+          <p:nvPr/>
+        </p:nvCxnSpPr>
+        <p:spPr>
+          <a:xfrm flipV="1">
+            <a:off x="7234829" y="2017764"/>
+            <a:ext cx="0" cy="2006954"/>
+          </a:xfrm>
+          <a:prstGeom prst="straightConnector1">
+            <a:avLst/>
+          </a:prstGeom>
+          <a:ln>
+            <a:tailEnd type="arrow"/>
+          </a:ln>
+        </p:spPr>
+        <p:style>
+          <a:lnRef idx="1">
+            <a:schemeClr val="accent1"/>
+          </a:lnRef>
+          <a:fillRef idx="0">
+            <a:schemeClr val="accent1"/>
+          </a:fillRef>
+          <a:effectRef idx="0">
+            <a:schemeClr val="accent1"/>
+          </a:effectRef>
+          <a:fontRef idx="minor">
+            <a:schemeClr val="tx1"/>
+          </a:fontRef>
+        </p:style>
+      </p:cxnSp>
+      <p:sp>
+        <p:nvSpPr>
+          <p:cNvPr id="53" name="TextBox 52"/>
+          <p:cNvSpPr txBox="1"/>
+          <p:nvPr/>
+        </p:nvSpPr>
+        <p:spPr>
+          <a:xfrm>
+            <a:off x="584734" y="4167634"/>
+            <a:ext cx="1107996" cy="830997"/>
+          </a:xfrm>
+          <a:prstGeom prst="rect">
+            <a:avLst/>
+          </a:prstGeom>
+          <a:noFill/>
+        </p:spPr>
+        <p:txBody>
+          <a:bodyPr wrap="none" rtlCol="0">
+            <a:spAutoFit/>
+          </a:bodyPr>
+          <a:lstStyle/>
+          <a:p>
+            <a:r>
+              <a:rPr lang="zh-CN" altLang="en-US" dirty="0" smtClean="0"/>
+              <a:t>企业</a:t>
+            </a:r>
+            <a:r>
+              <a:rPr lang="zh-CN" altLang="en-US" dirty="0"/>
+              <a:t>用</a:t>
+            </a:r>
+            <a:endParaRPr lang="en-US" altLang="zh-CN" dirty="0" smtClean="0"/>
+          </a:p>
+          <a:p>
+            <a:r>
+              <a:rPr lang="zh-CN" altLang="en-US" dirty="0" smtClean="0"/>
+              <a:t>户使用</a:t>
+            </a:r>
+            <a:endParaRPr lang="zh-CN" altLang="en-US" dirty="0"/>
+          </a:p>
+        </p:txBody>
+      </p:sp>
+      <p:cxnSp>
+        <p:nvCxnSpPr>
+          <p:cNvPr id="55" name="直接箭头连接符 54"/>
+          <p:cNvCxnSpPr>
+            <a:stCxn id="10" idx="1"/>
+          </p:cNvCxnSpPr>
+          <p:nvPr/>
+        </p:nvCxnSpPr>
+        <p:spPr>
+          <a:xfrm flipH="1">
+            <a:off x="1692730" y="4454856"/>
+            <a:ext cx="1643401" cy="0"/>
+          </a:xfrm>
+          <a:prstGeom prst="straightConnector1">
+            <a:avLst/>
+          </a:prstGeom>
+          <a:ln>
+            <a:tailEnd type="arrow"/>
+          </a:ln>
+        </p:spPr>
+        <p:style>
+          <a:lnRef idx="1">
+            <a:schemeClr val="accent1"/>
+          </a:lnRef>
+          <a:fillRef idx="0">
+            <a:schemeClr val="accent1"/>
+          </a:fillRef>
+          <a:effectRef idx="0">
+            <a:schemeClr val="accent1"/>
+          </a:effectRef>
+          <a:fontRef idx="minor">
+            <a:schemeClr val="tx1"/>
+          </a:fontRef>
+        </p:style>
+      </p:cxnSp>
     </p:spTree>
     <p:extLst>
       <p:ext uri="{BB962C8B-B14F-4D97-AF65-F5344CB8AC3E}">
-        <p14:creationId xmlns:p14="http://schemas.microsoft.com/office/powerpoint/2010/main" val="3583576920"/>
+        <p14:creationId xmlns:p14="http://schemas.microsoft.com/office/powerpoint/2010/main" val="1558562998"/>
       </p:ext>
     </p:extLst>
   </p:cSld>
@@ -11359,6 +10031,3036 @@
         <p:spPr>
           <a:xfrm>
             <a:off x="885776" y="-13911"/>
+            <a:ext cx="8712968" cy="801897"/>
+          </a:xfrm>
+          <a:prstGeom prst="rect">
+            <a:avLst/>
+          </a:prstGeom>
+          <a:noFill/>
+        </p:spPr>
+        <p:txBody>
+          <a:bodyPr wrap="square" lIns="123581" tIns="61791" rIns="123581" bIns="61791" rtlCol="0">
+            <a:spAutoFit/>
+          </a:bodyPr>
+          <a:lstStyle/>
+          <a:p>
+            <a:r>
+              <a:rPr lang="zh-CN" altLang="en-US" sz="4400" dirty="0" smtClean="0">
+                <a:solidFill>
+                  <a:srgbClr val="0070C0"/>
+                </a:solidFill>
+                <a:latin typeface="黑体" panose="02010609060101010101" pitchFamily="49" charset="-122"/>
+                <a:ea typeface="黑体" panose="02010609060101010101" pitchFamily="49" charset="-122"/>
+              </a:rPr>
+              <a:t>最终架构</a:t>
+            </a:r>
+            <a:r>
+              <a:rPr lang="zh-CN" altLang="en-US" sz="4400" dirty="0">
+                <a:solidFill>
+                  <a:srgbClr val="0070C0"/>
+                </a:solidFill>
+                <a:latin typeface="黑体" panose="02010609060101010101" pitchFamily="49" charset="-122"/>
+                <a:ea typeface="黑体" panose="02010609060101010101" pitchFamily="49" charset="-122"/>
+              </a:rPr>
+              <a:t>总体</a:t>
+            </a:r>
+          </a:p>
+        </p:txBody>
+      </p:sp>
+      <p:cxnSp>
+        <p:nvCxnSpPr>
+          <p:cNvPr id="7" name="直接连接符 6"/>
+          <p:cNvCxnSpPr/>
+          <p:nvPr/>
+        </p:nvCxnSpPr>
+        <p:spPr>
+          <a:xfrm>
+            <a:off x="584734" y="787986"/>
+            <a:ext cx="11367663" cy="0"/>
+          </a:xfrm>
+          <a:prstGeom prst="line">
+            <a:avLst/>
+          </a:prstGeom>
+          <a:ln>
+            <a:solidFill>
+              <a:schemeClr val="tx1">
+                <a:lumMod val="50000"/>
+                <a:lumOff val="50000"/>
+              </a:schemeClr>
+            </a:solidFill>
+          </a:ln>
+        </p:spPr>
+        <p:style>
+          <a:lnRef idx="1">
+            <a:schemeClr val="accent1"/>
+          </a:lnRef>
+          <a:fillRef idx="0">
+            <a:schemeClr val="accent1"/>
+          </a:fillRef>
+          <a:effectRef idx="0">
+            <a:schemeClr val="accent1"/>
+          </a:effectRef>
+          <a:fontRef idx="minor">
+            <a:schemeClr val="tx1"/>
+          </a:fontRef>
+        </p:style>
+      </p:cxnSp>
+      <p:sp>
+        <p:nvSpPr>
+          <p:cNvPr id="2" name="矩形 1"/>
+          <p:cNvSpPr/>
+          <p:nvPr/>
+        </p:nvSpPr>
+        <p:spPr>
+          <a:xfrm>
+            <a:off x="1461840" y="1719362"/>
+            <a:ext cx="8640960" cy="5544616"/>
+          </a:xfrm>
+          <a:prstGeom prst="rect">
+            <a:avLst/>
+          </a:prstGeom>
+        </p:spPr>
+        <p:style>
+          <a:lnRef idx="2">
+            <a:schemeClr val="accent1">
+              <a:shade val="50000"/>
+            </a:schemeClr>
+          </a:lnRef>
+          <a:fillRef idx="1">
+            <a:schemeClr val="accent1"/>
+          </a:fillRef>
+          <a:effectRef idx="0">
+            <a:schemeClr val="accent1"/>
+          </a:effectRef>
+          <a:fontRef idx="minor">
+            <a:schemeClr val="lt1"/>
+          </a:fontRef>
+        </p:style>
+        <p:txBody>
+          <a:bodyPr rtlCol="0" anchor="ctr"/>
+          <a:lstStyle/>
+          <a:p>
+            <a:pPr algn="ctr"/>
+            <a:endParaRPr lang="zh-CN" altLang="en-US"/>
+          </a:p>
+        </p:txBody>
+      </p:sp>
+      <p:sp>
+        <p:nvSpPr>
+          <p:cNvPr id="3" name="矩形 2"/>
+          <p:cNvSpPr/>
+          <p:nvPr/>
+        </p:nvSpPr>
+        <p:spPr>
+          <a:xfrm>
+            <a:off x="1460947" y="7407994"/>
+            <a:ext cx="8640960" cy="911733"/>
+          </a:xfrm>
+          <a:prstGeom prst="rect">
+            <a:avLst/>
+          </a:prstGeom>
+          <a:solidFill>
+            <a:schemeClr val="bg1">
+              <a:lumMod val="65000"/>
+            </a:schemeClr>
+          </a:solidFill>
+          <a:ln>
+            <a:noFill/>
+          </a:ln>
+        </p:spPr>
+        <p:style>
+          <a:lnRef idx="2">
+            <a:schemeClr val="accent1">
+              <a:shade val="50000"/>
+            </a:schemeClr>
+          </a:lnRef>
+          <a:fillRef idx="1">
+            <a:schemeClr val="accent1"/>
+          </a:fillRef>
+          <a:effectRef idx="0">
+            <a:schemeClr val="accent1"/>
+          </a:effectRef>
+          <a:fontRef idx="minor">
+            <a:schemeClr val="lt1"/>
+          </a:fontRef>
+        </p:style>
+        <p:txBody>
+          <a:bodyPr rtlCol="0" anchor="ctr"/>
+          <a:lstStyle/>
+          <a:p>
+            <a:pPr algn="ctr"/>
+            <a:r>
+              <a:rPr lang="zh-CN" altLang="en-US" dirty="0" smtClean="0"/>
+              <a:t>基础设施层</a:t>
+            </a:r>
+            <a:endParaRPr lang="zh-CN" altLang="en-US" dirty="0"/>
+          </a:p>
+        </p:txBody>
+      </p:sp>
+      <p:sp>
+        <p:nvSpPr>
+          <p:cNvPr id="11" name="矩形 10"/>
+          <p:cNvSpPr/>
+          <p:nvPr/>
+        </p:nvSpPr>
+        <p:spPr>
+          <a:xfrm>
+            <a:off x="1965896" y="6039842"/>
+            <a:ext cx="3744416" cy="936104"/>
+          </a:xfrm>
+          <a:prstGeom prst="rect">
+            <a:avLst/>
+          </a:prstGeom>
+        </p:spPr>
+        <p:style>
+          <a:lnRef idx="2">
+            <a:schemeClr val="accent2">
+              <a:shade val="50000"/>
+            </a:schemeClr>
+          </a:lnRef>
+          <a:fillRef idx="1">
+            <a:schemeClr val="accent2"/>
+          </a:fillRef>
+          <a:effectRef idx="0">
+            <a:schemeClr val="accent2"/>
+          </a:effectRef>
+          <a:fontRef idx="minor">
+            <a:schemeClr val="lt1"/>
+          </a:fontRef>
+        </p:style>
+        <p:txBody>
+          <a:bodyPr rtlCol="0" anchor="ctr"/>
+          <a:lstStyle/>
+          <a:p>
+            <a:pPr algn="ctr"/>
+            <a:r>
+              <a:rPr lang="zh-CN" altLang="en-US" dirty="0" smtClean="0"/>
+              <a:t>弹性层</a:t>
+            </a:r>
+            <a:r>
+              <a:rPr lang="en-US" altLang="zh-CN" dirty="0" smtClean="0"/>
+              <a:t/>
+            </a:r>
+            <a:br>
+              <a:rPr lang="en-US" altLang="zh-CN" dirty="0" smtClean="0"/>
+            </a:br>
+            <a:r>
+              <a:rPr lang="en-US" altLang="zh-CN" dirty="0" err="1" smtClean="0"/>
+              <a:t>linux+docker</a:t>
+            </a:r>
+            <a:endParaRPr lang="zh-CN" altLang="en-US" dirty="0"/>
+          </a:p>
+        </p:txBody>
+      </p:sp>
+      <p:sp>
+        <p:nvSpPr>
+          <p:cNvPr id="12" name="矩形 11"/>
+          <p:cNvSpPr/>
+          <p:nvPr/>
+        </p:nvSpPr>
+        <p:spPr>
+          <a:xfrm>
+            <a:off x="5926336" y="6039842"/>
+            <a:ext cx="3816424" cy="936104"/>
+          </a:xfrm>
+          <a:prstGeom prst="rect">
+            <a:avLst/>
+          </a:prstGeom>
+        </p:spPr>
+        <p:style>
+          <a:lnRef idx="2">
+            <a:schemeClr val="accent6">
+              <a:shade val="50000"/>
+            </a:schemeClr>
+          </a:lnRef>
+          <a:fillRef idx="1">
+            <a:schemeClr val="accent6"/>
+          </a:fillRef>
+          <a:effectRef idx="0">
+            <a:schemeClr val="accent6"/>
+          </a:effectRef>
+          <a:fontRef idx="minor">
+            <a:schemeClr val="lt1"/>
+          </a:fontRef>
+        </p:style>
+        <p:txBody>
+          <a:bodyPr rtlCol="0" anchor="ctr"/>
+          <a:lstStyle/>
+          <a:p>
+            <a:pPr algn="ctr"/>
+            <a:r>
+              <a:rPr lang="zh-CN" altLang="en-US" dirty="0" smtClean="0"/>
+              <a:t>非弹性</a:t>
+            </a:r>
+            <a:r>
+              <a:rPr lang="zh-CN" altLang="en-US" dirty="0" smtClean="0"/>
+              <a:t>层</a:t>
+            </a:r>
+            <a:endParaRPr lang="en-US" altLang="zh-CN" dirty="0" smtClean="0"/>
+          </a:p>
+          <a:p>
+            <a:pPr algn="ctr"/>
+            <a:r>
+              <a:rPr lang="en-US" altLang="zh-CN" dirty="0" err="1" smtClean="0"/>
+              <a:t>linux</a:t>
+            </a:r>
+            <a:r>
+              <a:rPr lang="en-US" altLang="zh-CN" dirty="0" smtClean="0"/>
+              <a:t>/</a:t>
+            </a:r>
+            <a:r>
+              <a:rPr lang="en-US" altLang="zh-CN" dirty="0" err="1" smtClean="0"/>
+              <a:t>windowServer</a:t>
+            </a:r>
+            <a:endParaRPr lang="zh-CN" altLang="en-US" dirty="0"/>
+          </a:p>
+        </p:txBody>
+      </p:sp>
+      <p:sp>
+        <p:nvSpPr>
+          <p:cNvPr id="13" name="矩形 12"/>
+          <p:cNvSpPr/>
+          <p:nvPr/>
+        </p:nvSpPr>
+        <p:spPr>
+          <a:xfrm>
+            <a:off x="4270152" y="2655466"/>
+            <a:ext cx="3240360" cy="3312368"/>
+          </a:xfrm>
+          <a:prstGeom prst="rect">
+            <a:avLst/>
+          </a:prstGeom>
+        </p:spPr>
+        <p:style>
+          <a:lnRef idx="2">
+            <a:schemeClr val="accent5">
+              <a:shade val="50000"/>
+            </a:schemeClr>
+          </a:lnRef>
+          <a:fillRef idx="1">
+            <a:schemeClr val="accent5"/>
+          </a:fillRef>
+          <a:effectRef idx="0">
+            <a:schemeClr val="accent5"/>
+          </a:effectRef>
+          <a:fontRef idx="minor">
+            <a:schemeClr val="lt1"/>
+          </a:fontRef>
+        </p:style>
+        <p:txBody>
+          <a:bodyPr rtlCol="0" anchor="t"/>
+          <a:lstStyle/>
+          <a:p>
+            <a:pPr algn="ctr"/>
+            <a:r>
+              <a:rPr lang="zh-CN" altLang="en-US" dirty="0" smtClean="0"/>
+              <a:t>基础层</a:t>
+            </a:r>
+            <a:endParaRPr lang="zh-CN" altLang="en-US" dirty="0"/>
+          </a:p>
+        </p:txBody>
+      </p:sp>
+      <p:sp>
+        <p:nvSpPr>
+          <p:cNvPr id="14" name="矩形 13"/>
+          <p:cNvSpPr/>
+          <p:nvPr/>
+        </p:nvSpPr>
+        <p:spPr>
+          <a:xfrm>
+            <a:off x="1965896" y="2674464"/>
+            <a:ext cx="2088232" cy="3293370"/>
+          </a:xfrm>
+          <a:prstGeom prst="rect">
+            <a:avLst/>
+          </a:prstGeom>
+          <a:solidFill>
+            <a:schemeClr val="bg2">
+              <a:lumMod val="90000"/>
+            </a:schemeClr>
+          </a:solidFill>
+          <a:ln>
+            <a:noFill/>
+          </a:ln>
+        </p:spPr>
+        <p:style>
+          <a:lnRef idx="2">
+            <a:schemeClr val="accent1">
+              <a:shade val="50000"/>
+            </a:schemeClr>
+          </a:lnRef>
+          <a:fillRef idx="1">
+            <a:schemeClr val="accent1"/>
+          </a:fillRef>
+          <a:effectRef idx="0">
+            <a:schemeClr val="accent1"/>
+          </a:effectRef>
+          <a:fontRef idx="minor">
+            <a:schemeClr val="lt1"/>
+          </a:fontRef>
+        </p:style>
+        <p:txBody>
+          <a:bodyPr rtlCol="0" anchor="t"/>
+          <a:lstStyle/>
+          <a:p>
+            <a:pPr algn="ctr"/>
+            <a:r>
+              <a:rPr lang="en-US" altLang="zh-CN" dirty="0" smtClean="0"/>
+              <a:t>CNAs</a:t>
+            </a:r>
+            <a:endParaRPr lang="zh-CN" altLang="en-US" dirty="0"/>
+          </a:p>
+        </p:txBody>
+      </p:sp>
+      <p:sp>
+        <p:nvSpPr>
+          <p:cNvPr id="15" name="矩形 14"/>
+          <p:cNvSpPr/>
+          <p:nvPr/>
+        </p:nvSpPr>
+        <p:spPr>
+          <a:xfrm>
+            <a:off x="7726536" y="2655466"/>
+            <a:ext cx="2016224" cy="3312368"/>
+          </a:xfrm>
+          <a:prstGeom prst="rect">
+            <a:avLst/>
+          </a:prstGeom>
+          <a:solidFill>
+            <a:schemeClr val="bg2">
+              <a:lumMod val="90000"/>
+            </a:schemeClr>
+          </a:solidFill>
+          <a:ln>
+            <a:noFill/>
+          </a:ln>
+        </p:spPr>
+        <p:style>
+          <a:lnRef idx="2">
+            <a:schemeClr val="accent1">
+              <a:shade val="50000"/>
+            </a:schemeClr>
+          </a:lnRef>
+          <a:fillRef idx="1">
+            <a:schemeClr val="accent1"/>
+          </a:fillRef>
+          <a:effectRef idx="0">
+            <a:schemeClr val="accent1"/>
+          </a:effectRef>
+          <a:fontRef idx="minor">
+            <a:schemeClr val="lt1"/>
+          </a:fontRef>
+        </p:style>
+        <p:txBody>
+          <a:bodyPr rtlCol="0" anchor="ctr"/>
+          <a:lstStyle/>
+          <a:p>
+            <a:pPr algn="ctr"/>
+            <a:r>
+              <a:rPr lang="zh-CN" altLang="en-US" dirty="0"/>
+              <a:t>单体应用</a:t>
+            </a:r>
+            <a:endParaRPr lang="en-US" altLang="zh-CN" dirty="0"/>
+          </a:p>
+          <a:p>
+            <a:pPr algn="ctr"/>
+            <a:r>
+              <a:rPr lang="zh-CN" altLang="en-US" dirty="0"/>
+              <a:t>（原先应用）</a:t>
+            </a:r>
+            <a:endParaRPr lang="zh-CN" altLang="en-US" dirty="0"/>
+          </a:p>
+        </p:txBody>
+      </p:sp>
+      <p:sp>
+        <p:nvSpPr>
+          <p:cNvPr id="17" name="矩形 16"/>
+          <p:cNvSpPr/>
+          <p:nvPr/>
+        </p:nvSpPr>
+        <p:spPr>
+          <a:xfrm>
+            <a:off x="1965896" y="1863378"/>
+            <a:ext cx="7776864" cy="648072"/>
+          </a:xfrm>
+          <a:prstGeom prst="rect">
+            <a:avLst/>
+          </a:prstGeom>
+          <a:solidFill>
+            <a:schemeClr val="accent6">
+              <a:lumMod val="60000"/>
+              <a:lumOff val="40000"/>
+            </a:schemeClr>
+          </a:solidFill>
+          <a:ln>
+            <a:noFill/>
+          </a:ln>
+        </p:spPr>
+        <p:style>
+          <a:lnRef idx="2">
+            <a:schemeClr val="accent1">
+              <a:shade val="50000"/>
+            </a:schemeClr>
+          </a:lnRef>
+          <a:fillRef idx="1">
+            <a:schemeClr val="accent1"/>
+          </a:fillRef>
+          <a:effectRef idx="0">
+            <a:schemeClr val="accent1"/>
+          </a:effectRef>
+          <a:fontRef idx="minor">
+            <a:schemeClr val="lt1"/>
+          </a:fontRef>
+        </p:style>
+        <p:txBody>
+          <a:bodyPr rtlCol="0" anchor="ctr"/>
+          <a:lstStyle/>
+          <a:p>
+            <a:pPr algn="ctr"/>
+            <a:r>
+              <a:rPr lang="zh-CN" altLang="en-US" dirty="0" smtClean="0"/>
+              <a:t>路由层</a:t>
+            </a:r>
+            <a:r>
+              <a:rPr lang="zh-CN" altLang="en-US" dirty="0" smtClean="0"/>
+              <a:t>（路由</a:t>
+            </a:r>
+            <a:r>
+              <a:rPr lang="en-US" altLang="zh-CN" dirty="0" smtClean="0"/>
+              <a:t>/</a:t>
+            </a:r>
+            <a:r>
+              <a:rPr lang="zh-CN" altLang="en-US" dirty="0" smtClean="0"/>
+              <a:t>缓存</a:t>
+            </a:r>
+            <a:r>
+              <a:rPr lang="en-US" altLang="zh-CN" dirty="0" smtClean="0"/>
+              <a:t>/</a:t>
+            </a:r>
+            <a:r>
+              <a:rPr lang="zh-CN" altLang="en-US" dirty="0" smtClean="0"/>
+              <a:t>负载计算）</a:t>
+            </a:r>
+            <a:endParaRPr lang="zh-CN" altLang="en-US" dirty="0"/>
+          </a:p>
+        </p:txBody>
+      </p:sp>
+      <p:sp>
+        <p:nvSpPr>
+          <p:cNvPr id="24" name="矩形 23"/>
+          <p:cNvSpPr/>
+          <p:nvPr/>
+        </p:nvSpPr>
+        <p:spPr>
+          <a:xfrm>
+            <a:off x="1461840" y="787986"/>
+            <a:ext cx="8640067" cy="787360"/>
+          </a:xfrm>
+          <a:prstGeom prst="rect">
+            <a:avLst/>
+          </a:prstGeom>
+          <a:solidFill>
+            <a:schemeClr val="accent3">
+              <a:lumMod val="75000"/>
+            </a:schemeClr>
+          </a:solidFill>
+          <a:ln>
+            <a:noFill/>
+          </a:ln>
+        </p:spPr>
+        <p:style>
+          <a:lnRef idx="2">
+            <a:schemeClr val="accent1">
+              <a:shade val="50000"/>
+            </a:schemeClr>
+          </a:lnRef>
+          <a:fillRef idx="1">
+            <a:schemeClr val="accent1"/>
+          </a:fillRef>
+          <a:effectRef idx="0">
+            <a:schemeClr val="accent1"/>
+          </a:effectRef>
+          <a:fontRef idx="minor">
+            <a:schemeClr val="lt1"/>
+          </a:fontRef>
+        </p:style>
+        <p:txBody>
+          <a:bodyPr rtlCol="0" anchor="ctr"/>
+          <a:lstStyle/>
+          <a:p>
+            <a:pPr algn="ctr"/>
+            <a:r>
+              <a:rPr lang="zh-CN" altLang="en-US" dirty="0" smtClean="0"/>
+              <a:t>用户终端</a:t>
+            </a:r>
+            <a:endParaRPr lang="zh-CN" altLang="en-US" dirty="0"/>
+          </a:p>
+        </p:txBody>
+      </p:sp>
+      <p:sp>
+        <p:nvSpPr>
+          <p:cNvPr id="26" name="矩形 25"/>
+          <p:cNvSpPr/>
+          <p:nvPr/>
+        </p:nvSpPr>
+        <p:spPr>
+          <a:xfrm>
+            <a:off x="93688" y="1719362"/>
+            <a:ext cx="1224136" cy="5544616"/>
+          </a:xfrm>
+          <a:prstGeom prst="rect">
+            <a:avLst/>
+          </a:prstGeom>
+        </p:spPr>
+        <p:style>
+          <a:lnRef idx="2">
+            <a:schemeClr val="accent1">
+              <a:shade val="50000"/>
+            </a:schemeClr>
+          </a:lnRef>
+          <a:fillRef idx="1">
+            <a:schemeClr val="accent1"/>
+          </a:fillRef>
+          <a:effectRef idx="0">
+            <a:schemeClr val="accent1"/>
+          </a:effectRef>
+          <a:fontRef idx="minor">
+            <a:schemeClr val="lt1"/>
+          </a:fontRef>
+        </p:style>
+        <p:txBody>
+          <a:bodyPr rtlCol="0" anchor="t"/>
+          <a:lstStyle/>
+          <a:p>
+            <a:pPr algn="ctr"/>
+            <a:r>
+              <a:rPr lang="zh-CN" altLang="en-US" sz="2000" dirty="0" smtClean="0"/>
+              <a:t>开发运维中心</a:t>
+            </a:r>
+            <a:endParaRPr lang="zh-CN" altLang="en-US" sz="2000" dirty="0"/>
+          </a:p>
+        </p:txBody>
+      </p:sp>
+      <p:sp>
+        <p:nvSpPr>
+          <p:cNvPr id="27" name="矩形 26"/>
+          <p:cNvSpPr/>
+          <p:nvPr/>
+        </p:nvSpPr>
+        <p:spPr>
+          <a:xfrm>
+            <a:off x="10286763" y="1719362"/>
+            <a:ext cx="936104" cy="5544616"/>
+          </a:xfrm>
+          <a:prstGeom prst="rect">
+            <a:avLst/>
+          </a:prstGeom>
+        </p:spPr>
+        <p:style>
+          <a:lnRef idx="2">
+            <a:schemeClr val="accent1">
+              <a:shade val="50000"/>
+            </a:schemeClr>
+          </a:lnRef>
+          <a:fillRef idx="1">
+            <a:schemeClr val="accent1"/>
+          </a:fillRef>
+          <a:effectRef idx="0">
+            <a:schemeClr val="accent1"/>
+          </a:effectRef>
+          <a:fontRef idx="minor">
+            <a:schemeClr val="lt1"/>
+          </a:fontRef>
+        </p:style>
+        <p:txBody>
+          <a:bodyPr rtlCol="0" anchor="t"/>
+          <a:lstStyle/>
+          <a:p>
+            <a:pPr algn="ctr"/>
+            <a:r>
+              <a:rPr lang="zh-CN" altLang="en-US" sz="2000" dirty="0" smtClean="0"/>
+              <a:t>安全中心</a:t>
+            </a:r>
+            <a:endParaRPr lang="zh-CN" altLang="en-US" sz="2000" dirty="0"/>
+          </a:p>
+        </p:txBody>
+      </p:sp>
+      <p:sp>
+        <p:nvSpPr>
+          <p:cNvPr id="29" name="矩形 28"/>
+          <p:cNvSpPr/>
+          <p:nvPr/>
+        </p:nvSpPr>
+        <p:spPr>
+          <a:xfrm>
+            <a:off x="11470952" y="1719362"/>
+            <a:ext cx="792088" cy="5544616"/>
+          </a:xfrm>
+          <a:prstGeom prst="rect">
+            <a:avLst/>
+          </a:prstGeom>
+        </p:spPr>
+        <p:style>
+          <a:lnRef idx="2">
+            <a:schemeClr val="accent1">
+              <a:shade val="50000"/>
+            </a:schemeClr>
+          </a:lnRef>
+          <a:fillRef idx="1">
+            <a:schemeClr val="accent1"/>
+          </a:fillRef>
+          <a:effectRef idx="0">
+            <a:schemeClr val="accent1"/>
+          </a:effectRef>
+          <a:fontRef idx="minor">
+            <a:schemeClr val="lt1"/>
+          </a:fontRef>
+        </p:style>
+        <p:txBody>
+          <a:bodyPr rtlCol="0" anchor="t"/>
+          <a:lstStyle/>
+          <a:p>
+            <a:pPr algn="ctr"/>
+            <a:r>
+              <a:rPr lang="zh-CN" altLang="en-US" sz="2000" dirty="0" smtClean="0"/>
+              <a:t>管控中心</a:t>
+            </a:r>
+            <a:endParaRPr lang="zh-CN" altLang="en-US" sz="2000" dirty="0"/>
+          </a:p>
+        </p:txBody>
+      </p:sp>
+      <p:sp>
+        <p:nvSpPr>
+          <p:cNvPr id="30" name="矩形 29"/>
+          <p:cNvSpPr/>
+          <p:nvPr/>
+        </p:nvSpPr>
+        <p:spPr>
+          <a:xfrm>
+            <a:off x="4421386" y="3159522"/>
+            <a:ext cx="936104" cy="504056"/>
+          </a:xfrm>
+          <a:prstGeom prst="rect">
+            <a:avLst/>
+          </a:prstGeom>
+          <a:solidFill>
+            <a:schemeClr val="accent3">
+              <a:lumMod val="75000"/>
+            </a:schemeClr>
+          </a:solidFill>
+          <a:ln>
+            <a:noFill/>
+          </a:ln>
+        </p:spPr>
+        <p:style>
+          <a:lnRef idx="2">
+            <a:schemeClr val="accent1">
+              <a:shade val="50000"/>
+            </a:schemeClr>
+          </a:lnRef>
+          <a:fillRef idx="1">
+            <a:schemeClr val="accent1"/>
+          </a:fillRef>
+          <a:effectRef idx="0">
+            <a:schemeClr val="accent1"/>
+          </a:effectRef>
+          <a:fontRef idx="minor">
+            <a:schemeClr val="lt1"/>
+          </a:fontRef>
+        </p:style>
+        <p:txBody>
+          <a:bodyPr rtlCol="0" anchor="ctr"/>
+          <a:lstStyle/>
+          <a:p>
+            <a:pPr algn="ctr"/>
+            <a:r>
+              <a:rPr lang="zh-CN" altLang="en-US" sz="1200" dirty="0" smtClean="0">
+                <a:solidFill>
+                  <a:schemeClr val="accent2">
+                    <a:lumMod val="50000"/>
+                  </a:schemeClr>
+                </a:solidFill>
+              </a:rPr>
+              <a:t>大数据</a:t>
+            </a:r>
+            <a:endParaRPr lang="zh-CN" altLang="en-US" sz="1200" dirty="0">
+              <a:solidFill>
+                <a:schemeClr val="accent2">
+                  <a:lumMod val="50000"/>
+                </a:schemeClr>
+              </a:solidFill>
+            </a:endParaRPr>
+          </a:p>
+        </p:txBody>
+      </p:sp>
+      <p:sp>
+        <p:nvSpPr>
+          <p:cNvPr id="42" name="矩形 41"/>
+          <p:cNvSpPr/>
+          <p:nvPr/>
+        </p:nvSpPr>
+        <p:spPr>
+          <a:xfrm>
+            <a:off x="4414296" y="3735586"/>
+            <a:ext cx="936104" cy="504056"/>
+          </a:xfrm>
+          <a:prstGeom prst="rect">
+            <a:avLst/>
+          </a:prstGeom>
+          <a:solidFill>
+            <a:schemeClr val="accent3">
+              <a:lumMod val="75000"/>
+            </a:schemeClr>
+          </a:solidFill>
+          <a:ln>
+            <a:noFill/>
+          </a:ln>
+        </p:spPr>
+        <p:style>
+          <a:lnRef idx="2">
+            <a:schemeClr val="accent1">
+              <a:shade val="50000"/>
+            </a:schemeClr>
+          </a:lnRef>
+          <a:fillRef idx="1">
+            <a:schemeClr val="accent1"/>
+          </a:fillRef>
+          <a:effectRef idx="0">
+            <a:schemeClr val="accent1"/>
+          </a:effectRef>
+          <a:fontRef idx="minor">
+            <a:schemeClr val="lt1"/>
+          </a:fontRef>
+        </p:style>
+        <p:txBody>
+          <a:bodyPr rtlCol="0" anchor="ctr"/>
+          <a:lstStyle/>
+          <a:p>
+            <a:pPr algn="ctr"/>
+            <a:r>
+              <a:rPr lang="zh-CN" altLang="en-US" sz="1200" dirty="0" smtClean="0">
+                <a:solidFill>
+                  <a:schemeClr val="accent2">
+                    <a:lumMod val="50000"/>
+                  </a:schemeClr>
+                </a:solidFill>
+              </a:rPr>
+              <a:t>负载均衡</a:t>
+            </a:r>
+            <a:endParaRPr lang="en-US" altLang="zh-CN" sz="1200" dirty="0">
+              <a:solidFill>
+                <a:schemeClr val="accent2">
+                  <a:lumMod val="50000"/>
+                </a:schemeClr>
+              </a:solidFill>
+            </a:endParaRPr>
+          </a:p>
+        </p:txBody>
+      </p:sp>
+      <p:sp>
+        <p:nvSpPr>
+          <p:cNvPr id="44" name="矩形 43"/>
+          <p:cNvSpPr/>
+          <p:nvPr/>
+        </p:nvSpPr>
+        <p:spPr>
+          <a:xfrm>
+            <a:off x="4421386" y="4311650"/>
+            <a:ext cx="936104" cy="504056"/>
+          </a:xfrm>
+          <a:prstGeom prst="rect">
+            <a:avLst/>
+          </a:prstGeom>
+          <a:solidFill>
+            <a:schemeClr val="accent3">
+              <a:lumMod val="75000"/>
+            </a:schemeClr>
+          </a:solidFill>
+          <a:ln>
+            <a:noFill/>
+          </a:ln>
+        </p:spPr>
+        <p:style>
+          <a:lnRef idx="2">
+            <a:schemeClr val="accent1">
+              <a:shade val="50000"/>
+            </a:schemeClr>
+          </a:lnRef>
+          <a:fillRef idx="1">
+            <a:schemeClr val="accent1"/>
+          </a:fillRef>
+          <a:effectRef idx="0">
+            <a:schemeClr val="accent1"/>
+          </a:effectRef>
+          <a:fontRef idx="minor">
+            <a:schemeClr val="lt1"/>
+          </a:fontRef>
+        </p:style>
+        <p:txBody>
+          <a:bodyPr rtlCol="0" anchor="ctr"/>
+          <a:lstStyle/>
+          <a:p>
+            <a:pPr algn="ctr"/>
+            <a:r>
+              <a:rPr lang="zh-CN" altLang="en-US" sz="1200" dirty="0" smtClean="0">
+                <a:solidFill>
+                  <a:schemeClr val="accent2">
+                    <a:lumMod val="50000"/>
+                  </a:schemeClr>
+                </a:solidFill>
+              </a:rPr>
+              <a:t>配置中心</a:t>
+            </a:r>
+            <a:endParaRPr lang="zh-CN" altLang="en-US" sz="1200" dirty="0">
+              <a:solidFill>
+                <a:schemeClr val="accent2">
+                  <a:lumMod val="50000"/>
+                </a:schemeClr>
+              </a:solidFill>
+            </a:endParaRPr>
+          </a:p>
+        </p:txBody>
+      </p:sp>
+      <p:sp>
+        <p:nvSpPr>
+          <p:cNvPr id="45" name="矩形 44"/>
+          <p:cNvSpPr/>
+          <p:nvPr/>
+        </p:nvSpPr>
+        <p:spPr>
+          <a:xfrm>
+            <a:off x="4414168" y="4887714"/>
+            <a:ext cx="936104" cy="504056"/>
+          </a:xfrm>
+          <a:prstGeom prst="rect">
+            <a:avLst/>
+          </a:prstGeom>
+          <a:solidFill>
+            <a:schemeClr val="accent3">
+              <a:lumMod val="75000"/>
+            </a:schemeClr>
+          </a:solidFill>
+          <a:ln>
+            <a:noFill/>
+          </a:ln>
+        </p:spPr>
+        <p:style>
+          <a:lnRef idx="2">
+            <a:schemeClr val="accent1">
+              <a:shade val="50000"/>
+            </a:schemeClr>
+          </a:lnRef>
+          <a:fillRef idx="1">
+            <a:schemeClr val="accent1"/>
+          </a:fillRef>
+          <a:effectRef idx="0">
+            <a:schemeClr val="accent1"/>
+          </a:effectRef>
+          <a:fontRef idx="minor">
+            <a:schemeClr val="lt1"/>
+          </a:fontRef>
+        </p:style>
+        <p:txBody>
+          <a:bodyPr rtlCol="0" anchor="ctr"/>
+          <a:lstStyle/>
+          <a:p>
+            <a:pPr algn="ctr"/>
+            <a:r>
+              <a:rPr lang="zh-CN" altLang="en-US" sz="1200" dirty="0" smtClean="0">
+                <a:solidFill>
+                  <a:schemeClr val="accent2">
+                    <a:lumMod val="50000"/>
+                  </a:schemeClr>
+                </a:solidFill>
+              </a:rPr>
+              <a:t>单点登录</a:t>
+            </a:r>
+            <a:endParaRPr lang="zh-CN" altLang="en-US" sz="1200" dirty="0">
+              <a:solidFill>
+                <a:schemeClr val="accent2">
+                  <a:lumMod val="50000"/>
+                </a:schemeClr>
+              </a:solidFill>
+            </a:endParaRPr>
+          </a:p>
+        </p:txBody>
+      </p:sp>
+      <p:sp>
+        <p:nvSpPr>
+          <p:cNvPr id="46" name="矩形 45"/>
+          <p:cNvSpPr/>
+          <p:nvPr/>
+        </p:nvSpPr>
+        <p:spPr>
+          <a:xfrm>
+            <a:off x="5458284" y="3159522"/>
+            <a:ext cx="936104" cy="504056"/>
+          </a:xfrm>
+          <a:prstGeom prst="rect">
+            <a:avLst/>
+          </a:prstGeom>
+          <a:solidFill>
+            <a:schemeClr val="accent3">
+              <a:lumMod val="75000"/>
+            </a:schemeClr>
+          </a:solidFill>
+          <a:ln>
+            <a:noFill/>
+          </a:ln>
+        </p:spPr>
+        <p:style>
+          <a:lnRef idx="2">
+            <a:schemeClr val="accent1">
+              <a:shade val="50000"/>
+            </a:schemeClr>
+          </a:lnRef>
+          <a:fillRef idx="1">
+            <a:schemeClr val="accent1"/>
+          </a:fillRef>
+          <a:effectRef idx="0">
+            <a:schemeClr val="accent1"/>
+          </a:effectRef>
+          <a:fontRef idx="minor">
+            <a:schemeClr val="lt1"/>
+          </a:fontRef>
+        </p:style>
+        <p:txBody>
+          <a:bodyPr rtlCol="0" anchor="ctr"/>
+          <a:lstStyle/>
+          <a:p>
+            <a:pPr algn="ctr"/>
+            <a:r>
+              <a:rPr lang="zh-CN" altLang="en-US" sz="1200" dirty="0" smtClean="0">
+                <a:solidFill>
+                  <a:schemeClr val="accent2">
+                    <a:lumMod val="50000"/>
+                  </a:schemeClr>
+                </a:solidFill>
+              </a:rPr>
+              <a:t>任务框架</a:t>
+            </a:r>
+            <a:endParaRPr lang="zh-CN" altLang="en-US" sz="1200" dirty="0">
+              <a:solidFill>
+                <a:schemeClr val="accent2">
+                  <a:lumMod val="50000"/>
+                </a:schemeClr>
+              </a:solidFill>
+            </a:endParaRPr>
+          </a:p>
+        </p:txBody>
+      </p:sp>
+      <p:sp>
+        <p:nvSpPr>
+          <p:cNvPr id="47" name="矩形 46"/>
+          <p:cNvSpPr/>
+          <p:nvPr/>
+        </p:nvSpPr>
+        <p:spPr>
+          <a:xfrm>
+            <a:off x="5458284" y="3735586"/>
+            <a:ext cx="936104" cy="504056"/>
+          </a:xfrm>
+          <a:prstGeom prst="rect">
+            <a:avLst/>
+          </a:prstGeom>
+          <a:solidFill>
+            <a:schemeClr val="accent3">
+              <a:lumMod val="75000"/>
+            </a:schemeClr>
+          </a:solidFill>
+          <a:ln>
+            <a:noFill/>
+          </a:ln>
+        </p:spPr>
+        <p:style>
+          <a:lnRef idx="2">
+            <a:schemeClr val="accent1">
+              <a:shade val="50000"/>
+            </a:schemeClr>
+          </a:lnRef>
+          <a:fillRef idx="1">
+            <a:schemeClr val="accent1"/>
+          </a:fillRef>
+          <a:effectRef idx="0">
+            <a:schemeClr val="accent1"/>
+          </a:effectRef>
+          <a:fontRef idx="minor">
+            <a:schemeClr val="lt1"/>
+          </a:fontRef>
+        </p:style>
+        <p:txBody>
+          <a:bodyPr rtlCol="0" anchor="ctr"/>
+          <a:lstStyle/>
+          <a:p>
+            <a:pPr algn="ctr"/>
+            <a:r>
+              <a:rPr lang="zh-CN" altLang="en-US" sz="1200" dirty="0" smtClean="0">
+                <a:solidFill>
+                  <a:schemeClr val="accent2">
+                    <a:lumMod val="50000"/>
+                  </a:schemeClr>
+                </a:solidFill>
+              </a:rPr>
+              <a:t>日志中心</a:t>
+            </a:r>
+            <a:endParaRPr lang="zh-CN" altLang="en-US" sz="1200" dirty="0">
+              <a:solidFill>
+                <a:schemeClr val="accent2">
+                  <a:lumMod val="50000"/>
+                </a:schemeClr>
+              </a:solidFill>
+            </a:endParaRPr>
+          </a:p>
+        </p:txBody>
+      </p:sp>
+      <p:sp>
+        <p:nvSpPr>
+          <p:cNvPr id="48" name="矩形 47"/>
+          <p:cNvSpPr/>
+          <p:nvPr/>
+        </p:nvSpPr>
+        <p:spPr>
+          <a:xfrm>
+            <a:off x="5466420" y="4318397"/>
+            <a:ext cx="936104" cy="504056"/>
+          </a:xfrm>
+          <a:prstGeom prst="rect">
+            <a:avLst/>
+          </a:prstGeom>
+          <a:solidFill>
+            <a:schemeClr val="accent3">
+              <a:lumMod val="75000"/>
+            </a:schemeClr>
+          </a:solidFill>
+          <a:ln>
+            <a:noFill/>
+          </a:ln>
+        </p:spPr>
+        <p:style>
+          <a:lnRef idx="2">
+            <a:schemeClr val="accent1">
+              <a:shade val="50000"/>
+            </a:schemeClr>
+          </a:lnRef>
+          <a:fillRef idx="1">
+            <a:schemeClr val="accent1"/>
+          </a:fillRef>
+          <a:effectRef idx="0">
+            <a:schemeClr val="accent1"/>
+          </a:effectRef>
+          <a:fontRef idx="minor">
+            <a:schemeClr val="lt1"/>
+          </a:fontRef>
+        </p:style>
+        <p:txBody>
+          <a:bodyPr rtlCol="0" anchor="ctr"/>
+          <a:lstStyle/>
+          <a:p>
+            <a:pPr algn="ctr"/>
+            <a:r>
+              <a:rPr lang="zh-CN" altLang="en-US" sz="1200" dirty="0" smtClean="0">
+                <a:solidFill>
+                  <a:schemeClr val="accent2">
+                    <a:lumMod val="50000"/>
+                  </a:schemeClr>
+                </a:solidFill>
+              </a:rPr>
+              <a:t>分布式数据库</a:t>
+            </a:r>
+            <a:endParaRPr lang="zh-CN" altLang="en-US" sz="1200" dirty="0">
+              <a:solidFill>
+                <a:schemeClr val="accent2">
+                  <a:lumMod val="50000"/>
+                </a:schemeClr>
+              </a:solidFill>
+            </a:endParaRPr>
+          </a:p>
+        </p:txBody>
+      </p:sp>
+      <p:sp>
+        <p:nvSpPr>
+          <p:cNvPr id="50" name="矩形 49"/>
+          <p:cNvSpPr/>
+          <p:nvPr/>
+        </p:nvSpPr>
+        <p:spPr>
+          <a:xfrm>
+            <a:off x="5458284" y="4887714"/>
+            <a:ext cx="936104" cy="504056"/>
+          </a:xfrm>
+          <a:prstGeom prst="rect">
+            <a:avLst/>
+          </a:prstGeom>
+          <a:solidFill>
+            <a:schemeClr val="accent3">
+              <a:lumMod val="75000"/>
+            </a:schemeClr>
+          </a:solidFill>
+          <a:ln>
+            <a:noFill/>
+          </a:ln>
+        </p:spPr>
+        <p:style>
+          <a:lnRef idx="2">
+            <a:schemeClr val="accent1">
+              <a:shade val="50000"/>
+            </a:schemeClr>
+          </a:lnRef>
+          <a:fillRef idx="1">
+            <a:schemeClr val="accent1"/>
+          </a:fillRef>
+          <a:effectRef idx="0">
+            <a:schemeClr val="accent1"/>
+          </a:effectRef>
+          <a:fontRef idx="minor">
+            <a:schemeClr val="lt1"/>
+          </a:fontRef>
+        </p:style>
+        <p:txBody>
+          <a:bodyPr rtlCol="0" anchor="ctr"/>
+          <a:lstStyle/>
+          <a:p>
+            <a:pPr algn="ctr"/>
+            <a:r>
+              <a:rPr lang="zh-CN" altLang="en-US" sz="1200" dirty="0" smtClean="0">
+                <a:solidFill>
+                  <a:schemeClr val="accent2">
+                    <a:lumMod val="50000"/>
+                  </a:schemeClr>
+                </a:solidFill>
+              </a:rPr>
+              <a:t>分布式缓存</a:t>
+            </a:r>
+            <a:endParaRPr lang="zh-CN" altLang="en-US" sz="1200" dirty="0">
+              <a:solidFill>
+                <a:schemeClr val="accent2">
+                  <a:lumMod val="50000"/>
+                </a:schemeClr>
+              </a:solidFill>
+            </a:endParaRPr>
+          </a:p>
+        </p:txBody>
+      </p:sp>
+      <p:sp>
+        <p:nvSpPr>
+          <p:cNvPr id="52" name="矩形 51"/>
+          <p:cNvSpPr/>
+          <p:nvPr/>
+        </p:nvSpPr>
+        <p:spPr>
+          <a:xfrm>
+            <a:off x="6494264" y="3159522"/>
+            <a:ext cx="936104" cy="504056"/>
+          </a:xfrm>
+          <a:prstGeom prst="rect">
+            <a:avLst/>
+          </a:prstGeom>
+          <a:solidFill>
+            <a:schemeClr val="accent3">
+              <a:lumMod val="75000"/>
+            </a:schemeClr>
+          </a:solidFill>
+          <a:ln>
+            <a:noFill/>
+          </a:ln>
+        </p:spPr>
+        <p:style>
+          <a:lnRef idx="2">
+            <a:schemeClr val="accent1">
+              <a:shade val="50000"/>
+            </a:schemeClr>
+          </a:lnRef>
+          <a:fillRef idx="1">
+            <a:schemeClr val="accent1"/>
+          </a:fillRef>
+          <a:effectRef idx="0">
+            <a:schemeClr val="accent1"/>
+          </a:effectRef>
+          <a:fontRef idx="minor">
+            <a:schemeClr val="lt1"/>
+          </a:fontRef>
+        </p:style>
+        <p:txBody>
+          <a:bodyPr rtlCol="0" anchor="ctr"/>
+          <a:lstStyle/>
+          <a:p>
+            <a:pPr algn="ctr"/>
+            <a:r>
+              <a:rPr lang="zh-CN" altLang="en-US" sz="1200" dirty="0">
+                <a:solidFill>
+                  <a:schemeClr val="accent2">
+                    <a:lumMod val="50000"/>
+                  </a:schemeClr>
+                </a:solidFill>
+              </a:rPr>
+              <a:t>智慧</a:t>
+            </a:r>
+            <a:r>
+              <a:rPr lang="zh-CN" altLang="en-US" sz="1200" dirty="0" smtClean="0">
+                <a:solidFill>
+                  <a:schemeClr val="accent2">
+                    <a:lumMod val="50000"/>
+                  </a:schemeClr>
+                </a:solidFill>
+              </a:rPr>
+              <a:t>组件</a:t>
+            </a:r>
+            <a:endParaRPr lang="zh-CN" altLang="en-US" sz="1200" dirty="0">
+              <a:solidFill>
+                <a:schemeClr val="accent2">
+                  <a:lumMod val="50000"/>
+                </a:schemeClr>
+              </a:solidFill>
+            </a:endParaRPr>
+          </a:p>
+        </p:txBody>
+      </p:sp>
+      <p:sp>
+        <p:nvSpPr>
+          <p:cNvPr id="54" name="矩形 53"/>
+          <p:cNvSpPr/>
+          <p:nvPr/>
+        </p:nvSpPr>
+        <p:spPr>
+          <a:xfrm>
+            <a:off x="6494264" y="3735586"/>
+            <a:ext cx="936104" cy="504056"/>
+          </a:xfrm>
+          <a:prstGeom prst="rect">
+            <a:avLst/>
+          </a:prstGeom>
+          <a:solidFill>
+            <a:schemeClr val="accent3">
+              <a:lumMod val="75000"/>
+            </a:schemeClr>
+          </a:solidFill>
+          <a:ln>
+            <a:noFill/>
+          </a:ln>
+        </p:spPr>
+        <p:style>
+          <a:lnRef idx="2">
+            <a:schemeClr val="accent1">
+              <a:shade val="50000"/>
+            </a:schemeClr>
+          </a:lnRef>
+          <a:fillRef idx="1">
+            <a:schemeClr val="accent1"/>
+          </a:fillRef>
+          <a:effectRef idx="0">
+            <a:schemeClr val="accent1"/>
+          </a:effectRef>
+          <a:fontRef idx="minor">
+            <a:schemeClr val="lt1"/>
+          </a:fontRef>
+        </p:style>
+        <p:txBody>
+          <a:bodyPr rtlCol="0" anchor="ctr"/>
+          <a:lstStyle/>
+          <a:p>
+            <a:pPr algn="ctr"/>
+            <a:r>
+              <a:rPr lang="zh-CN" altLang="en-US" sz="1200" dirty="0" smtClean="0">
+                <a:solidFill>
+                  <a:schemeClr val="accent2">
+                    <a:lumMod val="50000"/>
+                  </a:schemeClr>
+                </a:solidFill>
+              </a:rPr>
+              <a:t>注册中心</a:t>
+            </a:r>
+            <a:endParaRPr lang="zh-CN" altLang="en-US" sz="1200" dirty="0">
+              <a:solidFill>
+                <a:schemeClr val="accent2">
+                  <a:lumMod val="50000"/>
+                </a:schemeClr>
+              </a:solidFill>
+            </a:endParaRPr>
+          </a:p>
+        </p:txBody>
+      </p:sp>
+      <p:sp>
+        <p:nvSpPr>
+          <p:cNvPr id="56" name="矩形 55"/>
+          <p:cNvSpPr/>
+          <p:nvPr/>
+        </p:nvSpPr>
+        <p:spPr>
+          <a:xfrm>
+            <a:off x="6502400" y="4318397"/>
+            <a:ext cx="936104" cy="504056"/>
+          </a:xfrm>
+          <a:prstGeom prst="rect">
+            <a:avLst/>
+          </a:prstGeom>
+          <a:solidFill>
+            <a:schemeClr val="accent3">
+              <a:lumMod val="75000"/>
+            </a:schemeClr>
+          </a:solidFill>
+          <a:ln>
+            <a:noFill/>
+          </a:ln>
+        </p:spPr>
+        <p:style>
+          <a:lnRef idx="2">
+            <a:schemeClr val="accent1">
+              <a:shade val="50000"/>
+            </a:schemeClr>
+          </a:lnRef>
+          <a:fillRef idx="1">
+            <a:schemeClr val="accent1"/>
+          </a:fillRef>
+          <a:effectRef idx="0">
+            <a:schemeClr val="accent1"/>
+          </a:effectRef>
+          <a:fontRef idx="minor">
+            <a:schemeClr val="lt1"/>
+          </a:fontRef>
+        </p:style>
+        <p:txBody>
+          <a:bodyPr rtlCol="0" anchor="ctr"/>
+          <a:lstStyle/>
+          <a:p>
+            <a:pPr algn="ctr"/>
+            <a:r>
+              <a:rPr lang="zh-CN" altLang="en-US" sz="1200" dirty="0" smtClean="0">
+                <a:solidFill>
+                  <a:schemeClr val="accent2">
+                    <a:lumMod val="50000"/>
+                  </a:schemeClr>
+                </a:solidFill>
+              </a:rPr>
+              <a:t>分布式文件系统</a:t>
+            </a:r>
+            <a:endParaRPr lang="zh-CN" altLang="en-US" sz="1200" dirty="0">
+              <a:solidFill>
+                <a:schemeClr val="accent2">
+                  <a:lumMod val="50000"/>
+                </a:schemeClr>
+              </a:solidFill>
+            </a:endParaRPr>
+          </a:p>
+        </p:txBody>
+      </p:sp>
+      <p:sp>
+        <p:nvSpPr>
+          <p:cNvPr id="57" name="矩形 56"/>
+          <p:cNvSpPr/>
+          <p:nvPr/>
+        </p:nvSpPr>
+        <p:spPr>
+          <a:xfrm>
+            <a:off x="6494264" y="4887714"/>
+            <a:ext cx="936104" cy="504056"/>
+          </a:xfrm>
+          <a:prstGeom prst="rect">
+            <a:avLst/>
+          </a:prstGeom>
+          <a:solidFill>
+            <a:schemeClr val="accent3">
+              <a:lumMod val="75000"/>
+            </a:schemeClr>
+          </a:solidFill>
+          <a:ln>
+            <a:noFill/>
+          </a:ln>
+        </p:spPr>
+        <p:style>
+          <a:lnRef idx="2">
+            <a:schemeClr val="accent1">
+              <a:shade val="50000"/>
+            </a:schemeClr>
+          </a:lnRef>
+          <a:fillRef idx="1">
+            <a:schemeClr val="accent1"/>
+          </a:fillRef>
+          <a:effectRef idx="0">
+            <a:schemeClr val="accent1"/>
+          </a:effectRef>
+          <a:fontRef idx="minor">
+            <a:schemeClr val="lt1"/>
+          </a:fontRef>
+        </p:style>
+        <p:txBody>
+          <a:bodyPr rtlCol="0" anchor="ctr"/>
+          <a:lstStyle/>
+          <a:p>
+            <a:pPr algn="ctr"/>
+            <a:r>
+              <a:rPr lang="zh-CN" altLang="en-US" sz="1200" dirty="0">
+                <a:solidFill>
+                  <a:schemeClr val="accent2">
+                    <a:lumMod val="50000"/>
+                  </a:schemeClr>
+                </a:solidFill>
+              </a:rPr>
+              <a:t>管道</a:t>
+            </a:r>
+            <a:endParaRPr lang="en-US" altLang="zh-CN" sz="1200" dirty="0">
+              <a:solidFill>
+                <a:schemeClr val="accent2">
+                  <a:lumMod val="50000"/>
+                </a:schemeClr>
+              </a:solidFill>
+            </a:endParaRPr>
+          </a:p>
+        </p:txBody>
+      </p:sp>
+      <p:sp>
+        <p:nvSpPr>
+          <p:cNvPr id="58" name="矩形 57"/>
+          <p:cNvSpPr/>
+          <p:nvPr/>
+        </p:nvSpPr>
+        <p:spPr>
+          <a:xfrm>
+            <a:off x="4414168" y="5444780"/>
+            <a:ext cx="936104" cy="504056"/>
+          </a:xfrm>
+          <a:prstGeom prst="rect">
+            <a:avLst/>
+          </a:prstGeom>
+          <a:solidFill>
+            <a:schemeClr val="accent3">
+              <a:lumMod val="75000"/>
+            </a:schemeClr>
+          </a:solidFill>
+          <a:ln>
+            <a:noFill/>
+          </a:ln>
+        </p:spPr>
+        <p:style>
+          <a:lnRef idx="2">
+            <a:schemeClr val="accent1">
+              <a:shade val="50000"/>
+            </a:schemeClr>
+          </a:lnRef>
+          <a:fillRef idx="1">
+            <a:schemeClr val="accent1"/>
+          </a:fillRef>
+          <a:effectRef idx="0">
+            <a:schemeClr val="accent1"/>
+          </a:effectRef>
+          <a:fontRef idx="minor">
+            <a:schemeClr val="lt1"/>
+          </a:fontRef>
+        </p:style>
+        <p:txBody>
+          <a:bodyPr rtlCol="0" anchor="ctr"/>
+          <a:lstStyle/>
+          <a:p>
+            <a:pPr algn="ctr"/>
+            <a:r>
+              <a:rPr lang="zh-CN" altLang="en-US" sz="1200" dirty="0">
+                <a:solidFill>
+                  <a:schemeClr val="accent2">
+                    <a:lumMod val="50000"/>
+                  </a:schemeClr>
+                </a:solidFill>
+              </a:rPr>
+              <a:t>服务治理</a:t>
+            </a:r>
+            <a:endParaRPr lang="zh-CN" altLang="en-US" sz="1200" dirty="0">
+              <a:solidFill>
+                <a:schemeClr val="accent2">
+                  <a:lumMod val="50000"/>
+                </a:schemeClr>
+              </a:solidFill>
+            </a:endParaRPr>
+          </a:p>
+        </p:txBody>
+      </p:sp>
+      <p:sp>
+        <p:nvSpPr>
+          <p:cNvPr id="59" name="矩形 58"/>
+          <p:cNvSpPr/>
+          <p:nvPr/>
+        </p:nvSpPr>
+        <p:spPr>
+          <a:xfrm>
+            <a:off x="5458284" y="5444780"/>
+            <a:ext cx="936104" cy="504056"/>
+          </a:xfrm>
+          <a:prstGeom prst="rect">
+            <a:avLst/>
+          </a:prstGeom>
+          <a:solidFill>
+            <a:schemeClr val="accent3">
+              <a:lumMod val="75000"/>
+            </a:schemeClr>
+          </a:solidFill>
+          <a:ln>
+            <a:noFill/>
+          </a:ln>
+        </p:spPr>
+        <p:style>
+          <a:lnRef idx="2">
+            <a:schemeClr val="accent1">
+              <a:shade val="50000"/>
+            </a:schemeClr>
+          </a:lnRef>
+          <a:fillRef idx="1">
+            <a:schemeClr val="accent1"/>
+          </a:fillRef>
+          <a:effectRef idx="0">
+            <a:schemeClr val="accent1"/>
+          </a:effectRef>
+          <a:fontRef idx="minor">
+            <a:schemeClr val="lt1"/>
+          </a:fontRef>
+        </p:style>
+        <p:txBody>
+          <a:bodyPr rtlCol="0" anchor="ctr"/>
+          <a:lstStyle/>
+          <a:p>
+            <a:pPr algn="ctr"/>
+            <a:r>
+              <a:rPr lang="zh-CN" altLang="en-US" sz="1200" dirty="0">
+                <a:solidFill>
+                  <a:schemeClr val="accent2">
+                    <a:lumMod val="50000"/>
+                  </a:schemeClr>
+                </a:solidFill>
+              </a:rPr>
+              <a:t>弹性组件及管理</a:t>
+            </a:r>
+            <a:endParaRPr lang="zh-CN" altLang="en-US" sz="1200" dirty="0">
+              <a:solidFill>
+                <a:schemeClr val="accent2">
+                  <a:lumMod val="50000"/>
+                </a:schemeClr>
+              </a:solidFill>
+            </a:endParaRPr>
+          </a:p>
+        </p:txBody>
+      </p:sp>
+      <p:sp>
+        <p:nvSpPr>
+          <p:cNvPr id="60" name="矩形 59"/>
+          <p:cNvSpPr/>
+          <p:nvPr/>
+        </p:nvSpPr>
+        <p:spPr>
+          <a:xfrm>
+            <a:off x="6494264" y="5444780"/>
+            <a:ext cx="936104" cy="504056"/>
+          </a:xfrm>
+          <a:prstGeom prst="rect">
+            <a:avLst/>
+          </a:prstGeom>
+          <a:solidFill>
+            <a:schemeClr val="accent3">
+              <a:lumMod val="75000"/>
+            </a:schemeClr>
+          </a:solidFill>
+          <a:ln>
+            <a:noFill/>
+          </a:ln>
+        </p:spPr>
+        <p:style>
+          <a:lnRef idx="2">
+            <a:schemeClr val="accent1">
+              <a:shade val="50000"/>
+            </a:schemeClr>
+          </a:lnRef>
+          <a:fillRef idx="1">
+            <a:schemeClr val="accent1"/>
+          </a:fillRef>
+          <a:effectRef idx="0">
+            <a:schemeClr val="accent1"/>
+          </a:effectRef>
+          <a:fontRef idx="minor">
+            <a:schemeClr val="lt1"/>
+          </a:fontRef>
+        </p:style>
+        <p:txBody>
+          <a:bodyPr rtlCol="0" anchor="ctr"/>
+          <a:lstStyle/>
+          <a:p>
+            <a:pPr algn="ctr"/>
+            <a:r>
+              <a:rPr lang="zh-CN" altLang="en-US" sz="1200" dirty="0" smtClean="0">
+                <a:solidFill>
+                  <a:schemeClr val="accent2">
+                    <a:lumMod val="50000"/>
+                  </a:schemeClr>
+                </a:solidFill>
+              </a:rPr>
+              <a:t>安全组件</a:t>
+            </a:r>
+            <a:endParaRPr lang="zh-CN" altLang="en-US" sz="1200" dirty="0">
+              <a:solidFill>
+                <a:schemeClr val="accent2">
+                  <a:lumMod val="50000"/>
+                </a:schemeClr>
+              </a:solidFill>
+            </a:endParaRPr>
+          </a:p>
+        </p:txBody>
+      </p:sp>
+      <p:sp>
+        <p:nvSpPr>
+          <p:cNvPr id="8" name="矩形 7"/>
+          <p:cNvSpPr/>
+          <p:nvPr/>
+        </p:nvSpPr>
+        <p:spPr>
+          <a:xfrm>
+            <a:off x="2325936" y="3159522"/>
+            <a:ext cx="1368152" cy="576064"/>
+          </a:xfrm>
+          <a:prstGeom prst="rect">
+            <a:avLst/>
+          </a:prstGeom>
+          <a:solidFill>
+            <a:schemeClr val="accent5">
+              <a:lumMod val="40000"/>
+              <a:lumOff val="60000"/>
+            </a:schemeClr>
+          </a:solidFill>
+          <a:ln>
+            <a:noFill/>
+          </a:ln>
+        </p:spPr>
+        <p:style>
+          <a:lnRef idx="2">
+            <a:schemeClr val="accent1">
+              <a:shade val="50000"/>
+            </a:schemeClr>
+          </a:lnRef>
+          <a:fillRef idx="1">
+            <a:schemeClr val="accent1"/>
+          </a:fillRef>
+          <a:effectRef idx="0">
+            <a:schemeClr val="accent1"/>
+          </a:effectRef>
+          <a:fontRef idx="minor">
+            <a:schemeClr val="lt1"/>
+          </a:fontRef>
+        </p:style>
+        <p:txBody>
+          <a:bodyPr rtlCol="0" anchor="ctr"/>
+          <a:lstStyle/>
+          <a:p>
+            <a:pPr algn="ctr"/>
+            <a:r>
+              <a:rPr lang="en-US" altLang="zh-CN" sz="1400" dirty="0" smtClean="0">
+                <a:solidFill>
+                  <a:srgbClr val="0070C0"/>
+                </a:solidFill>
+              </a:rPr>
+              <a:t>Web</a:t>
+            </a:r>
+            <a:r>
+              <a:rPr lang="zh-CN" altLang="en-US" sz="1400" dirty="0" smtClean="0">
+                <a:solidFill>
+                  <a:srgbClr val="0070C0"/>
+                </a:solidFill>
+              </a:rPr>
+              <a:t>应用</a:t>
+            </a:r>
+            <a:endParaRPr lang="zh-CN" altLang="en-US" sz="1400" dirty="0">
+              <a:solidFill>
+                <a:srgbClr val="0070C0"/>
+              </a:solidFill>
+            </a:endParaRPr>
+          </a:p>
+        </p:txBody>
+      </p:sp>
+      <p:sp>
+        <p:nvSpPr>
+          <p:cNvPr id="36" name="矩形 35"/>
+          <p:cNvSpPr/>
+          <p:nvPr/>
+        </p:nvSpPr>
+        <p:spPr>
+          <a:xfrm>
+            <a:off x="2330436" y="3853644"/>
+            <a:ext cx="1368152" cy="576064"/>
+          </a:xfrm>
+          <a:prstGeom prst="rect">
+            <a:avLst/>
+          </a:prstGeom>
+          <a:solidFill>
+            <a:schemeClr val="accent5">
+              <a:lumMod val="40000"/>
+              <a:lumOff val="60000"/>
+            </a:schemeClr>
+          </a:solidFill>
+          <a:ln>
+            <a:noFill/>
+          </a:ln>
+        </p:spPr>
+        <p:style>
+          <a:lnRef idx="2">
+            <a:schemeClr val="accent1">
+              <a:shade val="50000"/>
+            </a:schemeClr>
+          </a:lnRef>
+          <a:fillRef idx="1">
+            <a:schemeClr val="accent1"/>
+          </a:fillRef>
+          <a:effectRef idx="0">
+            <a:schemeClr val="accent1"/>
+          </a:effectRef>
+          <a:fontRef idx="minor">
+            <a:schemeClr val="lt1"/>
+          </a:fontRef>
+        </p:style>
+        <p:txBody>
+          <a:bodyPr rtlCol="0" anchor="ctr"/>
+          <a:lstStyle/>
+          <a:p>
+            <a:pPr algn="ctr"/>
+            <a:r>
+              <a:rPr lang="zh-CN" altLang="en-US" sz="1400" dirty="0" smtClean="0">
+                <a:solidFill>
+                  <a:srgbClr val="0070C0"/>
+                </a:solidFill>
+              </a:rPr>
+              <a:t>数据应用</a:t>
+            </a:r>
+            <a:endParaRPr lang="en-US" altLang="zh-CN" sz="1400" dirty="0" smtClean="0">
+              <a:solidFill>
+                <a:srgbClr val="0070C0"/>
+              </a:solidFill>
+            </a:endParaRPr>
+          </a:p>
+        </p:txBody>
+      </p:sp>
+      <p:sp>
+        <p:nvSpPr>
+          <p:cNvPr id="37" name="矩形 36"/>
+          <p:cNvSpPr/>
+          <p:nvPr/>
+        </p:nvSpPr>
+        <p:spPr>
+          <a:xfrm>
+            <a:off x="2317238" y="4535455"/>
+            <a:ext cx="1368152" cy="576064"/>
+          </a:xfrm>
+          <a:prstGeom prst="rect">
+            <a:avLst/>
+          </a:prstGeom>
+          <a:solidFill>
+            <a:schemeClr val="accent5">
+              <a:lumMod val="40000"/>
+              <a:lumOff val="60000"/>
+            </a:schemeClr>
+          </a:solidFill>
+          <a:ln>
+            <a:noFill/>
+          </a:ln>
+        </p:spPr>
+        <p:style>
+          <a:lnRef idx="2">
+            <a:schemeClr val="accent1">
+              <a:shade val="50000"/>
+            </a:schemeClr>
+          </a:lnRef>
+          <a:fillRef idx="1">
+            <a:schemeClr val="accent1"/>
+          </a:fillRef>
+          <a:effectRef idx="0">
+            <a:schemeClr val="accent1"/>
+          </a:effectRef>
+          <a:fontRef idx="minor">
+            <a:schemeClr val="lt1"/>
+          </a:fontRef>
+        </p:style>
+        <p:txBody>
+          <a:bodyPr rtlCol="0" anchor="ctr"/>
+          <a:lstStyle/>
+          <a:p>
+            <a:pPr algn="ctr"/>
+            <a:r>
+              <a:rPr lang="zh-CN" altLang="en-US" sz="1400" dirty="0">
+                <a:solidFill>
+                  <a:srgbClr val="0070C0"/>
+                </a:solidFill>
+              </a:rPr>
+              <a:t>任务</a:t>
+            </a:r>
+            <a:endParaRPr lang="en-US" altLang="zh-CN" sz="1400" dirty="0" smtClean="0">
+              <a:solidFill>
+                <a:srgbClr val="0070C0"/>
+              </a:solidFill>
+            </a:endParaRPr>
+          </a:p>
+        </p:txBody>
+      </p:sp>
+      <p:sp>
+        <p:nvSpPr>
+          <p:cNvPr id="38" name="矩形 37"/>
+          <p:cNvSpPr/>
+          <p:nvPr/>
+        </p:nvSpPr>
+        <p:spPr>
+          <a:xfrm>
+            <a:off x="2330436" y="5240706"/>
+            <a:ext cx="1368152" cy="576064"/>
+          </a:xfrm>
+          <a:prstGeom prst="rect">
+            <a:avLst/>
+          </a:prstGeom>
+          <a:solidFill>
+            <a:schemeClr val="accent5">
+              <a:lumMod val="40000"/>
+              <a:lumOff val="60000"/>
+            </a:schemeClr>
+          </a:solidFill>
+          <a:ln>
+            <a:noFill/>
+          </a:ln>
+        </p:spPr>
+        <p:style>
+          <a:lnRef idx="2">
+            <a:schemeClr val="accent1">
+              <a:shade val="50000"/>
+            </a:schemeClr>
+          </a:lnRef>
+          <a:fillRef idx="1">
+            <a:schemeClr val="accent1"/>
+          </a:fillRef>
+          <a:effectRef idx="0">
+            <a:schemeClr val="accent1"/>
+          </a:effectRef>
+          <a:fontRef idx="minor">
+            <a:schemeClr val="lt1"/>
+          </a:fontRef>
+        </p:style>
+        <p:txBody>
+          <a:bodyPr rtlCol="0" anchor="ctr"/>
+          <a:lstStyle/>
+          <a:p>
+            <a:pPr algn="ctr"/>
+            <a:r>
+              <a:rPr lang="zh-CN" altLang="en-US" sz="1400" dirty="0">
+                <a:solidFill>
+                  <a:srgbClr val="0070C0"/>
+                </a:solidFill>
+              </a:rPr>
+              <a:t>微服务</a:t>
+            </a:r>
+            <a:endParaRPr lang="en-US" altLang="zh-CN" sz="1400" dirty="0" smtClean="0">
+              <a:solidFill>
+                <a:srgbClr val="0070C0"/>
+              </a:solidFill>
+            </a:endParaRPr>
+          </a:p>
+        </p:txBody>
+      </p:sp>
+      <p:sp>
+        <p:nvSpPr>
+          <p:cNvPr id="4" name="矩形 3"/>
+          <p:cNvSpPr/>
+          <p:nvPr/>
+        </p:nvSpPr>
+        <p:spPr>
+          <a:xfrm>
+            <a:off x="201700" y="2637644"/>
+            <a:ext cx="1008112" cy="360040"/>
+          </a:xfrm>
+          <a:prstGeom prst="rect">
+            <a:avLst/>
+          </a:prstGeom>
+          <a:solidFill>
+            <a:schemeClr val="accent3"/>
+          </a:solidFill>
+          <a:ln>
+            <a:noFill/>
+          </a:ln>
+        </p:spPr>
+        <p:style>
+          <a:lnRef idx="2">
+            <a:schemeClr val="accent1">
+              <a:shade val="50000"/>
+            </a:schemeClr>
+          </a:lnRef>
+          <a:fillRef idx="1">
+            <a:schemeClr val="accent1"/>
+          </a:fillRef>
+          <a:effectRef idx="0">
+            <a:schemeClr val="accent1"/>
+          </a:effectRef>
+          <a:fontRef idx="minor">
+            <a:schemeClr val="lt1"/>
+          </a:fontRef>
+        </p:style>
+        <p:txBody>
+          <a:bodyPr rtlCol="0" anchor="ctr"/>
+          <a:lstStyle/>
+          <a:p>
+            <a:pPr algn="ctr"/>
+            <a:r>
+              <a:rPr lang="zh-CN" altLang="en-US" sz="1400" dirty="0" smtClean="0">
+                <a:solidFill>
+                  <a:schemeClr val="bg2">
+                    <a:lumMod val="50000"/>
+                  </a:schemeClr>
+                </a:solidFill>
+              </a:rPr>
+              <a:t>项目管理</a:t>
+            </a:r>
+            <a:endParaRPr lang="zh-CN" altLang="en-US" sz="1400" dirty="0">
+              <a:solidFill>
+                <a:schemeClr val="bg2">
+                  <a:lumMod val="50000"/>
+                </a:schemeClr>
+              </a:solidFill>
+            </a:endParaRPr>
+          </a:p>
+        </p:txBody>
+      </p:sp>
+      <p:sp>
+        <p:nvSpPr>
+          <p:cNvPr id="39" name="矩形 38"/>
+          <p:cNvSpPr/>
+          <p:nvPr/>
+        </p:nvSpPr>
+        <p:spPr>
+          <a:xfrm>
+            <a:off x="206220" y="3231530"/>
+            <a:ext cx="1008112" cy="360040"/>
+          </a:xfrm>
+          <a:prstGeom prst="rect">
+            <a:avLst/>
+          </a:prstGeom>
+          <a:solidFill>
+            <a:schemeClr val="accent3"/>
+          </a:solidFill>
+          <a:ln>
+            <a:noFill/>
+          </a:ln>
+        </p:spPr>
+        <p:style>
+          <a:lnRef idx="2">
+            <a:schemeClr val="accent1">
+              <a:shade val="50000"/>
+            </a:schemeClr>
+          </a:lnRef>
+          <a:fillRef idx="1">
+            <a:schemeClr val="accent1"/>
+          </a:fillRef>
+          <a:effectRef idx="0">
+            <a:schemeClr val="accent1"/>
+          </a:effectRef>
+          <a:fontRef idx="minor">
+            <a:schemeClr val="lt1"/>
+          </a:fontRef>
+        </p:style>
+        <p:txBody>
+          <a:bodyPr rtlCol="0" anchor="ctr"/>
+          <a:lstStyle/>
+          <a:p>
+            <a:pPr algn="ctr"/>
+            <a:r>
+              <a:rPr lang="zh-CN" altLang="en-US" sz="1400" dirty="0" smtClean="0">
+                <a:solidFill>
+                  <a:schemeClr val="bg2">
+                    <a:lumMod val="50000"/>
+                  </a:schemeClr>
+                </a:solidFill>
+              </a:rPr>
+              <a:t>集成</a:t>
+            </a:r>
+            <a:r>
+              <a:rPr lang="en-US" altLang="zh-CN" sz="1600" dirty="0" smtClean="0">
+                <a:solidFill>
+                  <a:schemeClr val="bg2">
+                    <a:lumMod val="50000"/>
+                  </a:schemeClr>
+                </a:solidFill>
+              </a:rPr>
+              <a:t>IDE</a:t>
+            </a:r>
+            <a:endParaRPr lang="zh-CN" altLang="en-US" sz="1400" dirty="0">
+              <a:solidFill>
+                <a:schemeClr val="bg2">
+                  <a:lumMod val="50000"/>
+                </a:schemeClr>
+              </a:solidFill>
+            </a:endParaRPr>
+          </a:p>
+        </p:txBody>
+      </p:sp>
+      <p:sp>
+        <p:nvSpPr>
+          <p:cNvPr id="40" name="矩形 39"/>
+          <p:cNvSpPr/>
+          <p:nvPr/>
+        </p:nvSpPr>
+        <p:spPr>
+          <a:xfrm>
+            <a:off x="206220" y="3839679"/>
+            <a:ext cx="1008112" cy="360040"/>
+          </a:xfrm>
+          <a:prstGeom prst="rect">
+            <a:avLst/>
+          </a:prstGeom>
+          <a:solidFill>
+            <a:schemeClr val="accent3"/>
+          </a:solidFill>
+          <a:ln>
+            <a:noFill/>
+          </a:ln>
+        </p:spPr>
+        <p:style>
+          <a:lnRef idx="2">
+            <a:schemeClr val="accent1">
+              <a:shade val="50000"/>
+            </a:schemeClr>
+          </a:lnRef>
+          <a:fillRef idx="1">
+            <a:schemeClr val="accent1"/>
+          </a:fillRef>
+          <a:effectRef idx="0">
+            <a:schemeClr val="accent1"/>
+          </a:effectRef>
+          <a:fontRef idx="minor">
+            <a:schemeClr val="lt1"/>
+          </a:fontRef>
+        </p:style>
+        <p:txBody>
+          <a:bodyPr rtlCol="0" anchor="ctr"/>
+          <a:lstStyle/>
+          <a:p>
+            <a:pPr algn="ctr"/>
+            <a:r>
+              <a:rPr lang="zh-CN" altLang="en-US" sz="1400" dirty="0" smtClean="0">
+                <a:solidFill>
+                  <a:schemeClr val="bg2">
+                    <a:lumMod val="50000"/>
+                  </a:schemeClr>
+                </a:solidFill>
+              </a:rPr>
+              <a:t>持续集成</a:t>
+            </a:r>
+            <a:endParaRPr lang="zh-CN" altLang="en-US" sz="1400" dirty="0">
+              <a:solidFill>
+                <a:schemeClr val="bg2">
+                  <a:lumMod val="50000"/>
+                </a:schemeClr>
+              </a:solidFill>
+            </a:endParaRPr>
+          </a:p>
+        </p:txBody>
+      </p:sp>
+      <p:sp>
+        <p:nvSpPr>
+          <p:cNvPr id="41" name="矩形 40"/>
+          <p:cNvSpPr/>
+          <p:nvPr/>
+        </p:nvSpPr>
+        <p:spPr>
+          <a:xfrm>
+            <a:off x="201700" y="4462413"/>
+            <a:ext cx="1008112" cy="360040"/>
+          </a:xfrm>
+          <a:prstGeom prst="rect">
+            <a:avLst/>
+          </a:prstGeom>
+          <a:solidFill>
+            <a:schemeClr val="accent3"/>
+          </a:solidFill>
+          <a:ln>
+            <a:noFill/>
+          </a:ln>
+        </p:spPr>
+        <p:style>
+          <a:lnRef idx="2">
+            <a:schemeClr val="accent1">
+              <a:shade val="50000"/>
+            </a:schemeClr>
+          </a:lnRef>
+          <a:fillRef idx="1">
+            <a:schemeClr val="accent1"/>
+          </a:fillRef>
+          <a:effectRef idx="0">
+            <a:schemeClr val="accent1"/>
+          </a:effectRef>
+          <a:fontRef idx="minor">
+            <a:schemeClr val="lt1"/>
+          </a:fontRef>
+        </p:style>
+        <p:txBody>
+          <a:bodyPr rtlCol="0" anchor="ctr"/>
+          <a:lstStyle/>
+          <a:p>
+            <a:pPr algn="ctr"/>
+            <a:r>
+              <a:rPr lang="zh-CN" altLang="en-US" sz="1400" dirty="0" smtClean="0">
+                <a:solidFill>
+                  <a:schemeClr val="bg2">
+                    <a:lumMod val="50000"/>
+                  </a:schemeClr>
+                </a:solidFill>
+              </a:rPr>
+              <a:t>持续部署</a:t>
+            </a:r>
+            <a:endParaRPr lang="zh-CN" altLang="en-US" sz="1400" dirty="0">
+              <a:solidFill>
+                <a:schemeClr val="bg2">
+                  <a:lumMod val="50000"/>
+                </a:schemeClr>
+              </a:solidFill>
+            </a:endParaRPr>
+          </a:p>
+        </p:txBody>
+      </p:sp>
+      <p:sp>
+        <p:nvSpPr>
+          <p:cNvPr id="43" name="矩形 42"/>
+          <p:cNvSpPr/>
+          <p:nvPr/>
+        </p:nvSpPr>
+        <p:spPr>
+          <a:xfrm>
+            <a:off x="170216" y="5084740"/>
+            <a:ext cx="1080120" cy="360040"/>
+          </a:xfrm>
+          <a:prstGeom prst="rect">
+            <a:avLst/>
+          </a:prstGeom>
+          <a:solidFill>
+            <a:schemeClr val="accent3"/>
+          </a:solidFill>
+          <a:ln>
+            <a:noFill/>
+          </a:ln>
+        </p:spPr>
+        <p:style>
+          <a:lnRef idx="2">
+            <a:schemeClr val="accent1">
+              <a:shade val="50000"/>
+            </a:schemeClr>
+          </a:lnRef>
+          <a:fillRef idx="1">
+            <a:schemeClr val="accent1"/>
+          </a:fillRef>
+          <a:effectRef idx="0">
+            <a:schemeClr val="accent1"/>
+          </a:effectRef>
+          <a:fontRef idx="minor">
+            <a:schemeClr val="lt1"/>
+          </a:fontRef>
+        </p:style>
+        <p:txBody>
+          <a:bodyPr rtlCol="0" anchor="ctr"/>
+          <a:lstStyle/>
+          <a:p>
+            <a:pPr algn="ctr"/>
+            <a:r>
+              <a:rPr lang="zh-CN" altLang="en-US" sz="1400" dirty="0" smtClean="0">
+                <a:solidFill>
+                  <a:schemeClr val="bg2">
+                    <a:lumMod val="50000"/>
+                  </a:schemeClr>
+                </a:solidFill>
+              </a:rPr>
+              <a:t>自动化测试</a:t>
+            </a:r>
+            <a:endParaRPr lang="zh-CN" altLang="en-US" sz="1400" dirty="0">
+              <a:solidFill>
+                <a:schemeClr val="bg2">
+                  <a:lumMod val="50000"/>
+                </a:schemeClr>
+              </a:solidFill>
+            </a:endParaRPr>
+          </a:p>
+        </p:txBody>
+      </p:sp>
+      <p:sp>
+        <p:nvSpPr>
+          <p:cNvPr id="49" name="矩形 48"/>
+          <p:cNvSpPr/>
+          <p:nvPr/>
+        </p:nvSpPr>
+        <p:spPr>
+          <a:xfrm>
+            <a:off x="206220" y="5679802"/>
+            <a:ext cx="1008112" cy="360040"/>
+          </a:xfrm>
+          <a:prstGeom prst="rect">
+            <a:avLst/>
+          </a:prstGeom>
+          <a:solidFill>
+            <a:schemeClr val="accent3"/>
+          </a:solidFill>
+          <a:ln>
+            <a:noFill/>
+          </a:ln>
+        </p:spPr>
+        <p:style>
+          <a:lnRef idx="2">
+            <a:schemeClr val="accent1">
+              <a:shade val="50000"/>
+            </a:schemeClr>
+          </a:lnRef>
+          <a:fillRef idx="1">
+            <a:schemeClr val="accent1"/>
+          </a:fillRef>
+          <a:effectRef idx="0">
+            <a:schemeClr val="accent1"/>
+          </a:effectRef>
+          <a:fontRef idx="minor">
+            <a:schemeClr val="lt1"/>
+          </a:fontRef>
+        </p:style>
+        <p:txBody>
+          <a:bodyPr rtlCol="0" anchor="ctr"/>
+          <a:lstStyle/>
+          <a:p>
+            <a:pPr algn="ctr"/>
+            <a:r>
+              <a:rPr lang="zh-CN" altLang="en-US" sz="1400" dirty="0" smtClean="0">
+                <a:solidFill>
+                  <a:schemeClr val="bg2">
+                    <a:lumMod val="50000"/>
+                  </a:schemeClr>
+                </a:solidFill>
+              </a:rPr>
+              <a:t>代码仓库</a:t>
+            </a:r>
+            <a:endParaRPr lang="zh-CN" altLang="en-US" sz="1400" dirty="0">
+              <a:solidFill>
+                <a:schemeClr val="bg2">
+                  <a:lumMod val="50000"/>
+                </a:schemeClr>
+              </a:solidFill>
+            </a:endParaRPr>
+          </a:p>
+        </p:txBody>
+      </p:sp>
+      <p:sp>
+        <p:nvSpPr>
+          <p:cNvPr id="51" name="矩形 50"/>
+          <p:cNvSpPr/>
+          <p:nvPr/>
+        </p:nvSpPr>
+        <p:spPr>
+          <a:xfrm>
+            <a:off x="170216" y="6191857"/>
+            <a:ext cx="1080120" cy="360040"/>
+          </a:xfrm>
+          <a:prstGeom prst="rect">
+            <a:avLst/>
+          </a:prstGeom>
+          <a:solidFill>
+            <a:schemeClr val="accent3"/>
+          </a:solidFill>
+          <a:ln>
+            <a:noFill/>
+          </a:ln>
+        </p:spPr>
+        <p:style>
+          <a:lnRef idx="2">
+            <a:schemeClr val="accent1">
+              <a:shade val="50000"/>
+            </a:schemeClr>
+          </a:lnRef>
+          <a:fillRef idx="1">
+            <a:schemeClr val="accent1"/>
+          </a:fillRef>
+          <a:effectRef idx="0">
+            <a:schemeClr val="accent1"/>
+          </a:effectRef>
+          <a:fontRef idx="minor">
+            <a:schemeClr val="lt1"/>
+          </a:fontRef>
+        </p:style>
+        <p:txBody>
+          <a:bodyPr rtlCol="0" anchor="ctr"/>
+          <a:lstStyle/>
+          <a:p>
+            <a:pPr algn="ctr"/>
+            <a:r>
+              <a:rPr lang="zh-CN" altLang="en-US" sz="1400" dirty="0" smtClean="0">
+                <a:solidFill>
+                  <a:schemeClr val="bg2">
+                    <a:lumMod val="50000"/>
+                  </a:schemeClr>
+                </a:solidFill>
+              </a:rPr>
+              <a:t>多语言支持</a:t>
+            </a:r>
+            <a:endParaRPr lang="zh-CN" altLang="en-US" sz="1400" dirty="0">
+              <a:solidFill>
+                <a:schemeClr val="bg2">
+                  <a:lumMod val="50000"/>
+                </a:schemeClr>
+              </a:solidFill>
+            </a:endParaRPr>
+          </a:p>
+        </p:txBody>
+      </p:sp>
+      <p:sp>
+        <p:nvSpPr>
+          <p:cNvPr id="5" name="矩形 4"/>
+          <p:cNvSpPr/>
+          <p:nvPr/>
+        </p:nvSpPr>
+        <p:spPr>
+          <a:xfrm>
+            <a:off x="10398717" y="2817664"/>
+            <a:ext cx="680134" cy="701898"/>
+          </a:xfrm>
+          <a:prstGeom prst="rect">
+            <a:avLst/>
+          </a:prstGeom>
+          <a:solidFill>
+            <a:srgbClr val="FFC000"/>
+          </a:solidFill>
+          <a:ln>
+            <a:noFill/>
+          </a:ln>
+        </p:spPr>
+        <p:style>
+          <a:lnRef idx="2">
+            <a:schemeClr val="accent1">
+              <a:shade val="50000"/>
+            </a:schemeClr>
+          </a:lnRef>
+          <a:fillRef idx="1">
+            <a:schemeClr val="accent1"/>
+          </a:fillRef>
+          <a:effectRef idx="0">
+            <a:schemeClr val="accent1"/>
+          </a:effectRef>
+          <a:fontRef idx="minor">
+            <a:schemeClr val="lt1"/>
+          </a:fontRef>
+        </p:style>
+        <p:txBody>
+          <a:bodyPr rtlCol="0" anchor="ctr"/>
+          <a:lstStyle/>
+          <a:p>
+            <a:pPr algn="ctr"/>
+            <a:r>
+              <a:rPr lang="zh-CN" altLang="en-US" sz="1400" dirty="0" smtClean="0">
+                <a:solidFill>
+                  <a:schemeClr val="accent1">
+                    <a:lumMod val="75000"/>
+                  </a:schemeClr>
+                </a:solidFill>
+              </a:rPr>
+              <a:t>多租户</a:t>
+            </a:r>
+            <a:endParaRPr lang="zh-CN" altLang="en-US" sz="1400" dirty="0">
+              <a:solidFill>
+                <a:schemeClr val="accent1">
+                  <a:lumMod val="75000"/>
+                </a:schemeClr>
+              </a:solidFill>
+            </a:endParaRPr>
+          </a:p>
+        </p:txBody>
+      </p:sp>
+      <p:sp>
+        <p:nvSpPr>
+          <p:cNvPr id="53" name="矩形 52"/>
+          <p:cNvSpPr/>
+          <p:nvPr/>
+        </p:nvSpPr>
+        <p:spPr>
+          <a:xfrm>
+            <a:off x="10394018" y="3715383"/>
+            <a:ext cx="720080" cy="714325"/>
+          </a:xfrm>
+          <a:prstGeom prst="rect">
+            <a:avLst/>
+          </a:prstGeom>
+          <a:solidFill>
+            <a:srgbClr val="FFC000"/>
+          </a:solidFill>
+          <a:ln>
+            <a:noFill/>
+          </a:ln>
+        </p:spPr>
+        <p:style>
+          <a:lnRef idx="2">
+            <a:schemeClr val="accent1">
+              <a:shade val="50000"/>
+            </a:schemeClr>
+          </a:lnRef>
+          <a:fillRef idx="1">
+            <a:schemeClr val="accent1"/>
+          </a:fillRef>
+          <a:effectRef idx="0">
+            <a:schemeClr val="accent1"/>
+          </a:effectRef>
+          <a:fontRef idx="minor">
+            <a:schemeClr val="lt1"/>
+          </a:fontRef>
+        </p:style>
+        <p:txBody>
+          <a:bodyPr rtlCol="0" anchor="ctr"/>
+          <a:lstStyle/>
+          <a:p>
+            <a:pPr algn="ctr"/>
+            <a:r>
+              <a:rPr lang="zh-CN" altLang="en-US" sz="1600" dirty="0" smtClean="0">
+                <a:solidFill>
+                  <a:schemeClr val="accent1">
+                    <a:lumMod val="75000"/>
+                  </a:schemeClr>
+                </a:solidFill>
+              </a:rPr>
+              <a:t>权限控制</a:t>
+            </a:r>
+            <a:endParaRPr lang="zh-CN" altLang="en-US" sz="1600" dirty="0">
+              <a:solidFill>
+                <a:schemeClr val="accent1">
+                  <a:lumMod val="75000"/>
+                </a:schemeClr>
+              </a:solidFill>
+            </a:endParaRPr>
+          </a:p>
+        </p:txBody>
+      </p:sp>
+      <p:sp>
+        <p:nvSpPr>
+          <p:cNvPr id="55" name="矩形 54"/>
+          <p:cNvSpPr/>
+          <p:nvPr/>
+        </p:nvSpPr>
+        <p:spPr>
+          <a:xfrm>
+            <a:off x="10398718" y="4693940"/>
+            <a:ext cx="720080" cy="700633"/>
+          </a:xfrm>
+          <a:prstGeom prst="rect">
+            <a:avLst/>
+          </a:prstGeom>
+          <a:solidFill>
+            <a:srgbClr val="FFC000"/>
+          </a:solidFill>
+          <a:ln>
+            <a:noFill/>
+          </a:ln>
+        </p:spPr>
+        <p:style>
+          <a:lnRef idx="2">
+            <a:schemeClr val="accent1">
+              <a:shade val="50000"/>
+            </a:schemeClr>
+          </a:lnRef>
+          <a:fillRef idx="1">
+            <a:schemeClr val="accent1"/>
+          </a:fillRef>
+          <a:effectRef idx="0">
+            <a:schemeClr val="accent1"/>
+          </a:effectRef>
+          <a:fontRef idx="minor">
+            <a:schemeClr val="lt1"/>
+          </a:fontRef>
+        </p:style>
+        <p:txBody>
+          <a:bodyPr rtlCol="0" anchor="ctr"/>
+          <a:lstStyle/>
+          <a:p>
+            <a:pPr algn="ctr"/>
+            <a:r>
+              <a:rPr lang="zh-CN" altLang="en-US" sz="1600" dirty="0" smtClean="0">
+                <a:solidFill>
+                  <a:schemeClr val="accent1">
+                    <a:lumMod val="75000"/>
+                  </a:schemeClr>
+                </a:solidFill>
+              </a:rPr>
+              <a:t>目录控制</a:t>
+            </a:r>
+            <a:endParaRPr lang="zh-CN" altLang="en-US" sz="1600" dirty="0">
+              <a:solidFill>
+                <a:schemeClr val="accent1">
+                  <a:lumMod val="75000"/>
+                </a:schemeClr>
+              </a:solidFill>
+            </a:endParaRPr>
+          </a:p>
+        </p:txBody>
+      </p:sp>
+      <p:sp>
+        <p:nvSpPr>
+          <p:cNvPr id="61" name="矩形 60"/>
+          <p:cNvSpPr/>
+          <p:nvPr/>
+        </p:nvSpPr>
+        <p:spPr>
+          <a:xfrm>
+            <a:off x="10433965" y="5641606"/>
+            <a:ext cx="680133" cy="614459"/>
+          </a:xfrm>
+          <a:prstGeom prst="rect">
+            <a:avLst/>
+          </a:prstGeom>
+          <a:solidFill>
+            <a:srgbClr val="FFC000"/>
+          </a:solidFill>
+          <a:ln>
+            <a:noFill/>
+          </a:ln>
+        </p:spPr>
+        <p:style>
+          <a:lnRef idx="2">
+            <a:schemeClr val="accent1">
+              <a:shade val="50000"/>
+            </a:schemeClr>
+          </a:lnRef>
+          <a:fillRef idx="1">
+            <a:schemeClr val="accent1"/>
+          </a:fillRef>
+          <a:effectRef idx="0">
+            <a:schemeClr val="accent1"/>
+          </a:effectRef>
+          <a:fontRef idx="minor">
+            <a:schemeClr val="lt1"/>
+          </a:fontRef>
+        </p:style>
+        <p:txBody>
+          <a:bodyPr rtlCol="0" anchor="ctr"/>
+          <a:lstStyle/>
+          <a:p>
+            <a:pPr algn="ctr"/>
+            <a:r>
+              <a:rPr lang="zh-CN" altLang="en-US" sz="1400" dirty="0" smtClean="0">
+                <a:solidFill>
+                  <a:schemeClr val="accent1">
+                    <a:lumMod val="75000"/>
+                  </a:schemeClr>
+                </a:solidFill>
+              </a:rPr>
+              <a:t>安全监控</a:t>
+            </a:r>
+            <a:endParaRPr lang="zh-CN" altLang="en-US" sz="1400" dirty="0">
+              <a:solidFill>
+                <a:schemeClr val="accent1">
+                  <a:lumMod val="75000"/>
+                </a:schemeClr>
+              </a:solidFill>
+            </a:endParaRPr>
+          </a:p>
+        </p:txBody>
+      </p:sp>
+      <p:sp>
+        <p:nvSpPr>
+          <p:cNvPr id="62" name="矩形 61"/>
+          <p:cNvSpPr/>
+          <p:nvPr/>
+        </p:nvSpPr>
+        <p:spPr>
+          <a:xfrm>
+            <a:off x="165696" y="6687914"/>
+            <a:ext cx="1080120" cy="360040"/>
+          </a:xfrm>
+          <a:prstGeom prst="rect">
+            <a:avLst/>
+          </a:prstGeom>
+          <a:solidFill>
+            <a:schemeClr val="accent3"/>
+          </a:solidFill>
+          <a:ln>
+            <a:noFill/>
+          </a:ln>
+        </p:spPr>
+        <p:style>
+          <a:lnRef idx="2">
+            <a:schemeClr val="accent1">
+              <a:shade val="50000"/>
+            </a:schemeClr>
+          </a:lnRef>
+          <a:fillRef idx="1">
+            <a:schemeClr val="accent1"/>
+          </a:fillRef>
+          <a:effectRef idx="0">
+            <a:schemeClr val="accent1"/>
+          </a:effectRef>
+          <a:fontRef idx="minor">
+            <a:schemeClr val="lt1"/>
+          </a:fontRef>
+        </p:style>
+        <p:txBody>
+          <a:bodyPr rtlCol="0" anchor="ctr"/>
+          <a:lstStyle/>
+          <a:p>
+            <a:pPr algn="ctr"/>
+            <a:r>
+              <a:rPr lang="en-US" altLang="zh-CN" sz="1400" dirty="0">
+                <a:solidFill>
+                  <a:schemeClr val="bg2">
+                    <a:lumMod val="50000"/>
+                  </a:schemeClr>
+                </a:solidFill>
+              </a:rPr>
+              <a:t>CMDB</a:t>
+            </a:r>
+            <a:endParaRPr lang="zh-CN" altLang="en-US" sz="1400" dirty="0">
+              <a:solidFill>
+                <a:schemeClr val="bg2">
+                  <a:lumMod val="50000"/>
+                </a:schemeClr>
+              </a:solidFill>
+            </a:endParaRPr>
+          </a:p>
+        </p:txBody>
+      </p:sp>
+      <p:sp>
+        <p:nvSpPr>
+          <p:cNvPr id="9" name="矩形 8"/>
+          <p:cNvSpPr/>
+          <p:nvPr/>
+        </p:nvSpPr>
+        <p:spPr>
+          <a:xfrm>
+            <a:off x="11541868" y="2817664"/>
+            <a:ext cx="648072" cy="701898"/>
+          </a:xfrm>
+          <a:prstGeom prst="rect">
+            <a:avLst/>
+          </a:prstGeom>
+          <a:solidFill>
+            <a:schemeClr val="accent6">
+              <a:lumMod val="60000"/>
+              <a:lumOff val="40000"/>
+            </a:schemeClr>
+          </a:solidFill>
+          <a:ln>
+            <a:noFill/>
+          </a:ln>
+        </p:spPr>
+        <p:style>
+          <a:lnRef idx="2">
+            <a:schemeClr val="accent1">
+              <a:shade val="50000"/>
+            </a:schemeClr>
+          </a:lnRef>
+          <a:fillRef idx="1">
+            <a:schemeClr val="accent1"/>
+          </a:fillRef>
+          <a:effectRef idx="0">
+            <a:schemeClr val="accent1"/>
+          </a:effectRef>
+          <a:fontRef idx="minor">
+            <a:schemeClr val="lt1"/>
+          </a:fontRef>
+        </p:style>
+        <p:txBody>
+          <a:bodyPr rtlCol="0" anchor="ctr"/>
+          <a:lstStyle/>
+          <a:p>
+            <a:pPr algn="ctr"/>
+            <a:r>
+              <a:rPr lang="zh-CN" altLang="en-US" sz="1600" dirty="0" smtClean="0">
+                <a:solidFill>
+                  <a:schemeClr val="accent1">
+                    <a:lumMod val="75000"/>
+                  </a:schemeClr>
+                </a:solidFill>
+              </a:rPr>
+              <a:t>平台日志</a:t>
+            </a:r>
+            <a:endParaRPr lang="zh-CN" altLang="en-US" sz="1600" dirty="0">
+              <a:solidFill>
+                <a:schemeClr val="accent1">
+                  <a:lumMod val="75000"/>
+                </a:schemeClr>
+              </a:solidFill>
+            </a:endParaRPr>
+          </a:p>
+        </p:txBody>
+      </p:sp>
+      <p:sp>
+        <p:nvSpPr>
+          <p:cNvPr id="63" name="矩形 62"/>
+          <p:cNvSpPr/>
+          <p:nvPr/>
+        </p:nvSpPr>
+        <p:spPr>
+          <a:xfrm>
+            <a:off x="11542960" y="3833556"/>
+            <a:ext cx="648072" cy="982149"/>
+          </a:xfrm>
+          <a:prstGeom prst="rect">
+            <a:avLst/>
+          </a:prstGeom>
+          <a:solidFill>
+            <a:schemeClr val="accent6">
+              <a:lumMod val="60000"/>
+              <a:lumOff val="40000"/>
+            </a:schemeClr>
+          </a:solidFill>
+          <a:ln>
+            <a:noFill/>
+          </a:ln>
+        </p:spPr>
+        <p:style>
+          <a:lnRef idx="2">
+            <a:schemeClr val="accent1">
+              <a:shade val="50000"/>
+            </a:schemeClr>
+          </a:lnRef>
+          <a:fillRef idx="1">
+            <a:schemeClr val="accent1"/>
+          </a:fillRef>
+          <a:effectRef idx="0">
+            <a:schemeClr val="accent1"/>
+          </a:effectRef>
+          <a:fontRef idx="minor">
+            <a:schemeClr val="lt1"/>
+          </a:fontRef>
+        </p:style>
+        <p:txBody>
+          <a:bodyPr rtlCol="0" anchor="ctr"/>
+          <a:lstStyle/>
+          <a:p>
+            <a:pPr algn="ctr"/>
+            <a:r>
+              <a:rPr lang="zh-CN" altLang="en-US" sz="1600" dirty="0">
+                <a:solidFill>
+                  <a:schemeClr val="accent1">
+                    <a:lumMod val="75000"/>
+                  </a:schemeClr>
+                </a:solidFill>
+              </a:rPr>
+              <a:t>运行数据分析</a:t>
+            </a:r>
+          </a:p>
+        </p:txBody>
+      </p:sp>
+      <p:sp>
+        <p:nvSpPr>
+          <p:cNvPr id="64" name="矩形 63"/>
+          <p:cNvSpPr/>
+          <p:nvPr/>
+        </p:nvSpPr>
+        <p:spPr>
+          <a:xfrm>
+            <a:off x="11542960" y="5177789"/>
+            <a:ext cx="648072" cy="701898"/>
+          </a:xfrm>
+          <a:prstGeom prst="rect">
+            <a:avLst/>
+          </a:prstGeom>
+          <a:solidFill>
+            <a:schemeClr val="accent6">
+              <a:lumMod val="60000"/>
+              <a:lumOff val="40000"/>
+            </a:schemeClr>
+          </a:solidFill>
+          <a:ln>
+            <a:noFill/>
+          </a:ln>
+        </p:spPr>
+        <p:style>
+          <a:lnRef idx="2">
+            <a:schemeClr val="accent1">
+              <a:shade val="50000"/>
+            </a:schemeClr>
+          </a:lnRef>
+          <a:fillRef idx="1">
+            <a:schemeClr val="accent1"/>
+          </a:fillRef>
+          <a:effectRef idx="0">
+            <a:schemeClr val="accent1"/>
+          </a:effectRef>
+          <a:fontRef idx="minor">
+            <a:schemeClr val="lt1"/>
+          </a:fontRef>
+        </p:style>
+        <p:txBody>
+          <a:bodyPr rtlCol="0" anchor="ctr"/>
+          <a:lstStyle/>
+          <a:p>
+            <a:pPr algn="ctr"/>
+            <a:r>
+              <a:rPr lang="zh-CN" altLang="en-US" sz="1600" dirty="0">
+                <a:solidFill>
+                  <a:schemeClr val="accent1">
+                    <a:lumMod val="75000"/>
+                  </a:schemeClr>
+                </a:solidFill>
+              </a:rPr>
+              <a:t>监控系统</a:t>
+            </a:r>
+          </a:p>
+        </p:txBody>
+      </p:sp>
+    </p:spTree>
+    <p:extLst>
+      <p:ext uri="{BB962C8B-B14F-4D97-AF65-F5344CB8AC3E}">
+        <p14:creationId xmlns:p14="http://schemas.microsoft.com/office/powerpoint/2010/main" val="3583576920"/>
+      </p:ext>
+    </p:extLst>
+  </p:cSld>
+  <p:clrMapOvr>
+    <a:masterClrMapping/>
+  </p:clrMapOvr>
+  <p:timing>
+    <p:tnLst>
+      <p:par>
+        <p:cTn id="1" dur="indefinite" restart="never" nodeType="tmRoot">
+          <p:childTnLst>
+            <p:seq concurrent="1" nextAc="seek">
+              <p:cTn id="2" dur="indefinite" nodeType="mainSeq">
+                <p:childTnLst>
+                  <p:par>
+                    <p:cTn id="3" fill="hold">
+                      <p:stCondLst>
+                        <p:cond delay="indefinite"/>
+                        <p:cond evt="onBegin" delay="0">
+                          <p:tn val="2"/>
+                        </p:cond>
+                      </p:stCondLst>
+                      <p:childTnLst>
+                        <p:par>
+                          <p:cTn id="4" fill="hold">
+                            <p:stCondLst>
+                              <p:cond delay="0"/>
+                            </p:stCondLst>
+                            <p:childTnLst>
+                              <p:par>
+                                <p:cTn id="5" presetID="10" presetClass="entr" presetSubtype="0" fill="hold" grpId="0" nodeType="afterEffect">
+                                  <p:stCondLst>
+                                    <p:cond delay="0"/>
+                                  </p:stCondLst>
+                                  <p:iterate type="lt">
+                                    <p:tmPct val="10000"/>
+                                  </p:iterate>
+                                  <p:childTnLst>
+                                    <p:set>
+                                      <p:cBhvr>
+                                        <p:cTn id="6" dur="1" fill="hold">
+                                          <p:stCondLst>
+                                            <p:cond delay="0"/>
+                                          </p:stCondLst>
+                                        </p:cTn>
+                                        <p:tgtEl>
+                                          <p:spTgt spid="6"/>
+                                        </p:tgtEl>
+                                        <p:attrNameLst>
+                                          <p:attrName>style.visibility</p:attrName>
+                                        </p:attrNameLst>
+                                      </p:cBhvr>
+                                      <p:to>
+                                        <p:strVal val="visible"/>
+                                      </p:to>
+                                    </p:set>
+                                    <p:animEffect transition="in" filter="fade">
+                                      <p:cBhvr>
+                                        <p:cTn id="7" dur="500"/>
+                                        <p:tgtEl>
+                                          <p:spTgt spid="6"/>
+                                        </p:tgtEl>
+                                      </p:cBhvr>
+                                    </p:animEffect>
+                                  </p:childTnLst>
+                                </p:cTn>
+                              </p:par>
+                            </p:childTnLst>
+                          </p:cTn>
+                        </p:par>
+                        <p:par>
+                          <p:cTn id="8" fill="hold">
+                            <p:stCondLst>
+                              <p:cond delay="750"/>
+                            </p:stCondLst>
+                            <p:childTnLst>
+                              <p:par>
+                                <p:cTn id="9" presetID="22" presetClass="entr" presetSubtype="8" fill="hold" nodeType="afterEffect">
+                                  <p:stCondLst>
+                                    <p:cond delay="0"/>
+                                  </p:stCondLst>
+                                  <p:childTnLst>
+                                    <p:set>
+                                      <p:cBhvr>
+                                        <p:cTn id="10" dur="1" fill="hold">
+                                          <p:stCondLst>
+                                            <p:cond delay="0"/>
+                                          </p:stCondLst>
+                                        </p:cTn>
+                                        <p:tgtEl>
+                                          <p:spTgt spid="7"/>
+                                        </p:tgtEl>
+                                        <p:attrNameLst>
+                                          <p:attrName>style.visibility</p:attrName>
+                                        </p:attrNameLst>
+                                      </p:cBhvr>
+                                      <p:to>
+                                        <p:strVal val="visible"/>
+                                      </p:to>
+                                    </p:set>
+                                    <p:animEffect transition="in" filter="wipe(left)">
+                                      <p:cBhvr>
+                                        <p:cTn id="11" dur="1000"/>
+                                        <p:tgtEl>
+                                          <p:spTgt spid="7"/>
+                                        </p:tgtEl>
+                                      </p:cBhvr>
+                                    </p:animEffect>
+                                  </p:childTnLst>
+                                </p:cTn>
+                              </p:par>
+                            </p:childTnLst>
+                          </p:cTn>
+                        </p:par>
+                      </p:childTnLst>
+                    </p:cTn>
+                  </p:par>
+                </p:childTnLst>
+              </p:cTn>
+              <p:prevCondLst>
+                <p:cond evt="onPrev" delay="0">
+                  <p:tgtEl>
+                    <p:sldTgt/>
+                  </p:tgtEl>
+                </p:cond>
+              </p:prevCondLst>
+              <p:nextCondLst>
+                <p:cond evt="onNext" delay="0">
+                  <p:tgtEl>
+                    <p:sldTgt/>
+                  </p:tgtEl>
+                </p:cond>
+              </p:nextCondLst>
+            </p:seq>
+          </p:childTnLst>
+        </p:cTn>
+      </p:par>
+    </p:tnLst>
+    <p:bldLst>
+      <p:bldP spid="6" grpId="0"/>
+    </p:bldLst>
+  </p:timing>
+</p:sld>
+</file>
+
+<file path=ppt/slides/slide16.xml><?xml version="1.0" encoding="utf-8"?>
+<p:sld xmlns:a="http://schemas.openxmlformats.org/drawingml/2006/main" xmlns:r="http://schemas.openxmlformats.org/officeDocument/2006/relationships" xmlns:p="http://schemas.openxmlformats.org/presentationml/2006/main">
+  <p:cSld>
+    <p:spTree>
+      <p:nvGrpSpPr>
+        <p:cNvPr id="1" name=""/>
+        <p:cNvGrpSpPr/>
+        <p:nvPr/>
+      </p:nvGrpSpPr>
+      <p:grpSpPr>
+        <a:xfrm>
+          <a:off x="0" y="0"/>
+          <a:ext cx="0" cy="0"/>
+          <a:chOff x="0" y="0"/>
+          <a:chExt cx="0" cy="0"/>
+        </a:xfrm>
+      </p:grpSpPr>
+      <p:sp>
+        <p:nvSpPr>
+          <p:cNvPr id="6" name="文本框 13"/>
+          <p:cNvSpPr txBox="1"/>
+          <p:nvPr/>
+        </p:nvSpPr>
+        <p:spPr>
+          <a:xfrm>
+            <a:off x="885776" y="-13911"/>
             <a:ext cx="15989242" cy="801897"/>
           </a:xfrm>
           <a:prstGeom prst="rect">
@@ -13075,7 +14777,499 @@
 </p:sld>
 </file>
 
-<file path=ppt/slides/slide16.xml><?xml version="1.0" encoding="utf-8"?>
+<file path=ppt/slides/slide17.xml><?xml version="1.0" encoding="utf-8"?>
+<p:sld xmlns:a="http://schemas.openxmlformats.org/drawingml/2006/main" xmlns:r="http://schemas.openxmlformats.org/officeDocument/2006/relationships" xmlns:p="http://schemas.openxmlformats.org/presentationml/2006/main">
+  <p:cSld>
+    <p:spTree>
+      <p:nvGrpSpPr>
+        <p:cNvPr id="1" name=""/>
+        <p:cNvGrpSpPr/>
+        <p:nvPr/>
+      </p:nvGrpSpPr>
+      <p:grpSpPr>
+        <a:xfrm>
+          <a:off x="0" y="0"/>
+          <a:ext cx="0" cy="0"/>
+          <a:chOff x="0" y="0"/>
+          <a:chExt cx="0" cy="0"/>
+        </a:xfrm>
+      </p:grpSpPr>
+      <p:sp>
+        <p:nvSpPr>
+          <p:cNvPr id="6" name="文本框 13"/>
+          <p:cNvSpPr txBox="1"/>
+          <p:nvPr/>
+        </p:nvSpPr>
+        <p:spPr>
+          <a:xfrm>
+            <a:off x="885776" y="-13911"/>
+            <a:ext cx="15989242" cy="801897"/>
+          </a:xfrm>
+          <a:prstGeom prst="rect">
+            <a:avLst/>
+          </a:prstGeom>
+          <a:noFill/>
+        </p:spPr>
+        <p:txBody>
+          <a:bodyPr wrap="square" lIns="123581" tIns="61791" rIns="123581" bIns="61791" rtlCol="0">
+            <a:spAutoFit/>
+          </a:bodyPr>
+          <a:lstStyle/>
+          <a:p>
+            <a:r>
+              <a:rPr lang="zh-CN" altLang="en-US" sz="4400" dirty="0" smtClean="0">
+                <a:solidFill>
+                  <a:srgbClr val="0070C0"/>
+                </a:solidFill>
+                <a:latin typeface="黑体" panose="02010609060101010101" pitchFamily="49" charset="-122"/>
+                <a:ea typeface="黑体" panose="02010609060101010101" pitchFamily="49" charset="-122"/>
+              </a:rPr>
+              <a:t>大数据</a:t>
+            </a:r>
+            <a:endParaRPr lang="zh-CN" altLang="en-US" sz="4400" dirty="0">
+              <a:solidFill>
+                <a:srgbClr val="0070C0"/>
+              </a:solidFill>
+              <a:latin typeface="黑体" panose="02010609060101010101" pitchFamily="49" charset="-122"/>
+              <a:ea typeface="黑体" panose="02010609060101010101" pitchFamily="49" charset="-122"/>
+            </a:endParaRPr>
+          </a:p>
+        </p:txBody>
+      </p:sp>
+      <p:cxnSp>
+        <p:nvCxnSpPr>
+          <p:cNvPr id="7" name="直接连接符 6"/>
+          <p:cNvCxnSpPr/>
+          <p:nvPr/>
+        </p:nvCxnSpPr>
+        <p:spPr>
+          <a:xfrm>
+            <a:off x="584734" y="787986"/>
+            <a:ext cx="11367663" cy="0"/>
+          </a:xfrm>
+          <a:prstGeom prst="line">
+            <a:avLst/>
+          </a:prstGeom>
+          <a:ln>
+            <a:solidFill>
+              <a:schemeClr val="tx1">
+                <a:lumMod val="50000"/>
+                <a:lumOff val="50000"/>
+              </a:schemeClr>
+            </a:solidFill>
+          </a:ln>
+        </p:spPr>
+        <p:style>
+          <a:lnRef idx="1">
+            <a:schemeClr val="accent1"/>
+          </a:lnRef>
+          <a:fillRef idx="0">
+            <a:schemeClr val="accent1"/>
+          </a:fillRef>
+          <a:effectRef idx="0">
+            <a:schemeClr val="accent1"/>
+          </a:effectRef>
+          <a:fontRef idx="minor">
+            <a:schemeClr val="tx1"/>
+          </a:fontRef>
+        </p:style>
+      </p:cxnSp>
+    </p:spTree>
+    <p:extLst>
+      <p:ext uri="{BB962C8B-B14F-4D97-AF65-F5344CB8AC3E}">
+        <p14:creationId xmlns:p14="http://schemas.microsoft.com/office/powerpoint/2010/main" val="1056918934"/>
+      </p:ext>
+    </p:extLst>
+  </p:cSld>
+  <p:clrMapOvr>
+    <a:masterClrMapping/>
+  </p:clrMapOvr>
+  <p:timing>
+    <p:tnLst>
+      <p:par>
+        <p:cTn id="1" dur="indefinite" restart="never" nodeType="tmRoot">
+          <p:childTnLst>
+            <p:seq concurrent="1" nextAc="seek">
+              <p:cTn id="2" dur="indefinite" nodeType="mainSeq">
+                <p:childTnLst>
+                  <p:par>
+                    <p:cTn id="3" fill="hold">
+                      <p:stCondLst>
+                        <p:cond delay="indefinite"/>
+                        <p:cond evt="onBegin" delay="0">
+                          <p:tn val="2"/>
+                        </p:cond>
+                      </p:stCondLst>
+                      <p:childTnLst>
+                        <p:par>
+                          <p:cTn id="4" fill="hold">
+                            <p:stCondLst>
+                              <p:cond delay="0"/>
+                            </p:stCondLst>
+                            <p:childTnLst>
+                              <p:par>
+                                <p:cTn id="5" presetID="10" presetClass="entr" presetSubtype="0" fill="hold" grpId="0" nodeType="afterEffect">
+                                  <p:stCondLst>
+                                    <p:cond delay="0"/>
+                                  </p:stCondLst>
+                                  <p:iterate type="lt">
+                                    <p:tmPct val="10000"/>
+                                  </p:iterate>
+                                  <p:childTnLst>
+                                    <p:set>
+                                      <p:cBhvr>
+                                        <p:cTn id="6" dur="1" fill="hold">
+                                          <p:stCondLst>
+                                            <p:cond delay="0"/>
+                                          </p:stCondLst>
+                                        </p:cTn>
+                                        <p:tgtEl>
+                                          <p:spTgt spid="6"/>
+                                        </p:tgtEl>
+                                        <p:attrNameLst>
+                                          <p:attrName>style.visibility</p:attrName>
+                                        </p:attrNameLst>
+                                      </p:cBhvr>
+                                      <p:to>
+                                        <p:strVal val="visible"/>
+                                      </p:to>
+                                    </p:set>
+                                    <p:animEffect transition="in" filter="fade">
+                                      <p:cBhvr>
+                                        <p:cTn id="7" dur="500"/>
+                                        <p:tgtEl>
+                                          <p:spTgt spid="6"/>
+                                        </p:tgtEl>
+                                      </p:cBhvr>
+                                    </p:animEffect>
+                                  </p:childTnLst>
+                                </p:cTn>
+                              </p:par>
+                            </p:childTnLst>
+                          </p:cTn>
+                        </p:par>
+                        <p:par>
+                          <p:cTn id="8" fill="hold">
+                            <p:stCondLst>
+                              <p:cond delay="600"/>
+                            </p:stCondLst>
+                            <p:childTnLst>
+                              <p:par>
+                                <p:cTn id="9" presetID="22" presetClass="entr" presetSubtype="8" fill="hold" nodeType="afterEffect">
+                                  <p:stCondLst>
+                                    <p:cond delay="0"/>
+                                  </p:stCondLst>
+                                  <p:childTnLst>
+                                    <p:set>
+                                      <p:cBhvr>
+                                        <p:cTn id="10" dur="1" fill="hold">
+                                          <p:stCondLst>
+                                            <p:cond delay="0"/>
+                                          </p:stCondLst>
+                                        </p:cTn>
+                                        <p:tgtEl>
+                                          <p:spTgt spid="7"/>
+                                        </p:tgtEl>
+                                        <p:attrNameLst>
+                                          <p:attrName>style.visibility</p:attrName>
+                                        </p:attrNameLst>
+                                      </p:cBhvr>
+                                      <p:to>
+                                        <p:strVal val="visible"/>
+                                      </p:to>
+                                    </p:set>
+                                    <p:animEffect transition="in" filter="wipe(left)">
+                                      <p:cBhvr>
+                                        <p:cTn id="11" dur="1000"/>
+                                        <p:tgtEl>
+                                          <p:spTgt spid="7"/>
+                                        </p:tgtEl>
+                                      </p:cBhvr>
+                                    </p:animEffect>
+                                  </p:childTnLst>
+                                </p:cTn>
+                              </p:par>
+                            </p:childTnLst>
+                          </p:cTn>
+                        </p:par>
+                      </p:childTnLst>
+                    </p:cTn>
+                  </p:par>
+                </p:childTnLst>
+              </p:cTn>
+              <p:prevCondLst>
+                <p:cond evt="onPrev" delay="0">
+                  <p:tgtEl>
+                    <p:sldTgt/>
+                  </p:tgtEl>
+                </p:cond>
+              </p:prevCondLst>
+              <p:nextCondLst>
+                <p:cond evt="onNext" delay="0">
+                  <p:tgtEl>
+                    <p:sldTgt/>
+                  </p:tgtEl>
+                </p:cond>
+              </p:nextCondLst>
+            </p:seq>
+          </p:childTnLst>
+        </p:cTn>
+      </p:par>
+    </p:tnLst>
+    <p:bldLst>
+      <p:bldP spid="6" grpId="0"/>
+    </p:bldLst>
+  </p:timing>
+</p:sld>
+</file>
+
+<file path=ppt/slides/slide18.xml><?xml version="1.0" encoding="utf-8"?>
+<p:sld xmlns:a="http://schemas.openxmlformats.org/drawingml/2006/main" xmlns:r="http://schemas.openxmlformats.org/officeDocument/2006/relationships" xmlns:p="http://schemas.openxmlformats.org/presentationml/2006/main">
+  <p:cSld>
+    <p:spTree>
+      <p:nvGrpSpPr>
+        <p:cNvPr id="1" name=""/>
+        <p:cNvGrpSpPr/>
+        <p:nvPr/>
+      </p:nvGrpSpPr>
+      <p:grpSpPr>
+        <a:xfrm>
+          <a:off x="0" y="0"/>
+          <a:ext cx="0" cy="0"/>
+          <a:chOff x="0" y="0"/>
+          <a:chExt cx="0" cy="0"/>
+        </a:xfrm>
+      </p:grpSpPr>
+      <p:sp>
+        <p:nvSpPr>
+          <p:cNvPr id="6" name="文本框 13"/>
+          <p:cNvSpPr txBox="1"/>
+          <p:nvPr/>
+        </p:nvSpPr>
+        <p:spPr>
+          <a:xfrm>
+            <a:off x="885776" y="-13911"/>
+            <a:ext cx="15989242" cy="801897"/>
+          </a:xfrm>
+          <a:prstGeom prst="rect">
+            <a:avLst/>
+          </a:prstGeom>
+          <a:noFill/>
+        </p:spPr>
+        <p:txBody>
+          <a:bodyPr wrap="square" lIns="123581" tIns="61791" rIns="123581" bIns="61791" rtlCol="0">
+            <a:spAutoFit/>
+          </a:bodyPr>
+          <a:lstStyle/>
+          <a:p>
+            <a:r>
+              <a:rPr lang="zh-CN" altLang="en-US" sz="4400" dirty="0" smtClean="0">
+                <a:solidFill>
+                  <a:srgbClr val="0070C0"/>
+                </a:solidFill>
+                <a:latin typeface="黑体" panose="02010609060101010101" pitchFamily="49" charset="-122"/>
+                <a:ea typeface="黑体" panose="02010609060101010101" pitchFamily="49" charset="-122"/>
+              </a:rPr>
+              <a:t>应用组件设计</a:t>
+            </a:r>
+            <a:endParaRPr lang="zh-CN" altLang="en-US" sz="4400" dirty="0">
+              <a:solidFill>
+                <a:srgbClr val="0070C0"/>
+              </a:solidFill>
+              <a:latin typeface="黑体" panose="02010609060101010101" pitchFamily="49" charset="-122"/>
+              <a:ea typeface="黑体" panose="02010609060101010101" pitchFamily="49" charset="-122"/>
+            </a:endParaRPr>
+          </a:p>
+        </p:txBody>
+      </p:sp>
+      <p:cxnSp>
+        <p:nvCxnSpPr>
+          <p:cNvPr id="7" name="直接连接符 6"/>
+          <p:cNvCxnSpPr/>
+          <p:nvPr/>
+        </p:nvCxnSpPr>
+        <p:spPr>
+          <a:xfrm>
+            <a:off x="584734" y="787986"/>
+            <a:ext cx="11367663" cy="0"/>
+          </a:xfrm>
+          <a:prstGeom prst="line">
+            <a:avLst/>
+          </a:prstGeom>
+          <a:ln>
+            <a:solidFill>
+              <a:schemeClr val="tx1">
+                <a:lumMod val="50000"/>
+                <a:lumOff val="50000"/>
+              </a:schemeClr>
+            </a:solidFill>
+          </a:ln>
+        </p:spPr>
+        <p:style>
+          <a:lnRef idx="1">
+            <a:schemeClr val="accent1"/>
+          </a:lnRef>
+          <a:fillRef idx="0">
+            <a:schemeClr val="accent1"/>
+          </a:fillRef>
+          <a:effectRef idx="0">
+            <a:schemeClr val="accent1"/>
+          </a:effectRef>
+          <a:fontRef idx="minor">
+            <a:schemeClr val="tx1"/>
+          </a:fontRef>
+        </p:style>
+      </p:cxnSp>
+    </p:spTree>
+    <p:extLst>
+      <p:ext uri="{BB962C8B-B14F-4D97-AF65-F5344CB8AC3E}">
+        <p14:creationId xmlns:p14="http://schemas.microsoft.com/office/powerpoint/2010/main" val="95953435"/>
+      </p:ext>
+    </p:extLst>
+  </p:cSld>
+  <p:clrMapOvr>
+    <a:masterClrMapping/>
+  </p:clrMapOvr>
+  <p:timing>
+    <p:tnLst>
+      <p:par>
+        <p:cTn id="1" dur="indefinite" restart="never" nodeType="tmRoot">
+          <p:childTnLst>
+            <p:seq concurrent="1" nextAc="seek">
+              <p:cTn id="2" dur="indefinite" nodeType="mainSeq">
+                <p:childTnLst>
+                  <p:par>
+                    <p:cTn id="3" fill="hold">
+                      <p:stCondLst>
+                        <p:cond delay="indefinite"/>
+                        <p:cond evt="onBegin" delay="0">
+                          <p:tn val="2"/>
+                        </p:cond>
+                      </p:stCondLst>
+                      <p:childTnLst>
+                        <p:par>
+                          <p:cTn id="4" fill="hold">
+                            <p:stCondLst>
+                              <p:cond delay="0"/>
+                            </p:stCondLst>
+                            <p:childTnLst>
+                              <p:par>
+                                <p:cTn id="5" presetID="10" presetClass="entr" presetSubtype="0" fill="hold" grpId="0" nodeType="afterEffect">
+                                  <p:stCondLst>
+                                    <p:cond delay="0"/>
+                                  </p:stCondLst>
+                                  <p:iterate type="lt">
+                                    <p:tmPct val="10000"/>
+                                  </p:iterate>
+                                  <p:childTnLst>
+                                    <p:set>
+                                      <p:cBhvr>
+                                        <p:cTn id="6" dur="1" fill="hold">
+                                          <p:stCondLst>
+                                            <p:cond delay="0"/>
+                                          </p:stCondLst>
+                                        </p:cTn>
+                                        <p:tgtEl>
+                                          <p:spTgt spid="6"/>
+                                        </p:tgtEl>
+                                        <p:attrNameLst>
+                                          <p:attrName>style.visibility</p:attrName>
+                                        </p:attrNameLst>
+                                      </p:cBhvr>
+                                      <p:to>
+                                        <p:strVal val="visible"/>
+                                      </p:to>
+                                    </p:set>
+                                    <p:animEffect transition="in" filter="fade">
+                                      <p:cBhvr>
+                                        <p:cTn id="7" dur="500"/>
+                                        <p:tgtEl>
+                                          <p:spTgt spid="6"/>
+                                        </p:tgtEl>
+                                      </p:cBhvr>
+                                    </p:animEffect>
+                                  </p:childTnLst>
+                                </p:cTn>
+                              </p:par>
+                            </p:childTnLst>
+                          </p:cTn>
+                        </p:par>
+                        <p:par>
+                          <p:cTn id="8" fill="hold">
+                            <p:stCondLst>
+                              <p:cond delay="750"/>
+                            </p:stCondLst>
+                            <p:childTnLst>
+                              <p:par>
+                                <p:cTn id="9" presetID="22" presetClass="entr" presetSubtype="8" fill="hold" nodeType="afterEffect">
+                                  <p:stCondLst>
+                                    <p:cond delay="0"/>
+                                  </p:stCondLst>
+                                  <p:childTnLst>
+                                    <p:set>
+                                      <p:cBhvr>
+                                        <p:cTn id="10" dur="1" fill="hold">
+                                          <p:stCondLst>
+                                            <p:cond delay="0"/>
+                                          </p:stCondLst>
+                                        </p:cTn>
+                                        <p:tgtEl>
+                                          <p:spTgt spid="7"/>
+                                        </p:tgtEl>
+                                        <p:attrNameLst>
+                                          <p:attrName>style.visibility</p:attrName>
+                                        </p:attrNameLst>
+                                      </p:cBhvr>
+                                      <p:to>
+                                        <p:strVal val="visible"/>
+                                      </p:to>
+                                    </p:set>
+                                    <p:animEffect transition="in" filter="wipe(left)">
+                                      <p:cBhvr>
+                                        <p:cTn id="11" dur="1000"/>
+                                        <p:tgtEl>
+                                          <p:spTgt spid="7"/>
+                                        </p:tgtEl>
+                                      </p:cBhvr>
+                                    </p:animEffect>
+                                  </p:childTnLst>
+                                </p:cTn>
+                              </p:par>
+                            </p:childTnLst>
+                          </p:cTn>
+                        </p:par>
+                      </p:childTnLst>
+                    </p:cTn>
+                  </p:par>
+                </p:childTnLst>
+              </p:cTn>
+              <p:prevCondLst>
+                <p:cond evt="onPrev" delay="0">
+                  <p:tgtEl>
+                    <p:sldTgt/>
+                  </p:tgtEl>
+                </p:cond>
+              </p:prevCondLst>
+              <p:nextCondLst>
+                <p:cond evt="onNext" delay="0">
+                  <p:tgtEl>
+                    <p:sldTgt/>
+                  </p:tgtEl>
+                </p:cond>
+              </p:nextCondLst>
+            </p:seq>
+          </p:childTnLst>
+        </p:cTn>
+      </p:par>
+    </p:tnLst>
+    <p:bldLst>
+      <p:bldP spid="6" grpId="0"/>
+    </p:bldLst>
+  </p:timing>
+</p:sld>
+</file>
+
+<file path=ppt/slides/slide19.xml><?xml version="1.0" encoding="utf-8"?>
 <p:sld xmlns:a="http://schemas.openxmlformats.org/drawingml/2006/main" xmlns:r="http://schemas.openxmlformats.org/officeDocument/2006/relationships" xmlns:p="http://schemas.openxmlformats.org/presentationml/2006/main">
   <p:cSld>
     <p:spTree>
@@ -13446,7 +15640,457 @@
 </p:sld>
 </file>
 
-<file path=ppt/slides/slide17.xml><?xml version="1.0" encoding="utf-8"?>
+<file path=ppt/slides/slide2.xml><?xml version="1.0" encoding="utf-8"?>
+<p:sld xmlns:a="http://schemas.openxmlformats.org/drawingml/2006/main" xmlns:r="http://schemas.openxmlformats.org/officeDocument/2006/relationships" xmlns:p="http://schemas.openxmlformats.org/presentationml/2006/main">
+  <p:cSld>
+    <p:spTree>
+      <p:nvGrpSpPr>
+        <p:cNvPr id="1" name=""/>
+        <p:cNvGrpSpPr/>
+        <p:nvPr/>
+      </p:nvGrpSpPr>
+      <p:grpSpPr>
+        <a:xfrm>
+          <a:off x="0" y="0"/>
+          <a:ext cx="0" cy="0"/>
+          <a:chOff x="0" y="0"/>
+          <a:chExt cx="0" cy="0"/>
+        </a:xfrm>
+      </p:grpSpPr>
+      <p:sp>
+        <p:nvSpPr>
+          <p:cNvPr id="6" name="文本框 13"/>
+          <p:cNvSpPr txBox="1"/>
+          <p:nvPr/>
+        </p:nvSpPr>
+        <p:spPr>
+          <a:xfrm>
+            <a:off x="1061214" y="855266"/>
+            <a:ext cx="15989242" cy="801897"/>
+          </a:xfrm>
+          <a:prstGeom prst="rect">
+            <a:avLst/>
+          </a:prstGeom>
+          <a:noFill/>
+        </p:spPr>
+        <p:txBody>
+          <a:bodyPr wrap="square" lIns="123581" tIns="61791" rIns="123581" bIns="61791" rtlCol="0">
+            <a:spAutoFit/>
+          </a:bodyPr>
+          <a:lstStyle/>
+          <a:p>
+            <a:r>
+              <a:rPr lang="zh-CN" altLang="en-US" sz="4400" dirty="0" smtClean="0">
+                <a:solidFill>
+                  <a:srgbClr val="0070C0"/>
+                </a:solidFill>
+                <a:latin typeface="黑体" panose="02010609060101010101" pitchFamily="49" charset="-122"/>
+                <a:ea typeface="黑体" panose="02010609060101010101" pitchFamily="49" charset="-122"/>
+              </a:rPr>
+              <a:t>是否需要选用开源云平台？</a:t>
+            </a:r>
+            <a:endParaRPr lang="zh-CN" altLang="en-US" sz="4400" dirty="0">
+              <a:solidFill>
+                <a:srgbClr val="0070C0"/>
+              </a:solidFill>
+              <a:latin typeface="黑体" panose="02010609060101010101" pitchFamily="49" charset="-122"/>
+              <a:ea typeface="黑体" panose="02010609060101010101" pitchFamily="49" charset="-122"/>
+            </a:endParaRPr>
+          </a:p>
+        </p:txBody>
+      </p:sp>
+      <p:cxnSp>
+        <p:nvCxnSpPr>
+          <p:cNvPr id="7" name="直接连接符 6"/>
+          <p:cNvCxnSpPr/>
+          <p:nvPr/>
+        </p:nvCxnSpPr>
+        <p:spPr>
+          <a:xfrm>
+            <a:off x="584734" y="2048065"/>
+            <a:ext cx="11367663" cy="0"/>
+          </a:xfrm>
+          <a:prstGeom prst="line">
+            <a:avLst/>
+          </a:prstGeom>
+          <a:ln>
+            <a:solidFill>
+              <a:schemeClr val="tx1">
+                <a:lumMod val="50000"/>
+                <a:lumOff val="50000"/>
+              </a:schemeClr>
+            </a:solidFill>
+          </a:ln>
+        </p:spPr>
+        <p:style>
+          <a:lnRef idx="1">
+            <a:schemeClr val="accent1"/>
+          </a:lnRef>
+          <a:fillRef idx="0">
+            <a:schemeClr val="accent1"/>
+          </a:fillRef>
+          <a:effectRef idx="0">
+            <a:schemeClr val="accent1"/>
+          </a:effectRef>
+          <a:fontRef idx="minor">
+            <a:schemeClr val="tx1"/>
+          </a:fontRef>
+        </p:style>
+      </p:cxnSp>
+      <p:sp>
+        <p:nvSpPr>
+          <p:cNvPr id="2" name="TextBox 1"/>
+          <p:cNvSpPr txBox="1"/>
+          <p:nvPr/>
+        </p:nvSpPr>
+        <p:spPr>
+          <a:xfrm>
+            <a:off x="1533848" y="2655466"/>
+            <a:ext cx="2627642" cy="3046988"/>
+          </a:xfrm>
+          <a:prstGeom prst="rect">
+            <a:avLst/>
+          </a:prstGeom>
+          <a:noFill/>
+        </p:spPr>
+        <p:txBody>
+          <a:bodyPr wrap="none" rtlCol="0">
+            <a:spAutoFit/>
+          </a:bodyPr>
+          <a:lstStyle/>
+          <a:p>
+            <a:pPr marL="457200" indent="-457200">
+              <a:buFont typeface="+mj-lt"/>
+              <a:buAutoNum type="arabicPeriod"/>
+            </a:pPr>
+            <a:r>
+              <a:rPr lang="en-US" altLang="zh-CN" dirty="0" err="1" smtClean="0"/>
+              <a:t>OpenShift</a:t>
+            </a:r>
+            <a:endParaRPr lang="en-US" altLang="zh-CN" dirty="0" smtClean="0"/>
+          </a:p>
+          <a:p>
+            <a:pPr marL="457200" indent="-457200">
+              <a:buFont typeface="+mj-lt"/>
+              <a:buAutoNum type="arabicPeriod"/>
+            </a:pPr>
+            <a:r>
+              <a:rPr lang="en-US" altLang="zh-CN" dirty="0"/>
+              <a:t>Cloud </a:t>
+            </a:r>
+            <a:r>
+              <a:rPr lang="en-US" altLang="zh-CN" dirty="0" smtClean="0"/>
+              <a:t>Foundry</a:t>
+            </a:r>
+          </a:p>
+          <a:p>
+            <a:pPr marL="457200" indent="-457200">
+              <a:buFont typeface="+mj-lt"/>
+              <a:buAutoNum type="arabicPeriod"/>
+            </a:pPr>
+            <a:r>
+              <a:rPr lang="en-US" altLang="zh-CN" dirty="0" err="1" smtClean="0"/>
+              <a:t>Cloudify</a:t>
+            </a:r>
+            <a:endParaRPr lang="en-US" altLang="zh-CN" dirty="0" smtClean="0"/>
+          </a:p>
+          <a:p>
+            <a:pPr marL="457200" indent="-457200">
+              <a:buFont typeface="+mj-lt"/>
+              <a:buAutoNum type="arabicPeriod"/>
+            </a:pPr>
+            <a:r>
+              <a:rPr lang="en-US" altLang="zh-CN" dirty="0" err="1" smtClean="0"/>
+              <a:t>Deis</a:t>
+            </a:r>
+            <a:endParaRPr lang="en-US" altLang="zh-CN" dirty="0" smtClean="0"/>
+          </a:p>
+          <a:p>
+            <a:pPr marL="457200" indent="-457200">
+              <a:buFont typeface="+mj-lt"/>
+              <a:buAutoNum type="arabicPeriod"/>
+            </a:pPr>
+            <a:r>
+              <a:rPr lang="en-US" altLang="zh-CN" dirty="0" err="1" smtClean="0"/>
+              <a:t>Stackato</a:t>
+            </a:r>
+            <a:endParaRPr lang="en-US" altLang="zh-CN" dirty="0" smtClean="0"/>
+          </a:p>
+          <a:p>
+            <a:pPr marL="457200" indent="-457200">
+              <a:buFont typeface="+mj-lt"/>
+              <a:buAutoNum type="arabicPeriod"/>
+            </a:pPr>
+            <a:r>
+              <a:rPr lang="en-US" altLang="zh-CN" dirty="0" err="1" smtClean="0"/>
+              <a:t>OpenNebula</a:t>
+            </a:r>
+            <a:endParaRPr lang="en-US" altLang="zh-CN" dirty="0" smtClean="0"/>
+          </a:p>
+          <a:p>
+            <a:pPr marL="457200" indent="-457200">
+              <a:buFont typeface="+mj-lt"/>
+              <a:buAutoNum type="arabicPeriod"/>
+            </a:pPr>
+            <a:r>
+              <a:rPr lang="en-US" altLang="zh-CN" dirty="0" err="1"/>
+              <a:t>Heroku</a:t>
+            </a:r>
+            <a:endParaRPr lang="en-US" altLang="zh-CN" dirty="0"/>
+          </a:p>
+          <a:p>
+            <a:pPr marL="457200" indent="-457200">
+              <a:buFont typeface="+mj-lt"/>
+              <a:buAutoNum type="arabicPeriod"/>
+            </a:pPr>
+            <a:endParaRPr lang="en-US" altLang="zh-CN" dirty="0" smtClean="0"/>
+          </a:p>
+        </p:txBody>
+      </p:sp>
+      <p:pic>
+        <p:nvPicPr>
+          <p:cNvPr id="1026" name="Picture 2"/>
+          <p:cNvPicPr>
+            <a:picLocks noChangeAspect="1" noChangeArrowheads="1"/>
+          </p:cNvPicPr>
+          <p:nvPr/>
+        </p:nvPicPr>
+        <p:blipFill>
+          <a:blip r:embed="rId3">
+            <a:extLst>
+              <a:ext uri="{28A0092B-C50C-407E-A947-70E740481C1C}">
+                <a14:useLocalDpi xmlns:a14="http://schemas.microsoft.com/office/drawing/2010/main" val="0"/>
+              </a:ext>
+            </a:extLst>
+          </a:blip>
+          <a:srcRect/>
+          <a:stretch>
+            <a:fillRect/>
+          </a:stretch>
+        </p:blipFill>
+        <p:spPr bwMode="auto">
+          <a:xfrm>
+            <a:off x="5062240" y="4481111"/>
+            <a:ext cx="6248400" cy="3181350"/>
+          </a:xfrm>
+          <a:prstGeom prst="rect">
+            <a:avLst/>
+          </a:prstGeom>
+          <a:noFill/>
+          <a:ln>
+            <a:noFill/>
+          </a:ln>
+          <a:effectLst/>
+          <a:extLst>
+            <a:ext uri="{909E8E84-426E-40DD-AFC4-6F175D3DCCD1}">
+              <a14:hiddenFill xmlns:a14="http://schemas.microsoft.com/office/drawing/2010/main">
+                <a:solidFill>
+                  <a:schemeClr val="accent1"/>
+                </a:solidFill>
+              </a14:hiddenFill>
+            </a:ext>
+            <a:ext uri="{91240B29-F687-4F45-9708-019B960494DF}">
+              <a14:hiddenLine xmlns:a14="http://schemas.microsoft.com/office/drawing/2010/main" w="9525">
+                <a:solidFill>
+                  <a:schemeClr val="tx1"/>
+                </a:solidFill>
+                <a:miter lim="800000"/>
+                <a:headEnd/>
+                <a:tailEnd/>
+              </a14:hiddenLine>
+            </a:ext>
+            <a:ext uri="{AF507438-7753-43E0-B8FC-AC1667EBCBE1}">
+              <a14:hiddenEffects xmlns:a14="http://schemas.microsoft.com/office/drawing/2010/main">
+                <a:effectLst>
+                  <a:outerShdw dist="35921" dir="2700000" algn="ctr" rotWithShape="0">
+                    <a:schemeClr val="bg2"/>
+                  </a:outerShdw>
+                </a:effectLst>
+              </a14:hiddenEffects>
+            </a:ext>
+          </a:extLst>
+        </p:spPr>
+      </p:pic>
+      <p:sp>
+        <p:nvSpPr>
+          <p:cNvPr id="3" name="TextBox 2"/>
+          <p:cNvSpPr txBox="1"/>
+          <p:nvPr/>
+        </p:nvSpPr>
+        <p:spPr>
+          <a:xfrm>
+            <a:off x="11623137" y="5607794"/>
+            <a:ext cx="658520" cy="1446550"/>
+          </a:xfrm>
+          <a:prstGeom prst="rect">
+            <a:avLst/>
+          </a:prstGeom>
+          <a:noFill/>
+        </p:spPr>
+        <p:txBody>
+          <a:bodyPr wrap="square" rtlCol="0">
+            <a:spAutoFit/>
+          </a:bodyPr>
+          <a:lstStyle/>
+          <a:p>
+            <a:r>
+              <a:rPr lang="en-US" altLang="zh-CN" sz="8800" dirty="0" smtClean="0"/>
+              <a:t>?</a:t>
+            </a:r>
+            <a:endParaRPr lang="zh-CN" altLang="en-US" sz="8800" dirty="0"/>
+          </a:p>
+        </p:txBody>
+      </p:sp>
+    </p:spTree>
+    <p:extLst>
+      <p:ext uri="{BB962C8B-B14F-4D97-AF65-F5344CB8AC3E}">
+        <p14:creationId xmlns:p14="http://schemas.microsoft.com/office/powerpoint/2010/main" val="1301375871"/>
+      </p:ext>
+    </p:extLst>
+  </p:cSld>
+  <p:clrMapOvr>
+    <a:masterClrMapping/>
+  </p:clrMapOvr>
+  <p:timing>
+    <p:tnLst>
+      <p:par>
+        <p:cTn id="1" dur="indefinite" restart="never" nodeType="tmRoot">
+          <p:childTnLst>
+            <p:seq concurrent="1" nextAc="seek">
+              <p:cTn id="2" dur="indefinite" nodeType="mainSeq">
+                <p:childTnLst>
+                  <p:par>
+                    <p:cTn id="3" fill="hold">
+                      <p:stCondLst>
+                        <p:cond delay="indefinite"/>
+                        <p:cond evt="onBegin" delay="0">
+                          <p:tn val="2"/>
+                        </p:cond>
+                      </p:stCondLst>
+                      <p:childTnLst>
+                        <p:par>
+                          <p:cTn id="4" fill="hold">
+                            <p:stCondLst>
+                              <p:cond delay="0"/>
+                            </p:stCondLst>
+                            <p:childTnLst>
+                              <p:par>
+                                <p:cTn id="5" presetID="10" presetClass="entr" presetSubtype="0" fill="hold" grpId="0" nodeType="afterEffect">
+                                  <p:stCondLst>
+                                    <p:cond delay="0"/>
+                                  </p:stCondLst>
+                                  <p:iterate type="lt">
+                                    <p:tmPct val="10000"/>
+                                  </p:iterate>
+                                  <p:childTnLst>
+                                    <p:set>
+                                      <p:cBhvr>
+                                        <p:cTn id="6" dur="1" fill="hold">
+                                          <p:stCondLst>
+                                            <p:cond delay="0"/>
+                                          </p:stCondLst>
+                                        </p:cTn>
+                                        <p:tgtEl>
+                                          <p:spTgt spid="6"/>
+                                        </p:tgtEl>
+                                        <p:attrNameLst>
+                                          <p:attrName>style.visibility</p:attrName>
+                                        </p:attrNameLst>
+                                      </p:cBhvr>
+                                      <p:to>
+                                        <p:strVal val="visible"/>
+                                      </p:to>
+                                    </p:set>
+                                    <p:animEffect transition="in" filter="fade">
+                                      <p:cBhvr>
+                                        <p:cTn id="7" dur="500"/>
+                                        <p:tgtEl>
+                                          <p:spTgt spid="6"/>
+                                        </p:tgtEl>
+                                      </p:cBhvr>
+                                    </p:animEffect>
+                                  </p:childTnLst>
+                                </p:cTn>
+                              </p:par>
+                            </p:childTnLst>
+                          </p:cTn>
+                        </p:par>
+                        <p:par>
+                          <p:cTn id="8" fill="hold">
+                            <p:stCondLst>
+                              <p:cond delay="1050"/>
+                            </p:stCondLst>
+                            <p:childTnLst>
+                              <p:par>
+                                <p:cTn id="9" presetID="22" presetClass="entr" presetSubtype="8" fill="hold" nodeType="afterEffect">
+                                  <p:stCondLst>
+                                    <p:cond delay="0"/>
+                                  </p:stCondLst>
+                                  <p:childTnLst>
+                                    <p:set>
+                                      <p:cBhvr>
+                                        <p:cTn id="10" dur="1" fill="hold">
+                                          <p:stCondLst>
+                                            <p:cond delay="0"/>
+                                          </p:stCondLst>
+                                        </p:cTn>
+                                        <p:tgtEl>
+                                          <p:spTgt spid="7"/>
+                                        </p:tgtEl>
+                                        <p:attrNameLst>
+                                          <p:attrName>style.visibility</p:attrName>
+                                        </p:attrNameLst>
+                                      </p:cBhvr>
+                                      <p:to>
+                                        <p:strVal val="visible"/>
+                                      </p:to>
+                                    </p:set>
+                                    <p:animEffect transition="in" filter="wipe(left)">
+                                      <p:cBhvr>
+                                        <p:cTn id="11" dur="1000"/>
+                                        <p:tgtEl>
+                                          <p:spTgt spid="7"/>
+                                        </p:tgtEl>
+                                      </p:cBhvr>
+                                    </p:animEffect>
+                                  </p:childTnLst>
+                                </p:cTn>
+                              </p:par>
+                            </p:childTnLst>
+                          </p:cTn>
+                        </p:par>
+                      </p:childTnLst>
+                    </p:cTn>
+                  </p:par>
+                </p:childTnLst>
+              </p:cTn>
+              <p:prevCondLst>
+                <p:cond evt="onPrev" delay="0">
+                  <p:tgtEl>
+                    <p:sldTgt/>
+                  </p:tgtEl>
+                </p:cond>
+              </p:prevCondLst>
+              <p:nextCondLst>
+                <p:cond evt="onNext" delay="0">
+                  <p:tgtEl>
+                    <p:sldTgt/>
+                  </p:tgtEl>
+                </p:cond>
+              </p:nextCondLst>
+            </p:seq>
+          </p:childTnLst>
+        </p:cTn>
+      </p:par>
+    </p:tnLst>
+    <p:bldLst>
+      <p:bldP spid="6" grpId="0"/>
+    </p:bldLst>
+  </p:timing>
+</p:sld>
+</file>
+
+<file path=ppt/slides/slide20.xml><?xml version="1.0" encoding="utf-8"?>
 <p:sld xmlns:a="http://schemas.openxmlformats.org/drawingml/2006/main" xmlns:r="http://schemas.openxmlformats.org/officeDocument/2006/relationships" xmlns:p="http://schemas.openxmlformats.org/presentationml/2006/main">
   <p:cSld>
     <p:spTree>
@@ -13828,7 +16472,7 @@
 </p:sld>
 </file>
 
-<file path=ppt/slides/slide18.xml><?xml version="1.0" encoding="utf-8"?>
+<file path=ppt/slides/slide21.xml><?xml version="1.0" encoding="utf-8"?>
 <p:sld xmlns:a="http://schemas.openxmlformats.org/drawingml/2006/main" xmlns:r="http://schemas.openxmlformats.org/officeDocument/2006/relationships" xmlns:p="http://schemas.openxmlformats.org/presentationml/2006/main">
   <p:cSld>
     <p:spTree>
@@ -14239,7 +16883,7 @@
 </p:sld>
 </file>
 
-<file path=ppt/slides/slide19.xml><?xml version="1.0" encoding="utf-8"?>
+<file path=ppt/slides/slide22.xml><?xml version="1.0" encoding="utf-8"?>
 <p:sld xmlns:a="http://schemas.openxmlformats.org/drawingml/2006/main" xmlns:r="http://schemas.openxmlformats.org/officeDocument/2006/relationships" xmlns:p="http://schemas.openxmlformats.org/presentationml/2006/main">
   <p:cSld>
     <p:spTree>
@@ -14716,457 +17360,7 @@
 </p:sld>
 </file>
 
-<file path=ppt/slides/slide2.xml><?xml version="1.0" encoding="utf-8"?>
-<p:sld xmlns:a="http://schemas.openxmlformats.org/drawingml/2006/main" xmlns:r="http://schemas.openxmlformats.org/officeDocument/2006/relationships" xmlns:p="http://schemas.openxmlformats.org/presentationml/2006/main">
-  <p:cSld>
-    <p:spTree>
-      <p:nvGrpSpPr>
-        <p:cNvPr id="1" name=""/>
-        <p:cNvGrpSpPr/>
-        <p:nvPr/>
-      </p:nvGrpSpPr>
-      <p:grpSpPr>
-        <a:xfrm>
-          <a:off x="0" y="0"/>
-          <a:ext cx="0" cy="0"/>
-          <a:chOff x="0" y="0"/>
-          <a:chExt cx="0" cy="0"/>
-        </a:xfrm>
-      </p:grpSpPr>
-      <p:sp>
-        <p:nvSpPr>
-          <p:cNvPr id="6" name="文本框 13"/>
-          <p:cNvSpPr txBox="1"/>
-          <p:nvPr/>
-        </p:nvSpPr>
-        <p:spPr>
-          <a:xfrm>
-            <a:off x="1061214" y="855266"/>
-            <a:ext cx="15989242" cy="801897"/>
-          </a:xfrm>
-          <a:prstGeom prst="rect">
-            <a:avLst/>
-          </a:prstGeom>
-          <a:noFill/>
-        </p:spPr>
-        <p:txBody>
-          <a:bodyPr wrap="square" lIns="123581" tIns="61791" rIns="123581" bIns="61791" rtlCol="0">
-            <a:spAutoFit/>
-          </a:bodyPr>
-          <a:lstStyle/>
-          <a:p>
-            <a:r>
-              <a:rPr lang="zh-CN" altLang="en-US" sz="4400" dirty="0" smtClean="0">
-                <a:solidFill>
-                  <a:srgbClr val="0070C0"/>
-                </a:solidFill>
-                <a:latin typeface="黑体" panose="02010609060101010101" pitchFamily="49" charset="-122"/>
-                <a:ea typeface="黑体" panose="02010609060101010101" pitchFamily="49" charset="-122"/>
-              </a:rPr>
-              <a:t>是否需要选用开源云平台？</a:t>
-            </a:r>
-            <a:endParaRPr lang="zh-CN" altLang="en-US" sz="4400" dirty="0">
-              <a:solidFill>
-                <a:srgbClr val="0070C0"/>
-              </a:solidFill>
-              <a:latin typeface="黑体" panose="02010609060101010101" pitchFamily="49" charset="-122"/>
-              <a:ea typeface="黑体" panose="02010609060101010101" pitchFamily="49" charset="-122"/>
-            </a:endParaRPr>
-          </a:p>
-        </p:txBody>
-      </p:sp>
-      <p:cxnSp>
-        <p:nvCxnSpPr>
-          <p:cNvPr id="7" name="直接连接符 6"/>
-          <p:cNvCxnSpPr/>
-          <p:nvPr/>
-        </p:nvCxnSpPr>
-        <p:spPr>
-          <a:xfrm>
-            <a:off x="584734" y="2048065"/>
-            <a:ext cx="11367663" cy="0"/>
-          </a:xfrm>
-          <a:prstGeom prst="line">
-            <a:avLst/>
-          </a:prstGeom>
-          <a:ln>
-            <a:solidFill>
-              <a:schemeClr val="tx1">
-                <a:lumMod val="50000"/>
-                <a:lumOff val="50000"/>
-              </a:schemeClr>
-            </a:solidFill>
-          </a:ln>
-        </p:spPr>
-        <p:style>
-          <a:lnRef idx="1">
-            <a:schemeClr val="accent1"/>
-          </a:lnRef>
-          <a:fillRef idx="0">
-            <a:schemeClr val="accent1"/>
-          </a:fillRef>
-          <a:effectRef idx="0">
-            <a:schemeClr val="accent1"/>
-          </a:effectRef>
-          <a:fontRef idx="minor">
-            <a:schemeClr val="tx1"/>
-          </a:fontRef>
-        </p:style>
-      </p:cxnSp>
-      <p:sp>
-        <p:nvSpPr>
-          <p:cNvPr id="2" name="TextBox 1"/>
-          <p:cNvSpPr txBox="1"/>
-          <p:nvPr/>
-        </p:nvSpPr>
-        <p:spPr>
-          <a:xfrm>
-            <a:off x="1533848" y="2655466"/>
-            <a:ext cx="2627642" cy="3046988"/>
-          </a:xfrm>
-          <a:prstGeom prst="rect">
-            <a:avLst/>
-          </a:prstGeom>
-          <a:noFill/>
-        </p:spPr>
-        <p:txBody>
-          <a:bodyPr wrap="none" rtlCol="0">
-            <a:spAutoFit/>
-          </a:bodyPr>
-          <a:lstStyle/>
-          <a:p>
-            <a:pPr marL="457200" indent="-457200">
-              <a:buFont typeface="+mj-lt"/>
-              <a:buAutoNum type="arabicPeriod"/>
-            </a:pPr>
-            <a:r>
-              <a:rPr lang="en-US" altLang="zh-CN" dirty="0" err="1" smtClean="0"/>
-              <a:t>OpenShift</a:t>
-            </a:r>
-            <a:endParaRPr lang="en-US" altLang="zh-CN" dirty="0" smtClean="0"/>
-          </a:p>
-          <a:p>
-            <a:pPr marL="457200" indent="-457200">
-              <a:buFont typeface="+mj-lt"/>
-              <a:buAutoNum type="arabicPeriod"/>
-            </a:pPr>
-            <a:r>
-              <a:rPr lang="en-US" altLang="zh-CN" dirty="0"/>
-              <a:t>Cloud </a:t>
-            </a:r>
-            <a:r>
-              <a:rPr lang="en-US" altLang="zh-CN" dirty="0" smtClean="0"/>
-              <a:t>Foundry</a:t>
-            </a:r>
-          </a:p>
-          <a:p>
-            <a:pPr marL="457200" indent="-457200">
-              <a:buFont typeface="+mj-lt"/>
-              <a:buAutoNum type="arabicPeriod"/>
-            </a:pPr>
-            <a:r>
-              <a:rPr lang="en-US" altLang="zh-CN" dirty="0" err="1" smtClean="0"/>
-              <a:t>Cloudify</a:t>
-            </a:r>
-            <a:endParaRPr lang="en-US" altLang="zh-CN" dirty="0" smtClean="0"/>
-          </a:p>
-          <a:p>
-            <a:pPr marL="457200" indent="-457200">
-              <a:buFont typeface="+mj-lt"/>
-              <a:buAutoNum type="arabicPeriod"/>
-            </a:pPr>
-            <a:r>
-              <a:rPr lang="en-US" altLang="zh-CN" dirty="0" err="1" smtClean="0"/>
-              <a:t>Deis</a:t>
-            </a:r>
-            <a:endParaRPr lang="en-US" altLang="zh-CN" dirty="0" smtClean="0"/>
-          </a:p>
-          <a:p>
-            <a:pPr marL="457200" indent="-457200">
-              <a:buFont typeface="+mj-lt"/>
-              <a:buAutoNum type="arabicPeriod"/>
-            </a:pPr>
-            <a:r>
-              <a:rPr lang="en-US" altLang="zh-CN" dirty="0" err="1" smtClean="0"/>
-              <a:t>Stackato</a:t>
-            </a:r>
-            <a:endParaRPr lang="en-US" altLang="zh-CN" dirty="0" smtClean="0"/>
-          </a:p>
-          <a:p>
-            <a:pPr marL="457200" indent="-457200">
-              <a:buFont typeface="+mj-lt"/>
-              <a:buAutoNum type="arabicPeriod"/>
-            </a:pPr>
-            <a:r>
-              <a:rPr lang="en-US" altLang="zh-CN" dirty="0" err="1" smtClean="0"/>
-              <a:t>OpenNebula</a:t>
-            </a:r>
-            <a:endParaRPr lang="en-US" altLang="zh-CN" dirty="0" smtClean="0"/>
-          </a:p>
-          <a:p>
-            <a:pPr marL="457200" indent="-457200">
-              <a:buFont typeface="+mj-lt"/>
-              <a:buAutoNum type="arabicPeriod"/>
-            </a:pPr>
-            <a:r>
-              <a:rPr lang="en-US" altLang="zh-CN" dirty="0" err="1"/>
-              <a:t>Heroku</a:t>
-            </a:r>
-            <a:endParaRPr lang="en-US" altLang="zh-CN" dirty="0"/>
-          </a:p>
-          <a:p>
-            <a:pPr marL="457200" indent="-457200">
-              <a:buFont typeface="+mj-lt"/>
-              <a:buAutoNum type="arabicPeriod"/>
-            </a:pPr>
-            <a:endParaRPr lang="en-US" altLang="zh-CN" dirty="0" smtClean="0"/>
-          </a:p>
-        </p:txBody>
-      </p:sp>
-      <p:pic>
-        <p:nvPicPr>
-          <p:cNvPr id="1026" name="Picture 2"/>
-          <p:cNvPicPr>
-            <a:picLocks noChangeAspect="1" noChangeArrowheads="1"/>
-          </p:cNvPicPr>
-          <p:nvPr/>
-        </p:nvPicPr>
-        <p:blipFill>
-          <a:blip r:embed="rId3">
-            <a:extLst>
-              <a:ext uri="{28A0092B-C50C-407E-A947-70E740481C1C}">
-                <a14:useLocalDpi xmlns:a14="http://schemas.microsoft.com/office/drawing/2010/main" val="0"/>
-              </a:ext>
-            </a:extLst>
-          </a:blip>
-          <a:srcRect/>
-          <a:stretch>
-            <a:fillRect/>
-          </a:stretch>
-        </p:blipFill>
-        <p:spPr bwMode="auto">
-          <a:xfrm>
-            <a:off x="5062240" y="4481111"/>
-            <a:ext cx="6248400" cy="3181350"/>
-          </a:xfrm>
-          <a:prstGeom prst="rect">
-            <a:avLst/>
-          </a:prstGeom>
-          <a:noFill/>
-          <a:ln>
-            <a:noFill/>
-          </a:ln>
-          <a:effectLst/>
-          <a:extLst>
-            <a:ext uri="{909E8E84-426E-40DD-AFC4-6F175D3DCCD1}">
-              <a14:hiddenFill xmlns:a14="http://schemas.microsoft.com/office/drawing/2010/main">
-                <a:solidFill>
-                  <a:schemeClr val="accent1"/>
-                </a:solidFill>
-              </a14:hiddenFill>
-            </a:ext>
-            <a:ext uri="{91240B29-F687-4F45-9708-019B960494DF}">
-              <a14:hiddenLine xmlns:a14="http://schemas.microsoft.com/office/drawing/2010/main" w="9525">
-                <a:solidFill>
-                  <a:schemeClr val="tx1"/>
-                </a:solidFill>
-                <a:miter lim="800000"/>
-                <a:headEnd/>
-                <a:tailEnd/>
-              </a14:hiddenLine>
-            </a:ext>
-            <a:ext uri="{AF507438-7753-43E0-B8FC-AC1667EBCBE1}">
-              <a14:hiddenEffects xmlns:a14="http://schemas.microsoft.com/office/drawing/2010/main">
-                <a:effectLst>
-                  <a:outerShdw dist="35921" dir="2700000" algn="ctr" rotWithShape="0">
-                    <a:schemeClr val="bg2"/>
-                  </a:outerShdw>
-                </a:effectLst>
-              </a14:hiddenEffects>
-            </a:ext>
-          </a:extLst>
-        </p:spPr>
-      </p:pic>
-      <p:sp>
-        <p:nvSpPr>
-          <p:cNvPr id="3" name="TextBox 2"/>
-          <p:cNvSpPr txBox="1"/>
-          <p:nvPr/>
-        </p:nvSpPr>
-        <p:spPr>
-          <a:xfrm>
-            <a:off x="11623137" y="5607794"/>
-            <a:ext cx="658520" cy="1446550"/>
-          </a:xfrm>
-          <a:prstGeom prst="rect">
-            <a:avLst/>
-          </a:prstGeom>
-          <a:noFill/>
-        </p:spPr>
-        <p:txBody>
-          <a:bodyPr wrap="square" rtlCol="0">
-            <a:spAutoFit/>
-          </a:bodyPr>
-          <a:lstStyle/>
-          <a:p>
-            <a:r>
-              <a:rPr lang="en-US" altLang="zh-CN" sz="8800" dirty="0" smtClean="0"/>
-              <a:t>?</a:t>
-            </a:r>
-            <a:endParaRPr lang="zh-CN" altLang="en-US" sz="8800" dirty="0"/>
-          </a:p>
-        </p:txBody>
-      </p:sp>
-    </p:spTree>
-    <p:extLst>
-      <p:ext uri="{BB962C8B-B14F-4D97-AF65-F5344CB8AC3E}">
-        <p14:creationId xmlns:p14="http://schemas.microsoft.com/office/powerpoint/2010/main" val="1301375871"/>
-      </p:ext>
-    </p:extLst>
-  </p:cSld>
-  <p:clrMapOvr>
-    <a:masterClrMapping/>
-  </p:clrMapOvr>
-  <p:timing>
-    <p:tnLst>
-      <p:par>
-        <p:cTn id="1" dur="indefinite" restart="never" nodeType="tmRoot">
-          <p:childTnLst>
-            <p:seq concurrent="1" nextAc="seek">
-              <p:cTn id="2" dur="indefinite" nodeType="mainSeq">
-                <p:childTnLst>
-                  <p:par>
-                    <p:cTn id="3" fill="hold">
-                      <p:stCondLst>
-                        <p:cond delay="indefinite"/>
-                        <p:cond evt="onBegin" delay="0">
-                          <p:tn val="2"/>
-                        </p:cond>
-                      </p:stCondLst>
-                      <p:childTnLst>
-                        <p:par>
-                          <p:cTn id="4" fill="hold">
-                            <p:stCondLst>
-                              <p:cond delay="0"/>
-                            </p:stCondLst>
-                            <p:childTnLst>
-                              <p:par>
-                                <p:cTn id="5" presetID="10" presetClass="entr" presetSubtype="0" fill="hold" grpId="0" nodeType="afterEffect">
-                                  <p:stCondLst>
-                                    <p:cond delay="0"/>
-                                  </p:stCondLst>
-                                  <p:iterate type="lt">
-                                    <p:tmPct val="10000"/>
-                                  </p:iterate>
-                                  <p:childTnLst>
-                                    <p:set>
-                                      <p:cBhvr>
-                                        <p:cTn id="6" dur="1" fill="hold">
-                                          <p:stCondLst>
-                                            <p:cond delay="0"/>
-                                          </p:stCondLst>
-                                        </p:cTn>
-                                        <p:tgtEl>
-                                          <p:spTgt spid="6"/>
-                                        </p:tgtEl>
-                                        <p:attrNameLst>
-                                          <p:attrName>style.visibility</p:attrName>
-                                        </p:attrNameLst>
-                                      </p:cBhvr>
-                                      <p:to>
-                                        <p:strVal val="visible"/>
-                                      </p:to>
-                                    </p:set>
-                                    <p:animEffect transition="in" filter="fade">
-                                      <p:cBhvr>
-                                        <p:cTn id="7" dur="500"/>
-                                        <p:tgtEl>
-                                          <p:spTgt spid="6"/>
-                                        </p:tgtEl>
-                                      </p:cBhvr>
-                                    </p:animEffect>
-                                  </p:childTnLst>
-                                </p:cTn>
-                              </p:par>
-                            </p:childTnLst>
-                          </p:cTn>
-                        </p:par>
-                        <p:par>
-                          <p:cTn id="8" fill="hold">
-                            <p:stCondLst>
-                              <p:cond delay="1050"/>
-                            </p:stCondLst>
-                            <p:childTnLst>
-                              <p:par>
-                                <p:cTn id="9" presetID="22" presetClass="entr" presetSubtype="8" fill="hold" nodeType="afterEffect">
-                                  <p:stCondLst>
-                                    <p:cond delay="0"/>
-                                  </p:stCondLst>
-                                  <p:childTnLst>
-                                    <p:set>
-                                      <p:cBhvr>
-                                        <p:cTn id="10" dur="1" fill="hold">
-                                          <p:stCondLst>
-                                            <p:cond delay="0"/>
-                                          </p:stCondLst>
-                                        </p:cTn>
-                                        <p:tgtEl>
-                                          <p:spTgt spid="7"/>
-                                        </p:tgtEl>
-                                        <p:attrNameLst>
-                                          <p:attrName>style.visibility</p:attrName>
-                                        </p:attrNameLst>
-                                      </p:cBhvr>
-                                      <p:to>
-                                        <p:strVal val="visible"/>
-                                      </p:to>
-                                    </p:set>
-                                    <p:animEffect transition="in" filter="wipe(left)">
-                                      <p:cBhvr>
-                                        <p:cTn id="11" dur="1000"/>
-                                        <p:tgtEl>
-                                          <p:spTgt spid="7"/>
-                                        </p:tgtEl>
-                                      </p:cBhvr>
-                                    </p:animEffect>
-                                  </p:childTnLst>
-                                </p:cTn>
-                              </p:par>
-                            </p:childTnLst>
-                          </p:cTn>
-                        </p:par>
-                      </p:childTnLst>
-                    </p:cTn>
-                  </p:par>
-                </p:childTnLst>
-              </p:cTn>
-              <p:prevCondLst>
-                <p:cond evt="onPrev" delay="0">
-                  <p:tgtEl>
-                    <p:sldTgt/>
-                  </p:tgtEl>
-                </p:cond>
-              </p:prevCondLst>
-              <p:nextCondLst>
-                <p:cond evt="onNext" delay="0">
-                  <p:tgtEl>
-                    <p:sldTgt/>
-                  </p:tgtEl>
-                </p:cond>
-              </p:nextCondLst>
-            </p:seq>
-          </p:childTnLst>
-        </p:cTn>
-      </p:par>
-    </p:tnLst>
-    <p:bldLst>
-      <p:bldP spid="6" grpId="0"/>
-    </p:bldLst>
-  </p:timing>
-</p:sld>
-</file>
-
-<file path=ppt/slides/slide20.xml><?xml version="1.0" encoding="utf-8"?>
+<file path=ppt/slides/slide23.xml><?xml version="1.0" encoding="utf-8"?>
 <p:sld xmlns:a="http://schemas.openxmlformats.org/drawingml/2006/main" xmlns:r="http://schemas.openxmlformats.org/officeDocument/2006/relationships" xmlns:p="http://schemas.openxmlformats.org/presentationml/2006/main">
   <p:cSld>
     <p:spTree>
@@ -15735,7 +17929,7 @@
 </p:sld>
 </file>
 
-<file path=ppt/slides/slide21.xml><?xml version="1.0" encoding="utf-8"?>
+<file path=ppt/slides/slide24.xml><?xml version="1.0" encoding="utf-8"?>
 <p:sld xmlns:a="http://schemas.openxmlformats.org/drawingml/2006/main" xmlns:r="http://schemas.openxmlformats.org/officeDocument/2006/relationships" xmlns:p="http://schemas.openxmlformats.org/presentationml/2006/main">
   <p:cSld>
     <p:spTree>
@@ -16262,7 +18456,7 @@
 </p:sld>
 </file>
 
-<file path=ppt/slides/slide22.xml><?xml version="1.0" encoding="utf-8"?>
+<file path=ppt/slides/slide25.xml><?xml version="1.0" encoding="utf-8"?>
 <p:sld xmlns:a="http://schemas.openxmlformats.org/drawingml/2006/main" xmlns:r="http://schemas.openxmlformats.org/officeDocument/2006/relationships" xmlns:p="http://schemas.openxmlformats.org/presentationml/2006/main">
   <p:cSld>
     <p:spTree>
@@ -16739,7 +18933,7 @@
 </p:sld>
 </file>
 
-<file path=ppt/slides/slide23.xml><?xml version="1.0" encoding="utf-8"?>
+<file path=ppt/slides/slide26.xml><?xml version="1.0" encoding="utf-8"?>
 <p:sld xmlns:a="http://schemas.openxmlformats.org/drawingml/2006/main" xmlns:r="http://schemas.openxmlformats.org/officeDocument/2006/relationships" xmlns:p="http://schemas.openxmlformats.org/presentationml/2006/main">
   <p:cSld>
     <p:spTree>
@@ -17850,7 +20044,7 @@
 </p:sld>
 </file>
 
-<file path=ppt/slides/slide24.xml><?xml version="1.0" encoding="utf-8"?>
+<file path=ppt/slides/slide27.xml><?xml version="1.0" encoding="utf-8"?>
 <p:sld xmlns:a="http://schemas.openxmlformats.org/drawingml/2006/main" xmlns:r="http://schemas.openxmlformats.org/officeDocument/2006/relationships" xmlns:p="http://schemas.openxmlformats.org/presentationml/2006/main">
   <p:cSld>
     <p:spTree>
@@ -18353,7 +20547,7 @@
 </p:sld>
 </file>
 
-<file path=ppt/slides/slide25.xml><?xml version="1.0" encoding="utf-8"?>
+<file path=ppt/slides/slide28.xml><?xml version="1.0" encoding="utf-8"?>
 <p:sld xmlns:a="http://schemas.openxmlformats.org/drawingml/2006/main" xmlns:r="http://schemas.openxmlformats.org/officeDocument/2006/relationships" xmlns:p="http://schemas.openxmlformats.org/presentationml/2006/main">
   <p:cSld>
     <p:spTree>
@@ -18769,7 +20963,7 @@
 </p:sld>
 </file>
 
-<file path=ppt/slides/slide26.xml><?xml version="1.0" encoding="utf-8"?>
+<file path=ppt/slides/slide29.xml><?xml version="1.0" encoding="utf-8"?>
 <p:sld xmlns:a="http://schemas.openxmlformats.org/drawingml/2006/main" xmlns:r="http://schemas.openxmlformats.org/officeDocument/2006/relationships" xmlns:p="http://schemas.openxmlformats.org/presentationml/2006/main">
   <p:cSld>
     <p:spTree>
@@ -19018,98 +21212,6 @@
     <p:bldLst>
       <p:bldP spid="6" grpId="0"/>
     </p:bldLst>
-  </p:timing>
-</p:sld>
-</file>
-
-<file path=ppt/slides/slide27.xml><?xml version="1.0" encoding="utf-8"?>
-<p:sld xmlns:a="http://schemas.openxmlformats.org/drawingml/2006/main" xmlns:r="http://schemas.openxmlformats.org/officeDocument/2006/relationships" xmlns:p="http://schemas.openxmlformats.org/presentationml/2006/main">
-  <p:cSld>
-    <p:spTree>
-      <p:nvGrpSpPr>
-        <p:cNvPr id="1" name=""/>
-        <p:cNvGrpSpPr/>
-        <p:nvPr/>
-      </p:nvGrpSpPr>
-      <p:grpSpPr>
-        <a:xfrm>
-          <a:off x="0" y="0"/>
-          <a:ext cx="0" cy="0"/>
-          <a:chOff x="0" y="0"/>
-          <a:chExt cx="0" cy="0"/>
-        </a:xfrm>
-      </p:grpSpPr>
-      <p:sp>
-        <p:nvSpPr>
-          <p:cNvPr id="2" name="内容占位符 1"/>
-          <p:cNvSpPr>
-            <a:spLocks noGrp="1"/>
-          </p:cNvSpPr>
-          <p:nvPr>
-            <p:ph sz="quarter" idx="13"/>
-          </p:nvPr>
-        </p:nvSpPr>
-        <p:spPr/>
-        <p:txBody>
-          <a:bodyPr/>
-          <a:lstStyle/>
-          <a:p>
-            <a:endParaRPr lang="zh-CN" altLang="en-US"/>
-          </a:p>
-        </p:txBody>
-      </p:sp>
-      <p:pic>
-        <p:nvPicPr>
-          <p:cNvPr id="1026" name="Picture 2" descr="E:\工作\0530\银色系列\5.jpg"/>
-          <p:cNvPicPr>
-            <a:picLocks noChangeAspect="1" noChangeArrowheads="1"/>
-          </p:cNvPicPr>
-          <p:nvPr/>
-        </p:nvPicPr>
-        <p:blipFill>
-          <a:blip r:embed="rId2">
-            <a:extLst>
-              <a:ext uri="{28A0092B-C50C-407E-A947-70E740481C1C}">
-                <a14:useLocalDpi xmlns:a14="http://schemas.microsoft.com/office/drawing/2010/main" val="0"/>
-              </a:ext>
-            </a:extLst>
-          </a:blip>
-          <a:srcRect/>
-          <a:stretch>
-            <a:fillRect/>
-          </a:stretch>
-        </p:blipFill>
-        <p:spPr bwMode="auto">
-          <a:xfrm>
-            <a:off x="-13158" y="-1"/>
-            <a:ext cx="13017958" cy="8632025"/>
-          </a:xfrm>
-          <a:prstGeom prst="rect">
-            <a:avLst/>
-          </a:prstGeom>
-          <a:noFill/>
-          <a:extLst>
-            <a:ext uri="{909E8E84-426E-40DD-AFC4-6F175D3DCCD1}">
-              <a14:hiddenFill xmlns:a14="http://schemas.microsoft.com/office/drawing/2010/main">
-                <a:solidFill>
-                  <a:srgbClr val="FFFFFF"/>
-                </a:solidFill>
-              </a14:hiddenFill>
-            </a:ext>
-          </a:extLst>
-        </p:spPr>
-      </p:pic>
-    </p:spTree>
-  </p:cSld>
-  <p:clrMapOvr>
-    <a:masterClrMapping/>
-  </p:clrMapOvr>
-  <p:timing>
-    <p:tnLst>
-      <p:par>
-        <p:cTn id="1" dur="indefinite" restart="never" nodeType="tmRoot"/>
-      </p:par>
-    </p:tnLst>
   </p:timing>
 </p:sld>
 </file>
@@ -19477,6 +21579,98 @@
     <p:bldLst>
       <p:bldP spid="6" grpId="0"/>
     </p:bldLst>
+  </p:timing>
+</p:sld>
+</file>
+
+<file path=ppt/slides/slide30.xml><?xml version="1.0" encoding="utf-8"?>
+<p:sld xmlns:a="http://schemas.openxmlformats.org/drawingml/2006/main" xmlns:r="http://schemas.openxmlformats.org/officeDocument/2006/relationships" xmlns:p="http://schemas.openxmlformats.org/presentationml/2006/main">
+  <p:cSld>
+    <p:spTree>
+      <p:nvGrpSpPr>
+        <p:cNvPr id="1" name=""/>
+        <p:cNvGrpSpPr/>
+        <p:nvPr/>
+      </p:nvGrpSpPr>
+      <p:grpSpPr>
+        <a:xfrm>
+          <a:off x="0" y="0"/>
+          <a:ext cx="0" cy="0"/>
+          <a:chOff x="0" y="0"/>
+          <a:chExt cx="0" cy="0"/>
+        </a:xfrm>
+      </p:grpSpPr>
+      <p:sp>
+        <p:nvSpPr>
+          <p:cNvPr id="2" name="内容占位符 1"/>
+          <p:cNvSpPr>
+            <a:spLocks noGrp="1"/>
+          </p:cNvSpPr>
+          <p:nvPr>
+            <p:ph sz="quarter" idx="13"/>
+          </p:nvPr>
+        </p:nvSpPr>
+        <p:spPr/>
+        <p:txBody>
+          <a:bodyPr/>
+          <a:lstStyle/>
+          <a:p>
+            <a:endParaRPr lang="zh-CN" altLang="en-US"/>
+          </a:p>
+        </p:txBody>
+      </p:sp>
+      <p:pic>
+        <p:nvPicPr>
+          <p:cNvPr id="1026" name="Picture 2" descr="E:\工作\0530\银色系列\5.jpg"/>
+          <p:cNvPicPr>
+            <a:picLocks noChangeAspect="1" noChangeArrowheads="1"/>
+          </p:cNvPicPr>
+          <p:nvPr/>
+        </p:nvPicPr>
+        <p:blipFill>
+          <a:blip r:embed="rId2">
+            <a:extLst>
+              <a:ext uri="{28A0092B-C50C-407E-A947-70E740481C1C}">
+                <a14:useLocalDpi xmlns:a14="http://schemas.microsoft.com/office/drawing/2010/main" val="0"/>
+              </a:ext>
+            </a:extLst>
+          </a:blip>
+          <a:srcRect/>
+          <a:stretch>
+            <a:fillRect/>
+          </a:stretch>
+        </p:blipFill>
+        <p:spPr bwMode="auto">
+          <a:xfrm>
+            <a:off x="-13158" y="-1"/>
+            <a:ext cx="13017958" cy="8632025"/>
+          </a:xfrm>
+          <a:prstGeom prst="rect">
+            <a:avLst/>
+          </a:prstGeom>
+          <a:noFill/>
+          <a:extLst>
+            <a:ext uri="{909E8E84-426E-40DD-AFC4-6F175D3DCCD1}">
+              <a14:hiddenFill xmlns:a14="http://schemas.microsoft.com/office/drawing/2010/main">
+                <a:solidFill>
+                  <a:srgbClr val="FFFFFF"/>
+                </a:solidFill>
+              </a14:hiddenFill>
+            </a:ext>
+          </a:extLst>
+        </p:spPr>
+      </p:pic>
+    </p:spTree>
+  </p:cSld>
+  <p:clrMapOvr>
+    <a:masterClrMapping/>
+  </p:clrMapOvr>
+  <p:timing>
+    <p:tnLst>
+      <p:par>
+        <p:cTn id="1" dur="indefinite" restart="never" nodeType="tmRoot"/>
+      </p:par>
+    </p:tnLst>
   </p:timing>
 </p:sld>
 </file>

--- a/c云服务架构/Paas架构设计.pptx
+++ b/c云服务架构/Paas架构设计.pptx
@@ -13450,11 +13450,7 @@
             <a:pPr algn="ctr"/>
             <a:r>
               <a:rPr lang="zh-CN" altLang="en-US" dirty="0" smtClean="0"/>
-              <a:t>基础设施</a:t>
-            </a:r>
-            <a:r>
-              <a:rPr lang="zh-CN" altLang="en-US" dirty="0" smtClean="0"/>
-              <a:t>层（虚拟机）</a:t>
+              <a:t>基础设施层（虚拟机）</a:t>
             </a:r>
             <a:endParaRPr lang="zh-CN" altLang="en-US" dirty="0"/>
           </a:p>
@@ -13658,15 +13654,7 @@
             <a:pPr algn="ctr"/>
             <a:r>
               <a:rPr lang="zh-CN" altLang="en-US" dirty="0" smtClean="0"/>
-              <a:t>用户</a:t>
-            </a:r>
-            <a:r>
-              <a:rPr lang="zh-CN" altLang="en-US" dirty="0" smtClean="0"/>
-              <a:t>终端</a:t>
-            </a:r>
-            <a:r>
-              <a:rPr lang="zh-CN" altLang="en-US" dirty="0" smtClean="0"/>
-              <a:t>（</a:t>
+              <a:t>用户终端（</a:t>
             </a:r>
             <a:r>
               <a:rPr lang="en-US" altLang="zh-CN" dirty="0" smtClean="0"/>
@@ -14656,17 +14644,7 @@
                 <a:latin typeface="黑体" panose="02010609060101010101" pitchFamily="49" charset="-122"/>
                 <a:ea typeface="黑体" panose="02010609060101010101" pitchFamily="49" charset="-122"/>
               </a:rPr>
-              <a:t>年</a:t>
-            </a:r>
-            <a:r>
-              <a:rPr lang="zh-CN" altLang="en-US" sz="4400" dirty="0" smtClean="0">
-                <a:solidFill>
-                  <a:srgbClr val="0070C0"/>
-                </a:solidFill>
-                <a:latin typeface="黑体" panose="02010609060101010101" pitchFamily="49" charset="-122"/>
-                <a:ea typeface="黑体" panose="02010609060101010101" pitchFamily="49" charset="-122"/>
-              </a:rPr>
-              <a:t>架构总体（深化发展阶段）</a:t>
+              <a:t>年架构总体（深化发展阶段）</a:t>
             </a:r>
             <a:endParaRPr lang="zh-CN" altLang="en-US" sz="4400" dirty="0">
               <a:solidFill>
@@ -15249,19 +15227,7 @@
             <a:pPr algn="ctr"/>
             <a:r>
               <a:rPr lang="zh-CN" altLang="en-US" dirty="0" smtClean="0"/>
-              <a:t>用户</a:t>
-            </a:r>
-            <a:r>
-              <a:rPr lang="zh-CN" altLang="en-US" dirty="0" smtClean="0"/>
-              <a:t>终端（</a:t>
-            </a:r>
-            <a:r>
-              <a:rPr lang="zh-CN" altLang="en-US" dirty="0" smtClean="0"/>
-              <a:t>网页、移动、客户系统</a:t>
-            </a:r>
-            <a:r>
-              <a:rPr lang="zh-CN" altLang="en-US" dirty="0" smtClean="0"/>
-              <a:t>）</a:t>
+              <a:t>用户终端（网页、移动、客户系统）</a:t>
             </a:r>
             <a:endParaRPr lang="zh-CN" altLang="en-US" dirty="0"/>
           </a:p>
@@ -16902,11 +16868,7 @@
             <a:pPr algn="ctr"/>
             <a:r>
               <a:rPr lang="zh-CN" altLang="en-US" dirty="0" smtClean="0"/>
-              <a:t>基础设施</a:t>
-            </a:r>
-            <a:r>
-              <a:rPr lang="zh-CN" altLang="en-US" dirty="0" smtClean="0"/>
-              <a:t>层（</a:t>
+              <a:t>基础设施层（</a:t>
             </a:r>
             <a:r>
               <a:rPr lang="en-US" altLang="zh-CN" dirty="0" err="1" smtClean="0"/>
@@ -21988,6 +21950,1808 @@
           </a:fontRef>
         </p:style>
       </p:cxnSp>
+      <p:sp>
+        <p:nvSpPr>
+          <p:cNvPr id="2" name="矩形 1"/>
+          <p:cNvSpPr/>
+          <p:nvPr/>
+        </p:nvSpPr>
+        <p:spPr>
+          <a:xfrm>
+            <a:off x="381720" y="890092"/>
+            <a:ext cx="2598862" cy="2880320"/>
+          </a:xfrm>
+          <a:prstGeom prst="rect">
+            <a:avLst/>
+          </a:prstGeom>
+        </p:spPr>
+        <p:style>
+          <a:lnRef idx="2">
+            <a:schemeClr val="accent1">
+              <a:shade val="50000"/>
+            </a:schemeClr>
+          </a:lnRef>
+          <a:fillRef idx="1">
+            <a:schemeClr val="accent1"/>
+          </a:fillRef>
+          <a:effectRef idx="0">
+            <a:schemeClr val="accent1"/>
+          </a:effectRef>
+          <a:fontRef idx="minor">
+            <a:schemeClr val="lt1"/>
+          </a:fontRef>
+        </p:style>
+        <p:txBody>
+          <a:bodyPr rtlCol="0" anchor="t"/>
+          <a:lstStyle/>
+          <a:p>
+            <a:pPr algn="ctr"/>
+            <a:r>
+              <a:rPr lang="zh-CN" altLang="en-US" dirty="0" smtClean="0"/>
+              <a:t>内部数据抓取</a:t>
+            </a:r>
+            <a:endParaRPr lang="zh-CN" altLang="en-US" dirty="0"/>
+          </a:p>
+        </p:txBody>
+      </p:sp>
+      <p:sp>
+        <p:nvSpPr>
+          <p:cNvPr id="3" name="矩形 2"/>
+          <p:cNvSpPr/>
+          <p:nvPr/>
+        </p:nvSpPr>
+        <p:spPr>
+          <a:xfrm>
+            <a:off x="3694088" y="2871490"/>
+            <a:ext cx="1224136" cy="4464496"/>
+          </a:xfrm>
+          <a:prstGeom prst="rect">
+            <a:avLst/>
+          </a:prstGeom>
+        </p:spPr>
+        <p:style>
+          <a:lnRef idx="2">
+            <a:schemeClr val="accent1">
+              <a:shade val="50000"/>
+            </a:schemeClr>
+          </a:lnRef>
+          <a:fillRef idx="1">
+            <a:schemeClr val="accent1"/>
+          </a:fillRef>
+          <a:effectRef idx="0">
+            <a:schemeClr val="accent1"/>
+          </a:effectRef>
+          <a:fontRef idx="minor">
+            <a:schemeClr val="lt1"/>
+          </a:fontRef>
+        </p:style>
+        <p:txBody>
+          <a:bodyPr rtlCol="0" anchor="ctr"/>
+          <a:lstStyle/>
+          <a:p>
+            <a:pPr algn="ctr"/>
+            <a:r>
+              <a:rPr lang="zh-CN" altLang="en-US" dirty="0" smtClean="0"/>
+              <a:t>数据仓库及</a:t>
+            </a:r>
+            <a:endParaRPr lang="zh-CN" altLang="en-US" dirty="0"/>
+          </a:p>
+        </p:txBody>
+      </p:sp>
+      <p:sp>
+        <p:nvSpPr>
+          <p:cNvPr id="8" name="矩形 7"/>
+          <p:cNvSpPr/>
+          <p:nvPr/>
+        </p:nvSpPr>
+        <p:spPr>
+          <a:xfrm>
+            <a:off x="5656497" y="3591570"/>
+            <a:ext cx="1224136" cy="2736304"/>
+          </a:xfrm>
+          <a:prstGeom prst="rect">
+            <a:avLst/>
+          </a:prstGeom>
+        </p:spPr>
+        <p:style>
+          <a:lnRef idx="2">
+            <a:schemeClr val="accent1">
+              <a:shade val="50000"/>
+            </a:schemeClr>
+          </a:lnRef>
+          <a:fillRef idx="1">
+            <a:schemeClr val="accent1"/>
+          </a:fillRef>
+          <a:effectRef idx="0">
+            <a:schemeClr val="accent1"/>
+          </a:effectRef>
+          <a:fontRef idx="minor">
+            <a:schemeClr val="lt1"/>
+          </a:fontRef>
+        </p:style>
+        <p:txBody>
+          <a:bodyPr rtlCol="0" anchor="ctr"/>
+          <a:lstStyle/>
+          <a:p>
+            <a:pPr algn="ctr"/>
+            <a:r>
+              <a:rPr lang="zh-CN" altLang="en-US" dirty="0" smtClean="0"/>
+              <a:t>大数据引擎（</a:t>
+            </a:r>
+            <a:r>
+              <a:rPr lang="en-US" altLang="zh-CN" dirty="0" smtClean="0"/>
+              <a:t>SPARK</a:t>
+            </a:r>
+            <a:r>
+              <a:rPr lang="zh-CN" altLang="en-US" dirty="0" smtClean="0"/>
+              <a:t>）</a:t>
+            </a:r>
+            <a:endParaRPr lang="zh-CN" altLang="en-US" dirty="0"/>
+          </a:p>
+        </p:txBody>
+      </p:sp>
+      <p:sp>
+        <p:nvSpPr>
+          <p:cNvPr id="4" name="矩形 3"/>
+          <p:cNvSpPr/>
+          <p:nvPr/>
+        </p:nvSpPr>
+        <p:spPr>
+          <a:xfrm>
+            <a:off x="7726536" y="1395326"/>
+            <a:ext cx="2592288" cy="6768752"/>
+          </a:xfrm>
+          <a:prstGeom prst="rect">
+            <a:avLst/>
+          </a:prstGeom>
+        </p:spPr>
+        <p:style>
+          <a:lnRef idx="2">
+            <a:schemeClr val="accent1">
+              <a:shade val="50000"/>
+            </a:schemeClr>
+          </a:lnRef>
+          <a:fillRef idx="1">
+            <a:schemeClr val="accent1"/>
+          </a:fillRef>
+          <a:effectRef idx="0">
+            <a:schemeClr val="accent1"/>
+          </a:effectRef>
+          <a:fontRef idx="minor">
+            <a:schemeClr val="lt1"/>
+          </a:fontRef>
+        </p:style>
+        <p:txBody>
+          <a:bodyPr rtlCol="0" anchor="ctr"/>
+          <a:lstStyle/>
+          <a:p>
+            <a:pPr algn="ctr"/>
+            <a:endParaRPr lang="zh-CN" altLang="en-US"/>
+          </a:p>
+        </p:txBody>
+      </p:sp>
+      <p:sp>
+        <p:nvSpPr>
+          <p:cNvPr id="5" name="矩形 4"/>
+          <p:cNvSpPr/>
+          <p:nvPr/>
+        </p:nvSpPr>
+        <p:spPr>
+          <a:xfrm>
+            <a:off x="584734" y="1394148"/>
+            <a:ext cx="1040866" cy="622006"/>
+          </a:xfrm>
+          <a:prstGeom prst="rect">
+            <a:avLst/>
+          </a:prstGeom>
+          <a:solidFill>
+            <a:schemeClr val="accent3">
+              <a:lumMod val="60000"/>
+              <a:lumOff val="40000"/>
+            </a:schemeClr>
+          </a:solidFill>
+          <a:ln>
+            <a:noFill/>
+          </a:ln>
+        </p:spPr>
+        <p:style>
+          <a:lnRef idx="2">
+            <a:schemeClr val="accent1">
+              <a:shade val="50000"/>
+            </a:schemeClr>
+          </a:lnRef>
+          <a:fillRef idx="1">
+            <a:schemeClr val="accent1"/>
+          </a:fillRef>
+          <a:effectRef idx="0">
+            <a:schemeClr val="accent1"/>
+          </a:effectRef>
+          <a:fontRef idx="minor">
+            <a:schemeClr val="lt1"/>
+          </a:fontRef>
+        </p:style>
+        <p:txBody>
+          <a:bodyPr rtlCol="0" anchor="ctr"/>
+          <a:lstStyle/>
+          <a:p>
+            <a:pPr algn="ctr"/>
+            <a:r>
+              <a:rPr lang="en-US" altLang="zh-CN" dirty="0" smtClean="0">
+                <a:solidFill>
+                  <a:schemeClr val="tx2">
+                    <a:lumMod val="60000"/>
+                    <a:lumOff val="40000"/>
+                  </a:schemeClr>
+                </a:solidFill>
+              </a:rPr>
+              <a:t>PC</a:t>
+            </a:r>
+            <a:endParaRPr lang="zh-CN" altLang="en-US" dirty="0">
+              <a:solidFill>
+                <a:schemeClr val="tx2">
+                  <a:lumMod val="60000"/>
+                  <a:lumOff val="40000"/>
+                </a:schemeClr>
+              </a:solidFill>
+            </a:endParaRPr>
+          </a:p>
+        </p:txBody>
+      </p:sp>
+      <p:sp>
+        <p:nvSpPr>
+          <p:cNvPr id="9" name="矩形 8"/>
+          <p:cNvSpPr/>
+          <p:nvPr/>
+        </p:nvSpPr>
+        <p:spPr>
+          <a:xfrm>
+            <a:off x="598650" y="2114228"/>
+            <a:ext cx="1026950" cy="469230"/>
+          </a:xfrm>
+          <a:prstGeom prst="rect">
+            <a:avLst/>
+          </a:prstGeom>
+          <a:solidFill>
+            <a:schemeClr val="accent3">
+              <a:lumMod val="60000"/>
+              <a:lumOff val="40000"/>
+            </a:schemeClr>
+          </a:solidFill>
+          <a:ln>
+            <a:noFill/>
+          </a:ln>
+        </p:spPr>
+        <p:style>
+          <a:lnRef idx="2">
+            <a:schemeClr val="accent1">
+              <a:shade val="50000"/>
+            </a:schemeClr>
+          </a:lnRef>
+          <a:fillRef idx="1">
+            <a:schemeClr val="accent1"/>
+          </a:fillRef>
+          <a:effectRef idx="0">
+            <a:schemeClr val="accent1"/>
+          </a:effectRef>
+          <a:fontRef idx="minor">
+            <a:schemeClr val="lt1"/>
+          </a:fontRef>
+        </p:style>
+        <p:txBody>
+          <a:bodyPr rtlCol="0" anchor="ctr"/>
+          <a:lstStyle/>
+          <a:p>
+            <a:pPr algn="ctr"/>
+            <a:r>
+              <a:rPr lang="en-US" altLang="zh-CN" sz="1600" dirty="0" err="1" smtClean="0">
+                <a:solidFill>
+                  <a:schemeClr val="tx2">
+                    <a:lumMod val="60000"/>
+                    <a:lumOff val="40000"/>
+                  </a:schemeClr>
+                </a:solidFill>
+              </a:rPr>
+              <a:t>webAPP</a:t>
+            </a:r>
+            <a:endParaRPr lang="zh-CN" altLang="en-US" sz="1600" dirty="0">
+              <a:solidFill>
+                <a:schemeClr val="tx2">
+                  <a:lumMod val="60000"/>
+                  <a:lumOff val="40000"/>
+                </a:schemeClr>
+              </a:solidFill>
+            </a:endParaRPr>
+          </a:p>
+        </p:txBody>
+      </p:sp>
+      <p:sp>
+        <p:nvSpPr>
+          <p:cNvPr id="11" name="矩形 10"/>
+          <p:cNvSpPr/>
+          <p:nvPr/>
+        </p:nvSpPr>
+        <p:spPr>
+          <a:xfrm>
+            <a:off x="1893888" y="1753010"/>
+            <a:ext cx="877106" cy="648072"/>
+          </a:xfrm>
+          <a:prstGeom prst="rect">
+            <a:avLst/>
+          </a:prstGeom>
+          <a:solidFill>
+            <a:schemeClr val="accent3">
+              <a:lumMod val="60000"/>
+              <a:lumOff val="40000"/>
+            </a:schemeClr>
+          </a:solidFill>
+          <a:ln>
+            <a:noFill/>
+          </a:ln>
+        </p:spPr>
+        <p:style>
+          <a:lnRef idx="2">
+            <a:schemeClr val="accent1">
+              <a:shade val="50000"/>
+            </a:schemeClr>
+          </a:lnRef>
+          <a:fillRef idx="1">
+            <a:schemeClr val="accent1"/>
+          </a:fillRef>
+          <a:effectRef idx="0">
+            <a:schemeClr val="accent1"/>
+          </a:effectRef>
+          <a:fontRef idx="minor">
+            <a:schemeClr val="lt1"/>
+          </a:fontRef>
+        </p:style>
+        <p:txBody>
+          <a:bodyPr rtlCol="0" anchor="ctr"/>
+          <a:lstStyle/>
+          <a:p>
+            <a:pPr algn="ctr"/>
+            <a:r>
+              <a:rPr lang="en-US" altLang="zh-CN" sz="1800" dirty="0" smtClean="0">
+                <a:solidFill>
+                  <a:schemeClr val="tx2">
+                    <a:lumMod val="60000"/>
+                    <a:lumOff val="40000"/>
+                  </a:schemeClr>
+                </a:solidFill>
+              </a:rPr>
+              <a:t>JS</a:t>
+            </a:r>
+            <a:r>
+              <a:rPr lang="zh-CN" altLang="en-US" sz="1800" dirty="0" smtClean="0">
+                <a:solidFill>
+                  <a:schemeClr val="tx2">
+                    <a:lumMod val="60000"/>
+                    <a:lumOff val="40000"/>
+                  </a:schemeClr>
+                </a:solidFill>
+              </a:rPr>
+              <a:t>采集</a:t>
+            </a:r>
+            <a:endParaRPr lang="zh-CN" altLang="en-US" sz="1800" dirty="0">
+              <a:solidFill>
+                <a:schemeClr val="tx2">
+                  <a:lumMod val="60000"/>
+                  <a:lumOff val="40000"/>
+                </a:schemeClr>
+              </a:solidFill>
+            </a:endParaRPr>
+          </a:p>
+        </p:txBody>
+      </p:sp>
+      <p:sp>
+        <p:nvSpPr>
+          <p:cNvPr id="12" name="矩形 11"/>
+          <p:cNvSpPr/>
+          <p:nvPr/>
+        </p:nvSpPr>
+        <p:spPr>
+          <a:xfrm>
+            <a:off x="584734" y="2635615"/>
+            <a:ext cx="1040866" cy="505047"/>
+          </a:xfrm>
+          <a:prstGeom prst="rect">
+            <a:avLst/>
+          </a:prstGeom>
+          <a:solidFill>
+            <a:schemeClr val="accent3">
+              <a:lumMod val="60000"/>
+              <a:lumOff val="40000"/>
+            </a:schemeClr>
+          </a:solidFill>
+          <a:ln>
+            <a:noFill/>
+          </a:ln>
+        </p:spPr>
+        <p:style>
+          <a:lnRef idx="2">
+            <a:schemeClr val="accent1">
+              <a:shade val="50000"/>
+            </a:schemeClr>
+          </a:lnRef>
+          <a:fillRef idx="1">
+            <a:schemeClr val="accent1"/>
+          </a:fillRef>
+          <a:effectRef idx="0">
+            <a:schemeClr val="accent1"/>
+          </a:effectRef>
+          <a:fontRef idx="minor">
+            <a:schemeClr val="lt1"/>
+          </a:fontRef>
+        </p:style>
+        <p:txBody>
+          <a:bodyPr rtlCol="0" anchor="ctr"/>
+          <a:lstStyle/>
+          <a:p>
+            <a:pPr algn="ctr"/>
+            <a:r>
+              <a:rPr lang="en-US" altLang="zh-CN" dirty="0" smtClean="0">
+                <a:solidFill>
+                  <a:schemeClr val="tx2">
+                    <a:lumMod val="60000"/>
+                    <a:lumOff val="40000"/>
+                  </a:schemeClr>
+                </a:solidFill>
+              </a:rPr>
+              <a:t>App</a:t>
+            </a:r>
+            <a:endParaRPr lang="zh-CN" altLang="en-US" dirty="0">
+              <a:solidFill>
+                <a:schemeClr val="tx2">
+                  <a:lumMod val="60000"/>
+                  <a:lumOff val="40000"/>
+                </a:schemeClr>
+              </a:solidFill>
+            </a:endParaRPr>
+          </a:p>
+        </p:txBody>
+      </p:sp>
+      <p:sp>
+        <p:nvSpPr>
+          <p:cNvPr id="13" name="矩形 12"/>
+          <p:cNvSpPr/>
+          <p:nvPr/>
+        </p:nvSpPr>
+        <p:spPr>
+          <a:xfrm>
+            <a:off x="1893888" y="2914700"/>
+            <a:ext cx="877106" cy="648072"/>
+          </a:xfrm>
+          <a:prstGeom prst="rect">
+            <a:avLst/>
+          </a:prstGeom>
+          <a:solidFill>
+            <a:schemeClr val="accent3">
+              <a:lumMod val="60000"/>
+              <a:lumOff val="40000"/>
+            </a:schemeClr>
+          </a:solidFill>
+          <a:ln>
+            <a:noFill/>
+          </a:ln>
+        </p:spPr>
+        <p:style>
+          <a:lnRef idx="2">
+            <a:schemeClr val="accent1">
+              <a:shade val="50000"/>
+            </a:schemeClr>
+          </a:lnRef>
+          <a:fillRef idx="1">
+            <a:schemeClr val="accent1"/>
+          </a:fillRef>
+          <a:effectRef idx="0">
+            <a:schemeClr val="accent1"/>
+          </a:effectRef>
+          <a:fontRef idx="minor">
+            <a:schemeClr val="lt1"/>
+          </a:fontRef>
+        </p:style>
+        <p:txBody>
+          <a:bodyPr rtlCol="0" anchor="ctr"/>
+          <a:lstStyle/>
+          <a:p>
+            <a:pPr algn="ctr"/>
+            <a:r>
+              <a:rPr lang="zh-CN" altLang="en-US" sz="1800" dirty="0" smtClean="0">
+                <a:solidFill>
+                  <a:schemeClr val="tx2">
+                    <a:lumMod val="60000"/>
+                    <a:lumOff val="40000"/>
+                  </a:schemeClr>
+                </a:solidFill>
+              </a:rPr>
+              <a:t>日志</a:t>
+            </a:r>
+            <a:endParaRPr lang="zh-CN" altLang="en-US" sz="1800" dirty="0">
+              <a:solidFill>
+                <a:schemeClr val="tx2">
+                  <a:lumMod val="60000"/>
+                  <a:lumOff val="40000"/>
+                </a:schemeClr>
+              </a:solidFill>
+            </a:endParaRPr>
+          </a:p>
+        </p:txBody>
+      </p:sp>
+      <p:sp>
+        <p:nvSpPr>
+          <p:cNvPr id="14" name="矩形 13"/>
+          <p:cNvSpPr/>
+          <p:nvPr/>
+        </p:nvSpPr>
+        <p:spPr>
+          <a:xfrm>
+            <a:off x="381720" y="3951610"/>
+            <a:ext cx="2598862" cy="1296144"/>
+          </a:xfrm>
+          <a:prstGeom prst="rect">
+            <a:avLst/>
+          </a:prstGeom>
+        </p:spPr>
+        <p:style>
+          <a:lnRef idx="2">
+            <a:schemeClr val="accent1">
+              <a:shade val="50000"/>
+            </a:schemeClr>
+          </a:lnRef>
+          <a:fillRef idx="1">
+            <a:schemeClr val="accent1"/>
+          </a:fillRef>
+          <a:effectRef idx="0">
+            <a:schemeClr val="accent1"/>
+          </a:effectRef>
+          <a:fontRef idx="minor">
+            <a:schemeClr val="lt1"/>
+          </a:fontRef>
+        </p:style>
+        <p:txBody>
+          <a:bodyPr rtlCol="0" anchor="t"/>
+          <a:lstStyle/>
+          <a:p>
+            <a:pPr algn="ctr"/>
+            <a:r>
+              <a:rPr lang="zh-CN" altLang="en-US" dirty="0" smtClean="0"/>
+              <a:t>外部数据</a:t>
+            </a:r>
+            <a:endParaRPr lang="zh-CN" altLang="en-US" dirty="0"/>
+          </a:p>
+        </p:txBody>
+      </p:sp>
+      <p:sp>
+        <p:nvSpPr>
+          <p:cNvPr id="15" name="矩形 14"/>
+          <p:cNvSpPr/>
+          <p:nvPr/>
+        </p:nvSpPr>
+        <p:spPr>
+          <a:xfrm>
+            <a:off x="584734" y="4455666"/>
+            <a:ext cx="877106" cy="648072"/>
+          </a:xfrm>
+          <a:prstGeom prst="rect">
+            <a:avLst/>
+          </a:prstGeom>
+          <a:solidFill>
+            <a:schemeClr val="accent3">
+              <a:lumMod val="60000"/>
+              <a:lumOff val="40000"/>
+            </a:schemeClr>
+          </a:solidFill>
+          <a:ln>
+            <a:noFill/>
+          </a:ln>
+        </p:spPr>
+        <p:style>
+          <a:lnRef idx="2">
+            <a:schemeClr val="accent1">
+              <a:shade val="50000"/>
+            </a:schemeClr>
+          </a:lnRef>
+          <a:fillRef idx="1">
+            <a:schemeClr val="accent1"/>
+          </a:fillRef>
+          <a:effectRef idx="0">
+            <a:schemeClr val="accent1"/>
+          </a:effectRef>
+          <a:fontRef idx="minor">
+            <a:schemeClr val="lt1"/>
+          </a:fontRef>
+        </p:style>
+        <p:txBody>
+          <a:bodyPr rtlCol="0" anchor="ctr"/>
+          <a:lstStyle/>
+          <a:p>
+            <a:pPr algn="ctr"/>
+            <a:r>
+              <a:rPr lang="zh-CN" altLang="en-US" dirty="0">
+                <a:solidFill>
+                  <a:schemeClr val="tx2">
+                    <a:lumMod val="60000"/>
+                    <a:lumOff val="40000"/>
+                  </a:schemeClr>
+                </a:solidFill>
+              </a:rPr>
+              <a:t>爬虫</a:t>
+            </a:r>
+          </a:p>
+        </p:txBody>
+      </p:sp>
+      <p:sp>
+        <p:nvSpPr>
+          <p:cNvPr id="16" name="矩形 15"/>
+          <p:cNvSpPr/>
+          <p:nvPr/>
+        </p:nvSpPr>
+        <p:spPr>
+          <a:xfrm>
+            <a:off x="1682490" y="4455666"/>
+            <a:ext cx="1088503" cy="648072"/>
+          </a:xfrm>
+          <a:prstGeom prst="rect">
+            <a:avLst/>
+          </a:prstGeom>
+          <a:solidFill>
+            <a:schemeClr val="accent3">
+              <a:lumMod val="60000"/>
+              <a:lumOff val="40000"/>
+            </a:schemeClr>
+          </a:solidFill>
+          <a:ln>
+            <a:noFill/>
+          </a:ln>
+        </p:spPr>
+        <p:style>
+          <a:lnRef idx="2">
+            <a:schemeClr val="accent1">
+              <a:shade val="50000"/>
+            </a:schemeClr>
+          </a:lnRef>
+          <a:fillRef idx="1">
+            <a:schemeClr val="accent1"/>
+          </a:fillRef>
+          <a:effectRef idx="0">
+            <a:schemeClr val="accent1"/>
+          </a:effectRef>
+          <a:fontRef idx="minor">
+            <a:schemeClr val="lt1"/>
+          </a:fontRef>
+        </p:style>
+        <p:txBody>
+          <a:bodyPr rtlCol="0" anchor="ctr"/>
+          <a:lstStyle/>
+          <a:p>
+            <a:pPr algn="ctr"/>
+            <a:r>
+              <a:rPr lang="zh-CN" altLang="en-US" sz="1800" dirty="0" smtClean="0">
+                <a:solidFill>
+                  <a:schemeClr val="tx2">
+                    <a:lumMod val="60000"/>
+                    <a:lumOff val="40000"/>
+                  </a:schemeClr>
+                </a:solidFill>
+              </a:rPr>
+              <a:t>政府网站数据</a:t>
+            </a:r>
+            <a:endParaRPr lang="zh-CN" altLang="en-US" sz="1800" dirty="0">
+              <a:solidFill>
+                <a:schemeClr val="tx2">
+                  <a:lumMod val="60000"/>
+                  <a:lumOff val="40000"/>
+                </a:schemeClr>
+              </a:solidFill>
+            </a:endParaRPr>
+          </a:p>
+        </p:txBody>
+      </p:sp>
+      <p:sp>
+        <p:nvSpPr>
+          <p:cNvPr id="17" name="矩形 16"/>
+          <p:cNvSpPr/>
+          <p:nvPr/>
+        </p:nvSpPr>
+        <p:spPr>
+          <a:xfrm>
+            <a:off x="400696" y="5463778"/>
+            <a:ext cx="2598862" cy="1296144"/>
+          </a:xfrm>
+          <a:prstGeom prst="rect">
+            <a:avLst/>
+          </a:prstGeom>
+        </p:spPr>
+        <p:style>
+          <a:lnRef idx="2">
+            <a:schemeClr val="accent1">
+              <a:shade val="50000"/>
+            </a:schemeClr>
+          </a:lnRef>
+          <a:fillRef idx="1">
+            <a:schemeClr val="accent1"/>
+          </a:fillRef>
+          <a:effectRef idx="0">
+            <a:schemeClr val="accent1"/>
+          </a:effectRef>
+          <a:fontRef idx="minor">
+            <a:schemeClr val="lt1"/>
+          </a:fontRef>
+        </p:style>
+        <p:txBody>
+          <a:bodyPr rtlCol="0" anchor="ctr"/>
+          <a:lstStyle/>
+          <a:p>
+            <a:pPr algn="ctr"/>
+            <a:r>
+              <a:rPr lang="zh-CN" altLang="en-US" dirty="0" smtClean="0"/>
+              <a:t>业务系统数据</a:t>
+            </a:r>
+            <a:endParaRPr lang="zh-CN" altLang="en-US" dirty="0"/>
+          </a:p>
+        </p:txBody>
+      </p:sp>
+      <p:sp>
+        <p:nvSpPr>
+          <p:cNvPr id="18" name="矩形 17"/>
+          <p:cNvSpPr/>
+          <p:nvPr/>
+        </p:nvSpPr>
+        <p:spPr>
+          <a:xfrm>
+            <a:off x="400696" y="6853088"/>
+            <a:ext cx="2598862" cy="1296144"/>
+          </a:xfrm>
+          <a:prstGeom prst="rect">
+            <a:avLst/>
+          </a:prstGeom>
+        </p:spPr>
+        <p:style>
+          <a:lnRef idx="2">
+            <a:schemeClr val="accent1">
+              <a:shade val="50000"/>
+            </a:schemeClr>
+          </a:lnRef>
+          <a:fillRef idx="1">
+            <a:schemeClr val="accent1"/>
+          </a:fillRef>
+          <a:effectRef idx="0">
+            <a:schemeClr val="accent1"/>
+          </a:effectRef>
+          <a:fontRef idx="minor">
+            <a:schemeClr val="lt1"/>
+          </a:fontRef>
+        </p:style>
+        <p:txBody>
+          <a:bodyPr rtlCol="0" anchor="ctr"/>
+          <a:lstStyle/>
+          <a:p>
+            <a:pPr algn="ctr"/>
+            <a:r>
+              <a:rPr lang="zh-CN" altLang="en-US" dirty="0" smtClean="0"/>
+              <a:t>平台运行监控中心数据</a:t>
+            </a:r>
+            <a:endParaRPr lang="zh-CN" altLang="en-US" dirty="0"/>
+          </a:p>
+        </p:txBody>
+      </p:sp>
+      <p:sp>
+        <p:nvSpPr>
+          <p:cNvPr id="19" name="右箭头 18"/>
+          <p:cNvSpPr/>
+          <p:nvPr/>
+        </p:nvSpPr>
+        <p:spPr>
+          <a:xfrm rot="1735084">
+            <a:off x="3077200" y="3346886"/>
+            <a:ext cx="451091" cy="251439"/>
+          </a:xfrm>
+          <a:prstGeom prst="rightArrow">
+            <a:avLst/>
+          </a:prstGeom>
+        </p:spPr>
+        <p:style>
+          <a:lnRef idx="2">
+            <a:schemeClr val="accent1">
+              <a:shade val="50000"/>
+            </a:schemeClr>
+          </a:lnRef>
+          <a:fillRef idx="1">
+            <a:schemeClr val="accent1"/>
+          </a:fillRef>
+          <a:effectRef idx="0">
+            <a:schemeClr val="accent1"/>
+          </a:effectRef>
+          <a:fontRef idx="minor">
+            <a:schemeClr val="lt1"/>
+          </a:fontRef>
+        </p:style>
+        <p:txBody>
+          <a:bodyPr rtlCol="0" anchor="ctr"/>
+          <a:lstStyle/>
+          <a:p>
+            <a:pPr algn="ctr"/>
+            <a:endParaRPr lang="zh-CN" altLang="en-US"/>
+          </a:p>
+        </p:txBody>
+      </p:sp>
+      <p:sp>
+        <p:nvSpPr>
+          <p:cNvPr id="20" name="右箭头 19"/>
+          <p:cNvSpPr/>
+          <p:nvPr/>
+        </p:nvSpPr>
+        <p:spPr>
+          <a:xfrm rot="1735084">
+            <a:off x="3154145" y="4473962"/>
+            <a:ext cx="451091" cy="251439"/>
+          </a:xfrm>
+          <a:prstGeom prst="rightArrow">
+            <a:avLst/>
+          </a:prstGeom>
+        </p:spPr>
+        <p:style>
+          <a:lnRef idx="2">
+            <a:schemeClr val="accent1">
+              <a:shade val="50000"/>
+            </a:schemeClr>
+          </a:lnRef>
+          <a:fillRef idx="1">
+            <a:schemeClr val="accent1"/>
+          </a:fillRef>
+          <a:effectRef idx="0">
+            <a:schemeClr val="accent1"/>
+          </a:effectRef>
+          <a:fontRef idx="minor">
+            <a:schemeClr val="lt1"/>
+          </a:fontRef>
+        </p:style>
+        <p:txBody>
+          <a:bodyPr rtlCol="0" anchor="ctr"/>
+          <a:lstStyle/>
+          <a:p>
+            <a:pPr algn="ctr"/>
+            <a:endParaRPr lang="zh-CN" altLang="en-US"/>
+          </a:p>
+        </p:txBody>
+      </p:sp>
+      <p:sp>
+        <p:nvSpPr>
+          <p:cNvPr id="21" name="右箭头 20"/>
+          <p:cNvSpPr/>
+          <p:nvPr/>
+        </p:nvSpPr>
+        <p:spPr>
+          <a:xfrm rot="20245050">
+            <a:off x="3159105" y="5986130"/>
+            <a:ext cx="451091" cy="251439"/>
+          </a:xfrm>
+          <a:prstGeom prst="rightArrow">
+            <a:avLst/>
+          </a:prstGeom>
+        </p:spPr>
+        <p:style>
+          <a:lnRef idx="2">
+            <a:schemeClr val="accent1">
+              <a:shade val="50000"/>
+            </a:schemeClr>
+          </a:lnRef>
+          <a:fillRef idx="1">
+            <a:schemeClr val="accent1"/>
+          </a:fillRef>
+          <a:effectRef idx="0">
+            <a:schemeClr val="accent1"/>
+          </a:effectRef>
+          <a:fontRef idx="minor">
+            <a:schemeClr val="lt1"/>
+          </a:fontRef>
+        </p:style>
+        <p:txBody>
+          <a:bodyPr rtlCol="0" anchor="ctr"/>
+          <a:lstStyle/>
+          <a:p>
+            <a:pPr algn="ctr"/>
+            <a:endParaRPr lang="zh-CN" altLang="en-US"/>
+          </a:p>
+        </p:txBody>
+      </p:sp>
+      <p:sp>
+        <p:nvSpPr>
+          <p:cNvPr id="22" name="右箭头 21"/>
+          <p:cNvSpPr/>
+          <p:nvPr/>
+        </p:nvSpPr>
+        <p:spPr>
+          <a:xfrm rot="20245050">
+            <a:off x="3152460" y="7010217"/>
+            <a:ext cx="451091" cy="251439"/>
+          </a:xfrm>
+          <a:prstGeom prst="rightArrow">
+            <a:avLst/>
+          </a:prstGeom>
+        </p:spPr>
+        <p:style>
+          <a:lnRef idx="2">
+            <a:schemeClr val="accent1">
+              <a:shade val="50000"/>
+            </a:schemeClr>
+          </a:lnRef>
+          <a:fillRef idx="1">
+            <a:schemeClr val="accent1"/>
+          </a:fillRef>
+          <a:effectRef idx="0">
+            <a:schemeClr val="accent1"/>
+          </a:effectRef>
+          <a:fontRef idx="minor">
+            <a:schemeClr val="lt1"/>
+          </a:fontRef>
+        </p:style>
+        <p:txBody>
+          <a:bodyPr rtlCol="0" anchor="ctr"/>
+          <a:lstStyle/>
+          <a:p>
+            <a:pPr algn="ctr"/>
+            <a:endParaRPr lang="zh-CN" altLang="en-US"/>
+          </a:p>
+        </p:txBody>
+      </p:sp>
+      <p:sp>
+        <p:nvSpPr>
+          <p:cNvPr id="23" name="右箭头 22"/>
+          <p:cNvSpPr/>
+          <p:nvPr/>
+        </p:nvSpPr>
+        <p:spPr>
+          <a:xfrm>
+            <a:off x="5062240" y="4962806"/>
+            <a:ext cx="504056" cy="284948"/>
+          </a:xfrm>
+          <a:prstGeom prst="rightArrow">
+            <a:avLst/>
+          </a:prstGeom>
+        </p:spPr>
+        <p:style>
+          <a:lnRef idx="2">
+            <a:schemeClr val="accent1">
+              <a:shade val="50000"/>
+            </a:schemeClr>
+          </a:lnRef>
+          <a:fillRef idx="1">
+            <a:schemeClr val="accent1"/>
+          </a:fillRef>
+          <a:effectRef idx="0">
+            <a:schemeClr val="accent1"/>
+          </a:effectRef>
+          <a:fontRef idx="minor">
+            <a:schemeClr val="lt1"/>
+          </a:fontRef>
+        </p:style>
+        <p:txBody>
+          <a:bodyPr rtlCol="0" anchor="ctr"/>
+          <a:lstStyle/>
+          <a:p>
+            <a:pPr algn="ctr"/>
+            <a:endParaRPr lang="zh-CN" altLang="en-US"/>
+          </a:p>
+        </p:txBody>
+      </p:sp>
+      <p:sp>
+        <p:nvSpPr>
+          <p:cNvPr id="24" name="右箭头 23"/>
+          <p:cNvSpPr/>
+          <p:nvPr/>
+        </p:nvSpPr>
+        <p:spPr>
+          <a:xfrm>
+            <a:off x="7078464" y="4972732"/>
+            <a:ext cx="504056" cy="284948"/>
+          </a:xfrm>
+          <a:prstGeom prst="rightArrow">
+            <a:avLst/>
+          </a:prstGeom>
+        </p:spPr>
+        <p:style>
+          <a:lnRef idx="2">
+            <a:schemeClr val="accent1">
+              <a:shade val="50000"/>
+            </a:schemeClr>
+          </a:lnRef>
+          <a:fillRef idx="1">
+            <a:schemeClr val="accent1"/>
+          </a:fillRef>
+          <a:effectRef idx="0">
+            <a:schemeClr val="accent1"/>
+          </a:effectRef>
+          <a:fontRef idx="minor">
+            <a:schemeClr val="lt1"/>
+          </a:fontRef>
+        </p:style>
+        <p:txBody>
+          <a:bodyPr rtlCol="0" anchor="ctr"/>
+          <a:lstStyle/>
+          <a:p>
+            <a:pPr algn="ctr"/>
+            <a:endParaRPr lang="zh-CN" altLang="en-US"/>
+          </a:p>
+        </p:txBody>
+      </p:sp>
+      <p:sp>
+        <p:nvSpPr>
+          <p:cNvPr id="25" name="矩形 24"/>
+          <p:cNvSpPr/>
+          <p:nvPr/>
+        </p:nvSpPr>
+        <p:spPr>
+          <a:xfrm>
+            <a:off x="8013702" y="1692118"/>
+            <a:ext cx="2017090" cy="648072"/>
+          </a:xfrm>
+          <a:prstGeom prst="rect">
+            <a:avLst/>
+          </a:prstGeom>
+          <a:solidFill>
+            <a:schemeClr val="accent3">
+              <a:lumMod val="60000"/>
+              <a:lumOff val="40000"/>
+            </a:schemeClr>
+          </a:solidFill>
+          <a:ln>
+            <a:noFill/>
+          </a:ln>
+        </p:spPr>
+        <p:style>
+          <a:lnRef idx="2">
+            <a:schemeClr val="accent1">
+              <a:shade val="50000"/>
+            </a:schemeClr>
+          </a:lnRef>
+          <a:fillRef idx="1">
+            <a:schemeClr val="accent1"/>
+          </a:fillRef>
+          <a:effectRef idx="0">
+            <a:schemeClr val="accent1"/>
+          </a:effectRef>
+          <a:fontRef idx="minor">
+            <a:schemeClr val="lt1"/>
+          </a:fontRef>
+        </p:style>
+        <p:txBody>
+          <a:bodyPr rtlCol="0" anchor="ctr"/>
+          <a:lstStyle/>
+          <a:p>
+            <a:pPr algn="ctr"/>
+            <a:r>
+              <a:rPr lang="zh-CN" altLang="en-US" dirty="0" smtClean="0">
+                <a:solidFill>
+                  <a:schemeClr val="tx2">
+                    <a:lumMod val="60000"/>
+                    <a:lumOff val="40000"/>
+                  </a:schemeClr>
+                </a:solidFill>
+              </a:rPr>
+              <a:t>营销分析</a:t>
+            </a:r>
+            <a:endParaRPr lang="zh-CN" altLang="en-US" dirty="0">
+              <a:solidFill>
+                <a:schemeClr val="tx2">
+                  <a:lumMod val="60000"/>
+                  <a:lumOff val="40000"/>
+                </a:schemeClr>
+              </a:solidFill>
+            </a:endParaRPr>
+          </a:p>
+        </p:txBody>
+      </p:sp>
+      <p:sp>
+        <p:nvSpPr>
+          <p:cNvPr id="26" name="矩形 25"/>
+          <p:cNvSpPr/>
+          <p:nvPr/>
+        </p:nvSpPr>
+        <p:spPr>
+          <a:xfrm>
+            <a:off x="8013702" y="2492590"/>
+            <a:ext cx="2017090" cy="648072"/>
+          </a:xfrm>
+          <a:prstGeom prst="rect">
+            <a:avLst/>
+          </a:prstGeom>
+          <a:solidFill>
+            <a:schemeClr val="accent3">
+              <a:lumMod val="60000"/>
+              <a:lumOff val="40000"/>
+            </a:schemeClr>
+          </a:solidFill>
+          <a:ln>
+            <a:noFill/>
+          </a:ln>
+        </p:spPr>
+        <p:style>
+          <a:lnRef idx="2">
+            <a:schemeClr val="accent1">
+              <a:shade val="50000"/>
+            </a:schemeClr>
+          </a:lnRef>
+          <a:fillRef idx="1">
+            <a:schemeClr val="accent1"/>
+          </a:fillRef>
+          <a:effectRef idx="0">
+            <a:schemeClr val="accent1"/>
+          </a:effectRef>
+          <a:fontRef idx="minor">
+            <a:schemeClr val="lt1"/>
+          </a:fontRef>
+        </p:style>
+        <p:txBody>
+          <a:bodyPr rtlCol="0" anchor="ctr"/>
+          <a:lstStyle/>
+          <a:p>
+            <a:pPr algn="ctr"/>
+            <a:r>
+              <a:rPr lang="zh-CN" altLang="en-US" dirty="0" smtClean="0">
+                <a:solidFill>
+                  <a:schemeClr val="tx2">
+                    <a:lumMod val="60000"/>
+                    <a:lumOff val="40000"/>
+                  </a:schemeClr>
+                </a:solidFill>
+              </a:rPr>
+              <a:t>客户分析</a:t>
+            </a:r>
+            <a:endParaRPr lang="zh-CN" altLang="en-US" dirty="0">
+              <a:solidFill>
+                <a:schemeClr val="tx2">
+                  <a:lumMod val="60000"/>
+                  <a:lumOff val="40000"/>
+                </a:schemeClr>
+              </a:solidFill>
+            </a:endParaRPr>
+          </a:p>
+        </p:txBody>
+      </p:sp>
+      <p:sp>
+        <p:nvSpPr>
+          <p:cNvPr id="27" name="矩形 26"/>
+          <p:cNvSpPr/>
+          <p:nvPr/>
+        </p:nvSpPr>
+        <p:spPr>
+          <a:xfrm>
+            <a:off x="8017940" y="3296472"/>
+            <a:ext cx="2017090" cy="648072"/>
+          </a:xfrm>
+          <a:prstGeom prst="rect">
+            <a:avLst/>
+          </a:prstGeom>
+          <a:solidFill>
+            <a:schemeClr val="accent3">
+              <a:lumMod val="60000"/>
+              <a:lumOff val="40000"/>
+            </a:schemeClr>
+          </a:solidFill>
+          <a:ln>
+            <a:noFill/>
+          </a:ln>
+        </p:spPr>
+        <p:style>
+          <a:lnRef idx="2">
+            <a:schemeClr val="accent1">
+              <a:shade val="50000"/>
+            </a:schemeClr>
+          </a:lnRef>
+          <a:fillRef idx="1">
+            <a:schemeClr val="accent1"/>
+          </a:fillRef>
+          <a:effectRef idx="0">
+            <a:schemeClr val="accent1"/>
+          </a:effectRef>
+          <a:fontRef idx="minor">
+            <a:schemeClr val="lt1"/>
+          </a:fontRef>
+        </p:style>
+        <p:txBody>
+          <a:bodyPr rtlCol="0" anchor="ctr"/>
+          <a:lstStyle/>
+          <a:p>
+            <a:pPr algn="ctr"/>
+            <a:r>
+              <a:rPr lang="zh-CN" altLang="en-US" dirty="0" smtClean="0">
+                <a:solidFill>
+                  <a:schemeClr val="tx2">
+                    <a:lumMod val="60000"/>
+                    <a:lumOff val="40000"/>
+                  </a:schemeClr>
+                </a:solidFill>
+              </a:rPr>
+              <a:t>平台安全分析</a:t>
+            </a:r>
+            <a:endParaRPr lang="zh-CN" altLang="en-US" dirty="0">
+              <a:solidFill>
+                <a:schemeClr val="tx2">
+                  <a:lumMod val="60000"/>
+                  <a:lumOff val="40000"/>
+                </a:schemeClr>
+              </a:solidFill>
+            </a:endParaRPr>
+          </a:p>
+        </p:txBody>
+      </p:sp>
+      <p:sp>
+        <p:nvSpPr>
+          <p:cNvPr id="28" name="矩形 27"/>
+          <p:cNvSpPr/>
+          <p:nvPr/>
+        </p:nvSpPr>
+        <p:spPr>
+          <a:xfrm>
+            <a:off x="8013702" y="4133172"/>
+            <a:ext cx="2017090" cy="648072"/>
+          </a:xfrm>
+          <a:prstGeom prst="rect">
+            <a:avLst/>
+          </a:prstGeom>
+          <a:solidFill>
+            <a:schemeClr val="accent3">
+              <a:lumMod val="60000"/>
+              <a:lumOff val="40000"/>
+            </a:schemeClr>
+          </a:solidFill>
+          <a:ln>
+            <a:noFill/>
+          </a:ln>
+        </p:spPr>
+        <p:style>
+          <a:lnRef idx="2">
+            <a:schemeClr val="accent1">
+              <a:shade val="50000"/>
+            </a:schemeClr>
+          </a:lnRef>
+          <a:fillRef idx="1">
+            <a:schemeClr val="accent1"/>
+          </a:fillRef>
+          <a:effectRef idx="0">
+            <a:schemeClr val="accent1"/>
+          </a:effectRef>
+          <a:fontRef idx="minor">
+            <a:schemeClr val="lt1"/>
+          </a:fontRef>
+        </p:style>
+        <p:txBody>
+          <a:bodyPr rtlCol="0" anchor="ctr"/>
+          <a:lstStyle/>
+          <a:p>
+            <a:pPr algn="ctr"/>
+            <a:r>
+              <a:rPr lang="zh-CN" altLang="en-US" dirty="0" smtClean="0">
+                <a:solidFill>
+                  <a:schemeClr val="tx2">
+                    <a:lumMod val="60000"/>
+                    <a:lumOff val="40000"/>
+                  </a:schemeClr>
+                </a:solidFill>
+              </a:rPr>
+              <a:t>非法行为分析</a:t>
+            </a:r>
+            <a:endParaRPr lang="zh-CN" altLang="en-US" dirty="0">
+              <a:solidFill>
+                <a:schemeClr val="tx2">
+                  <a:lumMod val="60000"/>
+                  <a:lumOff val="40000"/>
+                </a:schemeClr>
+              </a:solidFill>
+            </a:endParaRPr>
+          </a:p>
+        </p:txBody>
+      </p:sp>
+      <p:sp>
+        <p:nvSpPr>
+          <p:cNvPr id="29" name="矩形 28"/>
+          <p:cNvSpPr/>
+          <p:nvPr/>
+        </p:nvSpPr>
+        <p:spPr>
+          <a:xfrm>
+            <a:off x="8013702" y="4933644"/>
+            <a:ext cx="2017090" cy="648072"/>
+          </a:xfrm>
+          <a:prstGeom prst="rect">
+            <a:avLst/>
+          </a:prstGeom>
+          <a:solidFill>
+            <a:schemeClr val="accent3">
+              <a:lumMod val="60000"/>
+              <a:lumOff val="40000"/>
+            </a:schemeClr>
+          </a:solidFill>
+          <a:ln>
+            <a:noFill/>
+          </a:ln>
+        </p:spPr>
+        <p:style>
+          <a:lnRef idx="2">
+            <a:schemeClr val="accent1">
+              <a:shade val="50000"/>
+            </a:schemeClr>
+          </a:lnRef>
+          <a:fillRef idx="1">
+            <a:schemeClr val="accent1"/>
+          </a:fillRef>
+          <a:effectRef idx="0">
+            <a:schemeClr val="accent1"/>
+          </a:effectRef>
+          <a:fontRef idx="minor">
+            <a:schemeClr val="lt1"/>
+          </a:fontRef>
+        </p:style>
+        <p:txBody>
+          <a:bodyPr rtlCol="0" anchor="ctr"/>
+          <a:lstStyle/>
+          <a:p>
+            <a:pPr algn="ctr"/>
+            <a:r>
+              <a:rPr lang="zh-CN" altLang="en-US" dirty="0" smtClean="0">
+                <a:solidFill>
+                  <a:schemeClr val="tx2">
+                    <a:lumMod val="60000"/>
+                    <a:lumOff val="40000"/>
+                  </a:schemeClr>
+                </a:solidFill>
+              </a:rPr>
+              <a:t>平台运行控制</a:t>
+            </a:r>
+            <a:endParaRPr lang="zh-CN" altLang="en-US" dirty="0">
+              <a:solidFill>
+                <a:schemeClr val="tx2">
+                  <a:lumMod val="60000"/>
+                  <a:lumOff val="40000"/>
+                </a:schemeClr>
+              </a:solidFill>
+            </a:endParaRPr>
+          </a:p>
+        </p:txBody>
+      </p:sp>
+      <p:sp>
+        <p:nvSpPr>
+          <p:cNvPr id="30" name="矩形 29"/>
+          <p:cNvSpPr/>
+          <p:nvPr/>
+        </p:nvSpPr>
+        <p:spPr>
+          <a:xfrm>
+            <a:off x="8017940" y="5737526"/>
+            <a:ext cx="2017090" cy="648072"/>
+          </a:xfrm>
+          <a:prstGeom prst="rect">
+            <a:avLst/>
+          </a:prstGeom>
+          <a:solidFill>
+            <a:schemeClr val="accent3">
+              <a:lumMod val="60000"/>
+              <a:lumOff val="40000"/>
+            </a:schemeClr>
+          </a:solidFill>
+          <a:ln>
+            <a:noFill/>
+          </a:ln>
+        </p:spPr>
+        <p:style>
+          <a:lnRef idx="2">
+            <a:schemeClr val="accent1">
+              <a:shade val="50000"/>
+            </a:schemeClr>
+          </a:lnRef>
+          <a:fillRef idx="1">
+            <a:schemeClr val="accent1"/>
+          </a:fillRef>
+          <a:effectRef idx="0">
+            <a:schemeClr val="accent1"/>
+          </a:effectRef>
+          <a:fontRef idx="minor">
+            <a:schemeClr val="lt1"/>
+          </a:fontRef>
+        </p:style>
+        <p:txBody>
+          <a:bodyPr rtlCol="0" anchor="ctr"/>
+          <a:lstStyle/>
+          <a:p>
+            <a:pPr algn="ctr"/>
+            <a:r>
+              <a:rPr lang="zh-CN" altLang="en-US" dirty="0" smtClean="0">
+                <a:solidFill>
+                  <a:schemeClr val="tx2">
+                    <a:lumMod val="60000"/>
+                    <a:lumOff val="40000"/>
+                  </a:schemeClr>
+                </a:solidFill>
+              </a:rPr>
+              <a:t>内部管理分析</a:t>
+            </a:r>
+            <a:endParaRPr lang="zh-CN" altLang="en-US" dirty="0">
+              <a:solidFill>
+                <a:schemeClr val="tx2">
+                  <a:lumMod val="60000"/>
+                  <a:lumOff val="40000"/>
+                </a:schemeClr>
+              </a:solidFill>
+            </a:endParaRPr>
+          </a:p>
+        </p:txBody>
+      </p:sp>
+      <p:sp>
+        <p:nvSpPr>
+          <p:cNvPr id="31" name="矩形 30"/>
+          <p:cNvSpPr/>
+          <p:nvPr/>
+        </p:nvSpPr>
+        <p:spPr>
+          <a:xfrm>
+            <a:off x="11038904" y="2114228"/>
+            <a:ext cx="1584176" cy="757262"/>
+          </a:xfrm>
+          <a:prstGeom prst="rect">
+            <a:avLst/>
+          </a:prstGeom>
+        </p:spPr>
+        <p:style>
+          <a:lnRef idx="2">
+            <a:schemeClr val="accent1">
+              <a:shade val="50000"/>
+            </a:schemeClr>
+          </a:lnRef>
+          <a:fillRef idx="1">
+            <a:schemeClr val="accent1"/>
+          </a:fillRef>
+          <a:effectRef idx="0">
+            <a:schemeClr val="accent1"/>
+          </a:effectRef>
+          <a:fontRef idx="minor">
+            <a:schemeClr val="lt1"/>
+          </a:fontRef>
+        </p:style>
+        <p:txBody>
+          <a:bodyPr rtlCol="0" anchor="ctr"/>
+          <a:lstStyle/>
+          <a:p>
+            <a:pPr algn="ctr"/>
+            <a:r>
+              <a:rPr lang="zh-CN" altLang="en-US" dirty="0" smtClean="0"/>
+              <a:t>系统巡检</a:t>
+            </a:r>
+            <a:endParaRPr lang="zh-CN" altLang="en-US" dirty="0"/>
+          </a:p>
+        </p:txBody>
+      </p:sp>
+      <p:sp>
+        <p:nvSpPr>
+          <p:cNvPr id="32" name="矩形 31"/>
+          <p:cNvSpPr/>
+          <p:nvPr/>
+        </p:nvSpPr>
+        <p:spPr>
+          <a:xfrm>
+            <a:off x="8013702" y="6573596"/>
+            <a:ext cx="2017090" cy="648072"/>
+          </a:xfrm>
+          <a:prstGeom prst="rect">
+            <a:avLst/>
+          </a:prstGeom>
+          <a:solidFill>
+            <a:schemeClr val="accent3">
+              <a:lumMod val="60000"/>
+              <a:lumOff val="40000"/>
+            </a:schemeClr>
+          </a:solidFill>
+          <a:ln>
+            <a:noFill/>
+          </a:ln>
+        </p:spPr>
+        <p:style>
+          <a:lnRef idx="2">
+            <a:schemeClr val="accent1">
+              <a:shade val="50000"/>
+            </a:schemeClr>
+          </a:lnRef>
+          <a:fillRef idx="1">
+            <a:schemeClr val="accent1"/>
+          </a:fillRef>
+          <a:effectRef idx="0">
+            <a:schemeClr val="accent1"/>
+          </a:effectRef>
+          <a:fontRef idx="minor">
+            <a:schemeClr val="lt1"/>
+          </a:fontRef>
+        </p:style>
+        <p:txBody>
+          <a:bodyPr rtlCol="0" anchor="ctr"/>
+          <a:lstStyle/>
+          <a:p>
+            <a:pPr algn="ctr"/>
+            <a:r>
+              <a:rPr lang="en-US" altLang="zh-CN" dirty="0" smtClean="0">
+                <a:solidFill>
+                  <a:schemeClr val="tx2">
+                    <a:lumMod val="60000"/>
+                    <a:lumOff val="40000"/>
+                  </a:schemeClr>
+                </a:solidFill>
+              </a:rPr>
+              <a:t>API</a:t>
+            </a:r>
+            <a:r>
+              <a:rPr lang="zh-CN" altLang="en-US" dirty="0" smtClean="0">
+                <a:solidFill>
+                  <a:schemeClr val="tx2">
+                    <a:lumMod val="60000"/>
+                    <a:lumOff val="40000"/>
+                  </a:schemeClr>
+                </a:solidFill>
+              </a:rPr>
+              <a:t>分析</a:t>
+            </a:r>
+            <a:endParaRPr lang="zh-CN" altLang="en-US" dirty="0">
+              <a:solidFill>
+                <a:schemeClr val="tx2">
+                  <a:lumMod val="60000"/>
+                  <a:lumOff val="40000"/>
+                </a:schemeClr>
+              </a:solidFill>
+            </a:endParaRPr>
+          </a:p>
+        </p:txBody>
+      </p:sp>
+      <p:sp>
+        <p:nvSpPr>
+          <p:cNvPr id="33" name="矩形 32"/>
+          <p:cNvSpPr/>
+          <p:nvPr/>
+        </p:nvSpPr>
+        <p:spPr>
+          <a:xfrm>
+            <a:off x="598650" y="3186667"/>
+            <a:ext cx="1026950" cy="505047"/>
+          </a:xfrm>
+          <a:prstGeom prst="rect">
+            <a:avLst/>
+          </a:prstGeom>
+          <a:solidFill>
+            <a:schemeClr val="accent3">
+              <a:lumMod val="60000"/>
+              <a:lumOff val="40000"/>
+            </a:schemeClr>
+          </a:solidFill>
+          <a:ln>
+            <a:noFill/>
+          </a:ln>
+        </p:spPr>
+        <p:style>
+          <a:lnRef idx="2">
+            <a:schemeClr val="accent1">
+              <a:shade val="50000"/>
+            </a:schemeClr>
+          </a:lnRef>
+          <a:fillRef idx="1">
+            <a:schemeClr val="accent1"/>
+          </a:fillRef>
+          <a:effectRef idx="0">
+            <a:schemeClr val="accent1"/>
+          </a:effectRef>
+          <a:fontRef idx="minor">
+            <a:schemeClr val="lt1"/>
+          </a:fontRef>
+        </p:style>
+        <p:txBody>
+          <a:bodyPr rtlCol="0" anchor="ctr"/>
+          <a:lstStyle/>
+          <a:p>
+            <a:pPr algn="ctr"/>
+            <a:r>
+              <a:rPr lang="en-US" altLang="zh-CN" sz="1800" dirty="0" smtClean="0">
+                <a:solidFill>
+                  <a:schemeClr val="tx2">
+                    <a:lumMod val="60000"/>
+                    <a:lumOff val="40000"/>
+                  </a:schemeClr>
+                </a:solidFill>
+              </a:rPr>
+              <a:t>API</a:t>
+            </a:r>
+            <a:r>
+              <a:rPr lang="zh-CN" altLang="en-US" sz="1800" dirty="0" smtClean="0">
+                <a:solidFill>
+                  <a:schemeClr val="tx2">
+                    <a:lumMod val="60000"/>
+                    <a:lumOff val="40000"/>
+                  </a:schemeClr>
+                </a:solidFill>
+              </a:rPr>
+              <a:t>调用</a:t>
+            </a:r>
+            <a:endParaRPr lang="zh-CN" altLang="en-US" sz="1800" dirty="0">
+              <a:solidFill>
+                <a:schemeClr val="tx2">
+                  <a:lumMod val="60000"/>
+                  <a:lumOff val="40000"/>
+                </a:schemeClr>
+              </a:solidFill>
+            </a:endParaRPr>
+          </a:p>
+        </p:txBody>
+      </p:sp>
+      <p:sp>
+        <p:nvSpPr>
+          <p:cNvPr id="34" name="矩形 33"/>
+          <p:cNvSpPr/>
+          <p:nvPr/>
+        </p:nvSpPr>
+        <p:spPr>
+          <a:xfrm>
+            <a:off x="11038904" y="3060559"/>
+            <a:ext cx="1584176" cy="757262"/>
+          </a:xfrm>
+          <a:prstGeom prst="rect">
+            <a:avLst/>
+          </a:prstGeom>
+        </p:spPr>
+        <p:style>
+          <a:lnRef idx="2">
+            <a:schemeClr val="accent1">
+              <a:shade val="50000"/>
+            </a:schemeClr>
+          </a:lnRef>
+          <a:fillRef idx="1">
+            <a:schemeClr val="accent1"/>
+          </a:fillRef>
+          <a:effectRef idx="0">
+            <a:schemeClr val="accent1"/>
+          </a:effectRef>
+          <a:fontRef idx="minor">
+            <a:schemeClr val="lt1"/>
+          </a:fontRef>
+        </p:style>
+        <p:txBody>
+          <a:bodyPr rtlCol="0" anchor="ctr"/>
+          <a:lstStyle/>
+          <a:p>
+            <a:pPr algn="ctr"/>
+            <a:r>
+              <a:rPr lang="zh-CN" altLang="en-US" dirty="0" smtClean="0"/>
+              <a:t>决策系统</a:t>
+            </a:r>
+            <a:endParaRPr lang="zh-CN" altLang="en-US" dirty="0"/>
+          </a:p>
+        </p:txBody>
+      </p:sp>
+      <p:sp>
+        <p:nvSpPr>
+          <p:cNvPr id="35" name="矩形 34"/>
+          <p:cNvSpPr/>
+          <p:nvPr/>
+        </p:nvSpPr>
+        <p:spPr>
+          <a:xfrm>
+            <a:off x="11038904" y="4058186"/>
+            <a:ext cx="1584176" cy="757262"/>
+          </a:xfrm>
+          <a:prstGeom prst="rect">
+            <a:avLst/>
+          </a:prstGeom>
+        </p:spPr>
+        <p:style>
+          <a:lnRef idx="2">
+            <a:schemeClr val="accent1">
+              <a:shade val="50000"/>
+            </a:schemeClr>
+          </a:lnRef>
+          <a:fillRef idx="1">
+            <a:schemeClr val="accent1"/>
+          </a:fillRef>
+          <a:effectRef idx="0">
+            <a:schemeClr val="accent1"/>
+          </a:effectRef>
+          <a:fontRef idx="minor">
+            <a:schemeClr val="lt1"/>
+          </a:fontRef>
+        </p:style>
+        <p:txBody>
+          <a:bodyPr rtlCol="0" anchor="ctr"/>
+          <a:lstStyle/>
+          <a:p>
+            <a:pPr algn="ctr"/>
+            <a:r>
+              <a:rPr lang="zh-CN" altLang="en-US" dirty="0" smtClean="0"/>
+              <a:t>业务报表</a:t>
+            </a:r>
+            <a:endParaRPr lang="zh-CN" altLang="en-US" dirty="0"/>
+          </a:p>
+        </p:txBody>
+      </p:sp>
+      <p:sp>
+        <p:nvSpPr>
+          <p:cNvPr id="36" name="矩形 35"/>
+          <p:cNvSpPr/>
+          <p:nvPr/>
+        </p:nvSpPr>
+        <p:spPr>
+          <a:xfrm>
+            <a:off x="11038904" y="5085147"/>
+            <a:ext cx="1584176" cy="757262"/>
+          </a:xfrm>
+          <a:prstGeom prst="rect">
+            <a:avLst/>
+          </a:prstGeom>
+        </p:spPr>
+        <p:style>
+          <a:lnRef idx="2">
+            <a:schemeClr val="accent1">
+              <a:shade val="50000"/>
+            </a:schemeClr>
+          </a:lnRef>
+          <a:fillRef idx="1">
+            <a:schemeClr val="accent1"/>
+          </a:fillRef>
+          <a:effectRef idx="0">
+            <a:schemeClr val="accent1"/>
+          </a:effectRef>
+          <a:fontRef idx="minor">
+            <a:schemeClr val="lt1"/>
+          </a:fontRef>
+        </p:style>
+        <p:txBody>
+          <a:bodyPr rtlCol="0" anchor="ctr"/>
+          <a:lstStyle/>
+          <a:p>
+            <a:pPr algn="ctr"/>
+            <a:r>
+              <a:rPr lang="zh-CN" altLang="en-US" dirty="0"/>
+              <a:t>运</a:t>
+            </a:r>
+            <a:r>
+              <a:rPr lang="zh-CN" altLang="en-US" dirty="0" smtClean="0"/>
+              <a:t>维中心</a:t>
+            </a:r>
+            <a:endParaRPr lang="zh-CN" altLang="en-US" dirty="0"/>
+          </a:p>
+        </p:txBody>
+      </p:sp>
+      <p:sp>
+        <p:nvSpPr>
+          <p:cNvPr id="37" name="右箭头 36"/>
+          <p:cNvSpPr/>
+          <p:nvPr/>
+        </p:nvSpPr>
+        <p:spPr>
+          <a:xfrm>
+            <a:off x="10553876" y="4737356"/>
+            <a:ext cx="378283" cy="284948"/>
+          </a:xfrm>
+          <a:prstGeom prst="rightArrow">
+            <a:avLst/>
+          </a:prstGeom>
+        </p:spPr>
+        <p:style>
+          <a:lnRef idx="2">
+            <a:schemeClr val="accent1">
+              <a:shade val="50000"/>
+            </a:schemeClr>
+          </a:lnRef>
+          <a:fillRef idx="1">
+            <a:schemeClr val="accent1"/>
+          </a:fillRef>
+          <a:effectRef idx="0">
+            <a:schemeClr val="accent1"/>
+          </a:effectRef>
+          <a:fontRef idx="minor">
+            <a:schemeClr val="lt1"/>
+          </a:fontRef>
+        </p:style>
+        <p:txBody>
+          <a:bodyPr rtlCol="0" anchor="ctr"/>
+          <a:lstStyle/>
+          <a:p>
+            <a:pPr algn="ctr"/>
+            <a:endParaRPr lang="zh-CN" altLang="en-US"/>
+          </a:p>
+        </p:txBody>
+      </p:sp>
     </p:spTree>
     <p:extLst>
       <p:ext uri="{BB962C8B-B14F-4D97-AF65-F5344CB8AC3E}">

--- a/c云服务架构/Paas架构设计.pptx
+++ b/c云服务架构/Paas架构设计.pptx
@@ -5,7 +5,7 @@
     <p:sldMasterId id="2147483684" r:id="rId1"/>
   </p:sldMasterIdLst>
   <p:notesMasterIdLst>
-    <p:notesMasterId r:id="rId35"/>
+    <p:notesMasterId r:id="rId32"/>
   </p:notesMasterIdLst>
   <p:sldIdLst>
     <p:sldId id="256" r:id="rId2"/>
@@ -23,24 +23,21 @@
     <p:sldId id="309" r:id="rId14"/>
     <p:sldId id="266" r:id="rId15"/>
     <p:sldId id="280" r:id="rId16"/>
-    <p:sldId id="310" r:id="rId17"/>
-    <p:sldId id="311" r:id="rId18"/>
-    <p:sldId id="312" r:id="rId19"/>
-    <p:sldId id="281" r:id="rId20"/>
+    <p:sldId id="313" r:id="rId17"/>
+    <p:sldId id="310" r:id="rId18"/>
+    <p:sldId id="311" r:id="rId19"/>
+    <p:sldId id="312" r:id="rId20"/>
     <p:sldId id="308" r:id="rId21"/>
-    <p:sldId id="307" r:id="rId22"/>
-    <p:sldId id="268" r:id="rId23"/>
-    <p:sldId id="288" r:id="rId24"/>
-    <p:sldId id="289" r:id="rId25"/>
-    <p:sldId id="282" r:id="rId26"/>
-    <p:sldId id="302" r:id="rId27"/>
-    <p:sldId id="301" r:id="rId28"/>
-    <p:sldId id="303" r:id="rId29"/>
-    <p:sldId id="304" r:id="rId30"/>
-    <p:sldId id="305" r:id="rId31"/>
-    <p:sldId id="306" r:id="rId32"/>
-    <p:sldId id="279" r:id="rId33"/>
-    <p:sldId id="264" r:id="rId34"/>
+    <p:sldId id="268" r:id="rId22"/>
+    <p:sldId id="288" r:id="rId23"/>
+    <p:sldId id="289" r:id="rId24"/>
+    <p:sldId id="301" r:id="rId25"/>
+    <p:sldId id="303" r:id="rId26"/>
+    <p:sldId id="304" r:id="rId27"/>
+    <p:sldId id="305" r:id="rId28"/>
+    <p:sldId id="306" r:id="rId29"/>
+    <p:sldId id="279" r:id="rId30"/>
+    <p:sldId id="264" r:id="rId31"/>
   </p:sldIdLst>
   <p:sldSz cx="13004800" cy="8623300"/>
   <p:notesSz cx="6858000" cy="9144000"/>
@@ -224,7 +221,7 @@
           <a:p>
             <a:fld id="{FCF34936-9BE8-4133-A782-55B70958D9F1}" type="datetimeFigureOut">
               <a:rPr lang="zh-CN" altLang="en-US" smtClean="0"/>
-              <a:t>2017/4/16</a:t>
+              <a:t>2017/4/17</a:t>
             </a:fld>
             <a:endParaRPr lang="zh-CN" altLang="en-US"/>
           </a:p>
@@ -1022,7 +1019,7 @@
     </p:spTree>
     <p:extLst>
       <p:ext uri="{BB962C8B-B14F-4D97-AF65-F5344CB8AC3E}">
-        <p14:creationId xmlns:p14="http://schemas.microsoft.com/office/powerpoint/2010/main" val="3850138455"/>
+        <p14:creationId xmlns:p14="http://schemas.microsoft.com/office/powerpoint/2010/main" val="237361177"/>
       </p:ext>
     </p:extLst>
   </p:cSld>
@@ -1265,7 +1262,7 @@
           <a:p>
             <a:fld id="{7E93476A-C8EF-4948-84D8-CD0A70688003}" type="slidenum">
               <a:rPr lang="zh-CN" altLang="en-US" smtClean="0"/>
-              <a:t>22</a:t>
+              <a:t>19</a:t>
             </a:fld>
             <a:endParaRPr lang="zh-CN" altLang="en-US"/>
           </a:p>
@@ -1274,7 +1271,7 @@
     </p:spTree>
     <p:extLst>
       <p:ext uri="{BB962C8B-B14F-4D97-AF65-F5344CB8AC3E}">
-        <p14:creationId xmlns:p14="http://schemas.microsoft.com/office/powerpoint/2010/main" val="237361177"/>
+        <p14:creationId xmlns:p14="http://schemas.microsoft.com/office/powerpoint/2010/main" val="3850138455"/>
       </p:ext>
     </p:extLst>
   </p:cSld>
@@ -1349,7 +1346,7 @@
           <a:p>
             <a:fld id="{7E93476A-C8EF-4948-84D8-CD0A70688003}" type="slidenum">
               <a:rPr lang="zh-CN" altLang="en-US" smtClean="0"/>
-              <a:t>23</a:t>
+              <a:t>21</a:t>
             </a:fld>
             <a:endParaRPr lang="zh-CN" altLang="en-US"/>
           </a:p>
@@ -1412,9 +1409,6 @@
           <a:bodyPr/>
           <a:lstStyle/>
           <a:p>
-            <a:endParaRPr lang="en-US" altLang="zh-CN" dirty="0" smtClean="0"/>
-          </a:p>
-          <a:p>
             <a:endParaRPr lang="zh-CN" altLang="en-US" dirty="0"/>
           </a:p>
         </p:txBody>
@@ -1436,7 +1430,7 @@
           <a:p>
             <a:fld id="{7E93476A-C8EF-4948-84D8-CD0A70688003}" type="slidenum">
               <a:rPr lang="zh-CN" altLang="en-US" smtClean="0"/>
-              <a:t>24</a:t>
+              <a:t>22</a:t>
             </a:fld>
             <a:endParaRPr lang="zh-CN" altLang="en-US"/>
           </a:p>
@@ -1587,6 +1581,9 @@
           <a:bodyPr/>
           <a:lstStyle/>
           <a:p>
+            <a:endParaRPr lang="en-US" altLang="zh-CN" dirty="0" smtClean="0"/>
+          </a:p>
+          <a:p>
             <a:endParaRPr lang="zh-CN" altLang="en-US" dirty="0"/>
           </a:p>
         </p:txBody>
@@ -1608,7 +1605,7 @@
           <a:p>
             <a:fld id="{7E93476A-C8EF-4948-84D8-CD0A70688003}" type="slidenum">
               <a:rPr lang="zh-CN" altLang="en-US" smtClean="0"/>
-              <a:t>25</a:t>
+              <a:t>23</a:t>
             </a:fld>
             <a:endParaRPr lang="zh-CN" altLang="en-US"/>
           </a:p>
@@ -1692,7 +1689,7 @@
           <a:p>
             <a:fld id="{7E93476A-C8EF-4948-84D8-CD0A70688003}" type="slidenum">
               <a:rPr lang="zh-CN" altLang="en-US" smtClean="0"/>
-              <a:t>26</a:t>
+              <a:t>24</a:t>
             </a:fld>
             <a:endParaRPr lang="zh-CN" altLang="en-US"/>
           </a:p>
@@ -1776,7 +1773,7 @@
           <a:p>
             <a:fld id="{7E93476A-C8EF-4948-84D8-CD0A70688003}" type="slidenum">
               <a:rPr lang="zh-CN" altLang="en-US" smtClean="0"/>
-              <a:t>27</a:t>
+              <a:t>25</a:t>
             </a:fld>
             <a:endParaRPr lang="zh-CN" altLang="en-US"/>
           </a:p>
@@ -1860,7 +1857,7 @@
           <a:p>
             <a:fld id="{7E93476A-C8EF-4948-84D8-CD0A70688003}" type="slidenum">
               <a:rPr lang="zh-CN" altLang="en-US" smtClean="0"/>
-              <a:t>28</a:t>
+              <a:t>26</a:t>
             </a:fld>
             <a:endParaRPr lang="zh-CN" altLang="en-US"/>
           </a:p>
@@ -1944,7 +1941,7 @@
           <a:p>
             <a:fld id="{7E93476A-C8EF-4948-84D8-CD0A70688003}" type="slidenum">
               <a:rPr lang="zh-CN" altLang="en-US" smtClean="0"/>
-              <a:t>29</a:t>
+              <a:t>27</a:t>
             </a:fld>
             <a:endParaRPr lang="zh-CN" altLang="en-US"/>
           </a:p>
@@ -2028,91 +2025,7 @@
           <a:p>
             <a:fld id="{7E93476A-C8EF-4948-84D8-CD0A70688003}" type="slidenum">
               <a:rPr lang="zh-CN" altLang="en-US" smtClean="0"/>
-              <a:t>30</a:t>
-            </a:fld>
-            <a:endParaRPr lang="zh-CN" altLang="en-US"/>
-          </a:p>
-        </p:txBody>
-      </p:sp>
-    </p:spTree>
-    <p:extLst>
-      <p:ext uri="{BB962C8B-B14F-4D97-AF65-F5344CB8AC3E}">
-        <p14:creationId xmlns:p14="http://schemas.microsoft.com/office/powerpoint/2010/main" val="237361177"/>
-      </p:ext>
-    </p:extLst>
-  </p:cSld>
-  <p:clrMapOvr>
-    <a:masterClrMapping/>
-  </p:clrMapOvr>
-</p:notes>
-</file>
-
-<file path=ppt/notesSlides/notesSlide26.xml><?xml version="1.0" encoding="utf-8"?>
-<p:notes xmlns:a="http://schemas.openxmlformats.org/drawingml/2006/main" xmlns:r="http://schemas.openxmlformats.org/officeDocument/2006/relationships" xmlns:p="http://schemas.openxmlformats.org/presentationml/2006/main">
-  <p:cSld>
-    <p:spTree>
-      <p:nvGrpSpPr>
-        <p:cNvPr id="1" name=""/>
-        <p:cNvGrpSpPr/>
-        <p:nvPr/>
-      </p:nvGrpSpPr>
-      <p:grpSpPr>
-        <a:xfrm>
-          <a:off x="0" y="0"/>
-          <a:ext cx="0" cy="0"/>
-          <a:chOff x="0" y="0"/>
-          <a:chExt cx="0" cy="0"/>
-        </a:xfrm>
-      </p:grpSpPr>
-      <p:sp>
-        <p:nvSpPr>
-          <p:cNvPr id="2" name="幻灯片图像占位符 1"/>
-          <p:cNvSpPr>
-            <a:spLocks noGrp="1" noRot="1" noChangeAspect="1"/>
-          </p:cNvSpPr>
-          <p:nvPr>
-            <p:ph type="sldImg"/>
-          </p:nvPr>
-        </p:nvSpPr>
-        <p:spPr/>
-      </p:sp>
-      <p:sp>
-        <p:nvSpPr>
-          <p:cNvPr id="3" name="备注占位符 2"/>
-          <p:cNvSpPr>
-            <a:spLocks noGrp="1"/>
-          </p:cNvSpPr>
-          <p:nvPr>
-            <p:ph type="body" idx="1"/>
-          </p:nvPr>
-        </p:nvSpPr>
-        <p:spPr/>
-        <p:txBody>
-          <a:bodyPr/>
-          <a:lstStyle/>
-          <a:p>
-            <a:endParaRPr lang="zh-CN" altLang="en-US" dirty="0"/>
-          </a:p>
-        </p:txBody>
-      </p:sp>
-      <p:sp>
-        <p:nvSpPr>
-          <p:cNvPr id="4" name="灯片编号占位符 3"/>
-          <p:cNvSpPr>
-            <a:spLocks noGrp="1"/>
-          </p:cNvSpPr>
-          <p:nvPr>
-            <p:ph type="sldNum" sz="quarter" idx="10"/>
-          </p:nvPr>
-        </p:nvSpPr>
-        <p:spPr/>
-        <p:txBody>
-          <a:bodyPr/>
-          <a:lstStyle/>
-          <a:p>
-            <a:fld id="{7E93476A-C8EF-4948-84D8-CD0A70688003}" type="slidenum">
-              <a:rPr lang="zh-CN" altLang="en-US" smtClean="0"/>
-              <a:t>31</a:t>
+              <a:t>28</a:t>
             </a:fld>
             <a:endParaRPr lang="zh-CN" altLang="en-US"/>
           </a:p>
@@ -3288,7 +3201,7 @@
           <a:p>
             <a:fld id="{A9A3A160-64B0-433E-876E-E206ABB7688A}" type="datetimeFigureOut">
               <a:rPr lang="zh-CN" altLang="en-US" smtClean="0"/>
-              <a:t>2017/4/16</a:t>
+              <a:t>2017/4/17</a:t>
             </a:fld>
             <a:endParaRPr lang="zh-CN" altLang="en-US"/>
           </a:p>
@@ -3500,7 +3413,7 @@
           <a:p>
             <a:fld id="{A9A3A160-64B0-433E-876E-E206ABB7688A}" type="datetimeFigureOut">
               <a:rPr lang="zh-CN" altLang="en-US" smtClean="0"/>
-              <a:t>2017/4/16</a:t>
+              <a:t>2017/4/17</a:t>
             </a:fld>
             <a:endParaRPr lang="zh-CN" altLang="en-US"/>
           </a:p>
@@ -3687,7 +3600,7 @@
           <a:p>
             <a:fld id="{A9A3A160-64B0-433E-876E-E206ABB7688A}" type="datetimeFigureOut">
               <a:rPr lang="zh-CN" altLang="en-US" smtClean="0"/>
-              <a:t>2017/4/16</a:t>
+              <a:t>2017/4/17</a:t>
             </a:fld>
             <a:endParaRPr lang="zh-CN" altLang="en-US"/>
           </a:p>
@@ -3784,7 +3697,7 @@
           <a:p>
             <a:fld id="{A9A3A160-64B0-433E-876E-E206ABB7688A}" type="datetimeFigureOut">
               <a:rPr lang="zh-CN" altLang="en-US" smtClean="0"/>
-              <a:t>2017/4/16</a:t>
+              <a:t>2017/4/17</a:t>
             </a:fld>
             <a:endParaRPr lang="zh-CN" altLang="en-US"/>
           </a:p>
@@ -4380,7 +4293,7 @@
           <a:p>
             <a:fld id="{A9A3A160-64B0-433E-876E-E206ABB7688A}" type="datetimeFigureOut">
               <a:rPr lang="zh-CN" altLang="en-US" smtClean="0"/>
-              <a:t>2017/4/16</a:t>
+              <a:t>2017/4/17</a:t>
             </a:fld>
             <a:endParaRPr lang="zh-CN" altLang="en-US"/>
           </a:p>
@@ -4477,7 +4390,7 @@
           <a:p>
             <a:fld id="{A9A3A160-64B0-433E-876E-E206ABB7688A}" type="datetimeFigureOut">
               <a:rPr lang="zh-CN" altLang="en-US" smtClean="0"/>
-              <a:t>2017/4/16</a:t>
+              <a:t>2017/4/17</a:t>
             </a:fld>
             <a:endParaRPr lang="zh-CN" altLang="en-US"/>
           </a:p>
@@ -5082,7 +4995,7 @@
           <a:p>
             <a:fld id="{A9A3A160-64B0-433E-876E-E206ABB7688A}" type="datetimeFigureOut">
               <a:rPr lang="zh-CN" altLang="en-US" smtClean="0"/>
-              <a:t>2017/4/16</a:t>
+              <a:t>2017/4/17</a:t>
             </a:fld>
             <a:endParaRPr lang="zh-CN" altLang="en-US"/>
           </a:p>
@@ -5225,7 +5138,7 @@
           <a:p>
             <a:fld id="{A9A3A160-64B0-433E-876E-E206ABB7688A}" type="datetimeFigureOut">
               <a:rPr lang="zh-CN" altLang="en-US" smtClean="0"/>
-              <a:t>2017/4/16</a:t>
+              <a:t>2017/4/17</a:t>
             </a:fld>
             <a:endParaRPr lang="zh-CN" altLang="en-US"/>
           </a:p>
@@ -5322,7 +5235,7 @@
           <a:p>
             <a:fld id="{A9A3A160-64B0-433E-876E-E206ABB7688A}" type="datetimeFigureOut">
               <a:rPr lang="zh-CN" altLang="en-US" smtClean="0"/>
-              <a:t>2017/4/16</a:t>
+              <a:t>2017/4/17</a:t>
             </a:fld>
             <a:endParaRPr lang="zh-CN" altLang="en-US"/>
           </a:p>
@@ -5606,7 +5519,7 @@
           <a:p>
             <a:fld id="{A9A3A160-64B0-433E-876E-E206ABB7688A}" type="datetimeFigureOut">
               <a:rPr lang="zh-CN" altLang="en-US" smtClean="0"/>
-              <a:t>2017/4/16</a:t>
+              <a:t>2017/4/17</a:t>
             </a:fld>
             <a:endParaRPr lang="zh-CN" altLang="en-US"/>
           </a:p>
@@ -6128,7 +6041,7 @@
           <a:p>
             <a:fld id="{A9A3A160-64B0-433E-876E-E206ABB7688A}" type="datetimeFigureOut">
               <a:rPr lang="zh-CN" altLang="en-US" smtClean="0"/>
-              <a:t>2017/4/16</a:t>
+              <a:t>2017/4/17</a:t>
             </a:fld>
             <a:endParaRPr lang="zh-CN" altLang="en-US"/>
           </a:p>
@@ -6648,7 +6561,7 @@
           <a:p>
             <a:fld id="{A9A3A160-64B0-433E-876E-E206ABB7688A}" type="datetimeFigureOut">
               <a:rPr lang="zh-CN" altLang="en-US" smtClean="0"/>
-              <a:t>2017/4/16</a:t>
+              <a:t>2017/4/17</a:t>
             </a:fld>
             <a:endParaRPr lang="zh-CN" altLang="en-US"/>
           </a:p>
@@ -8396,7 +8309,7 @@
         </p:nvSpPr>
         <p:spPr>
           <a:xfrm>
-            <a:off x="1173807" y="7302887"/>
+            <a:off x="1139724" y="6887388"/>
             <a:ext cx="10450297" cy="830997"/>
           </a:xfrm>
           <a:prstGeom prst="rect">
@@ -8630,8 +8543,12 @@
           <a:lstStyle/>
           <a:p>
             <a:r>
+              <a:rPr lang="zh-CN" altLang="en-US" sz="4400" dirty="0"/>
+              <a:t>云</a:t>
+            </a:r>
+            <a:r>
               <a:rPr lang="zh-CN" altLang="en-US" sz="4400" dirty="0" smtClean="0"/>
-              <a:t>技术方案重点</a:t>
+              <a:t>平台发展核心思想</a:t>
             </a:r>
             <a:endParaRPr lang="en-US" altLang="zh-CN" sz="4400" dirty="0"/>
           </a:p>
@@ -8675,6 +8592,129 @@
           </a:fontRef>
         </p:style>
       </p:cxnSp>
+      <p:sp>
+        <p:nvSpPr>
+          <p:cNvPr id="2" name="TextBox 1"/>
+          <p:cNvSpPr txBox="1"/>
+          <p:nvPr/>
+        </p:nvSpPr>
+        <p:spPr>
+          <a:xfrm>
+            <a:off x="1173808" y="2295426"/>
+            <a:ext cx="12100107" cy="4093428"/>
+          </a:xfrm>
+          <a:prstGeom prst="rect">
+            <a:avLst/>
+          </a:prstGeom>
+          <a:noFill/>
+        </p:spPr>
+        <p:txBody>
+          <a:bodyPr wrap="none" rtlCol="0">
+            <a:spAutoFit/>
+          </a:bodyPr>
+          <a:lstStyle/>
+          <a:p>
+            <a:pPr marL="342900" indent="-342900">
+              <a:buFont typeface="Arial" panose="020B0604020202020204" pitchFamily="34" charset="0"/>
+              <a:buChar char="•"/>
+            </a:pPr>
+            <a:r>
+              <a:rPr lang="zh-CN" altLang="en-US" sz="2800" dirty="0" smtClean="0"/>
+              <a:t>技术由需求推动</a:t>
+            </a:r>
+            <a:endParaRPr lang="en-US" altLang="zh-CN" sz="2800" dirty="0" smtClean="0"/>
+          </a:p>
+          <a:p>
+            <a:r>
+              <a:rPr lang="en-US" altLang="zh-CN" sz="2800" dirty="0"/>
+              <a:t>	</a:t>
+            </a:r>
+            <a:r>
+              <a:rPr lang="zh-CN" altLang="en-US" sz="2000" dirty="0" smtClean="0"/>
+              <a:t>平台的发展是个循序渐进的过程，需要结合实际业务需求量进行阶段性发展</a:t>
+            </a:r>
+            <a:endParaRPr lang="en-US" altLang="zh-CN" sz="2000" dirty="0" smtClean="0"/>
+          </a:p>
+          <a:p>
+            <a:r>
+              <a:rPr lang="en-US" altLang="zh-CN" sz="2000" dirty="0"/>
+              <a:t>	</a:t>
+            </a:r>
+            <a:r>
+              <a:rPr lang="zh-CN" altLang="en-US" sz="2000" dirty="0" smtClean="0"/>
+              <a:t>过渡的设计只会使方案变得臃肿和难以实现，而实际使用只是一些很小的功能</a:t>
+            </a:r>
+            <a:endParaRPr lang="en-US" altLang="zh-CN" dirty="0" smtClean="0"/>
+          </a:p>
+          <a:p>
+            <a:pPr marL="342900" indent="-342900">
+              <a:buFont typeface="Arial" panose="020B0604020202020204" pitchFamily="34" charset="0"/>
+              <a:buChar char="•"/>
+            </a:pPr>
+            <a:r>
+              <a:rPr lang="zh-CN" altLang="en-US" sz="2800" dirty="0" smtClean="0"/>
+              <a:t>每个发展阶段关注相应阶段的主要问题</a:t>
+            </a:r>
+            <a:endParaRPr lang="en-US" altLang="zh-CN" sz="2800" dirty="0" smtClean="0"/>
+          </a:p>
+          <a:p>
+            <a:pPr marL="1132205" lvl="1" indent="-514350">
+              <a:buFont typeface="+mj-lt"/>
+              <a:buAutoNum type="arabicPeriod"/>
+            </a:pPr>
+            <a:r>
+              <a:rPr lang="zh-CN" altLang="en-US" dirty="0" smtClean="0"/>
+              <a:t>平台初期主要实现整合问题、平台接口、核心部件</a:t>
+            </a:r>
+            <a:endParaRPr lang="en-US" altLang="zh-CN" dirty="0" smtClean="0"/>
+          </a:p>
+          <a:p>
+            <a:pPr marL="1132205" lvl="1" indent="-514350">
+              <a:buFont typeface="+mj-lt"/>
+              <a:buAutoNum type="arabicPeriod"/>
+            </a:pPr>
+            <a:r>
+              <a:rPr lang="zh-CN" altLang="en-US" dirty="0" smtClean="0"/>
+              <a:t>深化发展期需要深化组件、提高横向扩展能力、添加大数据、自动化等平台功能</a:t>
+            </a:r>
+            <a:endParaRPr lang="en-US" altLang="zh-CN" dirty="0" smtClean="0"/>
+          </a:p>
+          <a:p>
+            <a:pPr marL="1132205" lvl="1" indent="-514350">
+              <a:buFont typeface="+mj-lt"/>
+              <a:buAutoNum type="arabicPeriod"/>
+            </a:pPr>
+            <a:r>
+              <a:rPr lang="zh-CN" altLang="en-US" dirty="0" smtClean="0"/>
+              <a:t>平台完成期，需要完成自动化、运行自治生态、智能化</a:t>
+            </a:r>
+            <a:endParaRPr lang="en-US" altLang="zh-CN" sz="2800" dirty="0" smtClean="0"/>
+          </a:p>
+          <a:p>
+            <a:pPr marL="342900" indent="-342900">
+              <a:buFont typeface="Arial" panose="020B0604020202020204" pitchFamily="34" charset="0"/>
+              <a:buChar char="•"/>
+            </a:pPr>
+            <a:r>
+              <a:rPr lang="zh-CN" altLang="en-US" sz="2800" dirty="0" smtClean="0"/>
+              <a:t>需要整合现有资源</a:t>
+            </a:r>
+            <a:endParaRPr lang="en-US" altLang="zh-CN" sz="2800" dirty="0" smtClean="0"/>
+          </a:p>
+          <a:p>
+            <a:pPr lvl="1"/>
+            <a:r>
+              <a:rPr lang="zh-CN" altLang="en-US" sz="2800" dirty="0" smtClean="0"/>
+              <a:t>需要整合之前形成的产品、客户、技术资源</a:t>
+            </a:r>
+            <a:endParaRPr lang="en-US" altLang="zh-CN" sz="2800" dirty="0"/>
+          </a:p>
+          <a:p>
+            <a:pPr lvl="1"/>
+            <a:endParaRPr lang="en-US" altLang="zh-CN" sz="2800" dirty="0" smtClean="0"/>
+          </a:p>
+        </p:txBody>
+      </p:sp>
     </p:spTree>
     <p:extLst>
       <p:ext uri="{BB962C8B-B14F-4D97-AF65-F5344CB8AC3E}">
@@ -8752,7 +8792,7 @@
                         <p:par>
                           <p:cTn id="8" fill="hold">
                             <p:stCondLst>
-                              <p:cond delay="750"/>
+                              <p:cond delay="900"/>
                             </p:stCondLst>
                             <p:childTnLst>
                               <p:par>
@@ -13292,6 +13332,575 @@
         </p:nvSpPr>
         <p:spPr>
           <a:xfrm>
+            <a:off x="1061214" y="855266"/>
+            <a:ext cx="15989242" cy="801897"/>
+          </a:xfrm>
+          <a:prstGeom prst="rect">
+            <a:avLst/>
+          </a:prstGeom>
+          <a:noFill/>
+        </p:spPr>
+        <p:txBody>
+          <a:bodyPr wrap="square" lIns="123581" tIns="61791" rIns="123581" bIns="61791" rtlCol="0">
+            <a:spAutoFit/>
+          </a:bodyPr>
+          <a:lstStyle/>
+          <a:p>
+            <a:r>
+              <a:rPr lang="zh-CN" altLang="en-US" sz="4400" dirty="0" smtClean="0">
+                <a:solidFill>
+                  <a:srgbClr val="0070C0"/>
+                </a:solidFill>
+                <a:latin typeface="黑体" panose="02010609060101010101" pitchFamily="49" charset="-122"/>
+                <a:ea typeface="黑体" panose="02010609060101010101" pitchFamily="49" charset="-122"/>
+              </a:rPr>
+              <a:t>阶段计划</a:t>
+            </a:r>
+            <a:endParaRPr lang="zh-CN" altLang="en-US" sz="4400" dirty="0">
+              <a:solidFill>
+                <a:srgbClr val="0070C0"/>
+              </a:solidFill>
+              <a:latin typeface="黑体" panose="02010609060101010101" pitchFamily="49" charset="-122"/>
+              <a:ea typeface="黑体" panose="02010609060101010101" pitchFamily="49" charset="-122"/>
+            </a:endParaRPr>
+          </a:p>
+        </p:txBody>
+      </p:sp>
+      <p:cxnSp>
+        <p:nvCxnSpPr>
+          <p:cNvPr id="7" name="直接连接符 6"/>
+          <p:cNvCxnSpPr/>
+          <p:nvPr/>
+        </p:nvCxnSpPr>
+        <p:spPr>
+          <a:xfrm>
+            <a:off x="584734" y="2048065"/>
+            <a:ext cx="11367663" cy="0"/>
+          </a:xfrm>
+          <a:prstGeom prst="line">
+            <a:avLst/>
+          </a:prstGeom>
+          <a:ln>
+            <a:solidFill>
+              <a:schemeClr val="tx1">
+                <a:lumMod val="50000"/>
+                <a:lumOff val="50000"/>
+              </a:schemeClr>
+            </a:solidFill>
+          </a:ln>
+        </p:spPr>
+        <p:style>
+          <a:lnRef idx="1">
+            <a:schemeClr val="accent1"/>
+          </a:lnRef>
+          <a:fillRef idx="0">
+            <a:schemeClr val="accent1"/>
+          </a:fillRef>
+          <a:effectRef idx="0">
+            <a:schemeClr val="accent1"/>
+          </a:effectRef>
+          <a:fontRef idx="minor">
+            <a:schemeClr val="tx1"/>
+          </a:fontRef>
+        </p:style>
+      </p:cxnSp>
+      <p:sp>
+        <p:nvSpPr>
+          <p:cNvPr id="2" name="矩形 1"/>
+          <p:cNvSpPr/>
+          <p:nvPr/>
+        </p:nvSpPr>
+        <p:spPr>
+          <a:xfrm>
+            <a:off x="947561" y="2367434"/>
+            <a:ext cx="3024336" cy="1800200"/>
+          </a:xfrm>
+          <a:prstGeom prst="rect">
+            <a:avLst/>
+          </a:prstGeom>
+          <a:solidFill>
+            <a:schemeClr val="accent5">
+              <a:lumMod val="20000"/>
+              <a:lumOff val="80000"/>
+            </a:schemeClr>
+          </a:solidFill>
+          <a:ln>
+            <a:noFill/>
+          </a:ln>
+        </p:spPr>
+        <p:style>
+          <a:lnRef idx="2">
+            <a:schemeClr val="accent1">
+              <a:shade val="50000"/>
+            </a:schemeClr>
+          </a:lnRef>
+          <a:fillRef idx="1">
+            <a:schemeClr val="accent1"/>
+          </a:fillRef>
+          <a:effectRef idx="0">
+            <a:schemeClr val="accent1"/>
+          </a:effectRef>
+          <a:fontRef idx="minor">
+            <a:schemeClr val="lt1"/>
+          </a:fontRef>
+        </p:style>
+        <p:txBody>
+          <a:bodyPr rtlCol="0" anchor="ctr"/>
+          <a:lstStyle/>
+          <a:p>
+            <a:pPr algn="ctr"/>
+            <a:r>
+              <a:rPr lang="zh-CN" altLang="en-US" dirty="0" smtClean="0">
+                <a:solidFill>
+                  <a:schemeClr val="tx1"/>
+                </a:solidFill>
+              </a:rPr>
+              <a:t>基础可用阶段</a:t>
+            </a:r>
+            <a:r>
+              <a:rPr lang="en-US" altLang="zh-CN" dirty="0" smtClean="0">
+                <a:solidFill>
+                  <a:schemeClr val="tx1"/>
+                </a:solidFill>
+              </a:rPr>
+              <a:t/>
+            </a:r>
+            <a:br>
+              <a:rPr lang="en-US" altLang="zh-CN" dirty="0" smtClean="0">
+                <a:solidFill>
+                  <a:schemeClr val="tx1"/>
+                </a:solidFill>
+              </a:rPr>
+            </a:br>
+            <a:r>
+              <a:rPr lang="zh-CN" altLang="en-US" dirty="0" smtClean="0">
+                <a:solidFill>
+                  <a:schemeClr val="tx1"/>
+                </a:solidFill>
+              </a:rPr>
+              <a:t>（弹性</a:t>
+            </a:r>
+            <a:r>
+              <a:rPr lang="en-US" altLang="zh-CN" smtClean="0">
+                <a:solidFill>
+                  <a:schemeClr val="tx1"/>
+                </a:solidFill>
+              </a:rPr>
+              <a:t>cna</a:t>
+            </a:r>
+            <a:r>
+              <a:rPr lang="zh-CN" altLang="en-US" smtClean="0">
+                <a:solidFill>
+                  <a:schemeClr val="tx1"/>
+                </a:solidFill>
+              </a:rPr>
+              <a:t>接口</a:t>
+            </a:r>
+            <a:r>
+              <a:rPr lang="zh-CN" altLang="en-US" dirty="0" smtClean="0">
+                <a:solidFill>
+                  <a:schemeClr val="tx1"/>
+                </a:solidFill>
+              </a:rPr>
+              <a:t>，通用设施接口）</a:t>
+            </a:r>
+            <a:endParaRPr lang="zh-CN" altLang="en-US" dirty="0">
+              <a:solidFill>
+                <a:schemeClr val="tx1"/>
+              </a:solidFill>
+            </a:endParaRPr>
+          </a:p>
+        </p:txBody>
+      </p:sp>
+      <p:sp>
+        <p:nvSpPr>
+          <p:cNvPr id="9" name="矩形 8"/>
+          <p:cNvSpPr/>
+          <p:nvPr/>
+        </p:nvSpPr>
+        <p:spPr>
+          <a:xfrm>
+            <a:off x="4054128" y="4356888"/>
+            <a:ext cx="3636271" cy="1872208"/>
+          </a:xfrm>
+          <a:prstGeom prst="rect">
+            <a:avLst/>
+          </a:prstGeom>
+          <a:solidFill>
+            <a:schemeClr val="accent6">
+              <a:lumMod val="60000"/>
+              <a:lumOff val="40000"/>
+            </a:schemeClr>
+          </a:solidFill>
+          <a:ln>
+            <a:noFill/>
+          </a:ln>
+        </p:spPr>
+        <p:style>
+          <a:lnRef idx="2">
+            <a:schemeClr val="accent1">
+              <a:shade val="50000"/>
+            </a:schemeClr>
+          </a:lnRef>
+          <a:fillRef idx="1">
+            <a:schemeClr val="accent1"/>
+          </a:fillRef>
+          <a:effectRef idx="0">
+            <a:schemeClr val="accent1"/>
+          </a:effectRef>
+          <a:fontRef idx="minor">
+            <a:schemeClr val="lt1"/>
+          </a:fontRef>
+        </p:style>
+        <p:txBody>
+          <a:bodyPr rtlCol="0" anchor="ctr"/>
+          <a:lstStyle/>
+          <a:p>
+            <a:pPr algn="ctr"/>
+            <a:r>
+              <a:rPr lang="zh-CN" altLang="en-US" dirty="0" smtClean="0"/>
+              <a:t>使用扩展阶段</a:t>
+            </a:r>
+            <a:endParaRPr lang="en-US" altLang="zh-CN" dirty="0" smtClean="0"/>
+          </a:p>
+          <a:p>
+            <a:pPr algn="ctr"/>
+            <a:r>
+              <a:rPr lang="zh-CN" altLang="en-US" dirty="0" smtClean="0"/>
+              <a:t>（扩展大量功能工具，实现整体框架）</a:t>
+            </a:r>
+            <a:endParaRPr lang="zh-CN" altLang="en-US" dirty="0"/>
+          </a:p>
+        </p:txBody>
+      </p:sp>
+      <p:sp>
+        <p:nvSpPr>
+          <p:cNvPr id="11" name="矩形 10"/>
+          <p:cNvSpPr/>
+          <p:nvPr/>
+        </p:nvSpPr>
+        <p:spPr>
+          <a:xfrm>
+            <a:off x="8230592" y="6234856"/>
+            <a:ext cx="3888432" cy="1944216"/>
+          </a:xfrm>
+          <a:prstGeom prst="rect">
+            <a:avLst/>
+          </a:prstGeom>
+        </p:spPr>
+        <p:style>
+          <a:lnRef idx="2">
+            <a:schemeClr val="accent1">
+              <a:shade val="50000"/>
+            </a:schemeClr>
+          </a:lnRef>
+          <a:fillRef idx="1">
+            <a:schemeClr val="accent1"/>
+          </a:fillRef>
+          <a:effectRef idx="0">
+            <a:schemeClr val="accent1"/>
+          </a:effectRef>
+          <a:fontRef idx="minor">
+            <a:schemeClr val="lt1"/>
+          </a:fontRef>
+        </p:style>
+        <p:txBody>
+          <a:bodyPr rtlCol="0" anchor="ctr"/>
+          <a:lstStyle/>
+          <a:p>
+            <a:pPr algn="ctr"/>
+            <a:r>
+              <a:rPr lang="en-US" altLang="zh-CN" dirty="0" err="1" smtClean="0"/>
+              <a:t>Paas</a:t>
+            </a:r>
+            <a:endParaRPr lang="zh-CN" altLang="en-US" dirty="0"/>
+          </a:p>
+        </p:txBody>
+      </p:sp>
+      <p:sp>
+        <p:nvSpPr>
+          <p:cNvPr id="20" name="圆角右箭头 19"/>
+          <p:cNvSpPr/>
+          <p:nvPr/>
+        </p:nvSpPr>
+        <p:spPr>
+          <a:xfrm rot="4487039">
+            <a:off x="4247893" y="3079806"/>
+            <a:ext cx="1236159" cy="1346451"/>
+          </a:xfrm>
+          <a:prstGeom prst="bentArrow">
+            <a:avLst>
+              <a:gd name="adj1" fmla="val 26120"/>
+              <a:gd name="adj2" fmla="val 22078"/>
+              <a:gd name="adj3" fmla="val 26794"/>
+              <a:gd name="adj4" fmla="val 73206"/>
+            </a:avLst>
+          </a:prstGeom>
+          <a:solidFill>
+            <a:schemeClr val="accent2"/>
+          </a:solidFill>
+          <a:ln>
+            <a:noFill/>
+          </a:ln>
+        </p:spPr>
+        <p:style>
+          <a:lnRef idx="2">
+            <a:schemeClr val="accent1">
+              <a:shade val="50000"/>
+            </a:schemeClr>
+          </a:lnRef>
+          <a:fillRef idx="1">
+            <a:schemeClr val="accent1"/>
+          </a:fillRef>
+          <a:effectRef idx="0">
+            <a:schemeClr val="accent1"/>
+          </a:effectRef>
+          <a:fontRef idx="minor">
+            <a:schemeClr val="lt1"/>
+          </a:fontRef>
+        </p:style>
+        <p:txBody>
+          <a:bodyPr rtlCol="0" anchor="ctr"/>
+          <a:lstStyle/>
+          <a:p>
+            <a:pPr algn="ctr"/>
+            <a:endParaRPr lang="zh-CN" altLang="en-US">
+              <a:solidFill>
+                <a:schemeClr val="tx1"/>
+              </a:solidFill>
+            </a:endParaRPr>
+          </a:p>
+        </p:txBody>
+      </p:sp>
+      <p:sp>
+        <p:nvSpPr>
+          <p:cNvPr id="21" name="圆角右箭头 20"/>
+          <p:cNvSpPr/>
+          <p:nvPr/>
+        </p:nvSpPr>
+        <p:spPr>
+          <a:xfrm rot="4487039">
+            <a:off x="8064317" y="4915586"/>
+            <a:ext cx="1236159" cy="1346451"/>
+          </a:xfrm>
+          <a:prstGeom prst="bentArrow">
+            <a:avLst>
+              <a:gd name="adj1" fmla="val 26120"/>
+              <a:gd name="adj2" fmla="val 22078"/>
+              <a:gd name="adj3" fmla="val 26794"/>
+              <a:gd name="adj4" fmla="val 73206"/>
+            </a:avLst>
+          </a:prstGeom>
+          <a:solidFill>
+            <a:schemeClr val="accent2"/>
+          </a:solidFill>
+          <a:ln>
+            <a:noFill/>
+          </a:ln>
+        </p:spPr>
+        <p:style>
+          <a:lnRef idx="2">
+            <a:schemeClr val="accent1">
+              <a:shade val="50000"/>
+            </a:schemeClr>
+          </a:lnRef>
+          <a:fillRef idx="1">
+            <a:schemeClr val="accent1"/>
+          </a:fillRef>
+          <a:effectRef idx="0">
+            <a:schemeClr val="accent1"/>
+          </a:effectRef>
+          <a:fontRef idx="minor">
+            <a:schemeClr val="lt1"/>
+          </a:fontRef>
+        </p:style>
+        <p:txBody>
+          <a:bodyPr rtlCol="0" anchor="ctr"/>
+          <a:lstStyle/>
+          <a:p>
+            <a:pPr algn="ctr"/>
+            <a:endParaRPr lang="zh-CN" altLang="en-US">
+              <a:solidFill>
+                <a:schemeClr val="tx1"/>
+              </a:solidFill>
+            </a:endParaRPr>
+          </a:p>
+        </p:txBody>
+      </p:sp>
+    </p:spTree>
+    <p:extLst>
+      <p:ext uri="{BB962C8B-B14F-4D97-AF65-F5344CB8AC3E}">
+        <p14:creationId xmlns:p14="http://schemas.microsoft.com/office/powerpoint/2010/main" val="4225762516"/>
+      </p:ext>
+    </p:extLst>
+  </p:cSld>
+  <p:clrMapOvr>
+    <a:masterClrMapping/>
+  </p:clrMapOvr>
+  <p:timing>
+    <p:tnLst>
+      <p:par>
+        <p:cTn id="1" dur="indefinite" restart="never" nodeType="tmRoot">
+          <p:childTnLst>
+            <p:seq concurrent="1" nextAc="seek">
+              <p:cTn id="2" dur="indefinite" nodeType="mainSeq">
+                <p:childTnLst>
+                  <p:par>
+                    <p:cTn id="3" fill="hold">
+                      <p:stCondLst>
+                        <p:cond delay="indefinite"/>
+                        <p:cond evt="onBegin" delay="0">
+                          <p:tn val="2"/>
+                        </p:cond>
+                      </p:stCondLst>
+                      <p:childTnLst>
+                        <p:par>
+                          <p:cTn id="4" fill="hold">
+                            <p:stCondLst>
+                              <p:cond delay="0"/>
+                            </p:stCondLst>
+                            <p:childTnLst>
+                              <p:par>
+                                <p:cTn id="5" presetID="10" presetClass="entr" presetSubtype="0" fill="hold" grpId="0" nodeType="afterEffect">
+                                  <p:stCondLst>
+                                    <p:cond delay="0"/>
+                                  </p:stCondLst>
+                                  <p:iterate type="lt">
+                                    <p:tmPct val="10000"/>
+                                  </p:iterate>
+                                  <p:childTnLst>
+                                    <p:set>
+                                      <p:cBhvr>
+                                        <p:cTn id="6" dur="1" fill="hold">
+                                          <p:stCondLst>
+                                            <p:cond delay="0"/>
+                                          </p:stCondLst>
+                                        </p:cTn>
+                                        <p:tgtEl>
+                                          <p:spTgt spid="6"/>
+                                        </p:tgtEl>
+                                        <p:attrNameLst>
+                                          <p:attrName>style.visibility</p:attrName>
+                                        </p:attrNameLst>
+                                      </p:cBhvr>
+                                      <p:to>
+                                        <p:strVal val="visible"/>
+                                      </p:to>
+                                    </p:set>
+                                    <p:animEffect transition="in" filter="fade">
+                                      <p:cBhvr>
+                                        <p:cTn id="7" dur="500"/>
+                                        <p:tgtEl>
+                                          <p:spTgt spid="6"/>
+                                        </p:tgtEl>
+                                      </p:cBhvr>
+                                    </p:animEffect>
+                                  </p:childTnLst>
+                                </p:cTn>
+                              </p:par>
+                            </p:childTnLst>
+                          </p:cTn>
+                        </p:par>
+                        <p:par>
+                          <p:cTn id="8" fill="hold">
+                            <p:stCondLst>
+                              <p:cond delay="650"/>
+                            </p:stCondLst>
+                            <p:childTnLst>
+                              <p:par>
+                                <p:cTn id="9" presetID="22" presetClass="entr" presetSubtype="8" fill="hold" nodeType="afterEffect">
+                                  <p:stCondLst>
+                                    <p:cond delay="0"/>
+                                  </p:stCondLst>
+                                  <p:childTnLst>
+                                    <p:set>
+                                      <p:cBhvr>
+                                        <p:cTn id="10" dur="1" fill="hold">
+                                          <p:stCondLst>
+                                            <p:cond delay="0"/>
+                                          </p:stCondLst>
+                                        </p:cTn>
+                                        <p:tgtEl>
+                                          <p:spTgt spid="7"/>
+                                        </p:tgtEl>
+                                        <p:attrNameLst>
+                                          <p:attrName>style.visibility</p:attrName>
+                                        </p:attrNameLst>
+                                      </p:cBhvr>
+                                      <p:to>
+                                        <p:strVal val="visible"/>
+                                      </p:to>
+                                    </p:set>
+                                    <p:animEffect transition="in" filter="wipe(left)">
+                                      <p:cBhvr>
+                                        <p:cTn id="11" dur="1000"/>
+                                        <p:tgtEl>
+                                          <p:spTgt spid="7"/>
+                                        </p:tgtEl>
+                                      </p:cBhvr>
+                                    </p:animEffect>
+                                  </p:childTnLst>
+                                </p:cTn>
+                              </p:par>
+                            </p:childTnLst>
+                          </p:cTn>
+                        </p:par>
+                      </p:childTnLst>
+                    </p:cTn>
+                  </p:par>
+                </p:childTnLst>
+              </p:cTn>
+              <p:prevCondLst>
+                <p:cond evt="onPrev" delay="0">
+                  <p:tgtEl>
+                    <p:sldTgt/>
+                  </p:tgtEl>
+                </p:cond>
+              </p:prevCondLst>
+              <p:nextCondLst>
+                <p:cond evt="onNext" delay="0">
+                  <p:tgtEl>
+                    <p:sldTgt/>
+                  </p:tgtEl>
+                </p:cond>
+              </p:nextCondLst>
+            </p:seq>
+          </p:childTnLst>
+        </p:cTn>
+      </p:par>
+    </p:tnLst>
+    <p:bldLst>
+      <p:bldP spid="6" grpId="0"/>
+    </p:bldLst>
+  </p:timing>
+</p:sld>
+</file>
+
+<file path=ppt/slides/slide17.xml><?xml version="1.0" encoding="utf-8"?>
+<p:sld xmlns:a="http://schemas.openxmlformats.org/drawingml/2006/main" xmlns:r="http://schemas.openxmlformats.org/officeDocument/2006/relationships" xmlns:p="http://schemas.openxmlformats.org/presentationml/2006/main">
+  <p:cSld>
+    <p:spTree>
+      <p:nvGrpSpPr>
+        <p:cNvPr id="1" name=""/>
+        <p:cNvGrpSpPr/>
+        <p:nvPr/>
+      </p:nvGrpSpPr>
+      <p:grpSpPr>
+        <a:xfrm>
+          <a:off x="0" y="0"/>
+          <a:ext cx="0" cy="0"/>
+          <a:chOff x="0" y="0"/>
+          <a:chExt cx="0" cy="0"/>
+        </a:xfrm>
+      </p:grpSpPr>
+      <p:sp>
+        <p:nvSpPr>
+          <p:cNvPr id="6" name="文本框 13"/>
+          <p:cNvSpPr txBox="1"/>
+          <p:nvPr/>
+        </p:nvSpPr>
+        <p:spPr>
+          <a:xfrm>
             <a:off x="885776" y="-13911"/>
             <a:ext cx="8712968" cy="801897"/>
           </a:xfrm>
@@ -14587,7 +15196,7 @@
 </p:sld>
 </file>
 
-<file path=ppt/slides/slide17.xml><?xml version="1.0" encoding="utf-8"?>
+<file path=ppt/slides/slide18.xml><?xml version="1.0" encoding="utf-8"?>
 <p:sld xmlns:a="http://schemas.openxmlformats.org/drawingml/2006/main" xmlns:r="http://schemas.openxmlformats.org/officeDocument/2006/relationships" xmlns:p="http://schemas.openxmlformats.org/presentationml/2006/main">
   <p:cSld>
     <p:spTree>
@@ -16675,7 +17284,7 @@
 </p:sld>
 </file>
 
-<file path=ppt/slides/slide18.xml><?xml version="1.0" encoding="utf-8"?>
+<file path=ppt/slides/slide19.xml><?xml version="1.0" encoding="utf-8"?>
 <p:sld xmlns:a="http://schemas.openxmlformats.org/drawingml/2006/main" xmlns:r="http://schemas.openxmlformats.org/officeDocument/2006/relationships" xmlns:p="http://schemas.openxmlformats.org/presentationml/2006/main">
   <p:cSld>
     <p:spTree>
@@ -19590,1748 +20199,6 @@
                           <p:cTn id="8" fill="hold">
                             <p:stCondLst>
                               <p:cond delay="1000"/>
-                            </p:stCondLst>
-                            <p:childTnLst>
-                              <p:par>
-                                <p:cTn id="9" presetID="22" presetClass="entr" presetSubtype="8" fill="hold" nodeType="afterEffect">
-                                  <p:stCondLst>
-                                    <p:cond delay="0"/>
-                                  </p:stCondLst>
-                                  <p:childTnLst>
-                                    <p:set>
-                                      <p:cBhvr>
-                                        <p:cTn id="10" dur="1" fill="hold">
-                                          <p:stCondLst>
-                                            <p:cond delay="0"/>
-                                          </p:stCondLst>
-                                        </p:cTn>
-                                        <p:tgtEl>
-                                          <p:spTgt spid="7"/>
-                                        </p:tgtEl>
-                                        <p:attrNameLst>
-                                          <p:attrName>style.visibility</p:attrName>
-                                        </p:attrNameLst>
-                                      </p:cBhvr>
-                                      <p:to>
-                                        <p:strVal val="visible"/>
-                                      </p:to>
-                                    </p:set>
-                                    <p:animEffect transition="in" filter="wipe(left)">
-                                      <p:cBhvr>
-                                        <p:cTn id="11" dur="1000"/>
-                                        <p:tgtEl>
-                                          <p:spTgt spid="7"/>
-                                        </p:tgtEl>
-                                      </p:cBhvr>
-                                    </p:animEffect>
-                                  </p:childTnLst>
-                                </p:cTn>
-                              </p:par>
-                            </p:childTnLst>
-                          </p:cTn>
-                        </p:par>
-                      </p:childTnLst>
-                    </p:cTn>
-                  </p:par>
-                </p:childTnLst>
-              </p:cTn>
-              <p:prevCondLst>
-                <p:cond evt="onPrev" delay="0">
-                  <p:tgtEl>
-                    <p:sldTgt/>
-                  </p:tgtEl>
-                </p:cond>
-              </p:prevCondLst>
-              <p:nextCondLst>
-                <p:cond evt="onNext" delay="0">
-                  <p:tgtEl>
-                    <p:sldTgt/>
-                  </p:tgtEl>
-                </p:cond>
-              </p:nextCondLst>
-            </p:seq>
-          </p:childTnLst>
-        </p:cTn>
-      </p:par>
-    </p:tnLst>
-    <p:bldLst>
-      <p:bldP spid="6" grpId="0"/>
-    </p:bldLst>
-  </p:timing>
-</p:sld>
-</file>
-
-<file path=ppt/slides/slide19.xml><?xml version="1.0" encoding="utf-8"?>
-<p:sld xmlns:a="http://schemas.openxmlformats.org/drawingml/2006/main" xmlns:r="http://schemas.openxmlformats.org/officeDocument/2006/relationships" xmlns:p="http://schemas.openxmlformats.org/presentationml/2006/main">
-  <p:cSld>
-    <p:spTree>
-      <p:nvGrpSpPr>
-        <p:cNvPr id="1" name=""/>
-        <p:cNvGrpSpPr/>
-        <p:nvPr/>
-      </p:nvGrpSpPr>
-      <p:grpSpPr>
-        <a:xfrm>
-          <a:off x="0" y="0"/>
-          <a:ext cx="0" cy="0"/>
-          <a:chOff x="0" y="0"/>
-          <a:chExt cx="0" cy="0"/>
-        </a:xfrm>
-      </p:grpSpPr>
-      <p:sp>
-        <p:nvSpPr>
-          <p:cNvPr id="6" name="文本框 13"/>
-          <p:cNvSpPr txBox="1"/>
-          <p:nvPr/>
-        </p:nvSpPr>
-        <p:spPr>
-          <a:xfrm>
-            <a:off x="885776" y="-13911"/>
-            <a:ext cx="15989242" cy="801897"/>
-          </a:xfrm>
-          <a:prstGeom prst="rect">
-            <a:avLst/>
-          </a:prstGeom>
-          <a:noFill/>
-        </p:spPr>
-        <p:txBody>
-          <a:bodyPr wrap="square" lIns="123581" tIns="61791" rIns="123581" bIns="61791" rtlCol="0">
-            <a:spAutoFit/>
-          </a:bodyPr>
-          <a:lstStyle/>
-          <a:p>
-            <a:r>
-              <a:rPr lang="zh-CN" altLang="en-US" sz="4400" dirty="0" smtClean="0">
-                <a:solidFill>
-                  <a:srgbClr val="0070C0"/>
-                </a:solidFill>
-                <a:latin typeface="黑体" panose="02010609060101010101" pitchFamily="49" charset="-122"/>
-                <a:ea typeface="黑体" panose="02010609060101010101" pitchFamily="49" charset="-122"/>
-              </a:rPr>
-              <a:t>系统架构</a:t>
-            </a:r>
-            <a:endParaRPr lang="zh-CN" altLang="en-US" sz="4400" dirty="0">
-              <a:solidFill>
-                <a:srgbClr val="0070C0"/>
-              </a:solidFill>
-              <a:latin typeface="黑体" panose="02010609060101010101" pitchFamily="49" charset="-122"/>
-              <a:ea typeface="黑体" panose="02010609060101010101" pitchFamily="49" charset="-122"/>
-            </a:endParaRPr>
-          </a:p>
-        </p:txBody>
-      </p:sp>
-      <p:cxnSp>
-        <p:nvCxnSpPr>
-          <p:cNvPr id="7" name="直接连接符 6"/>
-          <p:cNvCxnSpPr/>
-          <p:nvPr/>
-        </p:nvCxnSpPr>
-        <p:spPr>
-          <a:xfrm>
-            <a:off x="584734" y="787986"/>
-            <a:ext cx="11367663" cy="0"/>
-          </a:xfrm>
-          <a:prstGeom prst="line">
-            <a:avLst/>
-          </a:prstGeom>
-          <a:ln>
-            <a:solidFill>
-              <a:schemeClr val="tx1">
-                <a:lumMod val="50000"/>
-                <a:lumOff val="50000"/>
-              </a:schemeClr>
-            </a:solidFill>
-          </a:ln>
-        </p:spPr>
-        <p:style>
-          <a:lnRef idx="1">
-            <a:schemeClr val="accent1"/>
-          </a:lnRef>
-          <a:fillRef idx="0">
-            <a:schemeClr val="accent1"/>
-          </a:fillRef>
-          <a:effectRef idx="0">
-            <a:schemeClr val="accent1"/>
-          </a:effectRef>
-          <a:fontRef idx="minor">
-            <a:schemeClr val="tx1"/>
-          </a:fontRef>
-        </p:style>
-      </p:cxnSp>
-      <p:sp>
-        <p:nvSpPr>
-          <p:cNvPr id="2" name="矩形 1"/>
-          <p:cNvSpPr/>
-          <p:nvPr/>
-        </p:nvSpPr>
-        <p:spPr>
-          <a:xfrm>
-            <a:off x="1461840" y="1719362"/>
-            <a:ext cx="8928992" cy="5544616"/>
-          </a:xfrm>
-          <a:prstGeom prst="rect">
-            <a:avLst/>
-          </a:prstGeom>
-        </p:spPr>
-        <p:style>
-          <a:lnRef idx="2">
-            <a:schemeClr val="accent1">
-              <a:shade val="50000"/>
-            </a:schemeClr>
-          </a:lnRef>
-          <a:fillRef idx="1">
-            <a:schemeClr val="accent1"/>
-          </a:fillRef>
-          <a:effectRef idx="0">
-            <a:schemeClr val="accent1"/>
-          </a:effectRef>
-          <a:fontRef idx="minor">
-            <a:schemeClr val="lt1"/>
-          </a:fontRef>
-        </p:style>
-        <p:txBody>
-          <a:bodyPr rtlCol="0" anchor="ctr"/>
-          <a:lstStyle/>
-          <a:p>
-            <a:pPr algn="ctr"/>
-            <a:endParaRPr lang="zh-CN" altLang="en-US"/>
-          </a:p>
-        </p:txBody>
-      </p:sp>
-      <p:sp>
-        <p:nvSpPr>
-          <p:cNvPr id="3" name="矩形 2"/>
-          <p:cNvSpPr/>
-          <p:nvPr/>
-        </p:nvSpPr>
-        <p:spPr>
-          <a:xfrm>
-            <a:off x="1461840" y="7552010"/>
-            <a:ext cx="10585176" cy="792088"/>
-          </a:xfrm>
-          <a:prstGeom prst="rect">
-            <a:avLst/>
-          </a:prstGeom>
-        </p:spPr>
-        <p:style>
-          <a:lnRef idx="2">
-            <a:schemeClr val="accent1">
-              <a:shade val="50000"/>
-            </a:schemeClr>
-          </a:lnRef>
-          <a:fillRef idx="1">
-            <a:schemeClr val="accent1"/>
-          </a:fillRef>
-          <a:effectRef idx="0">
-            <a:schemeClr val="accent1"/>
-          </a:effectRef>
-          <a:fontRef idx="minor">
-            <a:schemeClr val="lt1"/>
-          </a:fontRef>
-        </p:style>
-        <p:txBody>
-          <a:bodyPr rtlCol="0" anchor="ctr"/>
-          <a:lstStyle/>
-          <a:p>
-            <a:pPr algn="ctr"/>
-            <a:r>
-              <a:rPr lang="zh-CN" altLang="en-US" dirty="0" smtClean="0"/>
-              <a:t>基础设施层</a:t>
-            </a:r>
-            <a:endParaRPr lang="zh-CN" altLang="en-US" dirty="0"/>
-          </a:p>
-        </p:txBody>
-      </p:sp>
-      <p:sp>
-        <p:nvSpPr>
-          <p:cNvPr id="11" name="矩形 10"/>
-          <p:cNvSpPr/>
-          <p:nvPr/>
-        </p:nvSpPr>
-        <p:spPr>
-          <a:xfrm>
-            <a:off x="1965896" y="6039842"/>
-            <a:ext cx="3744416" cy="936104"/>
-          </a:xfrm>
-          <a:prstGeom prst="rect">
-            <a:avLst/>
-          </a:prstGeom>
-        </p:spPr>
-        <p:style>
-          <a:lnRef idx="2">
-            <a:schemeClr val="accent2">
-              <a:shade val="50000"/>
-            </a:schemeClr>
-          </a:lnRef>
-          <a:fillRef idx="1">
-            <a:schemeClr val="accent2"/>
-          </a:fillRef>
-          <a:effectRef idx="0">
-            <a:schemeClr val="accent2"/>
-          </a:effectRef>
-          <a:fontRef idx="minor">
-            <a:schemeClr val="lt1"/>
-          </a:fontRef>
-        </p:style>
-        <p:txBody>
-          <a:bodyPr rtlCol="0" anchor="ctr"/>
-          <a:lstStyle/>
-          <a:p>
-            <a:pPr algn="ctr"/>
-            <a:r>
-              <a:rPr lang="zh-CN" altLang="en-US" dirty="0" smtClean="0"/>
-              <a:t>弹性层</a:t>
-            </a:r>
-            <a:r>
-              <a:rPr lang="en-US" altLang="zh-CN" dirty="0" smtClean="0"/>
-              <a:t/>
-            </a:r>
-            <a:br>
-              <a:rPr lang="en-US" altLang="zh-CN" dirty="0" smtClean="0"/>
-            </a:br>
-            <a:r>
-              <a:rPr lang="en-US" altLang="zh-CN" dirty="0" err="1" smtClean="0"/>
-              <a:t>linux+docker</a:t>
-            </a:r>
-            <a:endParaRPr lang="zh-CN" altLang="en-US" dirty="0"/>
-          </a:p>
-        </p:txBody>
-      </p:sp>
-      <p:sp>
-        <p:nvSpPr>
-          <p:cNvPr id="12" name="矩形 11"/>
-          <p:cNvSpPr/>
-          <p:nvPr/>
-        </p:nvSpPr>
-        <p:spPr>
-          <a:xfrm>
-            <a:off x="5926336" y="6039842"/>
-            <a:ext cx="3816424" cy="936104"/>
-          </a:xfrm>
-          <a:prstGeom prst="rect">
-            <a:avLst/>
-          </a:prstGeom>
-        </p:spPr>
-        <p:style>
-          <a:lnRef idx="2">
-            <a:schemeClr val="accent6">
-              <a:shade val="50000"/>
-            </a:schemeClr>
-          </a:lnRef>
-          <a:fillRef idx="1">
-            <a:schemeClr val="accent6"/>
-          </a:fillRef>
-          <a:effectRef idx="0">
-            <a:schemeClr val="accent6"/>
-          </a:effectRef>
-          <a:fontRef idx="minor">
-            <a:schemeClr val="lt1"/>
-          </a:fontRef>
-        </p:style>
-        <p:txBody>
-          <a:bodyPr rtlCol="0" anchor="ctr"/>
-          <a:lstStyle/>
-          <a:p>
-            <a:pPr algn="ctr"/>
-            <a:r>
-              <a:rPr lang="zh-CN" altLang="en-US" dirty="0" smtClean="0"/>
-              <a:t>非弹性层</a:t>
-            </a:r>
-            <a:endParaRPr lang="zh-CN" altLang="en-US" dirty="0"/>
-          </a:p>
-        </p:txBody>
-      </p:sp>
-      <p:sp>
-        <p:nvSpPr>
-          <p:cNvPr id="13" name="矩形 12"/>
-          <p:cNvSpPr/>
-          <p:nvPr/>
-        </p:nvSpPr>
-        <p:spPr>
-          <a:xfrm>
-            <a:off x="4270152" y="2655466"/>
-            <a:ext cx="3240360" cy="3312368"/>
-          </a:xfrm>
-          <a:prstGeom prst="rect">
-            <a:avLst/>
-          </a:prstGeom>
-        </p:spPr>
-        <p:style>
-          <a:lnRef idx="2">
-            <a:schemeClr val="accent5">
-              <a:shade val="50000"/>
-            </a:schemeClr>
-          </a:lnRef>
-          <a:fillRef idx="1">
-            <a:schemeClr val="accent5"/>
-          </a:fillRef>
-          <a:effectRef idx="0">
-            <a:schemeClr val="accent5"/>
-          </a:effectRef>
-          <a:fontRef idx="minor">
-            <a:schemeClr val="lt1"/>
-          </a:fontRef>
-        </p:style>
-        <p:txBody>
-          <a:bodyPr rtlCol="0" anchor="t"/>
-          <a:lstStyle/>
-          <a:p>
-            <a:pPr algn="ctr"/>
-            <a:r>
-              <a:rPr lang="zh-CN" altLang="en-US" dirty="0" smtClean="0"/>
-              <a:t>基础层</a:t>
-            </a:r>
-            <a:endParaRPr lang="zh-CN" altLang="en-US" dirty="0"/>
-          </a:p>
-        </p:txBody>
-      </p:sp>
-      <p:sp>
-        <p:nvSpPr>
-          <p:cNvPr id="14" name="矩形 13"/>
-          <p:cNvSpPr/>
-          <p:nvPr/>
-        </p:nvSpPr>
-        <p:spPr>
-          <a:xfrm>
-            <a:off x="1965896" y="2674464"/>
-            <a:ext cx="2088232" cy="3293370"/>
-          </a:xfrm>
-          <a:prstGeom prst="rect">
-            <a:avLst/>
-          </a:prstGeom>
-          <a:solidFill>
-            <a:schemeClr val="bg2">
-              <a:lumMod val="90000"/>
-            </a:schemeClr>
-          </a:solidFill>
-          <a:ln>
-            <a:noFill/>
-          </a:ln>
-        </p:spPr>
-        <p:style>
-          <a:lnRef idx="2">
-            <a:schemeClr val="accent1">
-              <a:shade val="50000"/>
-            </a:schemeClr>
-          </a:lnRef>
-          <a:fillRef idx="1">
-            <a:schemeClr val="accent1"/>
-          </a:fillRef>
-          <a:effectRef idx="0">
-            <a:schemeClr val="accent1"/>
-          </a:effectRef>
-          <a:fontRef idx="minor">
-            <a:schemeClr val="lt1"/>
-          </a:fontRef>
-        </p:style>
-        <p:txBody>
-          <a:bodyPr rtlCol="0" anchor="t"/>
-          <a:lstStyle/>
-          <a:p>
-            <a:pPr algn="ctr"/>
-            <a:r>
-              <a:rPr lang="en-US" altLang="zh-CN" dirty="0" smtClean="0"/>
-              <a:t>CNAs</a:t>
-            </a:r>
-            <a:endParaRPr lang="zh-CN" altLang="en-US" dirty="0"/>
-          </a:p>
-        </p:txBody>
-      </p:sp>
-      <p:sp>
-        <p:nvSpPr>
-          <p:cNvPr id="15" name="矩形 14"/>
-          <p:cNvSpPr/>
-          <p:nvPr/>
-        </p:nvSpPr>
-        <p:spPr>
-          <a:xfrm>
-            <a:off x="7726536" y="2655466"/>
-            <a:ext cx="2016224" cy="3312368"/>
-          </a:xfrm>
-          <a:prstGeom prst="rect">
-            <a:avLst/>
-          </a:prstGeom>
-        </p:spPr>
-        <p:style>
-          <a:lnRef idx="2">
-            <a:schemeClr val="accent1">
-              <a:shade val="50000"/>
-            </a:schemeClr>
-          </a:lnRef>
-          <a:fillRef idx="1">
-            <a:schemeClr val="accent1"/>
-          </a:fillRef>
-          <a:effectRef idx="0">
-            <a:schemeClr val="accent1"/>
-          </a:effectRef>
-          <a:fontRef idx="minor">
-            <a:schemeClr val="lt1"/>
-          </a:fontRef>
-        </p:style>
-        <p:txBody>
-          <a:bodyPr rtlCol="0" anchor="ctr"/>
-          <a:lstStyle/>
-          <a:p>
-            <a:pPr algn="ctr"/>
-            <a:r>
-              <a:rPr lang="zh-CN" altLang="en-US" dirty="0" smtClean="0"/>
-              <a:t>单体应用</a:t>
-            </a:r>
-            <a:endParaRPr lang="en-US" altLang="zh-CN" dirty="0" smtClean="0"/>
-          </a:p>
-          <a:p>
-            <a:pPr algn="ctr"/>
-            <a:r>
-              <a:rPr lang="zh-CN" altLang="en-US" sz="1600" dirty="0" smtClean="0"/>
-              <a:t>（原应用进行</a:t>
-            </a:r>
-            <a:r>
-              <a:rPr lang="en-US" altLang="zh-CN" sz="1600" dirty="0" smtClean="0"/>
-              <a:t>LB</a:t>
-            </a:r>
-            <a:r>
-              <a:rPr lang="zh-CN" altLang="en-US" sz="1600" dirty="0" smtClean="0"/>
-              <a:t>改造）</a:t>
-            </a:r>
-            <a:endParaRPr lang="zh-CN" altLang="en-US" sz="1600" dirty="0"/>
-          </a:p>
-        </p:txBody>
-      </p:sp>
-      <p:sp>
-        <p:nvSpPr>
-          <p:cNvPr id="17" name="矩形 16"/>
-          <p:cNvSpPr/>
-          <p:nvPr/>
-        </p:nvSpPr>
-        <p:spPr>
-          <a:xfrm>
-            <a:off x="1965896" y="1863378"/>
-            <a:ext cx="7776864" cy="648072"/>
-          </a:xfrm>
-          <a:prstGeom prst="rect">
-            <a:avLst/>
-          </a:prstGeom>
-        </p:spPr>
-        <p:style>
-          <a:lnRef idx="2">
-            <a:schemeClr val="accent1">
-              <a:shade val="50000"/>
-            </a:schemeClr>
-          </a:lnRef>
-          <a:fillRef idx="1">
-            <a:schemeClr val="accent1"/>
-          </a:fillRef>
-          <a:effectRef idx="0">
-            <a:schemeClr val="accent1"/>
-          </a:effectRef>
-          <a:fontRef idx="minor">
-            <a:schemeClr val="lt1"/>
-          </a:fontRef>
-        </p:style>
-        <p:txBody>
-          <a:bodyPr rtlCol="0" anchor="ctr"/>
-          <a:lstStyle/>
-          <a:p>
-            <a:pPr algn="ctr"/>
-            <a:r>
-              <a:rPr lang="zh-CN" altLang="en-US" dirty="0" smtClean="0"/>
-              <a:t>路由层（</a:t>
-            </a:r>
-            <a:r>
-              <a:rPr lang="en-US" altLang="zh-CN" dirty="0" smtClean="0"/>
-              <a:t>route &amp; LB</a:t>
-            </a:r>
-            <a:r>
-              <a:rPr lang="zh-CN" altLang="en-US" dirty="0" smtClean="0"/>
-              <a:t>）</a:t>
-            </a:r>
-            <a:endParaRPr lang="zh-CN" altLang="en-US" dirty="0"/>
-          </a:p>
-        </p:txBody>
-      </p:sp>
-      <p:sp>
-        <p:nvSpPr>
-          <p:cNvPr id="24" name="矩形 23"/>
-          <p:cNvSpPr/>
-          <p:nvPr/>
-        </p:nvSpPr>
-        <p:spPr>
-          <a:xfrm>
-            <a:off x="1461840" y="787986"/>
-            <a:ext cx="8928992" cy="787360"/>
-          </a:xfrm>
-          <a:prstGeom prst="rect">
-            <a:avLst/>
-          </a:prstGeom>
-        </p:spPr>
-        <p:style>
-          <a:lnRef idx="2">
-            <a:schemeClr val="accent1">
-              <a:shade val="50000"/>
-            </a:schemeClr>
-          </a:lnRef>
-          <a:fillRef idx="1">
-            <a:schemeClr val="accent1"/>
-          </a:fillRef>
-          <a:effectRef idx="0">
-            <a:schemeClr val="accent1"/>
-          </a:effectRef>
-          <a:fontRef idx="minor">
-            <a:schemeClr val="lt1"/>
-          </a:fontRef>
-        </p:style>
-        <p:txBody>
-          <a:bodyPr rtlCol="0" anchor="ctr"/>
-          <a:lstStyle/>
-          <a:p>
-            <a:pPr algn="ctr"/>
-            <a:r>
-              <a:rPr lang="zh-CN" altLang="en-US" dirty="0" smtClean="0"/>
-              <a:t>用户终端</a:t>
-            </a:r>
-            <a:endParaRPr lang="zh-CN" altLang="en-US" dirty="0"/>
-          </a:p>
-        </p:txBody>
-      </p:sp>
-      <p:sp>
-        <p:nvSpPr>
-          <p:cNvPr id="26" name="矩形 25"/>
-          <p:cNvSpPr/>
-          <p:nvPr/>
-        </p:nvSpPr>
-        <p:spPr>
-          <a:xfrm>
-            <a:off x="381720" y="1719362"/>
-            <a:ext cx="864096" cy="5544616"/>
-          </a:xfrm>
-          <a:prstGeom prst="rect">
-            <a:avLst/>
-          </a:prstGeom>
-        </p:spPr>
-        <p:style>
-          <a:lnRef idx="2">
-            <a:schemeClr val="accent1">
-              <a:shade val="50000"/>
-            </a:schemeClr>
-          </a:lnRef>
-          <a:fillRef idx="1">
-            <a:schemeClr val="accent1"/>
-          </a:fillRef>
-          <a:effectRef idx="0">
-            <a:schemeClr val="accent1"/>
-          </a:effectRef>
-          <a:fontRef idx="minor">
-            <a:schemeClr val="lt1"/>
-          </a:fontRef>
-        </p:style>
-        <p:txBody>
-          <a:bodyPr rtlCol="0" anchor="ctr"/>
-          <a:lstStyle/>
-          <a:p>
-            <a:pPr algn="ctr"/>
-            <a:r>
-              <a:rPr lang="zh-CN" altLang="en-US" dirty="0" smtClean="0"/>
-              <a:t>开发运维中心</a:t>
-            </a:r>
-            <a:endParaRPr lang="zh-CN" altLang="en-US" dirty="0"/>
-          </a:p>
-        </p:txBody>
-      </p:sp>
-      <p:sp>
-        <p:nvSpPr>
-          <p:cNvPr id="27" name="矩形 26"/>
-          <p:cNvSpPr/>
-          <p:nvPr/>
-        </p:nvSpPr>
-        <p:spPr>
-          <a:xfrm>
-            <a:off x="10606856" y="1719362"/>
-            <a:ext cx="864096" cy="5544616"/>
-          </a:xfrm>
-          <a:prstGeom prst="rect">
-            <a:avLst/>
-          </a:prstGeom>
-        </p:spPr>
-        <p:style>
-          <a:lnRef idx="2">
-            <a:schemeClr val="accent1">
-              <a:shade val="50000"/>
-            </a:schemeClr>
-          </a:lnRef>
-          <a:fillRef idx="1">
-            <a:schemeClr val="accent1"/>
-          </a:fillRef>
-          <a:effectRef idx="0">
-            <a:schemeClr val="accent1"/>
-          </a:effectRef>
-          <a:fontRef idx="minor">
-            <a:schemeClr val="lt1"/>
-          </a:fontRef>
-        </p:style>
-        <p:txBody>
-          <a:bodyPr rtlCol="0" anchor="ctr"/>
-          <a:lstStyle/>
-          <a:p>
-            <a:pPr algn="ctr"/>
-            <a:r>
-              <a:rPr lang="zh-CN" altLang="en-US" dirty="0" smtClean="0"/>
-              <a:t>安全中心</a:t>
-            </a:r>
-            <a:endParaRPr lang="zh-CN" altLang="en-US" dirty="0"/>
-          </a:p>
-        </p:txBody>
-      </p:sp>
-      <p:sp>
-        <p:nvSpPr>
-          <p:cNvPr id="29" name="矩形 28"/>
-          <p:cNvSpPr/>
-          <p:nvPr/>
-        </p:nvSpPr>
-        <p:spPr>
-          <a:xfrm>
-            <a:off x="11686976" y="1719362"/>
-            <a:ext cx="792088" cy="5544616"/>
-          </a:xfrm>
-          <a:prstGeom prst="rect">
-            <a:avLst/>
-          </a:prstGeom>
-        </p:spPr>
-        <p:style>
-          <a:lnRef idx="2">
-            <a:schemeClr val="accent1">
-              <a:shade val="50000"/>
-            </a:schemeClr>
-          </a:lnRef>
-          <a:fillRef idx="1">
-            <a:schemeClr val="accent1"/>
-          </a:fillRef>
-          <a:effectRef idx="0">
-            <a:schemeClr val="accent1"/>
-          </a:effectRef>
-          <a:fontRef idx="minor">
-            <a:schemeClr val="lt1"/>
-          </a:fontRef>
-        </p:style>
-        <p:txBody>
-          <a:bodyPr rtlCol="0" anchor="ctr"/>
-          <a:lstStyle/>
-          <a:p>
-            <a:pPr algn="ctr"/>
-            <a:r>
-              <a:rPr lang="zh-CN" altLang="en-US" dirty="0" smtClean="0"/>
-              <a:t>管控中心</a:t>
-            </a:r>
-            <a:endParaRPr lang="zh-CN" altLang="en-US" dirty="0"/>
-          </a:p>
-        </p:txBody>
-      </p:sp>
-      <p:sp>
-        <p:nvSpPr>
-          <p:cNvPr id="30" name="矩形 29"/>
-          <p:cNvSpPr/>
-          <p:nvPr/>
-        </p:nvSpPr>
-        <p:spPr>
-          <a:xfrm>
-            <a:off x="4414296" y="3159522"/>
-            <a:ext cx="936104" cy="504056"/>
-          </a:xfrm>
-          <a:prstGeom prst="rect">
-            <a:avLst/>
-          </a:prstGeom>
-        </p:spPr>
-        <p:style>
-          <a:lnRef idx="2">
-            <a:schemeClr val="accent1">
-              <a:shade val="50000"/>
-            </a:schemeClr>
-          </a:lnRef>
-          <a:fillRef idx="1">
-            <a:schemeClr val="accent1"/>
-          </a:fillRef>
-          <a:effectRef idx="0">
-            <a:schemeClr val="accent1"/>
-          </a:effectRef>
-          <a:fontRef idx="minor">
-            <a:schemeClr val="lt1"/>
-          </a:fontRef>
-        </p:style>
-        <p:txBody>
-          <a:bodyPr rtlCol="0" anchor="ctr"/>
-          <a:lstStyle/>
-          <a:p>
-            <a:pPr algn="ctr"/>
-            <a:r>
-              <a:rPr lang="en-US" altLang="zh-CN" sz="1200" dirty="0" smtClean="0"/>
-              <a:t>Big Data</a:t>
-            </a:r>
-            <a:endParaRPr lang="zh-CN" altLang="en-US" sz="1200" dirty="0"/>
-          </a:p>
-        </p:txBody>
-      </p:sp>
-      <p:sp>
-        <p:nvSpPr>
-          <p:cNvPr id="42" name="矩形 41"/>
-          <p:cNvSpPr/>
-          <p:nvPr/>
-        </p:nvSpPr>
-        <p:spPr>
-          <a:xfrm>
-            <a:off x="4414296" y="3735586"/>
-            <a:ext cx="936104" cy="504056"/>
-          </a:xfrm>
-          <a:prstGeom prst="rect">
-            <a:avLst/>
-          </a:prstGeom>
-        </p:spPr>
-        <p:style>
-          <a:lnRef idx="2">
-            <a:schemeClr val="accent1">
-              <a:shade val="50000"/>
-            </a:schemeClr>
-          </a:lnRef>
-          <a:fillRef idx="1">
-            <a:schemeClr val="accent1"/>
-          </a:fillRef>
-          <a:effectRef idx="0">
-            <a:schemeClr val="accent1"/>
-          </a:effectRef>
-          <a:fontRef idx="minor">
-            <a:schemeClr val="lt1"/>
-          </a:fontRef>
-        </p:style>
-        <p:txBody>
-          <a:bodyPr rtlCol="0" anchor="ctr"/>
-          <a:lstStyle/>
-          <a:p>
-            <a:pPr algn="ctr"/>
-            <a:r>
-              <a:rPr lang="en-US" altLang="zh-CN" sz="1200" dirty="0" smtClean="0"/>
-              <a:t>LB</a:t>
-            </a:r>
-          </a:p>
-        </p:txBody>
-      </p:sp>
-      <p:sp>
-        <p:nvSpPr>
-          <p:cNvPr id="44" name="矩形 43"/>
-          <p:cNvSpPr/>
-          <p:nvPr/>
-        </p:nvSpPr>
-        <p:spPr>
-          <a:xfrm>
-            <a:off x="4421386" y="4311650"/>
-            <a:ext cx="936104" cy="504056"/>
-          </a:xfrm>
-          <a:prstGeom prst="rect">
-            <a:avLst/>
-          </a:prstGeom>
-        </p:spPr>
-        <p:style>
-          <a:lnRef idx="2">
-            <a:schemeClr val="accent1">
-              <a:shade val="50000"/>
-            </a:schemeClr>
-          </a:lnRef>
-          <a:fillRef idx="1">
-            <a:schemeClr val="accent1"/>
-          </a:fillRef>
-          <a:effectRef idx="0">
-            <a:schemeClr val="accent1"/>
-          </a:effectRef>
-          <a:fontRef idx="minor">
-            <a:schemeClr val="lt1"/>
-          </a:fontRef>
-        </p:style>
-        <p:txBody>
-          <a:bodyPr rtlCol="0" anchor="ctr"/>
-          <a:lstStyle/>
-          <a:p>
-            <a:pPr algn="ctr"/>
-            <a:r>
-              <a:rPr lang="en-US" altLang="zh-CN" sz="1200" dirty="0" err="1" smtClean="0"/>
-              <a:t>Conf</a:t>
-            </a:r>
-            <a:r>
-              <a:rPr lang="en-US" altLang="zh-CN" sz="1200" dirty="0" smtClean="0"/>
-              <a:t> Center</a:t>
-            </a:r>
-            <a:endParaRPr lang="zh-CN" altLang="en-US" sz="1200" dirty="0"/>
-          </a:p>
-        </p:txBody>
-      </p:sp>
-      <p:sp>
-        <p:nvSpPr>
-          <p:cNvPr id="45" name="矩形 44"/>
-          <p:cNvSpPr/>
-          <p:nvPr/>
-        </p:nvSpPr>
-        <p:spPr>
-          <a:xfrm>
-            <a:off x="4414168" y="4887714"/>
-            <a:ext cx="936104" cy="504056"/>
-          </a:xfrm>
-          <a:prstGeom prst="rect">
-            <a:avLst/>
-          </a:prstGeom>
-        </p:spPr>
-        <p:style>
-          <a:lnRef idx="2">
-            <a:schemeClr val="accent1">
-              <a:shade val="50000"/>
-            </a:schemeClr>
-          </a:lnRef>
-          <a:fillRef idx="1">
-            <a:schemeClr val="accent1"/>
-          </a:fillRef>
-          <a:effectRef idx="0">
-            <a:schemeClr val="accent1"/>
-          </a:effectRef>
-          <a:fontRef idx="minor">
-            <a:schemeClr val="lt1"/>
-          </a:fontRef>
-        </p:style>
-        <p:txBody>
-          <a:bodyPr rtlCol="0" anchor="ctr"/>
-          <a:lstStyle/>
-          <a:p>
-            <a:pPr algn="ctr"/>
-            <a:r>
-              <a:rPr lang="en-US" altLang="zh-CN" sz="1200" dirty="0"/>
-              <a:t>SSO</a:t>
-            </a:r>
-            <a:endParaRPr lang="zh-CN" altLang="en-US" sz="1200" dirty="0"/>
-          </a:p>
-        </p:txBody>
-      </p:sp>
-      <p:sp>
-        <p:nvSpPr>
-          <p:cNvPr id="46" name="矩形 45"/>
-          <p:cNvSpPr/>
-          <p:nvPr/>
-        </p:nvSpPr>
-        <p:spPr>
-          <a:xfrm>
-            <a:off x="5458284" y="3159522"/>
-            <a:ext cx="936104" cy="504056"/>
-          </a:xfrm>
-          <a:prstGeom prst="rect">
-            <a:avLst/>
-          </a:prstGeom>
-        </p:spPr>
-        <p:style>
-          <a:lnRef idx="2">
-            <a:schemeClr val="accent1">
-              <a:shade val="50000"/>
-            </a:schemeClr>
-          </a:lnRef>
-          <a:fillRef idx="1">
-            <a:schemeClr val="accent1"/>
-          </a:fillRef>
-          <a:effectRef idx="0">
-            <a:schemeClr val="accent1"/>
-          </a:effectRef>
-          <a:fontRef idx="minor">
-            <a:schemeClr val="lt1"/>
-          </a:fontRef>
-        </p:style>
-        <p:txBody>
-          <a:bodyPr rtlCol="0" anchor="ctr"/>
-          <a:lstStyle/>
-          <a:p>
-            <a:pPr algn="ctr"/>
-            <a:r>
-              <a:rPr lang="en-US" altLang="zh-CN" sz="1200" dirty="0" smtClean="0"/>
-              <a:t>Job</a:t>
-            </a:r>
-            <a:endParaRPr lang="zh-CN" altLang="en-US" sz="1200" dirty="0"/>
-          </a:p>
-        </p:txBody>
-      </p:sp>
-      <p:sp>
-        <p:nvSpPr>
-          <p:cNvPr id="47" name="矩形 46"/>
-          <p:cNvSpPr/>
-          <p:nvPr/>
-        </p:nvSpPr>
-        <p:spPr>
-          <a:xfrm>
-            <a:off x="5458284" y="3735586"/>
-            <a:ext cx="936104" cy="504056"/>
-          </a:xfrm>
-          <a:prstGeom prst="rect">
-            <a:avLst/>
-          </a:prstGeom>
-        </p:spPr>
-        <p:style>
-          <a:lnRef idx="2">
-            <a:schemeClr val="accent1">
-              <a:shade val="50000"/>
-            </a:schemeClr>
-          </a:lnRef>
-          <a:fillRef idx="1">
-            <a:schemeClr val="accent1"/>
-          </a:fillRef>
-          <a:effectRef idx="0">
-            <a:schemeClr val="accent1"/>
-          </a:effectRef>
-          <a:fontRef idx="minor">
-            <a:schemeClr val="lt1"/>
-          </a:fontRef>
-        </p:style>
-        <p:txBody>
-          <a:bodyPr rtlCol="0" anchor="ctr"/>
-          <a:lstStyle/>
-          <a:p>
-            <a:pPr algn="ctr"/>
-            <a:r>
-              <a:rPr lang="en-US" altLang="zh-CN" sz="1200" dirty="0" smtClean="0"/>
-              <a:t>Log Center</a:t>
-            </a:r>
-            <a:endParaRPr lang="zh-CN" altLang="en-US" sz="1200" dirty="0"/>
-          </a:p>
-        </p:txBody>
-      </p:sp>
-      <p:sp>
-        <p:nvSpPr>
-          <p:cNvPr id="48" name="矩形 47"/>
-          <p:cNvSpPr/>
-          <p:nvPr/>
-        </p:nvSpPr>
-        <p:spPr>
-          <a:xfrm>
-            <a:off x="5466420" y="4318397"/>
-            <a:ext cx="936104" cy="504056"/>
-          </a:xfrm>
-          <a:prstGeom prst="rect">
-            <a:avLst/>
-          </a:prstGeom>
-        </p:spPr>
-        <p:style>
-          <a:lnRef idx="2">
-            <a:schemeClr val="accent1">
-              <a:shade val="50000"/>
-            </a:schemeClr>
-          </a:lnRef>
-          <a:fillRef idx="1">
-            <a:schemeClr val="accent1"/>
-          </a:fillRef>
-          <a:effectRef idx="0">
-            <a:schemeClr val="accent1"/>
-          </a:effectRef>
-          <a:fontRef idx="minor">
-            <a:schemeClr val="lt1"/>
-          </a:fontRef>
-        </p:style>
-        <p:txBody>
-          <a:bodyPr rtlCol="0" anchor="ctr"/>
-          <a:lstStyle/>
-          <a:p>
-            <a:pPr algn="ctr"/>
-            <a:r>
-              <a:rPr lang="en-US" altLang="zh-CN" sz="1200" dirty="0" smtClean="0"/>
-              <a:t>Dis-DB/</a:t>
-            </a:r>
-            <a:r>
-              <a:rPr lang="en-US" altLang="zh-CN" sz="1200" dirty="0" err="1" smtClean="0"/>
-              <a:t>noSql</a:t>
-            </a:r>
-            <a:endParaRPr lang="zh-CN" altLang="en-US" sz="1200" dirty="0"/>
-          </a:p>
-        </p:txBody>
-      </p:sp>
-      <p:sp>
-        <p:nvSpPr>
-          <p:cNvPr id="50" name="矩形 49"/>
-          <p:cNvSpPr/>
-          <p:nvPr/>
-        </p:nvSpPr>
-        <p:spPr>
-          <a:xfrm>
-            <a:off x="5458284" y="4887714"/>
-            <a:ext cx="936104" cy="504056"/>
-          </a:xfrm>
-          <a:prstGeom prst="rect">
-            <a:avLst/>
-          </a:prstGeom>
-        </p:spPr>
-        <p:style>
-          <a:lnRef idx="2">
-            <a:schemeClr val="accent1">
-              <a:shade val="50000"/>
-            </a:schemeClr>
-          </a:lnRef>
-          <a:fillRef idx="1">
-            <a:schemeClr val="accent1"/>
-          </a:fillRef>
-          <a:effectRef idx="0">
-            <a:schemeClr val="accent1"/>
-          </a:effectRef>
-          <a:fontRef idx="minor">
-            <a:schemeClr val="lt1"/>
-          </a:fontRef>
-        </p:style>
-        <p:txBody>
-          <a:bodyPr rtlCol="0" anchor="ctr"/>
-          <a:lstStyle/>
-          <a:p>
-            <a:pPr algn="ctr"/>
-            <a:r>
-              <a:rPr lang="en-US" altLang="zh-CN" sz="1200" dirty="0" smtClean="0"/>
-              <a:t>Dis-Cache</a:t>
-            </a:r>
-            <a:endParaRPr lang="zh-CN" altLang="en-US" sz="1200" dirty="0"/>
-          </a:p>
-        </p:txBody>
-      </p:sp>
-      <p:sp>
-        <p:nvSpPr>
-          <p:cNvPr id="52" name="矩形 51"/>
-          <p:cNvSpPr/>
-          <p:nvPr/>
-        </p:nvSpPr>
-        <p:spPr>
-          <a:xfrm>
-            <a:off x="6494264" y="3159522"/>
-            <a:ext cx="936104" cy="504056"/>
-          </a:xfrm>
-          <a:prstGeom prst="rect">
-            <a:avLst/>
-          </a:prstGeom>
-        </p:spPr>
-        <p:style>
-          <a:lnRef idx="2">
-            <a:schemeClr val="accent1">
-              <a:shade val="50000"/>
-            </a:schemeClr>
-          </a:lnRef>
-          <a:fillRef idx="1">
-            <a:schemeClr val="accent1"/>
-          </a:fillRef>
-          <a:effectRef idx="0">
-            <a:schemeClr val="accent1"/>
-          </a:effectRef>
-          <a:fontRef idx="minor">
-            <a:schemeClr val="lt1"/>
-          </a:fontRef>
-        </p:style>
-        <p:txBody>
-          <a:bodyPr rtlCol="0" anchor="ctr"/>
-          <a:lstStyle/>
-          <a:p>
-            <a:pPr algn="ctr"/>
-            <a:r>
-              <a:rPr lang="en-US" altLang="zh-CN" sz="1200" dirty="0"/>
-              <a:t>AI</a:t>
-            </a:r>
-            <a:endParaRPr lang="zh-CN" altLang="en-US" sz="1200" dirty="0"/>
-          </a:p>
-        </p:txBody>
-      </p:sp>
-      <p:sp>
-        <p:nvSpPr>
-          <p:cNvPr id="54" name="矩形 53"/>
-          <p:cNvSpPr/>
-          <p:nvPr/>
-        </p:nvSpPr>
-        <p:spPr>
-          <a:xfrm>
-            <a:off x="6494264" y="3735586"/>
-            <a:ext cx="936104" cy="504056"/>
-          </a:xfrm>
-          <a:prstGeom prst="rect">
-            <a:avLst/>
-          </a:prstGeom>
-        </p:spPr>
-        <p:style>
-          <a:lnRef idx="2">
-            <a:schemeClr val="accent1">
-              <a:shade val="50000"/>
-            </a:schemeClr>
-          </a:lnRef>
-          <a:fillRef idx="1">
-            <a:schemeClr val="accent1"/>
-          </a:fillRef>
-          <a:effectRef idx="0">
-            <a:schemeClr val="accent1"/>
-          </a:effectRef>
-          <a:fontRef idx="minor">
-            <a:schemeClr val="lt1"/>
-          </a:fontRef>
-        </p:style>
-        <p:txBody>
-          <a:bodyPr rtlCol="0" anchor="ctr"/>
-          <a:lstStyle/>
-          <a:p>
-            <a:pPr algn="ctr"/>
-            <a:r>
-              <a:rPr lang="en-US" altLang="zh-CN" sz="1200" dirty="0" err="1" smtClean="0"/>
-              <a:t>Reg</a:t>
-            </a:r>
-            <a:r>
-              <a:rPr lang="zh-CN" altLang="en-US" sz="1200" dirty="0"/>
-              <a:t> </a:t>
-            </a:r>
-            <a:r>
-              <a:rPr lang="en-US" altLang="zh-CN" sz="1200" dirty="0" smtClean="0"/>
-              <a:t>Center</a:t>
-            </a:r>
-            <a:endParaRPr lang="zh-CN" altLang="en-US" sz="1200" dirty="0"/>
-          </a:p>
-        </p:txBody>
-      </p:sp>
-      <p:sp>
-        <p:nvSpPr>
-          <p:cNvPr id="56" name="矩形 55"/>
-          <p:cNvSpPr/>
-          <p:nvPr/>
-        </p:nvSpPr>
-        <p:spPr>
-          <a:xfrm>
-            <a:off x="6502400" y="4318397"/>
-            <a:ext cx="936104" cy="504056"/>
-          </a:xfrm>
-          <a:prstGeom prst="rect">
-            <a:avLst/>
-          </a:prstGeom>
-        </p:spPr>
-        <p:style>
-          <a:lnRef idx="2">
-            <a:schemeClr val="accent1">
-              <a:shade val="50000"/>
-            </a:schemeClr>
-          </a:lnRef>
-          <a:fillRef idx="1">
-            <a:schemeClr val="accent1"/>
-          </a:fillRef>
-          <a:effectRef idx="0">
-            <a:schemeClr val="accent1"/>
-          </a:effectRef>
-          <a:fontRef idx="minor">
-            <a:schemeClr val="lt1"/>
-          </a:fontRef>
-        </p:style>
-        <p:txBody>
-          <a:bodyPr rtlCol="0" anchor="ctr"/>
-          <a:lstStyle/>
-          <a:p>
-            <a:pPr algn="ctr"/>
-            <a:r>
-              <a:rPr lang="en-US" altLang="zh-CN" sz="1200" dirty="0" smtClean="0"/>
-              <a:t>Dis Storage</a:t>
-            </a:r>
-            <a:endParaRPr lang="zh-CN" altLang="en-US" sz="1200" dirty="0"/>
-          </a:p>
-        </p:txBody>
-      </p:sp>
-      <p:sp>
-        <p:nvSpPr>
-          <p:cNvPr id="57" name="矩形 56"/>
-          <p:cNvSpPr/>
-          <p:nvPr/>
-        </p:nvSpPr>
-        <p:spPr>
-          <a:xfrm>
-            <a:off x="6494264" y="4887714"/>
-            <a:ext cx="936104" cy="504056"/>
-          </a:xfrm>
-          <a:prstGeom prst="rect">
-            <a:avLst/>
-          </a:prstGeom>
-        </p:spPr>
-        <p:style>
-          <a:lnRef idx="2">
-            <a:schemeClr val="accent1">
-              <a:shade val="50000"/>
-            </a:schemeClr>
-          </a:lnRef>
-          <a:fillRef idx="1">
-            <a:schemeClr val="accent1"/>
-          </a:fillRef>
-          <a:effectRef idx="0">
-            <a:schemeClr val="accent1"/>
-          </a:effectRef>
-          <a:fontRef idx="minor">
-            <a:schemeClr val="lt1"/>
-          </a:fontRef>
-        </p:style>
-        <p:txBody>
-          <a:bodyPr rtlCol="0" anchor="ctr"/>
-          <a:lstStyle/>
-          <a:p>
-            <a:pPr algn="ctr"/>
-            <a:r>
-              <a:rPr lang="en-US" altLang="zh-CN" sz="1200" dirty="0" smtClean="0"/>
-              <a:t>Pipe</a:t>
-            </a:r>
-          </a:p>
-          <a:p>
-            <a:pPr algn="ctr"/>
-            <a:r>
-              <a:rPr lang="en-US" altLang="zh-CN" sz="1200" dirty="0" err="1"/>
-              <a:t>mq</a:t>
-            </a:r>
-            <a:endParaRPr lang="zh-CN" altLang="en-US" sz="1200" dirty="0"/>
-          </a:p>
-        </p:txBody>
-      </p:sp>
-      <p:sp>
-        <p:nvSpPr>
-          <p:cNvPr id="58" name="矩形 57"/>
-          <p:cNvSpPr/>
-          <p:nvPr/>
-        </p:nvSpPr>
-        <p:spPr>
-          <a:xfrm>
-            <a:off x="4414168" y="5444780"/>
-            <a:ext cx="936104" cy="504056"/>
-          </a:xfrm>
-          <a:prstGeom prst="rect">
-            <a:avLst/>
-          </a:prstGeom>
-        </p:spPr>
-        <p:style>
-          <a:lnRef idx="2">
-            <a:schemeClr val="accent1">
-              <a:shade val="50000"/>
-            </a:schemeClr>
-          </a:lnRef>
-          <a:fillRef idx="1">
-            <a:schemeClr val="accent1"/>
-          </a:fillRef>
-          <a:effectRef idx="0">
-            <a:schemeClr val="accent1"/>
-          </a:effectRef>
-          <a:fontRef idx="minor">
-            <a:schemeClr val="lt1"/>
-          </a:fontRef>
-        </p:style>
-        <p:txBody>
-          <a:bodyPr rtlCol="0" anchor="ctr"/>
-          <a:lstStyle/>
-          <a:p>
-            <a:pPr algn="ctr"/>
-            <a:r>
-              <a:rPr lang="zh-CN" altLang="en-US" sz="1200" dirty="0" smtClean="0"/>
-              <a:t>服务治理</a:t>
-            </a:r>
-            <a:endParaRPr lang="zh-CN" altLang="en-US" sz="1200" dirty="0"/>
-          </a:p>
-        </p:txBody>
-      </p:sp>
-      <p:sp>
-        <p:nvSpPr>
-          <p:cNvPr id="59" name="矩形 58"/>
-          <p:cNvSpPr/>
-          <p:nvPr/>
-        </p:nvSpPr>
-        <p:spPr>
-          <a:xfrm>
-            <a:off x="5458284" y="5444780"/>
-            <a:ext cx="936104" cy="504056"/>
-          </a:xfrm>
-          <a:prstGeom prst="rect">
-            <a:avLst/>
-          </a:prstGeom>
-        </p:spPr>
-        <p:style>
-          <a:lnRef idx="2">
-            <a:schemeClr val="accent1">
-              <a:shade val="50000"/>
-            </a:schemeClr>
-          </a:lnRef>
-          <a:fillRef idx="1">
-            <a:schemeClr val="accent1"/>
-          </a:fillRef>
-          <a:effectRef idx="0">
-            <a:schemeClr val="accent1"/>
-          </a:effectRef>
-          <a:fontRef idx="minor">
-            <a:schemeClr val="lt1"/>
-          </a:fontRef>
-        </p:style>
-        <p:txBody>
-          <a:bodyPr rtlCol="0" anchor="ctr"/>
-          <a:lstStyle/>
-          <a:p>
-            <a:pPr algn="ctr"/>
-            <a:r>
-              <a:rPr lang="zh-CN" altLang="en-US" sz="1200" dirty="0" smtClean="0"/>
-              <a:t>弹性组件及管理</a:t>
-            </a:r>
-            <a:endParaRPr lang="zh-CN" altLang="en-US" sz="1200" dirty="0"/>
-          </a:p>
-        </p:txBody>
-      </p:sp>
-      <p:sp>
-        <p:nvSpPr>
-          <p:cNvPr id="60" name="矩形 59"/>
-          <p:cNvSpPr/>
-          <p:nvPr/>
-        </p:nvSpPr>
-        <p:spPr>
-          <a:xfrm>
-            <a:off x="6494264" y="5444780"/>
-            <a:ext cx="936104" cy="504056"/>
-          </a:xfrm>
-          <a:prstGeom prst="rect">
-            <a:avLst/>
-          </a:prstGeom>
-        </p:spPr>
-        <p:style>
-          <a:lnRef idx="2">
-            <a:schemeClr val="accent1">
-              <a:shade val="50000"/>
-            </a:schemeClr>
-          </a:lnRef>
-          <a:fillRef idx="1">
-            <a:schemeClr val="accent1"/>
-          </a:fillRef>
-          <a:effectRef idx="0">
-            <a:schemeClr val="accent1"/>
-          </a:effectRef>
-          <a:fontRef idx="minor">
-            <a:schemeClr val="lt1"/>
-          </a:fontRef>
-        </p:style>
-        <p:txBody>
-          <a:bodyPr rtlCol="0" anchor="ctr"/>
-          <a:lstStyle/>
-          <a:p>
-            <a:pPr algn="ctr"/>
-            <a:r>
-              <a:rPr lang="en-US" altLang="zh-CN" sz="1200" dirty="0"/>
-              <a:t>safe</a:t>
-            </a:r>
-            <a:endParaRPr lang="zh-CN" altLang="en-US" sz="1200" dirty="0"/>
-          </a:p>
-        </p:txBody>
-      </p:sp>
-      <p:sp>
-        <p:nvSpPr>
-          <p:cNvPr id="8" name="矩形 7"/>
-          <p:cNvSpPr/>
-          <p:nvPr/>
-        </p:nvSpPr>
-        <p:spPr>
-          <a:xfrm>
-            <a:off x="2325936" y="3159522"/>
-            <a:ext cx="1368152" cy="576064"/>
-          </a:xfrm>
-          <a:prstGeom prst="rect">
-            <a:avLst/>
-          </a:prstGeom>
-          <a:solidFill>
-            <a:schemeClr val="accent5">
-              <a:lumMod val="40000"/>
-              <a:lumOff val="60000"/>
-            </a:schemeClr>
-          </a:solidFill>
-          <a:ln>
-            <a:noFill/>
-          </a:ln>
-        </p:spPr>
-        <p:style>
-          <a:lnRef idx="2">
-            <a:schemeClr val="accent1">
-              <a:shade val="50000"/>
-            </a:schemeClr>
-          </a:lnRef>
-          <a:fillRef idx="1">
-            <a:schemeClr val="accent1"/>
-          </a:fillRef>
-          <a:effectRef idx="0">
-            <a:schemeClr val="accent1"/>
-          </a:effectRef>
-          <a:fontRef idx="minor">
-            <a:schemeClr val="lt1"/>
-          </a:fontRef>
-        </p:style>
-        <p:txBody>
-          <a:bodyPr rtlCol="0" anchor="ctr"/>
-          <a:lstStyle/>
-          <a:p>
-            <a:pPr algn="ctr"/>
-            <a:r>
-              <a:rPr lang="en-US" altLang="zh-CN" sz="1400" dirty="0" smtClean="0">
-                <a:solidFill>
-                  <a:srgbClr val="0070C0"/>
-                </a:solidFill>
-              </a:rPr>
-              <a:t>Web</a:t>
-            </a:r>
-            <a:r>
-              <a:rPr lang="zh-CN" altLang="en-US" sz="1400" dirty="0" smtClean="0">
-                <a:solidFill>
-                  <a:srgbClr val="0070C0"/>
-                </a:solidFill>
-              </a:rPr>
-              <a:t>应用</a:t>
-            </a:r>
-            <a:endParaRPr lang="zh-CN" altLang="en-US" sz="1400" dirty="0">
-              <a:solidFill>
-                <a:srgbClr val="0070C0"/>
-              </a:solidFill>
-            </a:endParaRPr>
-          </a:p>
-        </p:txBody>
-      </p:sp>
-      <p:sp>
-        <p:nvSpPr>
-          <p:cNvPr id="36" name="矩形 35"/>
-          <p:cNvSpPr/>
-          <p:nvPr/>
-        </p:nvSpPr>
-        <p:spPr>
-          <a:xfrm>
-            <a:off x="2330436" y="3887986"/>
-            <a:ext cx="1368152" cy="576064"/>
-          </a:xfrm>
-          <a:prstGeom prst="rect">
-            <a:avLst/>
-          </a:prstGeom>
-          <a:solidFill>
-            <a:schemeClr val="accent5">
-              <a:lumMod val="40000"/>
-              <a:lumOff val="60000"/>
-            </a:schemeClr>
-          </a:solidFill>
-          <a:ln>
-            <a:noFill/>
-          </a:ln>
-        </p:spPr>
-        <p:style>
-          <a:lnRef idx="2">
-            <a:schemeClr val="accent1">
-              <a:shade val="50000"/>
-            </a:schemeClr>
-          </a:lnRef>
-          <a:fillRef idx="1">
-            <a:schemeClr val="accent1"/>
-          </a:fillRef>
-          <a:effectRef idx="0">
-            <a:schemeClr val="accent1"/>
-          </a:effectRef>
-          <a:fontRef idx="minor">
-            <a:schemeClr val="lt1"/>
-          </a:fontRef>
-        </p:style>
-        <p:txBody>
-          <a:bodyPr rtlCol="0" anchor="ctr"/>
-          <a:lstStyle/>
-          <a:p>
-            <a:pPr algn="ctr"/>
-            <a:r>
-              <a:rPr lang="zh-CN" altLang="en-US" sz="1400" dirty="0" smtClean="0">
-                <a:solidFill>
-                  <a:srgbClr val="0070C0"/>
-                </a:solidFill>
-              </a:rPr>
-              <a:t>数据应用</a:t>
-            </a:r>
-            <a:endParaRPr lang="en-US" altLang="zh-CN" sz="1400" dirty="0" smtClean="0">
-              <a:solidFill>
-                <a:srgbClr val="0070C0"/>
-              </a:solidFill>
-            </a:endParaRPr>
-          </a:p>
-        </p:txBody>
-      </p:sp>
-      <p:sp>
-        <p:nvSpPr>
-          <p:cNvPr id="37" name="矩形 36"/>
-          <p:cNvSpPr/>
-          <p:nvPr/>
-        </p:nvSpPr>
-        <p:spPr>
-          <a:xfrm>
-            <a:off x="2330436" y="4599682"/>
-            <a:ext cx="1368152" cy="576064"/>
-          </a:xfrm>
-          <a:prstGeom prst="rect">
-            <a:avLst/>
-          </a:prstGeom>
-          <a:solidFill>
-            <a:schemeClr val="accent5">
-              <a:lumMod val="40000"/>
-              <a:lumOff val="60000"/>
-            </a:schemeClr>
-          </a:solidFill>
-          <a:ln>
-            <a:noFill/>
-          </a:ln>
-        </p:spPr>
-        <p:style>
-          <a:lnRef idx="2">
-            <a:schemeClr val="accent1">
-              <a:shade val="50000"/>
-            </a:schemeClr>
-          </a:lnRef>
-          <a:fillRef idx="1">
-            <a:schemeClr val="accent1"/>
-          </a:fillRef>
-          <a:effectRef idx="0">
-            <a:schemeClr val="accent1"/>
-          </a:effectRef>
-          <a:fontRef idx="minor">
-            <a:schemeClr val="lt1"/>
-          </a:fontRef>
-        </p:style>
-        <p:txBody>
-          <a:bodyPr rtlCol="0" anchor="ctr"/>
-          <a:lstStyle/>
-          <a:p>
-            <a:pPr algn="ctr"/>
-            <a:r>
-              <a:rPr lang="en-US" altLang="zh-CN" sz="1400" dirty="0" smtClean="0">
-                <a:solidFill>
-                  <a:srgbClr val="0070C0"/>
-                </a:solidFill>
-              </a:rPr>
-              <a:t>Job</a:t>
-            </a:r>
-          </a:p>
-        </p:txBody>
-      </p:sp>
-      <p:sp>
-        <p:nvSpPr>
-          <p:cNvPr id="38" name="矩形 37"/>
-          <p:cNvSpPr/>
-          <p:nvPr/>
-        </p:nvSpPr>
-        <p:spPr>
-          <a:xfrm>
-            <a:off x="2330436" y="5319762"/>
-            <a:ext cx="1368152" cy="576064"/>
-          </a:xfrm>
-          <a:prstGeom prst="rect">
-            <a:avLst/>
-          </a:prstGeom>
-          <a:solidFill>
-            <a:schemeClr val="accent5">
-              <a:lumMod val="40000"/>
-              <a:lumOff val="60000"/>
-            </a:schemeClr>
-          </a:solidFill>
-          <a:ln>
-            <a:noFill/>
-          </a:ln>
-        </p:spPr>
-        <p:style>
-          <a:lnRef idx="2">
-            <a:schemeClr val="accent1">
-              <a:shade val="50000"/>
-            </a:schemeClr>
-          </a:lnRef>
-          <a:fillRef idx="1">
-            <a:schemeClr val="accent1"/>
-          </a:fillRef>
-          <a:effectRef idx="0">
-            <a:schemeClr val="accent1"/>
-          </a:effectRef>
-          <a:fontRef idx="minor">
-            <a:schemeClr val="lt1"/>
-          </a:fontRef>
-        </p:style>
-        <p:txBody>
-          <a:bodyPr rtlCol="0" anchor="ctr"/>
-          <a:lstStyle/>
-          <a:p>
-            <a:pPr algn="ctr"/>
-            <a:r>
-              <a:rPr lang="zh-CN" altLang="en-US" sz="1400" dirty="0">
-                <a:solidFill>
-                  <a:srgbClr val="0070C0"/>
-                </a:solidFill>
-              </a:rPr>
-              <a:t>微服务</a:t>
-            </a:r>
-            <a:endParaRPr lang="en-US" altLang="zh-CN" sz="1400" dirty="0" smtClean="0">
-              <a:solidFill>
-                <a:srgbClr val="0070C0"/>
-              </a:solidFill>
-            </a:endParaRPr>
-          </a:p>
-        </p:txBody>
-      </p:sp>
-    </p:spTree>
-    <p:extLst>
-      <p:ext uri="{BB962C8B-B14F-4D97-AF65-F5344CB8AC3E}">
-        <p14:creationId xmlns:p14="http://schemas.microsoft.com/office/powerpoint/2010/main" val="784371470"/>
-      </p:ext>
-    </p:extLst>
-  </p:cSld>
-  <p:clrMapOvr>
-    <a:masterClrMapping/>
-  </p:clrMapOvr>
-  <p:timing>
-    <p:tnLst>
-      <p:par>
-        <p:cTn id="1" dur="indefinite" restart="never" nodeType="tmRoot">
-          <p:childTnLst>
-            <p:seq concurrent="1" nextAc="seek">
-              <p:cTn id="2" dur="indefinite" nodeType="mainSeq">
-                <p:childTnLst>
-                  <p:par>
-                    <p:cTn id="3" fill="hold">
-                      <p:stCondLst>
-                        <p:cond delay="indefinite"/>
-                        <p:cond evt="onBegin" delay="0">
-                          <p:tn val="2"/>
-                        </p:cond>
-                      </p:stCondLst>
-                      <p:childTnLst>
-                        <p:par>
-                          <p:cTn id="4" fill="hold">
-                            <p:stCondLst>
-                              <p:cond delay="0"/>
-                            </p:stCondLst>
-                            <p:childTnLst>
-                              <p:par>
-                                <p:cTn id="5" presetID="10" presetClass="entr" presetSubtype="0" fill="hold" grpId="0" nodeType="afterEffect">
-                                  <p:stCondLst>
-                                    <p:cond delay="0"/>
-                                  </p:stCondLst>
-                                  <p:iterate type="lt">
-                                    <p:tmPct val="10000"/>
-                                  </p:iterate>
-                                  <p:childTnLst>
-                                    <p:set>
-                                      <p:cBhvr>
-                                        <p:cTn id="6" dur="1" fill="hold">
-                                          <p:stCondLst>
-                                            <p:cond delay="0"/>
-                                          </p:stCondLst>
-                                        </p:cTn>
-                                        <p:tgtEl>
-                                          <p:spTgt spid="6"/>
-                                        </p:tgtEl>
-                                        <p:attrNameLst>
-                                          <p:attrName>style.visibility</p:attrName>
-                                        </p:attrNameLst>
-                                      </p:cBhvr>
-                                      <p:to>
-                                        <p:strVal val="visible"/>
-                                      </p:to>
-                                    </p:set>
-                                    <p:animEffect transition="in" filter="fade">
-                                      <p:cBhvr>
-                                        <p:cTn id="7" dur="500"/>
-                                        <p:tgtEl>
-                                          <p:spTgt spid="6"/>
-                                        </p:tgtEl>
-                                      </p:cBhvr>
-                                    </p:animEffect>
-                                  </p:childTnLst>
-                                </p:cTn>
-                              </p:par>
-                            </p:childTnLst>
-                          </p:cTn>
-                        </p:par>
-                        <p:par>
-                          <p:cTn id="8" fill="hold">
-                            <p:stCondLst>
-                              <p:cond delay="650"/>
                             </p:stCondLst>
                             <p:childTnLst>
                               <p:par>
@@ -22076,11 +20943,15 @@
             <a:pPr algn="ctr"/>
             <a:r>
               <a:rPr lang="zh-CN" altLang="en-US" dirty="0" smtClean="0"/>
-              <a:t>大数据引擎（</a:t>
+              <a:t>大数据引擎</a:t>
+            </a:r>
+            <a:r>
+              <a:rPr lang="zh-CN" altLang="en-US" dirty="0" smtClean="0"/>
+              <a:t>（</a:t>
             </a:r>
             <a:r>
               <a:rPr lang="en-US" altLang="zh-CN" dirty="0" smtClean="0"/>
-              <a:t>SPARK</a:t>
+              <a:t>spark</a:t>
             </a:r>
             <a:r>
               <a:rPr lang="zh-CN" altLang="en-US" dirty="0" smtClean="0"/>
@@ -23926,7 +22797,7 @@
         </p:nvSpPr>
         <p:spPr>
           <a:xfrm>
-            <a:off x="885776" y="-13911"/>
+            <a:off x="1061214" y="855266"/>
             <a:ext cx="15989242" cy="801897"/>
           </a:xfrm>
           <a:prstGeom prst="rect">
@@ -23948,7 +22819,7 @@
                 <a:latin typeface="黑体" panose="02010609060101010101" pitchFamily="49" charset="-122"/>
                 <a:ea typeface="黑体" panose="02010609060101010101" pitchFamily="49" charset="-122"/>
               </a:rPr>
-              <a:t>应用组件设计</a:t>
+              <a:t>需要做哪些？</a:t>
             </a:r>
             <a:endParaRPr lang="zh-CN" altLang="en-US" sz="4400" dirty="0">
               <a:solidFill>
@@ -23968,7 +22839,7 @@
         </p:nvCxnSpPr>
         <p:spPr>
           <a:xfrm>
-            <a:off x="584734" y="787986"/>
+            <a:off x="584734" y="2048065"/>
             <a:ext cx="11367663" cy="0"/>
           </a:xfrm>
           <a:prstGeom prst="line">
@@ -23998,10 +22869,135 @@
           </a:fontRef>
         </p:style>
       </p:cxnSp>
+      <p:sp>
+        <p:nvSpPr>
+          <p:cNvPr id="2" name="TextBox 1"/>
+          <p:cNvSpPr txBox="1"/>
+          <p:nvPr/>
+        </p:nvSpPr>
+        <p:spPr>
+          <a:xfrm>
+            <a:off x="1397183" y="2409825"/>
+            <a:ext cx="6340197" cy="461665"/>
+          </a:xfrm>
+          <a:prstGeom prst="rect">
+            <a:avLst/>
+          </a:prstGeom>
+          <a:noFill/>
+        </p:spPr>
+        <p:txBody>
+          <a:bodyPr wrap="none" rtlCol="0">
+            <a:spAutoFit/>
+          </a:bodyPr>
+          <a:lstStyle/>
+          <a:p>
+            <a:r>
+              <a:rPr lang="zh-CN" altLang="en-US" dirty="0" smtClean="0"/>
+              <a:t>首先，云计算能给了我们什么不一样的东西？</a:t>
+            </a:r>
+            <a:endParaRPr lang="zh-CN" altLang="en-US" dirty="0"/>
+          </a:p>
+        </p:txBody>
+      </p:sp>
+      <p:sp>
+        <p:nvSpPr>
+          <p:cNvPr id="8" name="TextBox 7"/>
+          <p:cNvSpPr txBox="1"/>
+          <p:nvPr/>
+        </p:nvSpPr>
+        <p:spPr>
+          <a:xfrm>
+            <a:off x="1533848" y="3071461"/>
+            <a:ext cx="8494633" cy="2492990"/>
+          </a:xfrm>
+          <a:prstGeom prst="rect">
+            <a:avLst/>
+          </a:prstGeom>
+          <a:noFill/>
+        </p:spPr>
+        <p:txBody>
+          <a:bodyPr wrap="none" rtlCol="0">
+            <a:spAutoFit/>
+          </a:bodyPr>
+          <a:lstStyle/>
+          <a:p>
+            <a:pPr marL="457200" indent="-457200">
+              <a:buFont typeface="+mj-lt"/>
+              <a:buAutoNum type="arabicPeriod"/>
+            </a:pPr>
+            <a:r>
+              <a:rPr lang="zh-CN" altLang="en-US" sz="1800" dirty="0" smtClean="0"/>
+              <a:t>开发运维方面：提供一些通用封装，统一解决了如高可用高并发容</a:t>
+            </a:r>
+            <a:r>
+              <a:rPr lang="en-US" altLang="zh-CN" sz="1800" dirty="0" smtClean="0"/>
+              <a:t/>
+            </a:r>
+            <a:br>
+              <a:rPr lang="en-US" altLang="zh-CN" sz="1800" dirty="0" smtClean="0"/>
+            </a:br>
+            <a:r>
+              <a:rPr lang="zh-CN" altLang="en-US" sz="1800" dirty="0" smtClean="0"/>
+              <a:t>安全等等问题、也解决了如缓存、文件存储、数据库、配置管理等等的问题。</a:t>
+            </a:r>
+            <a:r>
+              <a:rPr lang="en-US" altLang="zh-CN" dirty="0" smtClean="0"/>
+              <a:t/>
+            </a:r>
+            <a:br>
+              <a:rPr lang="en-US" altLang="zh-CN" dirty="0" smtClean="0"/>
+            </a:br>
+            <a:r>
+              <a:rPr lang="zh-CN" altLang="en-US" sz="1800" dirty="0" smtClean="0"/>
+              <a:t>运维上能够实现自动化运维，自动扩容等等常见的运维问题</a:t>
+            </a:r>
+            <a:endParaRPr lang="en-US" altLang="zh-CN" sz="1800" dirty="0" smtClean="0"/>
+          </a:p>
+          <a:p>
+            <a:pPr marL="457200" indent="-457200">
+              <a:buFont typeface="+mj-lt"/>
+              <a:buAutoNum type="arabicPeriod"/>
+            </a:pPr>
+            <a:r>
+              <a:rPr lang="zh-CN" altLang="en-US" sz="1800" dirty="0" smtClean="0"/>
+              <a:t>敏捷开发的可能</a:t>
+            </a:r>
+            <a:endParaRPr lang="en-US" altLang="zh-CN" sz="1800" dirty="0" smtClean="0"/>
+          </a:p>
+          <a:p>
+            <a:pPr marL="457200" indent="-457200">
+              <a:buFont typeface="+mj-lt"/>
+              <a:buAutoNum type="arabicPeriod"/>
+            </a:pPr>
+            <a:r>
+              <a:rPr lang="zh-CN" altLang="en-US" sz="1800" dirty="0" smtClean="0"/>
+              <a:t>低成本更高的效率</a:t>
+            </a:r>
+            <a:endParaRPr lang="en-US" altLang="zh-CN" sz="1800" dirty="0" smtClean="0"/>
+          </a:p>
+          <a:p>
+            <a:pPr marL="457200" indent="-457200">
+              <a:buFont typeface="+mj-lt"/>
+              <a:buAutoNum type="arabicPeriod"/>
+            </a:pPr>
+            <a:endParaRPr lang="en-US" altLang="zh-CN" sz="1800" dirty="0" smtClean="0"/>
+          </a:p>
+          <a:p>
+            <a:endParaRPr lang="en-US" altLang="zh-CN" dirty="0" smtClean="0"/>
+          </a:p>
+          <a:p>
+            <a:pPr marL="457200" indent="-457200">
+              <a:buFont typeface="+mj-lt"/>
+              <a:buAutoNum type="arabicPeriod"/>
+            </a:pPr>
+            <a:endParaRPr lang="en-US" altLang="zh-CN" dirty="0" smtClean="0"/>
+          </a:p>
+        </p:txBody>
+      </p:sp>
     </p:spTree>
     <p:extLst>
       <p:ext uri="{BB962C8B-B14F-4D97-AF65-F5344CB8AC3E}">
-        <p14:creationId xmlns:p14="http://schemas.microsoft.com/office/powerpoint/2010/main" val="95953435"/>
+        <p14:creationId xmlns:p14="http://schemas.microsoft.com/office/powerpoint/2010/main" val="1590164540"/>
       </p:ext>
     </p:extLst>
   </p:cSld>
@@ -24187,377 +23183,6 @@
           <a:lstStyle/>
           <a:p>
             <a:r>
-              <a:rPr lang="zh-CN" altLang="en-US" sz="4400" dirty="0" smtClean="0">
-                <a:solidFill>
-                  <a:srgbClr val="0070C0"/>
-                </a:solidFill>
-                <a:latin typeface="黑体" panose="02010609060101010101" pitchFamily="49" charset="-122"/>
-                <a:ea typeface="黑体" panose="02010609060101010101" pitchFamily="49" charset="-122"/>
-              </a:rPr>
-              <a:t>需要做哪些？</a:t>
-            </a:r>
-            <a:endParaRPr lang="zh-CN" altLang="en-US" sz="4400" dirty="0">
-              <a:solidFill>
-                <a:srgbClr val="0070C0"/>
-              </a:solidFill>
-              <a:latin typeface="黑体" panose="02010609060101010101" pitchFamily="49" charset="-122"/>
-              <a:ea typeface="黑体" panose="02010609060101010101" pitchFamily="49" charset="-122"/>
-            </a:endParaRPr>
-          </a:p>
-        </p:txBody>
-      </p:sp>
-      <p:cxnSp>
-        <p:nvCxnSpPr>
-          <p:cNvPr id="7" name="直接连接符 6"/>
-          <p:cNvCxnSpPr/>
-          <p:nvPr/>
-        </p:nvCxnSpPr>
-        <p:spPr>
-          <a:xfrm>
-            <a:off x="584734" y="2048065"/>
-            <a:ext cx="11367663" cy="0"/>
-          </a:xfrm>
-          <a:prstGeom prst="line">
-            <a:avLst/>
-          </a:prstGeom>
-          <a:ln>
-            <a:solidFill>
-              <a:schemeClr val="tx1">
-                <a:lumMod val="50000"/>
-                <a:lumOff val="50000"/>
-              </a:schemeClr>
-            </a:solidFill>
-          </a:ln>
-        </p:spPr>
-        <p:style>
-          <a:lnRef idx="1">
-            <a:schemeClr val="accent1"/>
-          </a:lnRef>
-          <a:fillRef idx="0">
-            <a:schemeClr val="accent1"/>
-          </a:fillRef>
-          <a:effectRef idx="0">
-            <a:schemeClr val="accent1"/>
-          </a:effectRef>
-          <a:fontRef idx="minor">
-            <a:schemeClr val="tx1"/>
-          </a:fontRef>
-        </p:style>
-      </p:cxnSp>
-      <p:sp>
-        <p:nvSpPr>
-          <p:cNvPr id="2" name="TextBox 1"/>
-          <p:cNvSpPr txBox="1"/>
-          <p:nvPr/>
-        </p:nvSpPr>
-        <p:spPr>
-          <a:xfrm>
-            <a:off x="1397183" y="2409825"/>
-            <a:ext cx="6340197" cy="461665"/>
-          </a:xfrm>
-          <a:prstGeom prst="rect">
-            <a:avLst/>
-          </a:prstGeom>
-          <a:noFill/>
-        </p:spPr>
-        <p:txBody>
-          <a:bodyPr wrap="none" rtlCol="0">
-            <a:spAutoFit/>
-          </a:bodyPr>
-          <a:lstStyle/>
-          <a:p>
-            <a:r>
-              <a:rPr lang="zh-CN" altLang="en-US" dirty="0" smtClean="0"/>
-              <a:t>首先，云计算能给了我们什么不一样的东西？</a:t>
-            </a:r>
-            <a:endParaRPr lang="zh-CN" altLang="en-US" dirty="0"/>
-          </a:p>
-        </p:txBody>
-      </p:sp>
-      <p:sp>
-        <p:nvSpPr>
-          <p:cNvPr id="8" name="TextBox 7"/>
-          <p:cNvSpPr txBox="1"/>
-          <p:nvPr/>
-        </p:nvSpPr>
-        <p:spPr>
-          <a:xfrm>
-            <a:off x="1533848" y="3071461"/>
-            <a:ext cx="8494633" cy="2492990"/>
-          </a:xfrm>
-          <a:prstGeom prst="rect">
-            <a:avLst/>
-          </a:prstGeom>
-          <a:noFill/>
-        </p:spPr>
-        <p:txBody>
-          <a:bodyPr wrap="none" rtlCol="0">
-            <a:spAutoFit/>
-          </a:bodyPr>
-          <a:lstStyle/>
-          <a:p>
-            <a:pPr marL="457200" indent="-457200">
-              <a:buFont typeface="+mj-lt"/>
-              <a:buAutoNum type="arabicPeriod"/>
-            </a:pPr>
-            <a:r>
-              <a:rPr lang="zh-CN" altLang="en-US" sz="1800" dirty="0" smtClean="0"/>
-              <a:t>开发运维方面：提供一些通用封装，统一解决了如高可用高并发容</a:t>
-            </a:r>
-            <a:r>
-              <a:rPr lang="en-US" altLang="zh-CN" sz="1800" dirty="0" smtClean="0"/>
-              <a:t/>
-            </a:r>
-            <a:br>
-              <a:rPr lang="en-US" altLang="zh-CN" sz="1800" dirty="0" smtClean="0"/>
-            </a:br>
-            <a:r>
-              <a:rPr lang="zh-CN" altLang="en-US" sz="1800" dirty="0" smtClean="0"/>
-              <a:t>安全等等问题、也解决了如缓存、文件存储、数据库、配置管理等等的问题。</a:t>
-            </a:r>
-            <a:r>
-              <a:rPr lang="en-US" altLang="zh-CN" dirty="0" smtClean="0"/>
-              <a:t/>
-            </a:r>
-            <a:br>
-              <a:rPr lang="en-US" altLang="zh-CN" dirty="0" smtClean="0"/>
-            </a:br>
-            <a:r>
-              <a:rPr lang="zh-CN" altLang="en-US" sz="1800" dirty="0" smtClean="0"/>
-              <a:t>运维上能够实现自动化运维，自动扩容等等常见的运维问题</a:t>
-            </a:r>
-            <a:endParaRPr lang="en-US" altLang="zh-CN" sz="1800" dirty="0" smtClean="0"/>
-          </a:p>
-          <a:p>
-            <a:pPr marL="457200" indent="-457200">
-              <a:buFont typeface="+mj-lt"/>
-              <a:buAutoNum type="arabicPeriod"/>
-            </a:pPr>
-            <a:r>
-              <a:rPr lang="zh-CN" altLang="en-US" sz="1800" dirty="0" smtClean="0"/>
-              <a:t>敏捷开发的可能</a:t>
-            </a:r>
-            <a:endParaRPr lang="en-US" altLang="zh-CN" sz="1800" dirty="0" smtClean="0"/>
-          </a:p>
-          <a:p>
-            <a:pPr marL="457200" indent="-457200">
-              <a:buFont typeface="+mj-lt"/>
-              <a:buAutoNum type="arabicPeriod"/>
-            </a:pPr>
-            <a:r>
-              <a:rPr lang="zh-CN" altLang="en-US" sz="1800" dirty="0" smtClean="0"/>
-              <a:t>低成本更高的效率</a:t>
-            </a:r>
-            <a:endParaRPr lang="en-US" altLang="zh-CN" sz="1800" dirty="0" smtClean="0"/>
-          </a:p>
-          <a:p>
-            <a:pPr marL="457200" indent="-457200">
-              <a:buFont typeface="+mj-lt"/>
-              <a:buAutoNum type="arabicPeriod"/>
-            </a:pPr>
-            <a:endParaRPr lang="en-US" altLang="zh-CN" sz="1800" dirty="0" smtClean="0"/>
-          </a:p>
-          <a:p>
-            <a:endParaRPr lang="en-US" altLang="zh-CN" dirty="0" smtClean="0"/>
-          </a:p>
-          <a:p>
-            <a:pPr marL="457200" indent="-457200">
-              <a:buFont typeface="+mj-lt"/>
-              <a:buAutoNum type="arabicPeriod"/>
-            </a:pPr>
-            <a:endParaRPr lang="en-US" altLang="zh-CN" dirty="0" smtClean="0"/>
-          </a:p>
-        </p:txBody>
-      </p:sp>
-    </p:spTree>
-    <p:extLst>
-      <p:ext uri="{BB962C8B-B14F-4D97-AF65-F5344CB8AC3E}">
-        <p14:creationId xmlns:p14="http://schemas.microsoft.com/office/powerpoint/2010/main" val="1590164540"/>
-      </p:ext>
-    </p:extLst>
-  </p:cSld>
-  <p:clrMapOvr>
-    <a:masterClrMapping/>
-  </p:clrMapOvr>
-  <p:timing>
-    <p:tnLst>
-      <p:par>
-        <p:cTn id="1" dur="indefinite" restart="never" nodeType="tmRoot">
-          <p:childTnLst>
-            <p:seq concurrent="1" nextAc="seek">
-              <p:cTn id="2" dur="indefinite" nodeType="mainSeq">
-                <p:childTnLst>
-                  <p:par>
-                    <p:cTn id="3" fill="hold">
-                      <p:stCondLst>
-                        <p:cond delay="indefinite"/>
-                        <p:cond evt="onBegin" delay="0">
-                          <p:tn val="2"/>
-                        </p:cond>
-                      </p:stCondLst>
-                      <p:childTnLst>
-                        <p:par>
-                          <p:cTn id="4" fill="hold">
-                            <p:stCondLst>
-                              <p:cond delay="0"/>
-                            </p:stCondLst>
-                            <p:childTnLst>
-                              <p:par>
-                                <p:cTn id="5" presetID="10" presetClass="entr" presetSubtype="0" fill="hold" grpId="0" nodeType="afterEffect">
-                                  <p:stCondLst>
-                                    <p:cond delay="0"/>
-                                  </p:stCondLst>
-                                  <p:iterate type="lt">
-                                    <p:tmPct val="10000"/>
-                                  </p:iterate>
-                                  <p:childTnLst>
-                                    <p:set>
-                                      <p:cBhvr>
-                                        <p:cTn id="6" dur="1" fill="hold">
-                                          <p:stCondLst>
-                                            <p:cond delay="0"/>
-                                          </p:stCondLst>
-                                        </p:cTn>
-                                        <p:tgtEl>
-                                          <p:spTgt spid="6"/>
-                                        </p:tgtEl>
-                                        <p:attrNameLst>
-                                          <p:attrName>style.visibility</p:attrName>
-                                        </p:attrNameLst>
-                                      </p:cBhvr>
-                                      <p:to>
-                                        <p:strVal val="visible"/>
-                                      </p:to>
-                                    </p:set>
-                                    <p:animEffect transition="in" filter="fade">
-                                      <p:cBhvr>
-                                        <p:cTn id="7" dur="500"/>
-                                        <p:tgtEl>
-                                          <p:spTgt spid="6"/>
-                                        </p:tgtEl>
-                                      </p:cBhvr>
-                                    </p:animEffect>
-                                  </p:childTnLst>
-                                </p:cTn>
-                              </p:par>
-                            </p:childTnLst>
-                          </p:cTn>
-                        </p:par>
-                        <p:par>
-                          <p:cTn id="8" fill="hold">
-                            <p:stCondLst>
-                              <p:cond delay="750"/>
-                            </p:stCondLst>
-                            <p:childTnLst>
-                              <p:par>
-                                <p:cTn id="9" presetID="22" presetClass="entr" presetSubtype="8" fill="hold" nodeType="afterEffect">
-                                  <p:stCondLst>
-                                    <p:cond delay="0"/>
-                                  </p:stCondLst>
-                                  <p:childTnLst>
-                                    <p:set>
-                                      <p:cBhvr>
-                                        <p:cTn id="10" dur="1" fill="hold">
-                                          <p:stCondLst>
-                                            <p:cond delay="0"/>
-                                          </p:stCondLst>
-                                        </p:cTn>
-                                        <p:tgtEl>
-                                          <p:spTgt spid="7"/>
-                                        </p:tgtEl>
-                                        <p:attrNameLst>
-                                          <p:attrName>style.visibility</p:attrName>
-                                        </p:attrNameLst>
-                                      </p:cBhvr>
-                                      <p:to>
-                                        <p:strVal val="visible"/>
-                                      </p:to>
-                                    </p:set>
-                                    <p:animEffect transition="in" filter="wipe(left)">
-                                      <p:cBhvr>
-                                        <p:cTn id="11" dur="1000"/>
-                                        <p:tgtEl>
-                                          <p:spTgt spid="7"/>
-                                        </p:tgtEl>
-                                      </p:cBhvr>
-                                    </p:animEffect>
-                                  </p:childTnLst>
-                                </p:cTn>
-                              </p:par>
-                            </p:childTnLst>
-                          </p:cTn>
-                        </p:par>
-                      </p:childTnLst>
-                    </p:cTn>
-                  </p:par>
-                </p:childTnLst>
-              </p:cTn>
-              <p:prevCondLst>
-                <p:cond evt="onPrev" delay="0">
-                  <p:tgtEl>
-                    <p:sldTgt/>
-                  </p:tgtEl>
-                </p:cond>
-              </p:prevCondLst>
-              <p:nextCondLst>
-                <p:cond evt="onNext" delay="0">
-                  <p:tgtEl>
-                    <p:sldTgt/>
-                  </p:tgtEl>
-                </p:cond>
-              </p:nextCondLst>
-            </p:seq>
-          </p:childTnLst>
-        </p:cTn>
-      </p:par>
-    </p:tnLst>
-    <p:bldLst>
-      <p:bldP spid="6" grpId="0"/>
-    </p:bldLst>
-  </p:timing>
-</p:sld>
-</file>
-
-<file path=ppt/slides/slide23.xml><?xml version="1.0" encoding="utf-8"?>
-<p:sld xmlns:a="http://schemas.openxmlformats.org/drawingml/2006/main" xmlns:r="http://schemas.openxmlformats.org/officeDocument/2006/relationships" xmlns:p="http://schemas.openxmlformats.org/presentationml/2006/main">
-  <p:cSld>
-    <p:spTree>
-      <p:nvGrpSpPr>
-        <p:cNvPr id="1" name=""/>
-        <p:cNvGrpSpPr/>
-        <p:nvPr/>
-      </p:nvGrpSpPr>
-      <p:grpSpPr>
-        <a:xfrm>
-          <a:off x="0" y="0"/>
-          <a:ext cx="0" cy="0"/>
-          <a:chOff x="0" y="0"/>
-          <a:chExt cx="0" cy="0"/>
-        </a:xfrm>
-      </p:grpSpPr>
-      <p:sp>
-        <p:nvSpPr>
-          <p:cNvPr id="6" name="文本框 13"/>
-          <p:cNvSpPr txBox="1"/>
-          <p:nvPr/>
-        </p:nvSpPr>
-        <p:spPr>
-          <a:xfrm>
-            <a:off x="1061214" y="855266"/>
-            <a:ext cx="15989242" cy="801897"/>
-          </a:xfrm>
-          <a:prstGeom prst="rect">
-            <a:avLst/>
-          </a:prstGeom>
-          <a:noFill/>
-        </p:spPr>
-        <p:txBody>
-          <a:bodyPr wrap="square" lIns="123581" tIns="61791" rIns="123581" bIns="61791" rtlCol="0">
-            <a:spAutoFit/>
-          </a:bodyPr>
-          <a:lstStyle/>
-          <a:p>
-            <a:r>
               <a:rPr lang="en-US" altLang="zh-CN" sz="4400" dirty="0" err="1" smtClean="0">
                 <a:solidFill>
                   <a:srgbClr val="0070C0"/>
@@ -24900,7 +23525,7 @@
 </p:sld>
 </file>
 
-<file path=ppt/slides/slide24.xml><?xml version="1.0" encoding="utf-8"?>
+<file path=ppt/slides/slide23.xml><?xml version="1.0" encoding="utf-8"?>
 <p:sld xmlns:a="http://schemas.openxmlformats.org/drawingml/2006/main" xmlns:r="http://schemas.openxmlformats.org/officeDocument/2006/relationships" xmlns:p="http://schemas.openxmlformats.org/presentationml/2006/main">
   <p:cSld>
     <p:spTree>
@@ -25311,1053 +23936,7 @@
 </p:sld>
 </file>
 
-<file path=ppt/slides/slide25.xml><?xml version="1.0" encoding="utf-8"?>
-<p:sld xmlns:a="http://schemas.openxmlformats.org/drawingml/2006/main" xmlns:r="http://schemas.openxmlformats.org/officeDocument/2006/relationships" xmlns:p="http://schemas.openxmlformats.org/presentationml/2006/main">
-  <p:cSld>
-    <p:spTree>
-      <p:nvGrpSpPr>
-        <p:cNvPr id="1" name=""/>
-        <p:cNvGrpSpPr/>
-        <p:nvPr/>
-      </p:nvGrpSpPr>
-      <p:grpSpPr>
-        <a:xfrm>
-          <a:off x="0" y="0"/>
-          <a:ext cx="0" cy="0"/>
-          <a:chOff x="0" y="0"/>
-          <a:chExt cx="0" cy="0"/>
-        </a:xfrm>
-      </p:grpSpPr>
-      <p:sp>
-        <p:nvSpPr>
-          <p:cNvPr id="6" name="文本框 13"/>
-          <p:cNvSpPr txBox="1"/>
-          <p:nvPr/>
-        </p:nvSpPr>
-        <p:spPr>
-          <a:xfrm>
-            <a:off x="1061214" y="855266"/>
-            <a:ext cx="15989242" cy="801897"/>
-          </a:xfrm>
-          <a:prstGeom prst="rect">
-            <a:avLst/>
-          </a:prstGeom>
-          <a:noFill/>
-        </p:spPr>
-        <p:txBody>
-          <a:bodyPr wrap="square" lIns="123581" tIns="61791" rIns="123581" bIns="61791" rtlCol="0">
-            <a:spAutoFit/>
-          </a:bodyPr>
-          <a:lstStyle/>
-          <a:p>
-            <a:r>
-              <a:rPr lang="zh-CN" altLang="en-US" sz="4400" dirty="0" smtClean="0">
-                <a:solidFill>
-                  <a:srgbClr val="0070C0"/>
-                </a:solidFill>
-                <a:latin typeface="黑体" panose="02010609060101010101" pitchFamily="49" charset="-122"/>
-                <a:ea typeface="黑体" panose="02010609060101010101" pitchFamily="49" charset="-122"/>
-              </a:rPr>
-              <a:t>急需做哪些？</a:t>
-            </a:r>
-            <a:endParaRPr lang="zh-CN" altLang="en-US" sz="4400" dirty="0">
-              <a:solidFill>
-                <a:srgbClr val="0070C0"/>
-              </a:solidFill>
-              <a:latin typeface="黑体" panose="02010609060101010101" pitchFamily="49" charset="-122"/>
-              <a:ea typeface="黑体" panose="02010609060101010101" pitchFamily="49" charset="-122"/>
-            </a:endParaRPr>
-          </a:p>
-        </p:txBody>
-      </p:sp>
-      <p:cxnSp>
-        <p:nvCxnSpPr>
-          <p:cNvPr id="7" name="直接连接符 6"/>
-          <p:cNvCxnSpPr/>
-          <p:nvPr/>
-        </p:nvCxnSpPr>
-        <p:spPr>
-          <a:xfrm>
-            <a:off x="584734" y="2048065"/>
-            <a:ext cx="11367663" cy="0"/>
-          </a:xfrm>
-          <a:prstGeom prst="line">
-            <a:avLst/>
-          </a:prstGeom>
-          <a:ln>
-            <a:solidFill>
-              <a:schemeClr val="tx1">
-                <a:lumMod val="50000"/>
-                <a:lumOff val="50000"/>
-              </a:schemeClr>
-            </a:solidFill>
-          </a:ln>
-        </p:spPr>
-        <p:style>
-          <a:lnRef idx="1">
-            <a:schemeClr val="accent1"/>
-          </a:lnRef>
-          <a:fillRef idx="0">
-            <a:schemeClr val="accent1"/>
-          </a:fillRef>
-          <a:effectRef idx="0">
-            <a:schemeClr val="accent1"/>
-          </a:effectRef>
-          <a:fontRef idx="minor">
-            <a:schemeClr val="tx1"/>
-          </a:fontRef>
-        </p:style>
-      </p:cxnSp>
-      <p:sp>
-        <p:nvSpPr>
-          <p:cNvPr id="12" name="文本框 7"/>
-          <p:cNvSpPr txBox="1"/>
-          <p:nvPr/>
-        </p:nvSpPr>
-        <p:spPr>
-          <a:xfrm>
-            <a:off x="1677864" y="3879602"/>
-            <a:ext cx="8496944" cy="2016224"/>
-          </a:xfrm>
-          <a:prstGeom prst="rect">
-            <a:avLst/>
-          </a:prstGeom>
-          <a:noFill/>
-        </p:spPr>
-        <p:txBody>
-          <a:bodyPr wrap="none" lIns="123581" tIns="61791" rIns="123581" bIns="61791" rtlCol="0">
-            <a:noAutofit/>
-          </a:bodyPr>
-          <a:lstStyle/>
-          <a:p>
-            <a:pPr marL="285750" indent="-285750">
-              <a:buFont typeface="Arial" panose="020B0604020202020204" pitchFamily="34" charset="0"/>
-              <a:buChar char="•"/>
-            </a:pPr>
-            <a:r>
-              <a:rPr lang="zh-CN" altLang="en-US" sz="1800" dirty="0" smtClean="0">
-                <a:solidFill>
-                  <a:schemeClr val="accent1"/>
-                </a:solidFill>
-                <a:latin typeface="微软雅黑" panose="020B0503020204020204" pitchFamily="34" charset="-122"/>
-                <a:ea typeface="微软雅黑" panose="020B0503020204020204" pitchFamily="34" charset="-122"/>
-              </a:rPr>
-              <a:t>如何实现弹性（可用性、高性能上面的扩展性）</a:t>
-            </a:r>
-            <a:endParaRPr lang="en-US" altLang="zh-CN" sz="1800" dirty="0" smtClean="0">
-              <a:solidFill>
-                <a:schemeClr val="accent1"/>
-              </a:solidFill>
-              <a:latin typeface="微软雅黑" panose="020B0503020204020204" pitchFamily="34" charset="-122"/>
-              <a:ea typeface="微软雅黑" panose="020B0503020204020204" pitchFamily="34" charset="-122"/>
-            </a:endParaRPr>
-          </a:p>
-          <a:p>
-            <a:pPr marL="285750" indent="-285750">
-              <a:buFont typeface="Arial" panose="020B0604020202020204" pitchFamily="34" charset="0"/>
-              <a:buChar char="•"/>
-            </a:pPr>
-            <a:r>
-              <a:rPr lang="zh-CN" altLang="en-US" sz="1800" dirty="0" smtClean="0">
-                <a:solidFill>
-                  <a:schemeClr val="accent1"/>
-                </a:solidFill>
-                <a:latin typeface="微软雅黑" panose="020B0503020204020204" pitchFamily="34" charset="-122"/>
-                <a:ea typeface="微软雅黑" panose="020B0503020204020204" pitchFamily="34" charset="-122"/>
-              </a:rPr>
-              <a:t>如何实现容灾</a:t>
-            </a:r>
-            <a:endParaRPr lang="en-US" altLang="zh-CN" sz="1800" dirty="0" smtClean="0">
-              <a:solidFill>
-                <a:schemeClr val="accent1"/>
-              </a:solidFill>
-              <a:latin typeface="微软雅黑" panose="020B0503020204020204" pitchFamily="34" charset="-122"/>
-              <a:ea typeface="微软雅黑" panose="020B0503020204020204" pitchFamily="34" charset="-122"/>
-            </a:endParaRPr>
-          </a:p>
-          <a:p>
-            <a:pPr marL="285750" indent="-285750">
-              <a:buFont typeface="Arial" panose="020B0604020202020204" pitchFamily="34" charset="0"/>
-              <a:buChar char="•"/>
-            </a:pPr>
-            <a:r>
-              <a:rPr lang="zh-CN" altLang="en-US" sz="1800" dirty="0" smtClean="0">
-                <a:solidFill>
-                  <a:schemeClr val="accent1"/>
-                </a:solidFill>
-                <a:latin typeface="微软雅黑" panose="020B0503020204020204" pitchFamily="34" charset="-122"/>
-                <a:ea typeface="微软雅黑" panose="020B0503020204020204" pitchFamily="34" charset="-122"/>
-              </a:rPr>
-              <a:t>如何实现安全</a:t>
-            </a:r>
-            <a:endParaRPr lang="en-US" altLang="zh-CN" sz="1800" dirty="0" smtClean="0">
-              <a:solidFill>
-                <a:schemeClr val="accent1"/>
-              </a:solidFill>
-              <a:latin typeface="微软雅黑" panose="020B0503020204020204" pitchFamily="34" charset="-122"/>
-              <a:ea typeface="微软雅黑" panose="020B0503020204020204" pitchFamily="34" charset="-122"/>
-            </a:endParaRPr>
-          </a:p>
-          <a:p>
-            <a:pPr marL="285750" indent="-285750">
-              <a:buFont typeface="Arial" panose="020B0604020202020204" pitchFamily="34" charset="0"/>
-              <a:buChar char="•"/>
-            </a:pPr>
-            <a:r>
-              <a:rPr lang="zh-CN" altLang="en-US" sz="1800" dirty="0" smtClean="0">
-                <a:solidFill>
-                  <a:schemeClr val="accent1"/>
-                </a:solidFill>
-                <a:latin typeface="微软雅黑" panose="020B0503020204020204" pitchFamily="34" charset="-122"/>
-                <a:ea typeface="微软雅黑" panose="020B0503020204020204" pitchFamily="34" charset="-122"/>
-              </a:rPr>
-              <a:t>如何实现敏捷开发</a:t>
-            </a:r>
-            <a:endParaRPr lang="en-US" altLang="zh-CN" sz="1800" dirty="0" smtClean="0">
-              <a:solidFill>
-                <a:schemeClr val="accent1"/>
-              </a:solidFill>
-              <a:latin typeface="微软雅黑" panose="020B0503020204020204" pitchFamily="34" charset="-122"/>
-              <a:ea typeface="微软雅黑" panose="020B0503020204020204" pitchFamily="34" charset="-122"/>
-            </a:endParaRPr>
-          </a:p>
-        </p:txBody>
-      </p:sp>
-      <p:sp>
-        <p:nvSpPr>
-          <p:cNvPr id="2" name="TextBox 1"/>
-          <p:cNvSpPr txBox="1"/>
-          <p:nvPr/>
-        </p:nvSpPr>
-        <p:spPr>
-          <a:xfrm>
-            <a:off x="1461840" y="2583458"/>
-            <a:ext cx="10956846" cy="830997"/>
-          </a:xfrm>
-          <a:prstGeom prst="rect">
-            <a:avLst/>
-          </a:prstGeom>
-          <a:noFill/>
-        </p:spPr>
-        <p:txBody>
-          <a:bodyPr wrap="none" rtlCol="0">
-            <a:spAutoFit/>
-          </a:bodyPr>
-          <a:lstStyle/>
-          <a:p>
-            <a:r>
-              <a:rPr lang="zh-CN" altLang="en-US" dirty="0" smtClean="0"/>
-              <a:t>技术是由需求推动的</a:t>
-            </a:r>
-            <a:endParaRPr lang="en-US" altLang="zh-CN" dirty="0" smtClean="0"/>
-          </a:p>
-          <a:p>
-            <a:r>
-              <a:rPr lang="zh-CN" altLang="en-US" dirty="0" smtClean="0"/>
-              <a:t>过度的设计只会使方案变得臃肿和难以实现，而实际使用恰恰是一些很小的功能</a:t>
-            </a:r>
-            <a:endParaRPr lang="en-US" altLang="zh-CN" dirty="0" smtClean="0"/>
-          </a:p>
-        </p:txBody>
-      </p:sp>
-      <p:sp>
-        <p:nvSpPr>
-          <p:cNvPr id="3" name="TextBox 2"/>
-          <p:cNvSpPr txBox="1"/>
-          <p:nvPr/>
-        </p:nvSpPr>
-        <p:spPr>
-          <a:xfrm>
-            <a:off x="1677864" y="5967834"/>
-            <a:ext cx="3182281" cy="461665"/>
-          </a:xfrm>
-          <a:prstGeom prst="rect">
-            <a:avLst/>
-          </a:prstGeom>
-          <a:noFill/>
-        </p:spPr>
-        <p:txBody>
-          <a:bodyPr wrap="none" rtlCol="0">
-            <a:spAutoFit/>
-          </a:bodyPr>
-          <a:lstStyle/>
-          <a:p>
-            <a:r>
-              <a:rPr lang="zh-CN" altLang="en-US" dirty="0" smtClean="0"/>
-              <a:t>这些实现都有个过程</a:t>
-            </a:r>
-            <a:r>
-              <a:rPr lang="en-US" altLang="zh-CN" dirty="0" smtClean="0"/>
-              <a:t>..</a:t>
-            </a:r>
-            <a:endParaRPr lang="zh-CN" altLang="en-US" dirty="0"/>
-          </a:p>
-        </p:txBody>
-      </p:sp>
-    </p:spTree>
-    <p:extLst>
-      <p:ext uri="{BB962C8B-B14F-4D97-AF65-F5344CB8AC3E}">
-        <p14:creationId xmlns:p14="http://schemas.microsoft.com/office/powerpoint/2010/main" val="127827888"/>
-      </p:ext>
-    </p:extLst>
-  </p:cSld>
-  <p:clrMapOvr>
-    <a:masterClrMapping/>
-  </p:clrMapOvr>
-  <p:timing>
-    <p:tnLst>
-      <p:par>
-        <p:cTn id="1" dur="indefinite" restart="never" nodeType="tmRoot">
-          <p:childTnLst>
-            <p:seq concurrent="1" nextAc="seek">
-              <p:cTn id="2" dur="indefinite" nodeType="mainSeq">
-                <p:childTnLst>
-                  <p:par>
-                    <p:cTn id="3" fill="hold">
-                      <p:stCondLst>
-                        <p:cond delay="indefinite"/>
-                        <p:cond evt="onBegin" delay="0">
-                          <p:tn val="2"/>
-                        </p:cond>
-                      </p:stCondLst>
-                      <p:childTnLst>
-                        <p:par>
-                          <p:cTn id="4" fill="hold">
-                            <p:stCondLst>
-                              <p:cond delay="0"/>
-                            </p:stCondLst>
-                            <p:childTnLst>
-                              <p:par>
-                                <p:cTn id="5" presetID="10" presetClass="entr" presetSubtype="0" fill="hold" grpId="0" nodeType="afterEffect">
-                                  <p:stCondLst>
-                                    <p:cond delay="0"/>
-                                  </p:stCondLst>
-                                  <p:iterate type="lt">
-                                    <p:tmPct val="10000"/>
-                                  </p:iterate>
-                                  <p:childTnLst>
-                                    <p:set>
-                                      <p:cBhvr>
-                                        <p:cTn id="6" dur="1" fill="hold">
-                                          <p:stCondLst>
-                                            <p:cond delay="0"/>
-                                          </p:stCondLst>
-                                        </p:cTn>
-                                        <p:tgtEl>
-                                          <p:spTgt spid="6"/>
-                                        </p:tgtEl>
-                                        <p:attrNameLst>
-                                          <p:attrName>style.visibility</p:attrName>
-                                        </p:attrNameLst>
-                                      </p:cBhvr>
-                                      <p:to>
-                                        <p:strVal val="visible"/>
-                                      </p:to>
-                                    </p:set>
-                                    <p:animEffect transition="in" filter="fade">
-                                      <p:cBhvr>
-                                        <p:cTn id="7" dur="500"/>
-                                        <p:tgtEl>
-                                          <p:spTgt spid="6"/>
-                                        </p:tgtEl>
-                                      </p:cBhvr>
-                                    </p:animEffect>
-                                  </p:childTnLst>
-                                </p:cTn>
-                              </p:par>
-                            </p:childTnLst>
-                          </p:cTn>
-                        </p:par>
-                        <p:par>
-                          <p:cTn id="8" fill="hold">
-                            <p:stCondLst>
-                              <p:cond delay="750"/>
-                            </p:stCondLst>
-                            <p:childTnLst>
-                              <p:par>
-                                <p:cTn id="9" presetID="22" presetClass="entr" presetSubtype="8" fill="hold" nodeType="afterEffect">
-                                  <p:stCondLst>
-                                    <p:cond delay="0"/>
-                                  </p:stCondLst>
-                                  <p:childTnLst>
-                                    <p:set>
-                                      <p:cBhvr>
-                                        <p:cTn id="10" dur="1" fill="hold">
-                                          <p:stCondLst>
-                                            <p:cond delay="0"/>
-                                          </p:stCondLst>
-                                        </p:cTn>
-                                        <p:tgtEl>
-                                          <p:spTgt spid="7"/>
-                                        </p:tgtEl>
-                                        <p:attrNameLst>
-                                          <p:attrName>style.visibility</p:attrName>
-                                        </p:attrNameLst>
-                                      </p:cBhvr>
-                                      <p:to>
-                                        <p:strVal val="visible"/>
-                                      </p:to>
-                                    </p:set>
-                                    <p:animEffect transition="in" filter="wipe(left)">
-                                      <p:cBhvr>
-                                        <p:cTn id="11" dur="1000"/>
-                                        <p:tgtEl>
-                                          <p:spTgt spid="7"/>
-                                        </p:tgtEl>
-                                      </p:cBhvr>
-                                    </p:animEffect>
-                                  </p:childTnLst>
-                                </p:cTn>
-                              </p:par>
-                            </p:childTnLst>
-                          </p:cTn>
-                        </p:par>
-                        <p:par>
-                          <p:cTn id="12" fill="hold">
-                            <p:stCondLst>
-                              <p:cond delay="1750"/>
-                            </p:stCondLst>
-                            <p:childTnLst>
-                              <p:par>
-                                <p:cTn id="13" presetID="10" presetClass="entr" presetSubtype="0" fill="hold" grpId="0" nodeType="afterEffect">
-                                  <p:stCondLst>
-                                    <p:cond delay="0"/>
-                                  </p:stCondLst>
-                                  <p:childTnLst>
-                                    <p:set>
-                                      <p:cBhvr>
-                                        <p:cTn id="14" dur="1" fill="hold">
-                                          <p:stCondLst>
-                                            <p:cond delay="0"/>
-                                          </p:stCondLst>
-                                        </p:cTn>
-                                        <p:tgtEl>
-                                          <p:spTgt spid="12"/>
-                                        </p:tgtEl>
-                                        <p:attrNameLst>
-                                          <p:attrName>style.visibility</p:attrName>
-                                        </p:attrNameLst>
-                                      </p:cBhvr>
-                                      <p:to>
-                                        <p:strVal val="visible"/>
-                                      </p:to>
-                                    </p:set>
-                                    <p:animEffect transition="in" filter="fade">
-                                      <p:cBhvr>
-                                        <p:cTn id="15" dur="750"/>
-                                        <p:tgtEl>
-                                          <p:spTgt spid="12"/>
-                                        </p:tgtEl>
-                                      </p:cBhvr>
-                                    </p:animEffect>
-                                  </p:childTnLst>
-                                </p:cTn>
-                              </p:par>
-                            </p:childTnLst>
-                          </p:cTn>
-                        </p:par>
-                      </p:childTnLst>
-                    </p:cTn>
-                  </p:par>
-                </p:childTnLst>
-              </p:cTn>
-              <p:prevCondLst>
-                <p:cond evt="onPrev" delay="0">
-                  <p:tgtEl>
-                    <p:sldTgt/>
-                  </p:tgtEl>
-                </p:cond>
-              </p:prevCondLst>
-              <p:nextCondLst>
-                <p:cond evt="onNext" delay="0">
-                  <p:tgtEl>
-                    <p:sldTgt/>
-                  </p:tgtEl>
-                </p:cond>
-              </p:nextCondLst>
-            </p:seq>
-          </p:childTnLst>
-        </p:cTn>
-      </p:par>
-    </p:tnLst>
-    <p:bldLst>
-      <p:bldP spid="6" grpId="0"/>
-      <p:bldP spid="12" grpId="0"/>
-    </p:bldLst>
-  </p:timing>
-</p:sld>
-</file>
-
-<file path=ppt/slides/slide26.xml><?xml version="1.0" encoding="utf-8"?>
-<p:sld xmlns:a="http://schemas.openxmlformats.org/drawingml/2006/main" xmlns:r="http://schemas.openxmlformats.org/officeDocument/2006/relationships" xmlns:p="http://schemas.openxmlformats.org/presentationml/2006/main">
-  <p:cSld>
-    <p:spTree>
-      <p:nvGrpSpPr>
-        <p:cNvPr id="1" name=""/>
-        <p:cNvGrpSpPr/>
-        <p:nvPr/>
-      </p:nvGrpSpPr>
-      <p:grpSpPr>
-        <a:xfrm>
-          <a:off x="0" y="0"/>
-          <a:ext cx="0" cy="0"/>
-          <a:chOff x="0" y="0"/>
-          <a:chExt cx="0" cy="0"/>
-        </a:xfrm>
-      </p:grpSpPr>
-      <p:sp>
-        <p:nvSpPr>
-          <p:cNvPr id="6" name="文本框 13"/>
-          <p:cNvSpPr txBox="1"/>
-          <p:nvPr/>
-        </p:nvSpPr>
-        <p:spPr>
-          <a:xfrm>
-            <a:off x="1061214" y="855266"/>
-            <a:ext cx="15989242" cy="801897"/>
-          </a:xfrm>
-          <a:prstGeom prst="rect">
-            <a:avLst/>
-          </a:prstGeom>
-          <a:noFill/>
-        </p:spPr>
-        <p:txBody>
-          <a:bodyPr wrap="square" lIns="123581" tIns="61791" rIns="123581" bIns="61791" rtlCol="0">
-            <a:spAutoFit/>
-          </a:bodyPr>
-          <a:lstStyle/>
-          <a:p>
-            <a:r>
-              <a:rPr lang="zh-CN" altLang="en-US" sz="4400" dirty="0" smtClean="0">
-                <a:solidFill>
-                  <a:srgbClr val="0070C0"/>
-                </a:solidFill>
-                <a:latin typeface="黑体" panose="02010609060101010101" pitchFamily="49" charset="-122"/>
-                <a:ea typeface="黑体" panose="02010609060101010101" pitchFamily="49" charset="-122"/>
-              </a:rPr>
-              <a:t>阶段计划</a:t>
-            </a:r>
-            <a:endParaRPr lang="zh-CN" altLang="en-US" sz="4400" dirty="0">
-              <a:solidFill>
-                <a:srgbClr val="0070C0"/>
-              </a:solidFill>
-              <a:latin typeface="黑体" panose="02010609060101010101" pitchFamily="49" charset="-122"/>
-              <a:ea typeface="黑体" panose="02010609060101010101" pitchFamily="49" charset="-122"/>
-            </a:endParaRPr>
-          </a:p>
-        </p:txBody>
-      </p:sp>
-      <p:cxnSp>
-        <p:nvCxnSpPr>
-          <p:cNvPr id="7" name="直接连接符 6"/>
-          <p:cNvCxnSpPr/>
-          <p:nvPr/>
-        </p:nvCxnSpPr>
-        <p:spPr>
-          <a:xfrm>
-            <a:off x="584734" y="2048065"/>
-            <a:ext cx="11367663" cy="0"/>
-          </a:xfrm>
-          <a:prstGeom prst="line">
-            <a:avLst/>
-          </a:prstGeom>
-          <a:ln>
-            <a:solidFill>
-              <a:schemeClr val="tx1">
-                <a:lumMod val="50000"/>
-                <a:lumOff val="50000"/>
-              </a:schemeClr>
-            </a:solidFill>
-          </a:ln>
-        </p:spPr>
-        <p:style>
-          <a:lnRef idx="1">
-            <a:schemeClr val="accent1"/>
-          </a:lnRef>
-          <a:fillRef idx="0">
-            <a:schemeClr val="accent1"/>
-          </a:fillRef>
-          <a:effectRef idx="0">
-            <a:schemeClr val="accent1"/>
-          </a:effectRef>
-          <a:fontRef idx="minor">
-            <a:schemeClr val="tx1"/>
-          </a:fontRef>
-        </p:style>
-      </p:cxnSp>
-      <p:sp>
-        <p:nvSpPr>
-          <p:cNvPr id="2" name="矩形 1"/>
-          <p:cNvSpPr/>
-          <p:nvPr/>
-        </p:nvSpPr>
-        <p:spPr>
-          <a:xfrm>
-            <a:off x="947561" y="2367434"/>
-            <a:ext cx="3024336" cy="1800200"/>
-          </a:xfrm>
-          <a:prstGeom prst="rect">
-            <a:avLst/>
-          </a:prstGeom>
-          <a:solidFill>
-            <a:schemeClr val="accent5">
-              <a:lumMod val="20000"/>
-              <a:lumOff val="80000"/>
-            </a:schemeClr>
-          </a:solidFill>
-          <a:ln>
-            <a:noFill/>
-          </a:ln>
-        </p:spPr>
-        <p:style>
-          <a:lnRef idx="2">
-            <a:schemeClr val="accent1">
-              <a:shade val="50000"/>
-            </a:schemeClr>
-          </a:lnRef>
-          <a:fillRef idx="1">
-            <a:schemeClr val="accent1"/>
-          </a:fillRef>
-          <a:effectRef idx="0">
-            <a:schemeClr val="accent1"/>
-          </a:effectRef>
-          <a:fontRef idx="minor">
-            <a:schemeClr val="lt1"/>
-          </a:fontRef>
-        </p:style>
-        <p:txBody>
-          <a:bodyPr rtlCol="0" anchor="ctr"/>
-          <a:lstStyle/>
-          <a:p>
-            <a:pPr algn="ctr"/>
-            <a:r>
-              <a:rPr lang="zh-CN" altLang="en-US" dirty="0" smtClean="0">
-                <a:solidFill>
-                  <a:schemeClr val="tx1"/>
-                </a:solidFill>
-              </a:rPr>
-              <a:t>基础可用阶段</a:t>
-            </a:r>
-            <a:r>
-              <a:rPr lang="en-US" altLang="zh-CN" dirty="0" smtClean="0">
-                <a:solidFill>
-                  <a:schemeClr val="tx1"/>
-                </a:solidFill>
-              </a:rPr>
-              <a:t/>
-            </a:r>
-            <a:br>
-              <a:rPr lang="en-US" altLang="zh-CN" dirty="0" smtClean="0">
-                <a:solidFill>
-                  <a:schemeClr val="tx1"/>
-                </a:solidFill>
-              </a:rPr>
-            </a:br>
-            <a:r>
-              <a:rPr lang="zh-CN" altLang="en-US" dirty="0" smtClean="0">
-                <a:solidFill>
-                  <a:schemeClr val="tx1"/>
-                </a:solidFill>
-              </a:rPr>
-              <a:t>（弹性</a:t>
-            </a:r>
-            <a:r>
-              <a:rPr lang="en-US" altLang="zh-CN" smtClean="0">
-                <a:solidFill>
-                  <a:schemeClr val="tx1"/>
-                </a:solidFill>
-              </a:rPr>
-              <a:t>cna</a:t>
-            </a:r>
-            <a:r>
-              <a:rPr lang="zh-CN" altLang="en-US" smtClean="0">
-                <a:solidFill>
-                  <a:schemeClr val="tx1"/>
-                </a:solidFill>
-              </a:rPr>
-              <a:t>接口</a:t>
-            </a:r>
-            <a:r>
-              <a:rPr lang="zh-CN" altLang="en-US" dirty="0" smtClean="0">
-                <a:solidFill>
-                  <a:schemeClr val="tx1"/>
-                </a:solidFill>
-              </a:rPr>
-              <a:t>，通用设施接口）</a:t>
-            </a:r>
-            <a:endParaRPr lang="zh-CN" altLang="en-US" dirty="0">
-              <a:solidFill>
-                <a:schemeClr val="tx1"/>
-              </a:solidFill>
-            </a:endParaRPr>
-          </a:p>
-        </p:txBody>
-      </p:sp>
-      <p:sp>
-        <p:nvSpPr>
-          <p:cNvPr id="9" name="矩形 8"/>
-          <p:cNvSpPr/>
-          <p:nvPr/>
-        </p:nvSpPr>
-        <p:spPr>
-          <a:xfrm>
-            <a:off x="4054128" y="4356888"/>
-            <a:ext cx="3636271" cy="1872208"/>
-          </a:xfrm>
-          <a:prstGeom prst="rect">
-            <a:avLst/>
-          </a:prstGeom>
-          <a:solidFill>
-            <a:schemeClr val="accent6">
-              <a:lumMod val="60000"/>
-              <a:lumOff val="40000"/>
-            </a:schemeClr>
-          </a:solidFill>
-          <a:ln>
-            <a:noFill/>
-          </a:ln>
-        </p:spPr>
-        <p:style>
-          <a:lnRef idx="2">
-            <a:schemeClr val="accent1">
-              <a:shade val="50000"/>
-            </a:schemeClr>
-          </a:lnRef>
-          <a:fillRef idx="1">
-            <a:schemeClr val="accent1"/>
-          </a:fillRef>
-          <a:effectRef idx="0">
-            <a:schemeClr val="accent1"/>
-          </a:effectRef>
-          <a:fontRef idx="minor">
-            <a:schemeClr val="lt1"/>
-          </a:fontRef>
-        </p:style>
-        <p:txBody>
-          <a:bodyPr rtlCol="0" anchor="ctr"/>
-          <a:lstStyle/>
-          <a:p>
-            <a:pPr algn="ctr"/>
-            <a:r>
-              <a:rPr lang="zh-CN" altLang="en-US" dirty="0" smtClean="0"/>
-              <a:t>使用扩展阶段</a:t>
-            </a:r>
-            <a:endParaRPr lang="en-US" altLang="zh-CN" dirty="0" smtClean="0"/>
-          </a:p>
-          <a:p>
-            <a:pPr algn="ctr"/>
-            <a:r>
-              <a:rPr lang="zh-CN" altLang="en-US" dirty="0" smtClean="0"/>
-              <a:t>（扩展大量功能工具，实现整体框架）</a:t>
-            </a:r>
-            <a:endParaRPr lang="zh-CN" altLang="en-US" dirty="0"/>
-          </a:p>
-        </p:txBody>
-      </p:sp>
-      <p:sp>
-        <p:nvSpPr>
-          <p:cNvPr id="11" name="矩形 10"/>
-          <p:cNvSpPr/>
-          <p:nvPr/>
-        </p:nvSpPr>
-        <p:spPr>
-          <a:xfrm>
-            <a:off x="8230592" y="6234856"/>
-            <a:ext cx="3888432" cy="1944216"/>
-          </a:xfrm>
-          <a:prstGeom prst="rect">
-            <a:avLst/>
-          </a:prstGeom>
-        </p:spPr>
-        <p:style>
-          <a:lnRef idx="2">
-            <a:schemeClr val="accent1">
-              <a:shade val="50000"/>
-            </a:schemeClr>
-          </a:lnRef>
-          <a:fillRef idx="1">
-            <a:schemeClr val="accent1"/>
-          </a:fillRef>
-          <a:effectRef idx="0">
-            <a:schemeClr val="accent1"/>
-          </a:effectRef>
-          <a:fontRef idx="minor">
-            <a:schemeClr val="lt1"/>
-          </a:fontRef>
-        </p:style>
-        <p:txBody>
-          <a:bodyPr rtlCol="0" anchor="ctr"/>
-          <a:lstStyle/>
-          <a:p>
-            <a:pPr algn="ctr"/>
-            <a:r>
-              <a:rPr lang="en-US" altLang="zh-CN" dirty="0" err="1" smtClean="0"/>
-              <a:t>Paas</a:t>
-            </a:r>
-            <a:endParaRPr lang="zh-CN" altLang="en-US" dirty="0"/>
-          </a:p>
-        </p:txBody>
-      </p:sp>
-      <p:sp>
-        <p:nvSpPr>
-          <p:cNvPr id="20" name="圆角右箭头 19"/>
-          <p:cNvSpPr/>
-          <p:nvPr/>
-        </p:nvSpPr>
-        <p:spPr>
-          <a:xfrm rot="4487039">
-            <a:off x="4247893" y="3079806"/>
-            <a:ext cx="1236159" cy="1346451"/>
-          </a:xfrm>
-          <a:prstGeom prst="bentArrow">
-            <a:avLst>
-              <a:gd name="adj1" fmla="val 26120"/>
-              <a:gd name="adj2" fmla="val 22078"/>
-              <a:gd name="adj3" fmla="val 26794"/>
-              <a:gd name="adj4" fmla="val 73206"/>
-            </a:avLst>
-          </a:prstGeom>
-          <a:solidFill>
-            <a:schemeClr val="accent2"/>
-          </a:solidFill>
-          <a:ln>
-            <a:noFill/>
-          </a:ln>
-        </p:spPr>
-        <p:style>
-          <a:lnRef idx="2">
-            <a:schemeClr val="accent1">
-              <a:shade val="50000"/>
-            </a:schemeClr>
-          </a:lnRef>
-          <a:fillRef idx="1">
-            <a:schemeClr val="accent1"/>
-          </a:fillRef>
-          <a:effectRef idx="0">
-            <a:schemeClr val="accent1"/>
-          </a:effectRef>
-          <a:fontRef idx="minor">
-            <a:schemeClr val="lt1"/>
-          </a:fontRef>
-        </p:style>
-        <p:txBody>
-          <a:bodyPr rtlCol="0" anchor="ctr"/>
-          <a:lstStyle/>
-          <a:p>
-            <a:pPr algn="ctr"/>
-            <a:endParaRPr lang="zh-CN" altLang="en-US">
-              <a:solidFill>
-                <a:schemeClr val="tx1"/>
-              </a:solidFill>
-            </a:endParaRPr>
-          </a:p>
-        </p:txBody>
-      </p:sp>
-      <p:sp>
-        <p:nvSpPr>
-          <p:cNvPr id="21" name="圆角右箭头 20"/>
-          <p:cNvSpPr/>
-          <p:nvPr/>
-        </p:nvSpPr>
-        <p:spPr>
-          <a:xfrm rot="4487039">
-            <a:off x="8064317" y="4915586"/>
-            <a:ext cx="1236159" cy="1346451"/>
-          </a:xfrm>
-          <a:prstGeom prst="bentArrow">
-            <a:avLst>
-              <a:gd name="adj1" fmla="val 26120"/>
-              <a:gd name="adj2" fmla="val 22078"/>
-              <a:gd name="adj3" fmla="val 26794"/>
-              <a:gd name="adj4" fmla="val 73206"/>
-            </a:avLst>
-          </a:prstGeom>
-          <a:solidFill>
-            <a:schemeClr val="accent2"/>
-          </a:solidFill>
-          <a:ln>
-            <a:noFill/>
-          </a:ln>
-        </p:spPr>
-        <p:style>
-          <a:lnRef idx="2">
-            <a:schemeClr val="accent1">
-              <a:shade val="50000"/>
-            </a:schemeClr>
-          </a:lnRef>
-          <a:fillRef idx="1">
-            <a:schemeClr val="accent1"/>
-          </a:fillRef>
-          <a:effectRef idx="0">
-            <a:schemeClr val="accent1"/>
-          </a:effectRef>
-          <a:fontRef idx="minor">
-            <a:schemeClr val="lt1"/>
-          </a:fontRef>
-        </p:style>
-        <p:txBody>
-          <a:bodyPr rtlCol="0" anchor="ctr"/>
-          <a:lstStyle/>
-          <a:p>
-            <a:pPr algn="ctr"/>
-            <a:endParaRPr lang="zh-CN" altLang="en-US">
-              <a:solidFill>
-                <a:schemeClr val="tx1"/>
-              </a:solidFill>
-            </a:endParaRPr>
-          </a:p>
-        </p:txBody>
-      </p:sp>
-    </p:spTree>
-    <p:extLst>
-      <p:ext uri="{BB962C8B-B14F-4D97-AF65-F5344CB8AC3E}">
-        <p14:creationId xmlns:p14="http://schemas.microsoft.com/office/powerpoint/2010/main" val="358837730"/>
-      </p:ext>
-    </p:extLst>
-  </p:cSld>
-  <p:clrMapOvr>
-    <a:masterClrMapping/>
-  </p:clrMapOvr>
-  <p:timing>
-    <p:tnLst>
-      <p:par>
-        <p:cTn id="1" dur="indefinite" restart="never" nodeType="tmRoot">
-          <p:childTnLst>
-            <p:seq concurrent="1" nextAc="seek">
-              <p:cTn id="2" dur="indefinite" nodeType="mainSeq">
-                <p:childTnLst>
-                  <p:par>
-                    <p:cTn id="3" fill="hold">
-                      <p:stCondLst>
-                        <p:cond delay="indefinite"/>
-                        <p:cond evt="onBegin" delay="0">
-                          <p:tn val="2"/>
-                        </p:cond>
-                      </p:stCondLst>
-                      <p:childTnLst>
-                        <p:par>
-                          <p:cTn id="4" fill="hold">
-                            <p:stCondLst>
-                              <p:cond delay="0"/>
-                            </p:stCondLst>
-                            <p:childTnLst>
-                              <p:par>
-                                <p:cTn id="5" presetID="10" presetClass="entr" presetSubtype="0" fill="hold" grpId="0" nodeType="afterEffect">
-                                  <p:stCondLst>
-                                    <p:cond delay="0"/>
-                                  </p:stCondLst>
-                                  <p:iterate type="lt">
-                                    <p:tmPct val="10000"/>
-                                  </p:iterate>
-                                  <p:childTnLst>
-                                    <p:set>
-                                      <p:cBhvr>
-                                        <p:cTn id="6" dur="1" fill="hold">
-                                          <p:stCondLst>
-                                            <p:cond delay="0"/>
-                                          </p:stCondLst>
-                                        </p:cTn>
-                                        <p:tgtEl>
-                                          <p:spTgt spid="6"/>
-                                        </p:tgtEl>
-                                        <p:attrNameLst>
-                                          <p:attrName>style.visibility</p:attrName>
-                                        </p:attrNameLst>
-                                      </p:cBhvr>
-                                      <p:to>
-                                        <p:strVal val="visible"/>
-                                      </p:to>
-                                    </p:set>
-                                    <p:animEffect transition="in" filter="fade">
-                                      <p:cBhvr>
-                                        <p:cTn id="7" dur="500"/>
-                                        <p:tgtEl>
-                                          <p:spTgt spid="6"/>
-                                        </p:tgtEl>
-                                      </p:cBhvr>
-                                    </p:animEffect>
-                                  </p:childTnLst>
-                                </p:cTn>
-                              </p:par>
-                            </p:childTnLst>
-                          </p:cTn>
-                        </p:par>
-                        <p:par>
-                          <p:cTn id="8" fill="hold">
-                            <p:stCondLst>
-                              <p:cond delay="650"/>
-                            </p:stCondLst>
-                            <p:childTnLst>
-                              <p:par>
-                                <p:cTn id="9" presetID="22" presetClass="entr" presetSubtype="8" fill="hold" nodeType="afterEffect">
-                                  <p:stCondLst>
-                                    <p:cond delay="0"/>
-                                  </p:stCondLst>
-                                  <p:childTnLst>
-                                    <p:set>
-                                      <p:cBhvr>
-                                        <p:cTn id="10" dur="1" fill="hold">
-                                          <p:stCondLst>
-                                            <p:cond delay="0"/>
-                                          </p:stCondLst>
-                                        </p:cTn>
-                                        <p:tgtEl>
-                                          <p:spTgt spid="7"/>
-                                        </p:tgtEl>
-                                        <p:attrNameLst>
-                                          <p:attrName>style.visibility</p:attrName>
-                                        </p:attrNameLst>
-                                      </p:cBhvr>
-                                      <p:to>
-                                        <p:strVal val="visible"/>
-                                      </p:to>
-                                    </p:set>
-                                    <p:animEffect transition="in" filter="wipe(left)">
-                                      <p:cBhvr>
-                                        <p:cTn id="11" dur="1000"/>
-                                        <p:tgtEl>
-                                          <p:spTgt spid="7"/>
-                                        </p:tgtEl>
-                                      </p:cBhvr>
-                                    </p:animEffect>
-                                  </p:childTnLst>
-                                </p:cTn>
-                              </p:par>
-                            </p:childTnLst>
-                          </p:cTn>
-                        </p:par>
-                      </p:childTnLst>
-                    </p:cTn>
-                  </p:par>
-                </p:childTnLst>
-              </p:cTn>
-              <p:prevCondLst>
-                <p:cond evt="onPrev" delay="0">
-                  <p:tgtEl>
-                    <p:sldTgt/>
-                  </p:tgtEl>
-                </p:cond>
-              </p:prevCondLst>
-              <p:nextCondLst>
-                <p:cond evt="onNext" delay="0">
-                  <p:tgtEl>
-                    <p:sldTgt/>
-                  </p:tgtEl>
-                </p:cond>
-              </p:nextCondLst>
-            </p:seq>
-          </p:childTnLst>
-        </p:cTn>
-      </p:par>
-    </p:tnLst>
-    <p:bldLst>
-      <p:bldP spid="6" grpId="0"/>
-    </p:bldLst>
-  </p:timing>
-</p:sld>
-</file>
-
-<file path=ppt/slides/slide27.xml><?xml version="1.0" encoding="utf-8"?>
+<file path=ppt/slides/slide24.xml><?xml version="1.0" encoding="utf-8"?>
 <p:sld xmlns:a="http://schemas.openxmlformats.org/drawingml/2006/main" xmlns:r="http://schemas.openxmlformats.org/officeDocument/2006/relationships" xmlns:p="http://schemas.openxmlformats.org/presentationml/2006/main">
   <p:cSld>
     <p:spTree>
@@ -26884,7 +24463,7 @@
 </p:sld>
 </file>
 
-<file path=ppt/slides/slide28.xml><?xml version="1.0" encoding="utf-8"?>
+<file path=ppt/slides/slide25.xml><?xml version="1.0" encoding="utf-8"?>
 <p:sld xmlns:a="http://schemas.openxmlformats.org/drawingml/2006/main" xmlns:r="http://schemas.openxmlformats.org/officeDocument/2006/relationships" xmlns:p="http://schemas.openxmlformats.org/presentationml/2006/main">
   <p:cSld>
     <p:spTree>
@@ -27361,7 +24940,7 @@
 </p:sld>
 </file>
 
-<file path=ppt/slides/slide29.xml><?xml version="1.0" encoding="utf-8"?>
+<file path=ppt/slides/slide26.xml><?xml version="1.0" encoding="utf-8"?>
 <p:sld xmlns:a="http://schemas.openxmlformats.org/drawingml/2006/main" xmlns:r="http://schemas.openxmlformats.org/officeDocument/2006/relationships" xmlns:p="http://schemas.openxmlformats.org/presentationml/2006/main">
   <p:cSld>
     <p:spTree>
@@ -28472,374 +26051,7 @@
 </p:sld>
 </file>
 
-<file path=ppt/slides/slide3.xml><?xml version="1.0" encoding="utf-8"?>
-<p:sld xmlns:a="http://schemas.openxmlformats.org/drawingml/2006/main" xmlns:r="http://schemas.openxmlformats.org/officeDocument/2006/relationships" xmlns:p="http://schemas.openxmlformats.org/presentationml/2006/main">
-  <p:cSld>
-    <p:spTree>
-      <p:nvGrpSpPr>
-        <p:cNvPr id="1" name=""/>
-        <p:cNvGrpSpPr/>
-        <p:nvPr/>
-      </p:nvGrpSpPr>
-      <p:grpSpPr>
-        <a:xfrm>
-          <a:off x="0" y="0"/>
-          <a:ext cx="0" cy="0"/>
-          <a:chOff x="0" y="0"/>
-          <a:chExt cx="0" cy="0"/>
-        </a:xfrm>
-      </p:grpSpPr>
-      <p:sp>
-        <p:nvSpPr>
-          <p:cNvPr id="6" name="文本框 13"/>
-          <p:cNvSpPr txBox="1"/>
-          <p:nvPr/>
-        </p:nvSpPr>
-        <p:spPr>
-          <a:xfrm>
-            <a:off x="1061214" y="855266"/>
-            <a:ext cx="15989242" cy="801897"/>
-          </a:xfrm>
-          <a:prstGeom prst="rect">
-            <a:avLst/>
-          </a:prstGeom>
-          <a:noFill/>
-        </p:spPr>
-        <p:txBody>
-          <a:bodyPr wrap="square" lIns="123581" tIns="61791" rIns="123581" bIns="61791" rtlCol="0">
-            <a:spAutoFit/>
-          </a:bodyPr>
-          <a:lstStyle/>
-          <a:p>
-            <a:r>
-              <a:rPr lang="en-US" altLang="zh-CN" sz="4400" dirty="0" err="1"/>
-              <a:t>OpenShift</a:t>
-            </a:r>
-            <a:endParaRPr lang="zh-CN" altLang="en-US" sz="4400" dirty="0">
-              <a:solidFill>
-                <a:srgbClr val="0070C0"/>
-              </a:solidFill>
-              <a:latin typeface="黑体" panose="02010609060101010101" pitchFamily="49" charset="-122"/>
-              <a:ea typeface="黑体" panose="02010609060101010101" pitchFamily="49" charset="-122"/>
-            </a:endParaRPr>
-          </a:p>
-        </p:txBody>
-      </p:sp>
-      <p:cxnSp>
-        <p:nvCxnSpPr>
-          <p:cNvPr id="7" name="直接连接符 6"/>
-          <p:cNvCxnSpPr/>
-          <p:nvPr/>
-        </p:nvCxnSpPr>
-        <p:spPr>
-          <a:xfrm>
-            <a:off x="584734" y="1657163"/>
-            <a:ext cx="11367663" cy="0"/>
-          </a:xfrm>
-          <a:prstGeom prst="line">
-            <a:avLst/>
-          </a:prstGeom>
-          <a:ln>
-            <a:solidFill>
-              <a:schemeClr val="tx1">
-                <a:lumMod val="50000"/>
-                <a:lumOff val="50000"/>
-              </a:schemeClr>
-            </a:solidFill>
-          </a:ln>
-        </p:spPr>
-        <p:style>
-          <a:lnRef idx="1">
-            <a:schemeClr val="accent1"/>
-          </a:lnRef>
-          <a:fillRef idx="0">
-            <a:schemeClr val="accent1"/>
-          </a:fillRef>
-          <a:effectRef idx="0">
-            <a:schemeClr val="accent1"/>
-          </a:effectRef>
-          <a:fontRef idx="minor">
-            <a:schemeClr val="tx1"/>
-          </a:fontRef>
-        </p:style>
-      </p:cxnSp>
-      <p:pic>
-        <p:nvPicPr>
-          <p:cNvPr id="1026" name="Picture 2"/>
-          <p:cNvPicPr>
-            <a:picLocks noChangeAspect="1" noChangeArrowheads="1"/>
-          </p:cNvPicPr>
-          <p:nvPr/>
-        </p:nvPicPr>
-        <p:blipFill>
-          <a:blip r:embed="rId3">
-            <a:extLst>
-              <a:ext uri="{28A0092B-C50C-407E-A947-70E740481C1C}">
-                <a14:useLocalDpi xmlns:a14="http://schemas.microsoft.com/office/drawing/2010/main" val="0"/>
-              </a:ext>
-            </a:extLst>
-          </a:blip>
-          <a:srcRect/>
-          <a:stretch>
-            <a:fillRect/>
-          </a:stretch>
-        </p:blipFill>
-        <p:spPr bwMode="auto">
-          <a:xfrm>
-            <a:off x="1034618" y="1791370"/>
-            <a:ext cx="11676063" cy="4610100"/>
-          </a:xfrm>
-          <a:prstGeom prst="rect">
-            <a:avLst/>
-          </a:prstGeom>
-          <a:noFill/>
-          <a:ln>
-            <a:noFill/>
-          </a:ln>
-          <a:effectLst/>
-          <a:extLst>
-            <a:ext uri="{909E8E84-426E-40DD-AFC4-6F175D3DCCD1}">
-              <a14:hiddenFill xmlns:a14="http://schemas.microsoft.com/office/drawing/2010/main">
-                <a:solidFill>
-                  <a:schemeClr val="accent1"/>
-                </a:solidFill>
-              </a14:hiddenFill>
-            </a:ext>
-            <a:ext uri="{91240B29-F687-4F45-9708-019B960494DF}">
-              <a14:hiddenLine xmlns:a14="http://schemas.microsoft.com/office/drawing/2010/main" w="9525">
-                <a:solidFill>
-                  <a:schemeClr val="tx1"/>
-                </a:solidFill>
-                <a:miter lim="800000"/>
-                <a:headEnd/>
-                <a:tailEnd/>
-              </a14:hiddenLine>
-            </a:ext>
-            <a:ext uri="{AF507438-7753-43E0-B8FC-AC1667EBCBE1}">
-              <a14:hiddenEffects xmlns:a14="http://schemas.microsoft.com/office/drawing/2010/main">
-                <a:effectLst>
-                  <a:outerShdw dist="35921" dir="2700000" algn="ctr" rotWithShape="0">
-                    <a:schemeClr val="bg2"/>
-                  </a:outerShdw>
-                </a:effectLst>
-              </a14:hiddenEffects>
-            </a:ext>
-          </a:extLst>
-        </p:spPr>
-      </p:pic>
-      <p:sp>
-        <p:nvSpPr>
-          <p:cNvPr id="3" name="TextBox 2"/>
-          <p:cNvSpPr txBox="1"/>
-          <p:nvPr/>
-        </p:nvSpPr>
-        <p:spPr>
-          <a:xfrm>
-            <a:off x="1034618" y="6759922"/>
-            <a:ext cx="11627222" cy="1200329"/>
-          </a:xfrm>
-          <a:prstGeom prst="rect">
-            <a:avLst/>
-          </a:prstGeom>
-          <a:noFill/>
-        </p:spPr>
-        <p:txBody>
-          <a:bodyPr wrap="none" rtlCol="0">
-            <a:spAutoFit/>
-          </a:bodyPr>
-          <a:lstStyle/>
-          <a:p>
-            <a:r>
-              <a:rPr lang="en-US" altLang="zh-CN" dirty="0"/>
-              <a:t>Built with proven open source technologies, Red Hat </a:t>
-            </a:r>
-            <a:r>
-              <a:rPr lang="en-US" altLang="zh-CN" dirty="0" err="1"/>
-              <a:t>OpenShift</a:t>
-            </a:r>
-            <a:r>
-              <a:rPr lang="en-US" altLang="zh-CN" dirty="0"/>
-              <a:t> Container </a:t>
-            </a:r>
-            <a:r>
-              <a:rPr lang="en-US" altLang="zh-CN" dirty="0" smtClean="0"/>
-              <a:t>Platform</a:t>
-            </a:r>
-          </a:p>
-          <a:p>
-            <a:r>
-              <a:rPr lang="en-US" altLang="zh-CN" dirty="0" smtClean="0"/>
-              <a:t> </a:t>
-            </a:r>
-            <a:r>
-              <a:rPr lang="en-US" altLang="zh-CN" dirty="0"/>
-              <a:t>helps application development and IT operations teams create and deploy apps </a:t>
-            </a:r>
-            <a:endParaRPr lang="en-US" altLang="zh-CN" dirty="0" smtClean="0"/>
-          </a:p>
-          <a:p>
-            <a:r>
-              <a:rPr lang="en-US" altLang="zh-CN" dirty="0" smtClean="0"/>
-              <a:t>with </a:t>
-            </a:r>
-            <a:r>
-              <a:rPr lang="en-US" altLang="zh-CN" dirty="0"/>
-              <a:t>the speed and consistency that business demands.</a:t>
-            </a:r>
-            <a:endParaRPr lang="zh-CN" altLang="en-US" dirty="0"/>
-          </a:p>
-        </p:txBody>
-      </p:sp>
-    </p:spTree>
-    <p:extLst>
-      <p:ext uri="{BB962C8B-B14F-4D97-AF65-F5344CB8AC3E}">
-        <p14:creationId xmlns:p14="http://schemas.microsoft.com/office/powerpoint/2010/main" val="1985971941"/>
-      </p:ext>
-    </p:extLst>
-  </p:cSld>
-  <p:clrMapOvr>
-    <a:masterClrMapping/>
-  </p:clrMapOvr>
-  <p:timing>
-    <p:tnLst>
-      <p:par>
-        <p:cTn id="1" dur="indefinite" restart="never" nodeType="tmRoot">
-          <p:childTnLst>
-            <p:seq concurrent="1" nextAc="seek">
-              <p:cTn id="2" dur="indefinite" nodeType="mainSeq">
-                <p:childTnLst>
-                  <p:par>
-                    <p:cTn id="3" fill="hold">
-                      <p:stCondLst>
-                        <p:cond delay="indefinite"/>
-                        <p:cond evt="onBegin" delay="0">
-                          <p:tn val="2"/>
-                        </p:cond>
-                      </p:stCondLst>
-                      <p:childTnLst>
-                        <p:par>
-                          <p:cTn id="4" fill="hold">
-                            <p:stCondLst>
-                              <p:cond delay="0"/>
-                            </p:stCondLst>
-                            <p:childTnLst>
-                              <p:par>
-                                <p:cTn id="5" presetID="10" presetClass="entr" presetSubtype="0" fill="hold" grpId="0" nodeType="afterEffect">
-                                  <p:stCondLst>
-                                    <p:cond delay="0"/>
-                                  </p:stCondLst>
-                                  <p:iterate type="lt">
-                                    <p:tmPct val="10000"/>
-                                  </p:iterate>
-                                  <p:childTnLst>
-                                    <p:set>
-                                      <p:cBhvr>
-                                        <p:cTn id="6" dur="1" fill="hold">
-                                          <p:stCondLst>
-                                            <p:cond delay="0"/>
-                                          </p:stCondLst>
-                                        </p:cTn>
-                                        <p:tgtEl>
-                                          <p:spTgt spid="6"/>
-                                        </p:tgtEl>
-                                        <p:attrNameLst>
-                                          <p:attrName>style.visibility</p:attrName>
-                                        </p:attrNameLst>
-                                      </p:cBhvr>
-                                      <p:to>
-                                        <p:strVal val="visible"/>
-                                      </p:to>
-                                    </p:set>
-                                    <p:animEffect transition="in" filter="fade">
-                                      <p:cBhvr>
-                                        <p:cTn id="7" dur="500"/>
-                                        <p:tgtEl>
-                                          <p:spTgt spid="6"/>
-                                        </p:tgtEl>
-                                      </p:cBhvr>
-                                    </p:animEffect>
-                                  </p:childTnLst>
-                                </p:cTn>
-                              </p:par>
-                            </p:childTnLst>
-                          </p:cTn>
-                        </p:par>
-                        <p:par>
-                          <p:cTn id="8" fill="hold">
-                            <p:stCondLst>
-                              <p:cond delay="900"/>
-                            </p:stCondLst>
-                            <p:childTnLst>
-                              <p:par>
-                                <p:cTn id="9" presetID="22" presetClass="entr" presetSubtype="8" fill="hold" nodeType="afterEffect">
-                                  <p:stCondLst>
-                                    <p:cond delay="0"/>
-                                  </p:stCondLst>
-                                  <p:childTnLst>
-                                    <p:set>
-                                      <p:cBhvr>
-                                        <p:cTn id="10" dur="1" fill="hold">
-                                          <p:stCondLst>
-                                            <p:cond delay="0"/>
-                                          </p:stCondLst>
-                                        </p:cTn>
-                                        <p:tgtEl>
-                                          <p:spTgt spid="7"/>
-                                        </p:tgtEl>
-                                        <p:attrNameLst>
-                                          <p:attrName>style.visibility</p:attrName>
-                                        </p:attrNameLst>
-                                      </p:cBhvr>
-                                      <p:to>
-                                        <p:strVal val="visible"/>
-                                      </p:to>
-                                    </p:set>
-                                    <p:animEffect transition="in" filter="wipe(left)">
-                                      <p:cBhvr>
-                                        <p:cTn id="11" dur="1000"/>
-                                        <p:tgtEl>
-                                          <p:spTgt spid="7"/>
-                                        </p:tgtEl>
-                                      </p:cBhvr>
-                                    </p:animEffect>
-                                  </p:childTnLst>
-                                </p:cTn>
-                              </p:par>
-                            </p:childTnLst>
-                          </p:cTn>
-                        </p:par>
-                      </p:childTnLst>
-                    </p:cTn>
-                  </p:par>
-                </p:childTnLst>
-              </p:cTn>
-              <p:prevCondLst>
-                <p:cond evt="onPrev" delay="0">
-                  <p:tgtEl>
-                    <p:sldTgt/>
-                  </p:tgtEl>
-                </p:cond>
-              </p:prevCondLst>
-              <p:nextCondLst>
-                <p:cond evt="onNext" delay="0">
-                  <p:tgtEl>
-                    <p:sldTgt/>
-                  </p:tgtEl>
-                </p:cond>
-              </p:nextCondLst>
-            </p:seq>
-          </p:childTnLst>
-        </p:cTn>
-      </p:par>
-    </p:tnLst>
-    <p:bldLst>
-      <p:bldP spid="6" grpId="0"/>
-    </p:bldLst>
-  </p:timing>
-</p:sld>
-</file>
-
-<file path=ppt/slides/slide30.xml><?xml version="1.0" encoding="utf-8"?>
+<file path=ppt/slides/slide27.xml><?xml version="1.0" encoding="utf-8"?>
 <p:sld xmlns:a="http://schemas.openxmlformats.org/drawingml/2006/main" xmlns:r="http://schemas.openxmlformats.org/officeDocument/2006/relationships" xmlns:p="http://schemas.openxmlformats.org/presentationml/2006/main">
   <p:cSld>
     <p:spTree>
@@ -29342,7 +26554,7 @@
 </p:sld>
 </file>
 
-<file path=ppt/slides/slide31.xml><?xml version="1.0" encoding="utf-8"?>
+<file path=ppt/slides/slide28.xml><?xml version="1.0" encoding="utf-8"?>
 <p:sld xmlns:a="http://schemas.openxmlformats.org/drawingml/2006/main" xmlns:r="http://schemas.openxmlformats.org/officeDocument/2006/relationships" xmlns:p="http://schemas.openxmlformats.org/presentationml/2006/main">
   <p:cSld>
     <p:spTree>
@@ -29758,7 +26970,7 @@
 </p:sld>
 </file>
 
-<file path=ppt/slides/slide32.xml><?xml version="1.0" encoding="utf-8"?>
+<file path=ppt/slides/slide29.xml><?xml version="1.0" encoding="utf-8"?>
 <p:sld xmlns:a="http://schemas.openxmlformats.org/drawingml/2006/main" xmlns:r="http://schemas.openxmlformats.org/officeDocument/2006/relationships" xmlns:p="http://schemas.openxmlformats.org/presentationml/2006/main">
   <p:cSld>
     <p:spTree>
@@ -30011,7 +27223,374 @@
 </p:sld>
 </file>
 
-<file path=ppt/slides/slide33.xml><?xml version="1.0" encoding="utf-8"?>
+<file path=ppt/slides/slide3.xml><?xml version="1.0" encoding="utf-8"?>
+<p:sld xmlns:a="http://schemas.openxmlformats.org/drawingml/2006/main" xmlns:r="http://schemas.openxmlformats.org/officeDocument/2006/relationships" xmlns:p="http://schemas.openxmlformats.org/presentationml/2006/main">
+  <p:cSld>
+    <p:spTree>
+      <p:nvGrpSpPr>
+        <p:cNvPr id="1" name=""/>
+        <p:cNvGrpSpPr/>
+        <p:nvPr/>
+      </p:nvGrpSpPr>
+      <p:grpSpPr>
+        <a:xfrm>
+          <a:off x="0" y="0"/>
+          <a:ext cx="0" cy="0"/>
+          <a:chOff x="0" y="0"/>
+          <a:chExt cx="0" cy="0"/>
+        </a:xfrm>
+      </p:grpSpPr>
+      <p:sp>
+        <p:nvSpPr>
+          <p:cNvPr id="6" name="文本框 13"/>
+          <p:cNvSpPr txBox="1"/>
+          <p:nvPr/>
+        </p:nvSpPr>
+        <p:spPr>
+          <a:xfrm>
+            <a:off x="1061214" y="855266"/>
+            <a:ext cx="15989242" cy="801897"/>
+          </a:xfrm>
+          <a:prstGeom prst="rect">
+            <a:avLst/>
+          </a:prstGeom>
+          <a:noFill/>
+        </p:spPr>
+        <p:txBody>
+          <a:bodyPr wrap="square" lIns="123581" tIns="61791" rIns="123581" bIns="61791" rtlCol="0">
+            <a:spAutoFit/>
+          </a:bodyPr>
+          <a:lstStyle/>
+          <a:p>
+            <a:r>
+              <a:rPr lang="en-US" altLang="zh-CN" sz="4400" dirty="0" err="1"/>
+              <a:t>OpenShift</a:t>
+            </a:r>
+            <a:endParaRPr lang="zh-CN" altLang="en-US" sz="4400" dirty="0">
+              <a:solidFill>
+                <a:srgbClr val="0070C0"/>
+              </a:solidFill>
+              <a:latin typeface="黑体" panose="02010609060101010101" pitchFamily="49" charset="-122"/>
+              <a:ea typeface="黑体" panose="02010609060101010101" pitchFamily="49" charset="-122"/>
+            </a:endParaRPr>
+          </a:p>
+        </p:txBody>
+      </p:sp>
+      <p:cxnSp>
+        <p:nvCxnSpPr>
+          <p:cNvPr id="7" name="直接连接符 6"/>
+          <p:cNvCxnSpPr/>
+          <p:nvPr/>
+        </p:nvCxnSpPr>
+        <p:spPr>
+          <a:xfrm>
+            <a:off x="584734" y="1657163"/>
+            <a:ext cx="11367663" cy="0"/>
+          </a:xfrm>
+          <a:prstGeom prst="line">
+            <a:avLst/>
+          </a:prstGeom>
+          <a:ln>
+            <a:solidFill>
+              <a:schemeClr val="tx1">
+                <a:lumMod val="50000"/>
+                <a:lumOff val="50000"/>
+              </a:schemeClr>
+            </a:solidFill>
+          </a:ln>
+        </p:spPr>
+        <p:style>
+          <a:lnRef idx="1">
+            <a:schemeClr val="accent1"/>
+          </a:lnRef>
+          <a:fillRef idx="0">
+            <a:schemeClr val="accent1"/>
+          </a:fillRef>
+          <a:effectRef idx="0">
+            <a:schemeClr val="accent1"/>
+          </a:effectRef>
+          <a:fontRef idx="minor">
+            <a:schemeClr val="tx1"/>
+          </a:fontRef>
+        </p:style>
+      </p:cxnSp>
+      <p:pic>
+        <p:nvPicPr>
+          <p:cNvPr id="1026" name="Picture 2"/>
+          <p:cNvPicPr>
+            <a:picLocks noChangeAspect="1" noChangeArrowheads="1"/>
+          </p:cNvPicPr>
+          <p:nvPr/>
+        </p:nvPicPr>
+        <p:blipFill>
+          <a:blip r:embed="rId3">
+            <a:extLst>
+              <a:ext uri="{28A0092B-C50C-407E-A947-70E740481C1C}">
+                <a14:useLocalDpi xmlns:a14="http://schemas.microsoft.com/office/drawing/2010/main" val="0"/>
+              </a:ext>
+            </a:extLst>
+          </a:blip>
+          <a:srcRect/>
+          <a:stretch>
+            <a:fillRect/>
+          </a:stretch>
+        </p:blipFill>
+        <p:spPr bwMode="auto">
+          <a:xfrm>
+            <a:off x="1034618" y="1791370"/>
+            <a:ext cx="11676063" cy="4610100"/>
+          </a:xfrm>
+          <a:prstGeom prst="rect">
+            <a:avLst/>
+          </a:prstGeom>
+          <a:noFill/>
+          <a:ln>
+            <a:noFill/>
+          </a:ln>
+          <a:effectLst/>
+          <a:extLst>
+            <a:ext uri="{909E8E84-426E-40DD-AFC4-6F175D3DCCD1}">
+              <a14:hiddenFill xmlns:a14="http://schemas.microsoft.com/office/drawing/2010/main">
+                <a:solidFill>
+                  <a:schemeClr val="accent1"/>
+                </a:solidFill>
+              </a14:hiddenFill>
+            </a:ext>
+            <a:ext uri="{91240B29-F687-4F45-9708-019B960494DF}">
+              <a14:hiddenLine xmlns:a14="http://schemas.microsoft.com/office/drawing/2010/main" w="9525">
+                <a:solidFill>
+                  <a:schemeClr val="tx1"/>
+                </a:solidFill>
+                <a:miter lim="800000"/>
+                <a:headEnd/>
+                <a:tailEnd/>
+              </a14:hiddenLine>
+            </a:ext>
+            <a:ext uri="{AF507438-7753-43E0-B8FC-AC1667EBCBE1}">
+              <a14:hiddenEffects xmlns:a14="http://schemas.microsoft.com/office/drawing/2010/main">
+                <a:effectLst>
+                  <a:outerShdw dist="35921" dir="2700000" algn="ctr" rotWithShape="0">
+                    <a:schemeClr val="bg2"/>
+                  </a:outerShdw>
+                </a:effectLst>
+              </a14:hiddenEffects>
+            </a:ext>
+          </a:extLst>
+        </p:spPr>
+      </p:pic>
+      <p:sp>
+        <p:nvSpPr>
+          <p:cNvPr id="3" name="TextBox 2"/>
+          <p:cNvSpPr txBox="1"/>
+          <p:nvPr/>
+        </p:nvSpPr>
+        <p:spPr>
+          <a:xfrm>
+            <a:off x="1034618" y="6759922"/>
+            <a:ext cx="11627222" cy="1200329"/>
+          </a:xfrm>
+          <a:prstGeom prst="rect">
+            <a:avLst/>
+          </a:prstGeom>
+          <a:noFill/>
+        </p:spPr>
+        <p:txBody>
+          <a:bodyPr wrap="none" rtlCol="0">
+            <a:spAutoFit/>
+          </a:bodyPr>
+          <a:lstStyle/>
+          <a:p>
+            <a:r>
+              <a:rPr lang="en-US" altLang="zh-CN" dirty="0"/>
+              <a:t>Built with proven open source technologies, Red Hat </a:t>
+            </a:r>
+            <a:r>
+              <a:rPr lang="en-US" altLang="zh-CN" dirty="0" err="1"/>
+              <a:t>OpenShift</a:t>
+            </a:r>
+            <a:r>
+              <a:rPr lang="en-US" altLang="zh-CN" dirty="0"/>
+              <a:t> Container </a:t>
+            </a:r>
+            <a:r>
+              <a:rPr lang="en-US" altLang="zh-CN" dirty="0" smtClean="0"/>
+              <a:t>Platform</a:t>
+            </a:r>
+          </a:p>
+          <a:p>
+            <a:r>
+              <a:rPr lang="en-US" altLang="zh-CN" dirty="0" smtClean="0"/>
+              <a:t> </a:t>
+            </a:r>
+            <a:r>
+              <a:rPr lang="en-US" altLang="zh-CN" dirty="0"/>
+              <a:t>helps application development and IT operations teams create and deploy apps </a:t>
+            </a:r>
+            <a:endParaRPr lang="en-US" altLang="zh-CN" dirty="0" smtClean="0"/>
+          </a:p>
+          <a:p>
+            <a:r>
+              <a:rPr lang="en-US" altLang="zh-CN" dirty="0" smtClean="0"/>
+              <a:t>with </a:t>
+            </a:r>
+            <a:r>
+              <a:rPr lang="en-US" altLang="zh-CN" dirty="0"/>
+              <a:t>the speed and consistency that business demands.</a:t>
+            </a:r>
+            <a:endParaRPr lang="zh-CN" altLang="en-US" dirty="0"/>
+          </a:p>
+        </p:txBody>
+      </p:sp>
+    </p:spTree>
+    <p:extLst>
+      <p:ext uri="{BB962C8B-B14F-4D97-AF65-F5344CB8AC3E}">
+        <p14:creationId xmlns:p14="http://schemas.microsoft.com/office/powerpoint/2010/main" val="1985971941"/>
+      </p:ext>
+    </p:extLst>
+  </p:cSld>
+  <p:clrMapOvr>
+    <a:masterClrMapping/>
+  </p:clrMapOvr>
+  <p:timing>
+    <p:tnLst>
+      <p:par>
+        <p:cTn id="1" dur="indefinite" restart="never" nodeType="tmRoot">
+          <p:childTnLst>
+            <p:seq concurrent="1" nextAc="seek">
+              <p:cTn id="2" dur="indefinite" nodeType="mainSeq">
+                <p:childTnLst>
+                  <p:par>
+                    <p:cTn id="3" fill="hold">
+                      <p:stCondLst>
+                        <p:cond delay="indefinite"/>
+                        <p:cond evt="onBegin" delay="0">
+                          <p:tn val="2"/>
+                        </p:cond>
+                      </p:stCondLst>
+                      <p:childTnLst>
+                        <p:par>
+                          <p:cTn id="4" fill="hold">
+                            <p:stCondLst>
+                              <p:cond delay="0"/>
+                            </p:stCondLst>
+                            <p:childTnLst>
+                              <p:par>
+                                <p:cTn id="5" presetID="10" presetClass="entr" presetSubtype="0" fill="hold" grpId="0" nodeType="afterEffect">
+                                  <p:stCondLst>
+                                    <p:cond delay="0"/>
+                                  </p:stCondLst>
+                                  <p:iterate type="lt">
+                                    <p:tmPct val="10000"/>
+                                  </p:iterate>
+                                  <p:childTnLst>
+                                    <p:set>
+                                      <p:cBhvr>
+                                        <p:cTn id="6" dur="1" fill="hold">
+                                          <p:stCondLst>
+                                            <p:cond delay="0"/>
+                                          </p:stCondLst>
+                                        </p:cTn>
+                                        <p:tgtEl>
+                                          <p:spTgt spid="6"/>
+                                        </p:tgtEl>
+                                        <p:attrNameLst>
+                                          <p:attrName>style.visibility</p:attrName>
+                                        </p:attrNameLst>
+                                      </p:cBhvr>
+                                      <p:to>
+                                        <p:strVal val="visible"/>
+                                      </p:to>
+                                    </p:set>
+                                    <p:animEffect transition="in" filter="fade">
+                                      <p:cBhvr>
+                                        <p:cTn id="7" dur="500"/>
+                                        <p:tgtEl>
+                                          <p:spTgt spid="6"/>
+                                        </p:tgtEl>
+                                      </p:cBhvr>
+                                    </p:animEffect>
+                                  </p:childTnLst>
+                                </p:cTn>
+                              </p:par>
+                            </p:childTnLst>
+                          </p:cTn>
+                        </p:par>
+                        <p:par>
+                          <p:cTn id="8" fill="hold">
+                            <p:stCondLst>
+                              <p:cond delay="900"/>
+                            </p:stCondLst>
+                            <p:childTnLst>
+                              <p:par>
+                                <p:cTn id="9" presetID="22" presetClass="entr" presetSubtype="8" fill="hold" nodeType="afterEffect">
+                                  <p:stCondLst>
+                                    <p:cond delay="0"/>
+                                  </p:stCondLst>
+                                  <p:childTnLst>
+                                    <p:set>
+                                      <p:cBhvr>
+                                        <p:cTn id="10" dur="1" fill="hold">
+                                          <p:stCondLst>
+                                            <p:cond delay="0"/>
+                                          </p:stCondLst>
+                                        </p:cTn>
+                                        <p:tgtEl>
+                                          <p:spTgt spid="7"/>
+                                        </p:tgtEl>
+                                        <p:attrNameLst>
+                                          <p:attrName>style.visibility</p:attrName>
+                                        </p:attrNameLst>
+                                      </p:cBhvr>
+                                      <p:to>
+                                        <p:strVal val="visible"/>
+                                      </p:to>
+                                    </p:set>
+                                    <p:animEffect transition="in" filter="wipe(left)">
+                                      <p:cBhvr>
+                                        <p:cTn id="11" dur="1000"/>
+                                        <p:tgtEl>
+                                          <p:spTgt spid="7"/>
+                                        </p:tgtEl>
+                                      </p:cBhvr>
+                                    </p:animEffect>
+                                  </p:childTnLst>
+                                </p:cTn>
+                              </p:par>
+                            </p:childTnLst>
+                          </p:cTn>
+                        </p:par>
+                      </p:childTnLst>
+                    </p:cTn>
+                  </p:par>
+                </p:childTnLst>
+              </p:cTn>
+              <p:prevCondLst>
+                <p:cond evt="onPrev" delay="0">
+                  <p:tgtEl>
+                    <p:sldTgt/>
+                  </p:tgtEl>
+                </p:cond>
+              </p:prevCondLst>
+              <p:nextCondLst>
+                <p:cond evt="onNext" delay="0">
+                  <p:tgtEl>
+                    <p:sldTgt/>
+                  </p:tgtEl>
+                </p:cond>
+              </p:nextCondLst>
+            </p:seq>
+          </p:childTnLst>
+        </p:cTn>
+      </p:par>
+    </p:tnLst>
+    <p:bldLst>
+      <p:bldP spid="6" grpId="0"/>
+    </p:bldLst>
+  </p:timing>
+</p:sld>
+</file>
+
+<file path=ppt/slides/slide30.xml><?xml version="1.0" encoding="utf-8"?>
 <p:sld xmlns:a="http://schemas.openxmlformats.org/drawingml/2006/main" xmlns:r="http://schemas.openxmlformats.org/officeDocument/2006/relationships" xmlns:p="http://schemas.openxmlformats.org/presentationml/2006/main">
   <p:cSld>
     <p:spTree>

--- a/c云服务架构/Paas架构设计.pptx
+++ b/c云服务架构/Paas架构设计.pptx
@@ -8998,13 +8998,6 @@
               </a:rPr>
               <a:t>…</a:t>
             </a:r>
-            <a:endParaRPr lang="en-US" altLang="zh-CN" sz="1600" dirty="0">
-              <a:solidFill>
-                <a:schemeClr val="accent4">
-                  <a:lumMod val="50000"/>
-                </a:schemeClr>
-              </a:solidFill>
-            </a:endParaRPr>
           </a:p>
         </p:txBody>
       </p:sp>
@@ -9385,6 +9378,201 @@
               </a:rPr>
               <a:t>）</a:t>
             </a:r>
+          </a:p>
+        </p:txBody>
+      </p:sp>
+      <p:sp>
+        <p:nvSpPr>
+          <p:cNvPr id="11" name="矩形 10"/>
+          <p:cNvSpPr/>
+          <p:nvPr/>
+        </p:nvSpPr>
+        <p:spPr>
+          <a:xfrm>
+            <a:off x="1647311" y="6388287"/>
+            <a:ext cx="3744416" cy="936104"/>
+          </a:xfrm>
+          <a:prstGeom prst="rect">
+            <a:avLst/>
+          </a:prstGeom>
+          <a:solidFill>
+            <a:schemeClr val="accent3">
+              <a:lumMod val="75000"/>
+            </a:schemeClr>
+          </a:solidFill>
+          <a:ln>
+            <a:noFill/>
+          </a:ln>
+        </p:spPr>
+        <p:style>
+          <a:lnRef idx="2">
+            <a:schemeClr val="accent1">
+              <a:shade val="50000"/>
+            </a:schemeClr>
+          </a:lnRef>
+          <a:fillRef idx="1">
+            <a:schemeClr val="accent1"/>
+          </a:fillRef>
+          <a:effectRef idx="0">
+            <a:schemeClr val="accent1"/>
+          </a:effectRef>
+          <a:fontRef idx="minor">
+            <a:schemeClr val="lt1"/>
+          </a:fontRef>
+        </p:style>
+        <p:txBody>
+          <a:bodyPr rot="0" spcFirstLastPara="0" vertOverflow="overflow" horzOverflow="overflow" vert="horz" wrap="square" lIns="91440" tIns="45720" rIns="91440" bIns="45720" numCol="1" spcCol="0" rtlCol="0" fromWordArt="0" anchor="ctr" anchorCtr="0" forceAA="0" compatLnSpc="1">
+            <a:prstTxWarp prst="textNoShape">
+              <a:avLst/>
+            </a:prstTxWarp>
+            <a:noAutofit/>
+          </a:bodyPr>
+          <a:lstStyle/>
+          <a:p>
+            <a:pPr algn="ctr"/>
+            <a:r>
+              <a:rPr lang="zh-CN" altLang="en-US" dirty="0">
+                <a:solidFill>
+                  <a:schemeClr val="accent6">
+                    <a:lumMod val="50000"/>
+                  </a:schemeClr>
+                </a:solidFill>
+              </a:rPr>
+              <a:t>弹性层</a:t>
+            </a:r>
+            <a:r>
+              <a:rPr lang="en-US" altLang="zh-CN" dirty="0">
+                <a:solidFill>
+                  <a:schemeClr val="accent6">
+                    <a:lumMod val="50000"/>
+                  </a:schemeClr>
+                </a:solidFill>
+              </a:rPr>
+              <a:t/>
+            </a:r>
+            <a:br>
+              <a:rPr lang="en-US" altLang="zh-CN" dirty="0">
+                <a:solidFill>
+                  <a:schemeClr val="accent6">
+                    <a:lumMod val="50000"/>
+                  </a:schemeClr>
+                </a:solidFill>
+              </a:rPr>
+            </a:br>
+            <a:r>
+              <a:rPr lang="en-US" altLang="zh-CN" dirty="0" err="1">
+                <a:solidFill>
+                  <a:schemeClr val="accent6">
+                    <a:lumMod val="50000"/>
+                  </a:schemeClr>
+                </a:solidFill>
+              </a:rPr>
+              <a:t>linux+docker</a:t>
+            </a:r>
+            <a:endParaRPr lang="zh-CN" altLang="en-US" dirty="0">
+              <a:solidFill>
+                <a:schemeClr val="accent6">
+                  <a:lumMod val="50000"/>
+                </a:schemeClr>
+              </a:solidFill>
+            </a:endParaRPr>
+          </a:p>
+        </p:txBody>
+      </p:sp>
+      <p:sp>
+        <p:nvSpPr>
+          <p:cNvPr id="12" name="矩形 11"/>
+          <p:cNvSpPr/>
+          <p:nvPr/>
+        </p:nvSpPr>
+        <p:spPr>
+          <a:xfrm>
+            <a:off x="5607751" y="6388287"/>
+            <a:ext cx="3816424" cy="936104"/>
+          </a:xfrm>
+          <a:prstGeom prst="rect">
+            <a:avLst/>
+          </a:prstGeom>
+          <a:solidFill>
+            <a:schemeClr val="bg1">
+              <a:lumMod val="65000"/>
+            </a:schemeClr>
+          </a:solidFill>
+          <a:ln>
+            <a:noFill/>
+          </a:ln>
+        </p:spPr>
+        <p:style>
+          <a:lnRef idx="2">
+            <a:schemeClr val="accent1">
+              <a:shade val="50000"/>
+            </a:schemeClr>
+          </a:lnRef>
+          <a:fillRef idx="1">
+            <a:schemeClr val="accent1"/>
+          </a:fillRef>
+          <a:effectRef idx="0">
+            <a:schemeClr val="accent1"/>
+          </a:effectRef>
+          <a:fontRef idx="minor">
+            <a:schemeClr val="lt1"/>
+          </a:fontRef>
+        </p:style>
+        <p:txBody>
+          <a:bodyPr rtlCol="0" anchor="ctr"/>
+          <a:lstStyle/>
+          <a:p>
+            <a:pPr algn="ctr"/>
+            <a:r>
+              <a:rPr lang="zh-CN" altLang="en-US" dirty="0">
+                <a:solidFill>
+                  <a:schemeClr val="accent4">
+                    <a:lumMod val="50000"/>
+                  </a:schemeClr>
+                </a:solidFill>
+              </a:rPr>
+              <a:t>非弹性层</a:t>
+            </a:r>
+            <a:endParaRPr lang="en-US" altLang="zh-CN" dirty="0">
+              <a:solidFill>
+                <a:schemeClr val="accent4">
+                  <a:lumMod val="50000"/>
+                </a:schemeClr>
+              </a:solidFill>
+            </a:endParaRPr>
+          </a:p>
+          <a:p>
+            <a:pPr algn="ctr"/>
+            <a:r>
+              <a:rPr lang="en-US" altLang="zh-CN" dirty="0" err="1">
+                <a:solidFill>
+                  <a:schemeClr val="accent4">
+                    <a:lumMod val="50000"/>
+                  </a:schemeClr>
+                </a:solidFill>
+              </a:rPr>
+              <a:t>linux</a:t>
+            </a:r>
+            <a:r>
+              <a:rPr lang="en-US" altLang="zh-CN" dirty="0">
+                <a:solidFill>
+                  <a:schemeClr val="accent4">
+                    <a:lumMod val="50000"/>
+                  </a:schemeClr>
+                </a:solidFill>
+              </a:rPr>
+              <a:t>/</a:t>
+            </a:r>
+            <a:r>
+              <a:rPr lang="en-US" altLang="zh-CN" dirty="0" err="1">
+                <a:solidFill>
+                  <a:schemeClr val="accent4">
+                    <a:lumMod val="50000"/>
+                  </a:schemeClr>
+                </a:solidFill>
+              </a:rPr>
+              <a:t>windowServer</a:t>
+            </a:r>
             <a:endParaRPr lang="zh-CN" altLang="en-US" dirty="0">
               <a:solidFill>
                 <a:schemeClr val="accent4">
@@ -9397,14 +9585,121 @@
       </p:sp>
       <p:sp>
         <p:nvSpPr>
-          <p:cNvPr id="11" name="矩形 10"/>
+          <p:cNvPr id="13" name="矩形 12"/>
           <p:cNvSpPr/>
           <p:nvPr/>
         </p:nvSpPr>
         <p:spPr>
           <a:xfrm>
-            <a:off x="1647311" y="6388287"/>
-            <a:ext cx="3744416" cy="936104"/>
+            <a:off x="3951567" y="3003911"/>
+            <a:ext cx="3240360" cy="3312368"/>
+          </a:xfrm>
+          <a:prstGeom prst="rect">
+            <a:avLst/>
+          </a:prstGeom>
+          <a:noFill/>
+        </p:spPr>
+        <p:style>
+          <a:lnRef idx="2">
+            <a:schemeClr val="accent1">
+              <a:shade val="50000"/>
+            </a:schemeClr>
+          </a:lnRef>
+          <a:fillRef idx="1">
+            <a:schemeClr val="accent1"/>
+          </a:fillRef>
+          <a:effectRef idx="0">
+            <a:schemeClr val="accent1"/>
+          </a:effectRef>
+          <a:fontRef idx="minor">
+            <a:schemeClr val="lt1"/>
+          </a:fontRef>
+        </p:style>
+        <p:txBody>
+          <a:bodyPr rtlCol="0" anchor="t"/>
+          <a:lstStyle/>
+          <a:p>
+            <a:pPr algn="ctr"/>
+            <a:r>
+              <a:rPr lang="zh-CN" altLang="en-US" sz="2000" dirty="0">
+                <a:solidFill>
+                  <a:schemeClr val="accent4">
+                    <a:lumMod val="50000"/>
+                  </a:schemeClr>
+                </a:solidFill>
+              </a:rPr>
+              <a:t>基础层</a:t>
+            </a:r>
+          </a:p>
+        </p:txBody>
+      </p:sp>
+      <p:sp>
+        <p:nvSpPr>
+          <p:cNvPr id="14" name="矩形 13"/>
+          <p:cNvSpPr/>
+          <p:nvPr/>
+        </p:nvSpPr>
+        <p:spPr>
+          <a:xfrm>
+            <a:off x="1647311" y="3022909"/>
+            <a:ext cx="2088232" cy="3293370"/>
+          </a:xfrm>
+          <a:prstGeom prst="rect">
+            <a:avLst/>
+          </a:prstGeom>
+          <a:noFill/>
+        </p:spPr>
+        <p:style>
+          <a:lnRef idx="2">
+            <a:schemeClr val="accent1">
+              <a:shade val="50000"/>
+            </a:schemeClr>
+          </a:lnRef>
+          <a:fillRef idx="1">
+            <a:schemeClr val="accent1"/>
+          </a:fillRef>
+          <a:effectRef idx="0">
+            <a:schemeClr val="accent1"/>
+          </a:effectRef>
+          <a:fontRef idx="minor">
+            <a:schemeClr val="lt1"/>
+          </a:fontRef>
+        </p:style>
+        <p:txBody>
+          <a:bodyPr rtlCol="0" anchor="t"/>
+          <a:lstStyle/>
+          <a:p>
+            <a:pPr algn="ctr"/>
+            <a:r>
+              <a:rPr lang="en-US" altLang="zh-CN" sz="2000" dirty="0">
+                <a:solidFill>
+                  <a:schemeClr val="accent4">
+                    <a:lumMod val="50000"/>
+                  </a:schemeClr>
+                </a:solidFill>
+              </a:rPr>
+              <a:t>CNAs</a:t>
+            </a:r>
+            <a:endParaRPr lang="zh-CN" altLang="en-US" sz="2000" dirty="0">
+              <a:solidFill>
+                <a:schemeClr val="accent4">
+                  <a:lumMod val="50000"/>
+                </a:schemeClr>
+              </a:solidFill>
+            </a:endParaRPr>
+          </a:p>
+        </p:txBody>
+      </p:sp>
+      <p:sp>
+        <p:nvSpPr>
+          <p:cNvPr id="15" name="矩形 14"/>
+          <p:cNvSpPr/>
+          <p:nvPr/>
+        </p:nvSpPr>
+        <p:spPr>
+          <a:xfrm>
+            <a:off x="7407951" y="3003911"/>
+            <a:ext cx="2016224" cy="3312368"/>
           </a:xfrm>
           <a:prstGeom prst="rect">
             <a:avLst/>
@@ -9447,105 +9742,12 @@
             <a:r>
               <a:rPr lang="zh-CN" altLang="en-US" dirty="0">
                 <a:solidFill>
-                  <a:schemeClr val="accent6">
-                    <a:lumMod val="50000"/>
-                  </a:schemeClr>
-                </a:solidFill>
-              </a:rPr>
-              <a:t>弹性层</a:t>
-            </a:r>
-            <a:r>
-              <a:rPr lang="en-US" altLang="zh-CN" dirty="0">
-                <a:solidFill>
-                  <a:schemeClr val="accent6">
-                    <a:lumMod val="50000"/>
-                  </a:schemeClr>
-                </a:solidFill>
-              </a:rPr>
-              <a:t/>
-            </a:r>
-            <a:br>
-              <a:rPr lang="en-US" altLang="zh-CN" dirty="0">
-                <a:solidFill>
-                  <a:schemeClr val="accent6">
-                    <a:lumMod val="50000"/>
-                  </a:schemeClr>
-                </a:solidFill>
-              </a:rPr>
-            </a:br>
-            <a:r>
-              <a:rPr lang="en-US" altLang="zh-CN" dirty="0" err="1">
-                <a:solidFill>
-                  <a:schemeClr val="accent6">
-                    <a:lumMod val="50000"/>
-                  </a:schemeClr>
-                </a:solidFill>
-              </a:rPr>
-              <a:t>linux+docker</a:t>
-            </a:r>
-            <a:endParaRPr lang="zh-CN" altLang="en-US" dirty="0">
-              <a:solidFill>
-                <a:schemeClr val="accent6">
-                  <a:lumMod val="50000"/>
-                </a:schemeClr>
-              </a:solidFill>
-            </a:endParaRPr>
-          </a:p>
-        </p:txBody>
-      </p:sp>
-      <p:sp>
-        <p:nvSpPr>
-          <p:cNvPr id="12" name="矩形 11"/>
-          <p:cNvSpPr/>
-          <p:nvPr/>
-        </p:nvSpPr>
-        <p:spPr>
-          <a:xfrm>
-            <a:off x="5607751" y="6388287"/>
-            <a:ext cx="3816424" cy="936104"/>
-          </a:xfrm>
-          <a:prstGeom prst="rect">
-            <a:avLst/>
-          </a:prstGeom>
-          <a:solidFill>
-            <a:schemeClr val="bg1">
-              <a:lumMod val="65000"/>
-            </a:schemeClr>
-          </a:solidFill>
-          <a:ln>
-            <a:noFill/>
-          </a:ln>
-        </p:spPr>
-        <p:style>
-          <a:lnRef idx="2">
-            <a:schemeClr val="accent1">
-              <a:shade val="50000"/>
-            </a:schemeClr>
-          </a:lnRef>
-          <a:fillRef idx="1">
-            <a:schemeClr val="accent1"/>
-          </a:fillRef>
-          <a:effectRef idx="0">
-            <a:schemeClr val="accent1"/>
-          </a:effectRef>
-          <a:fontRef idx="minor">
-            <a:schemeClr val="lt1"/>
-          </a:fontRef>
-        </p:style>
-        <p:txBody>
-          <a:bodyPr rtlCol="0" anchor="ctr"/>
-          <a:lstStyle/>
-          <a:p>
-            <a:pPr algn="ctr"/>
-            <a:r>
-              <a:rPr lang="zh-CN" altLang="en-US" dirty="0">
-                <a:solidFill>
                   <a:schemeClr val="accent4">
                     <a:lumMod val="50000"/>
                   </a:schemeClr>
                 </a:solidFill>
               </a:rPr>
-              <a:t>非弹性层</a:t>
+              <a:t>单体应用</a:t>
             </a:r>
             <a:endParaRPr lang="en-US" altLang="zh-CN" dirty="0">
               <a:solidFill>
@@ -9558,36 +9760,1063 @@
           <a:p>
             <a:pPr algn="ctr"/>
             <a:r>
-              <a:rPr lang="en-US" altLang="zh-CN" dirty="0" err="1">
+              <a:rPr lang="zh-CN" altLang="en-US" dirty="0">
                 <a:solidFill>
                   <a:schemeClr val="accent4">
                     <a:lumMod val="50000"/>
                   </a:schemeClr>
                 </a:solidFill>
               </a:rPr>
-              <a:t>linux</a:t>
-            </a:r>
-            <a:r>
-              <a:rPr lang="en-US" altLang="zh-CN" dirty="0">
+              <a:t>（原先应用）</a:t>
+            </a:r>
+          </a:p>
+        </p:txBody>
+      </p:sp>
+      <p:sp>
+        <p:nvSpPr>
+          <p:cNvPr id="17" name="矩形 16"/>
+          <p:cNvSpPr/>
+          <p:nvPr/>
+        </p:nvSpPr>
+        <p:spPr>
+          <a:xfrm>
+            <a:off x="1647311" y="2211823"/>
+            <a:ext cx="7776864" cy="648072"/>
+          </a:xfrm>
+          <a:prstGeom prst="rect">
+            <a:avLst/>
+          </a:prstGeom>
+          <a:solidFill>
+            <a:schemeClr val="accent3">
+              <a:lumMod val="75000"/>
+            </a:schemeClr>
+          </a:solidFill>
+          <a:ln>
+            <a:noFill/>
+          </a:ln>
+        </p:spPr>
+        <p:style>
+          <a:lnRef idx="2">
+            <a:schemeClr val="accent1">
+              <a:shade val="50000"/>
+            </a:schemeClr>
+          </a:lnRef>
+          <a:fillRef idx="1">
+            <a:schemeClr val="accent1"/>
+          </a:fillRef>
+          <a:effectRef idx="0">
+            <a:schemeClr val="accent1"/>
+          </a:effectRef>
+          <a:fontRef idx="minor">
+            <a:schemeClr val="lt1"/>
+          </a:fontRef>
+        </p:style>
+        <p:txBody>
+          <a:bodyPr rtlCol="0" anchor="ctr"/>
+          <a:lstStyle/>
+          <a:p>
+            <a:pPr algn="ctr"/>
+            <a:r>
+              <a:rPr lang="zh-CN" altLang="en-US" dirty="0">
                 <a:solidFill>
                   <a:schemeClr val="accent4">
                     <a:lumMod val="50000"/>
                   </a:schemeClr>
                 </a:solidFill>
               </a:rPr>
-              <a:t>/</a:t>
-            </a:r>
-            <a:r>
-              <a:rPr lang="en-US" altLang="zh-CN" dirty="0" err="1">
+              <a:t>路由层（路由</a:t>
+            </a:r>
+            <a:r>
+              <a:rPr lang="en-US" altLang="zh-CN" dirty="0">
                 <a:solidFill>
                   <a:schemeClr val="accent4">
                     <a:lumMod val="50000"/>
                   </a:schemeClr>
                 </a:solidFill>
               </a:rPr>
-              <a:t>windowServer</a:t>
-            </a:r>
-            <a:endParaRPr lang="zh-CN" altLang="en-US" dirty="0">
+              <a:t>/</a:t>
+            </a:r>
+            <a:r>
+              <a:rPr lang="zh-CN" altLang="en-US" dirty="0">
+                <a:solidFill>
+                  <a:schemeClr val="accent4">
+                    <a:lumMod val="50000"/>
+                  </a:schemeClr>
+                </a:solidFill>
+              </a:rPr>
+              <a:t>缓存</a:t>
+            </a:r>
+            <a:r>
+              <a:rPr lang="en-US" altLang="zh-CN" dirty="0">
+                <a:solidFill>
+                  <a:schemeClr val="accent4">
+                    <a:lumMod val="50000"/>
+                  </a:schemeClr>
+                </a:solidFill>
+              </a:rPr>
+              <a:t>/</a:t>
+            </a:r>
+            <a:r>
+              <a:rPr lang="zh-CN" altLang="en-US" dirty="0">
+                <a:solidFill>
+                  <a:schemeClr val="accent4">
+                    <a:lumMod val="50000"/>
+                  </a:schemeClr>
+                </a:solidFill>
+              </a:rPr>
+              <a:t>负载计算）</a:t>
+            </a:r>
+          </a:p>
+        </p:txBody>
+      </p:sp>
+      <p:sp>
+        <p:nvSpPr>
+          <p:cNvPr id="24" name="矩形 23"/>
+          <p:cNvSpPr/>
+          <p:nvPr/>
+        </p:nvSpPr>
+        <p:spPr>
+          <a:xfrm>
+            <a:off x="1461841" y="787986"/>
+            <a:ext cx="8208912" cy="393680"/>
+          </a:xfrm>
+          <a:prstGeom prst="rect">
+            <a:avLst/>
+          </a:prstGeom>
+          <a:solidFill>
+            <a:schemeClr val="bg1">
+              <a:lumMod val="65000"/>
+            </a:schemeClr>
+          </a:solidFill>
+          <a:ln>
+            <a:noFill/>
+          </a:ln>
+        </p:spPr>
+        <p:style>
+          <a:lnRef idx="2">
+            <a:schemeClr val="accent1">
+              <a:shade val="50000"/>
+            </a:schemeClr>
+          </a:lnRef>
+          <a:fillRef idx="1">
+            <a:schemeClr val="accent1"/>
+          </a:fillRef>
+          <a:effectRef idx="0">
+            <a:schemeClr val="accent1"/>
+          </a:effectRef>
+          <a:fontRef idx="minor">
+            <a:schemeClr val="lt1"/>
+          </a:fontRef>
+        </p:style>
+        <p:txBody>
+          <a:bodyPr rtlCol="0" anchor="ctr"/>
+          <a:lstStyle/>
+          <a:p>
+            <a:pPr algn="ctr"/>
+            <a:r>
+              <a:rPr lang="zh-CN" altLang="en-US" dirty="0">
+                <a:solidFill>
+                  <a:schemeClr val="accent4">
+                    <a:lumMod val="50000"/>
+                  </a:schemeClr>
+                </a:solidFill>
+              </a:rPr>
+              <a:t>用户终端</a:t>
+            </a:r>
+          </a:p>
+        </p:txBody>
+      </p:sp>
+      <p:sp>
+        <p:nvSpPr>
+          <p:cNvPr id="26" name="矩形 25"/>
+          <p:cNvSpPr/>
+          <p:nvPr/>
+        </p:nvSpPr>
+        <p:spPr>
+          <a:xfrm>
+            <a:off x="63135" y="2068695"/>
+            <a:ext cx="1224136" cy="5544616"/>
+          </a:xfrm>
+          <a:prstGeom prst="rect">
+            <a:avLst/>
+          </a:prstGeom>
+          <a:noFill/>
+        </p:spPr>
+        <p:style>
+          <a:lnRef idx="2">
+            <a:schemeClr val="accent1">
+              <a:shade val="50000"/>
+            </a:schemeClr>
+          </a:lnRef>
+          <a:fillRef idx="1">
+            <a:schemeClr val="accent1"/>
+          </a:fillRef>
+          <a:effectRef idx="0">
+            <a:schemeClr val="accent1"/>
+          </a:effectRef>
+          <a:fontRef idx="minor">
+            <a:schemeClr val="lt1"/>
+          </a:fontRef>
+        </p:style>
+        <p:txBody>
+          <a:bodyPr rtlCol="0" anchor="t"/>
+          <a:lstStyle/>
+          <a:p>
+            <a:pPr algn="ctr"/>
+            <a:r>
+              <a:rPr lang="zh-CN" altLang="en-US" sz="2000" dirty="0">
+                <a:solidFill>
+                  <a:schemeClr val="accent4">
+                    <a:lumMod val="50000"/>
+                  </a:schemeClr>
+                </a:solidFill>
+              </a:rPr>
+              <a:t>开发运维中心</a:t>
+            </a:r>
+          </a:p>
+        </p:txBody>
+      </p:sp>
+      <p:sp>
+        <p:nvSpPr>
+          <p:cNvPr id="27" name="矩形 26"/>
+          <p:cNvSpPr/>
+          <p:nvPr/>
+        </p:nvSpPr>
+        <p:spPr>
+          <a:xfrm>
+            <a:off x="9784215" y="2058985"/>
+            <a:ext cx="703213" cy="5544616"/>
+          </a:xfrm>
+          <a:prstGeom prst="rect">
+            <a:avLst/>
+          </a:prstGeom>
+          <a:noFill/>
+        </p:spPr>
+        <p:style>
+          <a:lnRef idx="2">
+            <a:schemeClr val="accent1">
+              <a:shade val="50000"/>
+            </a:schemeClr>
+          </a:lnRef>
+          <a:fillRef idx="1">
+            <a:schemeClr val="accent1"/>
+          </a:fillRef>
+          <a:effectRef idx="0">
+            <a:schemeClr val="accent1"/>
+          </a:effectRef>
+          <a:fontRef idx="minor">
+            <a:schemeClr val="lt1"/>
+          </a:fontRef>
+        </p:style>
+        <p:txBody>
+          <a:bodyPr rtlCol="0" anchor="t"/>
+          <a:lstStyle/>
+          <a:p>
+            <a:pPr algn="ctr"/>
+            <a:r>
+              <a:rPr lang="zh-CN" altLang="en-US" sz="2000" dirty="0">
+                <a:solidFill>
+                  <a:schemeClr val="accent4">
+                    <a:lumMod val="50000"/>
+                  </a:schemeClr>
+                </a:solidFill>
+              </a:rPr>
+              <a:t>安全中心</a:t>
+            </a:r>
+          </a:p>
+        </p:txBody>
+      </p:sp>
+      <p:sp>
+        <p:nvSpPr>
+          <p:cNvPr id="29" name="矩形 28"/>
+          <p:cNvSpPr/>
+          <p:nvPr/>
+        </p:nvSpPr>
+        <p:spPr>
+          <a:xfrm>
+            <a:off x="10648310" y="2059873"/>
+            <a:ext cx="750633" cy="5544616"/>
+          </a:xfrm>
+          <a:prstGeom prst="rect">
+            <a:avLst/>
+          </a:prstGeom>
+          <a:noFill/>
+        </p:spPr>
+        <p:style>
+          <a:lnRef idx="2">
+            <a:schemeClr val="accent1">
+              <a:shade val="50000"/>
+            </a:schemeClr>
+          </a:lnRef>
+          <a:fillRef idx="1">
+            <a:schemeClr val="accent1"/>
+          </a:fillRef>
+          <a:effectRef idx="0">
+            <a:schemeClr val="accent1"/>
+          </a:effectRef>
+          <a:fontRef idx="minor">
+            <a:schemeClr val="lt1"/>
+          </a:fontRef>
+        </p:style>
+        <p:txBody>
+          <a:bodyPr rtlCol="0" anchor="t"/>
+          <a:lstStyle/>
+          <a:p>
+            <a:pPr algn="ctr"/>
+            <a:r>
+              <a:rPr lang="zh-CN" altLang="en-US" sz="2000" dirty="0">
+                <a:solidFill>
+                  <a:schemeClr val="accent4">
+                    <a:lumMod val="50000"/>
+                  </a:schemeClr>
+                </a:solidFill>
+              </a:rPr>
+              <a:t>管控中心</a:t>
+            </a:r>
+          </a:p>
+        </p:txBody>
+      </p:sp>
+      <p:sp>
+        <p:nvSpPr>
+          <p:cNvPr id="30" name="矩形 29"/>
+          <p:cNvSpPr/>
+          <p:nvPr/>
+        </p:nvSpPr>
+        <p:spPr>
+          <a:xfrm>
+            <a:off x="4102801" y="3507967"/>
+            <a:ext cx="936104" cy="504056"/>
+          </a:xfrm>
+          <a:prstGeom prst="rect">
+            <a:avLst/>
+          </a:prstGeom>
+          <a:solidFill>
+            <a:schemeClr val="accent3">
+              <a:lumMod val="75000"/>
+            </a:schemeClr>
+          </a:solidFill>
+          <a:ln>
+            <a:noFill/>
+          </a:ln>
+        </p:spPr>
+        <p:style>
+          <a:lnRef idx="2">
+            <a:schemeClr val="accent1">
+              <a:shade val="50000"/>
+            </a:schemeClr>
+          </a:lnRef>
+          <a:fillRef idx="1">
+            <a:schemeClr val="accent1"/>
+          </a:fillRef>
+          <a:effectRef idx="0">
+            <a:schemeClr val="accent1"/>
+          </a:effectRef>
+          <a:fontRef idx="minor">
+            <a:schemeClr val="lt1"/>
+          </a:fontRef>
+        </p:style>
+        <p:txBody>
+          <a:bodyPr rot="0" spcFirstLastPara="0" vertOverflow="overflow" horzOverflow="overflow" vert="horz" wrap="square" lIns="91440" tIns="45720" rIns="91440" bIns="45720" numCol="1" spcCol="0" rtlCol="0" fromWordArt="0" anchor="ctr" anchorCtr="0" forceAA="0" compatLnSpc="1">
+            <a:prstTxWarp prst="textNoShape">
+              <a:avLst/>
+            </a:prstTxWarp>
+            <a:noAutofit/>
+          </a:bodyPr>
+          <a:lstStyle/>
+          <a:p>
+            <a:pPr algn="ctr"/>
+            <a:r>
+              <a:rPr lang="zh-CN" altLang="en-US" sz="1400" dirty="0">
+                <a:solidFill>
+                  <a:schemeClr val="accent4">
+                    <a:lumMod val="50000"/>
+                  </a:schemeClr>
+                </a:solidFill>
+              </a:rPr>
+              <a:t>大数据</a:t>
+            </a:r>
+          </a:p>
+        </p:txBody>
+      </p:sp>
+      <p:sp>
+        <p:nvSpPr>
+          <p:cNvPr id="42" name="矩形 41"/>
+          <p:cNvSpPr/>
+          <p:nvPr/>
+        </p:nvSpPr>
+        <p:spPr>
+          <a:xfrm>
+            <a:off x="4095711" y="4084031"/>
+            <a:ext cx="936104" cy="504056"/>
+          </a:xfrm>
+          <a:prstGeom prst="rect">
+            <a:avLst/>
+          </a:prstGeom>
+          <a:solidFill>
+            <a:schemeClr val="accent3">
+              <a:lumMod val="75000"/>
+            </a:schemeClr>
+          </a:solidFill>
+          <a:ln>
+            <a:noFill/>
+          </a:ln>
+        </p:spPr>
+        <p:style>
+          <a:lnRef idx="2">
+            <a:schemeClr val="accent1">
+              <a:shade val="50000"/>
+            </a:schemeClr>
+          </a:lnRef>
+          <a:fillRef idx="1">
+            <a:schemeClr val="accent1"/>
+          </a:fillRef>
+          <a:effectRef idx="0">
+            <a:schemeClr val="accent1"/>
+          </a:effectRef>
+          <a:fontRef idx="minor">
+            <a:schemeClr val="lt1"/>
+          </a:fontRef>
+        </p:style>
+        <p:txBody>
+          <a:bodyPr rot="0" spcFirstLastPara="0" vertOverflow="overflow" horzOverflow="overflow" vert="horz" wrap="square" lIns="91440" tIns="45720" rIns="91440" bIns="45720" numCol="1" spcCol="0" rtlCol="0" fromWordArt="0" anchor="ctr" anchorCtr="0" forceAA="0" compatLnSpc="1">
+            <a:prstTxWarp prst="textNoShape">
+              <a:avLst/>
+            </a:prstTxWarp>
+            <a:noAutofit/>
+          </a:bodyPr>
+          <a:lstStyle/>
+          <a:p>
+            <a:pPr algn="ctr"/>
+            <a:r>
+              <a:rPr lang="zh-CN" altLang="en-US" sz="1400" dirty="0">
+                <a:solidFill>
+                  <a:schemeClr val="accent6">
+                    <a:lumMod val="50000"/>
+                  </a:schemeClr>
+                </a:solidFill>
+              </a:rPr>
+              <a:t>负载均衡</a:t>
+            </a:r>
+            <a:endParaRPr lang="en-US" altLang="zh-CN" sz="1400" dirty="0">
+              <a:solidFill>
+                <a:schemeClr val="accent6">
+                  <a:lumMod val="50000"/>
+                </a:schemeClr>
+              </a:solidFill>
+            </a:endParaRPr>
+          </a:p>
+        </p:txBody>
+      </p:sp>
+      <p:sp>
+        <p:nvSpPr>
+          <p:cNvPr id="44" name="矩形 43"/>
+          <p:cNvSpPr/>
+          <p:nvPr/>
+        </p:nvSpPr>
+        <p:spPr>
+          <a:xfrm>
+            <a:off x="4102801" y="4660095"/>
+            <a:ext cx="936104" cy="504056"/>
+          </a:xfrm>
+          <a:prstGeom prst="rect">
+            <a:avLst/>
+          </a:prstGeom>
+          <a:solidFill>
+            <a:schemeClr val="accent3">
+              <a:lumMod val="75000"/>
+            </a:schemeClr>
+          </a:solidFill>
+          <a:ln>
+            <a:noFill/>
+          </a:ln>
+        </p:spPr>
+        <p:style>
+          <a:lnRef idx="2">
+            <a:schemeClr val="accent1">
+              <a:shade val="50000"/>
+            </a:schemeClr>
+          </a:lnRef>
+          <a:fillRef idx="1">
+            <a:schemeClr val="accent1"/>
+          </a:fillRef>
+          <a:effectRef idx="0">
+            <a:schemeClr val="accent1"/>
+          </a:effectRef>
+          <a:fontRef idx="minor">
+            <a:schemeClr val="lt1"/>
+          </a:fontRef>
+        </p:style>
+        <p:txBody>
+          <a:bodyPr rot="0" spcFirstLastPara="0" vertOverflow="overflow" horzOverflow="overflow" vert="horz" wrap="square" lIns="91440" tIns="45720" rIns="91440" bIns="45720" numCol="1" spcCol="0" rtlCol="0" fromWordArt="0" anchor="ctr" anchorCtr="0" forceAA="0" compatLnSpc="1">
+            <a:prstTxWarp prst="textNoShape">
+              <a:avLst/>
+            </a:prstTxWarp>
+            <a:noAutofit/>
+          </a:bodyPr>
+          <a:lstStyle/>
+          <a:p>
+            <a:pPr algn="ctr"/>
+            <a:r>
+              <a:rPr lang="zh-CN" altLang="en-US" sz="1400" dirty="0">
+                <a:solidFill>
+                  <a:schemeClr val="accent6">
+                    <a:lumMod val="50000"/>
+                  </a:schemeClr>
+                </a:solidFill>
+              </a:rPr>
+              <a:t>配置中心</a:t>
+            </a:r>
+          </a:p>
+        </p:txBody>
+      </p:sp>
+      <p:sp>
+        <p:nvSpPr>
+          <p:cNvPr id="45" name="矩形 44"/>
+          <p:cNvSpPr/>
+          <p:nvPr/>
+        </p:nvSpPr>
+        <p:spPr>
+          <a:xfrm>
+            <a:off x="4095583" y="5236159"/>
+            <a:ext cx="936104" cy="504056"/>
+          </a:xfrm>
+          <a:prstGeom prst="rect">
+            <a:avLst/>
+          </a:prstGeom>
+          <a:solidFill>
+            <a:schemeClr val="accent3">
+              <a:lumMod val="75000"/>
+            </a:schemeClr>
+          </a:solidFill>
+          <a:ln>
+            <a:noFill/>
+          </a:ln>
+        </p:spPr>
+        <p:style>
+          <a:lnRef idx="2">
+            <a:schemeClr val="accent1">
+              <a:shade val="50000"/>
+            </a:schemeClr>
+          </a:lnRef>
+          <a:fillRef idx="1">
+            <a:schemeClr val="accent1"/>
+          </a:fillRef>
+          <a:effectRef idx="0">
+            <a:schemeClr val="accent1"/>
+          </a:effectRef>
+          <a:fontRef idx="minor">
+            <a:schemeClr val="lt1"/>
+          </a:fontRef>
+        </p:style>
+        <p:txBody>
+          <a:bodyPr rot="0" spcFirstLastPara="0" vertOverflow="overflow" horzOverflow="overflow" vert="horz" wrap="square" lIns="91440" tIns="45720" rIns="91440" bIns="45720" numCol="1" spcCol="0" rtlCol="0" fromWordArt="0" anchor="ctr" anchorCtr="0" forceAA="0" compatLnSpc="1">
+            <a:prstTxWarp prst="textNoShape">
+              <a:avLst/>
+            </a:prstTxWarp>
+            <a:noAutofit/>
+          </a:bodyPr>
+          <a:lstStyle/>
+          <a:p>
+            <a:pPr algn="ctr"/>
+            <a:r>
+              <a:rPr lang="zh-CN" altLang="en-US" sz="1400" dirty="0">
+                <a:solidFill>
+                  <a:schemeClr val="accent6">
+                    <a:lumMod val="50000"/>
+                  </a:schemeClr>
+                </a:solidFill>
+              </a:rPr>
+              <a:t>单点登录</a:t>
+            </a:r>
+          </a:p>
+        </p:txBody>
+      </p:sp>
+      <p:sp>
+        <p:nvSpPr>
+          <p:cNvPr id="46" name="矩形 45"/>
+          <p:cNvSpPr/>
+          <p:nvPr/>
+        </p:nvSpPr>
+        <p:spPr>
+          <a:xfrm>
+            <a:off x="5139699" y="3507967"/>
+            <a:ext cx="936104" cy="504056"/>
+          </a:xfrm>
+          <a:prstGeom prst="rect">
+            <a:avLst/>
+          </a:prstGeom>
+          <a:solidFill>
+            <a:schemeClr val="accent3">
+              <a:lumMod val="75000"/>
+            </a:schemeClr>
+          </a:solidFill>
+          <a:ln>
+            <a:noFill/>
+          </a:ln>
+        </p:spPr>
+        <p:style>
+          <a:lnRef idx="2">
+            <a:schemeClr val="accent1">
+              <a:shade val="50000"/>
+            </a:schemeClr>
+          </a:lnRef>
+          <a:fillRef idx="1">
+            <a:schemeClr val="accent1"/>
+          </a:fillRef>
+          <a:effectRef idx="0">
+            <a:schemeClr val="accent1"/>
+          </a:effectRef>
+          <a:fontRef idx="minor">
+            <a:schemeClr val="lt1"/>
+          </a:fontRef>
+        </p:style>
+        <p:txBody>
+          <a:bodyPr rot="0" spcFirstLastPara="0" vertOverflow="overflow" horzOverflow="overflow" vert="horz" wrap="square" lIns="91440" tIns="45720" rIns="91440" bIns="45720" numCol="1" spcCol="0" rtlCol="0" fromWordArt="0" anchor="ctr" anchorCtr="0" forceAA="0" compatLnSpc="1">
+            <a:prstTxWarp prst="textNoShape">
+              <a:avLst/>
+            </a:prstTxWarp>
+            <a:noAutofit/>
+          </a:bodyPr>
+          <a:lstStyle/>
+          <a:p>
+            <a:pPr algn="ctr"/>
+            <a:r>
+              <a:rPr lang="zh-CN" altLang="en-US" sz="1400" dirty="0">
+                <a:solidFill>
+                  <a:schemeClr val="accent4">
+                    <a:lumMod val="50000"/>
+                  </a:schemeClr>
+                </a:solidFill>
+              </a:rPr>
+              <a:t>任务框架</a:t>
+            </a:r>
+          </a:p>
+        </p:txBody>
+      </p:sp>
+      <p:sp>
+        <p:nvSpPr>
+          <p:cNvPr id="47" name="矩形 46"/>
+          <p:cNvSpPr/>
+          <p:nvPr/>
+        </p:nvSpPr>
+        <p:spPr>
+          <a:xfrm>
+            <a:off x="5139699" y="4084031"/>
+            <a:ext cx="936104" cy="504056"/>
+          </a:xfrm>
+          <a:prstGeom prst="rect">
+            <a:avLst/>
+          </a:prstGeom>
+          <a:solidFill>
+            <a:schemeClr val="accent3">
+              <a:lumMod val="75000"/>
+            </a:schemeClr>
+          </a:solidFill>
+          <a:ln>
+            <a:noFill/>
+          </a:ln>
+        </p:spPr>
+        <p:style>
+          <a:lnRef idx="2">
+            <a:schemeClr val="accent1">
+              <a:shade val="50000"/>
+            </a:schemeClr>
+          </a:lnRef>
+          <a:fillRef idx="1">
+            <a:schemeClr val="accent1"/>
+          </a:fillRef>
+          <a:effectRef idx="0">
+            <a:schemeClr val="accent1"/>
+          </a:effectRef>
+          <a:fontRef idx="minor">
+            <a:schemeClr val="lt1"/>
+          </a:fontRef>
+        </p:style>
+        <p:txBody>
+          <a:bodyPr rot="0" spcFirstLastPara="0" vertOverflow="overflow" horzOverflow="overflow" vert="horz" wrap="square" lIns="91440" tIns="45720" rIns="91440" bIns="45720" numCol="1" spcCol="0" rtlCol="0" fromWordArt="0" anchor="ctr" anchorCtr="0" forceAA="0" compatLnSpc="1">
+            <a:prstTxWarp prst="textNoShape">
+              <a:avLst/>
+            </a:prstTxWarp>
+            <a:noAutofit/>
+          </a:bodyPr>
+          <a:lstStyle/>
+          <a:p>
+            <a:pPr algn="ctr"/>
+            <a:r>
+              <a:rPr lang="zh-CN" altLang="en-US" sz="1400" dirty="0">
+                <a:solidFill>
+                  <a:schemeClr val="accent4">
+                    <a:lumMod val="50000"/>
+                  </a:schemeClr>
+                </a:solidFill>
+              </a:rPr>
+              <a:t>日志中心</a:t>
+            </a:r>
+          </a:p>
+        </p:txBody>
+      </p:sp>
+      <p:sp>
+        <p:nvSpPr>
+          <p:cNvPr id="48" name="矩形 47"/>
+          <p:cNvSpPr/>
+          <p:nvPr/>
+        </p:nvSpPr>
+        <p:spPr>
+          <a:xfrm>
+            <a:off x="5147835" y="4666842"/>
+            <a:ext cx="936104" cy="504056"/>
+          </a:xfrm>
+          <a:prstGeom prst="rect">
+            <a:avLst/>
+          </a:prstGeom>
+          <a:solidFill>
+            <a:schemeClr val="accent3">
+              <a:lumMod val="75000"/>
+            </a:schemeClr>
+          </a:solidFill>
+          <a:ln>
+            <a:noFill/>
+          </a:ln>
+        </p:spPr>
+        <p:style>
+          <a:lnRef idx="2">
+            <a:schemeClr val="accent1">
+              <a:shade val="50000"/>
+            </a:schemeClr>
+          </a:lnRef>
+          <a:fillRef idx="1">
+            <a:schemeClr val="accent1"/>
+          </a:fillRef>
+          <a:effectRef idx="0">
+            <a:schemeClr val="accent1"/>
+          </a:effectRef>
+          <a:fontRef idx="minor">
+            <a:schemeClr val="lt1"/>
+          </a:fontRef>
+        </p:style>
+        <p:txBody>
+          <a:bodyPr rot="0" spcFirstLastPara="0" vertOverflow="overflow" horzOverflow="overflow" vert="horz" wrap="square" lIns="91440" tIns="45720" rIns="91440" bIns="45720" numCol="1" spcCol="0" rtlCol="0" fromWordArt="0" anchor="ctr" anchorCtr="0" forceAA="0" compatLnSpc="1">
+            <a:prstTxWarp prst="textNoShape">
+              <a:avLst/>
+            </a:prstTxWarp>
+            <a:noAutofit/>
+          </a:bodyPr>
+          <a:lstStyle/>
+          <a:p>
+            <a:pPr algn="ctr"/>
+            <a:r>
+              <a:rPr lang="zh-CN" altLang="en-US" sz="1400" dirty="0">
+                <a:solidFill>
+                  <a:schemeClr val="accent6">
+                    <a:lumMod val="50000"/>
+                  </a:schemeClr>
+                </a:solidFill>
+              </a:rPr>
+              <a:t>分布式数据库</a:t>
+            </a:r>
+          </a:p>
+        </p:txBody>
+      </p:sp>
+      <p:sp>
+        <p:nvSpPr>
+          <p:cNvPr id="50" name="矩形 49"/>
+          <p:cNvSpPr/>
+          <p:nvPr/>
+        </p:nvSpPr>
+        <p:spPr>
+          <a:xfrm>
+            <a:off x="5139699" y="5236159"/>
+            <a:ext cx="936104" cy="504056"/>
+          </a:xfrm>
+          <a:prstGeom prst="rect">
+            <a:avLst/>
+          </a:prstGeom>
+          <a:solidFill>
+            <a:schemeClr val="accent3">
+              <a:lumMod val="75000"/>
+            </a:schemeClr>
+          </a:solidFill>
+          <a:ln>
+            <a:noFill/>
+          </a:ln>
+        </p:spPr>
+        <p:style>
+          <a:lnRef idx="2">
+            <a:schemeClr val="accent1">
+              <a:shade val="50000"/>
+            </a:schemeClr>
+          </a:lnRef>
+          <a:fillRef idx="1">
+            <a:schemeClr val="accent1"/>
+          </a:fillRef>
+          <a:effectRef idx="0">
+            <a:schemeClr val="accent1"/>
+          </a:effectRef>
+          <a:fontRef idx="minor">
+            <a:schemeClr val="lt1"/>
+          </a:fontRef>
+        </p:style>
+        <p:txBody>
+          <a:bodyPr rot="0" spcFirstLastPara="0" vertOverflow="overflow" horzOverflow="overflow" vert="horz" wrap="square" lIns="91440" tIns="45720" rIns="91440" bIns="45720" numCol="1" spcCol="0" rtlCol="0" fromWordArt="0" anchor="ctr" anchorCtr="0" forceAA="0" compatLnSpc="1">
+            <a:prstTxWarp prst="textNoShape">
+              <a:avLst/>
+            </a:prstTxWarp>
+            <a:noAutofit/>
+          </a:bodyPr>
+          <a:lstStyle/>
+          <a:p>
+            <a:pPr algn="ctr"/>
+            <a:r>
+              <a:rPr lang="zh-CN" altLang="en-US" sz="1400" dirty="0">
+                <a:solidFill>
+                  <a:schemeClr val="accent4">
+                    <a:lumMod val="50000"/>
+                  </a:schemeClr>
+                </a:solidFill>
+              </a:rPr>
+              <a:t>分布式缓存</a:t>
+            </a:r>
+          </a:p>
+        </p:txBody>
+      </p:sp>
+      <p:sp>
+        <p:nvSpPr>
+          <p:cNvPr id="52" name="矩形 51"/>
+          <p:cNvSpPr/>
+          <p:nvPr/>
+        </p:nvSpPr>
+        <p:spPr>
+          <a:xfrm>
+            <a:off x="6175679" y="3507967"/>
+            <a:ext cx="936104" cy="504056"/>
+          </a:xfrm>
+          <a:prstGeom prst="rect">
+            <a:avLst/>
+          </a:prstGeom>
+          <a:solidFill>
+            <a:schemeClr val="accent6">
+              <a:lumMod val="60000"/>
+              <a:lumOff val="40000"/>
+            </a:schemeClr>
+          </a:solidFill>
+          <a:ln>
+            <a:noFill/>
+          </a:ln>
+        </p:spPr>
+        <p:style>
+          <a:lnRef idx="2">
+            <a:schemeClr val="accent1">
+              <a:shade val="50000"/>
+            </a:schemeClr>
+          </a:lnRef>
+          <a:fillRef idx="1">
+            <a:schemeClr val="accent1"/>
+          </a:fillRef>
+          <a:effectRef idx="0">
+            <a:schemeClr val="accent1"/>
+          </a:effectRef>
+          <a:fontRef idx="minor">
+            <a:schemeClr val="lt1"/>
+          </a:fontRef>
+        </p:style>
+        <p:txBody>
+          <a:bodyPr rtlCol="0" anchor="ctr"/>
+          <a:lstStyle/>
+          <a:p>
+            <a:pPr algn="ctr"/>
+            <a:r>
+              <a:rPr lang="zh-CN" altLang="en-US" sz="1400" dirty="0">
+                <a:solidFill>
+                  <a:schemeClr val="accent6">
+                    <a:lumMod val="50000"/>
+                  </a:schemeClr>
+                </a:solidFill>
+              </a:rPr>
+              <a:t>智慧组件</a:t>
+            </a:r>
+          </a:p>
+        </p:txBody>
+      </p:sp>
+      <p:sp>
+        <p:nvSpPr>
+          <p:cNvPr id="54" name="矩形 53"/>
+          <p:cNvSpPr/>
+          <p:nvPr/>
+        </p:nvSpPr>
+        <p:spPr>
+          <a:xfrm>
+            <a:off x="6175679" y="4084031"/>
+            <a:ext cx="936104" cy="504056"/>
+          </a:xfrm>
+          <a:prstGeom prst="rect">
+            <a:avLst/>
+          </a:prstGeom>
+          <a:solidFill>
+            <a:schemeClr val="accent6">
+              <a:lumMod val="60000"/>
+              <a:lumOff val="40000"/>
+            </a:schemeClr>
+          </a:solidFill>
+          <a:ln>
+            <a:noFill/>
+          </a:ln>
+        </p:spPr>
+        <p:style>
+          <a:lnRef idx="2">
+            <a:schemeClr val="accent1">
+              <a:shade val="50000"/>
+            </a:schemeClr>
+          </a:lnRef>
+          <a:fillRef idx="1">
+            <a:schemeClr val="accent1"/>
+          </a:fillRef>
+          <a:effectRef idx="0">
+            <a:schemeClr val="accent1"/>
+          </a:effectRef>
+          <a:fontRef idx="minor">
+            <a:schemeClr val="lt1"/>
+          </a:fontRef>
+        </p:style>
+        <p:txBody>
+          <a:bodyPr rtlCol="0" anchor="ctr"/>
+          <a:lstStyle/>
+          <a:p>
+            <a:pPr algn="ctr"/>
+            <a:r>
+              <a:rPr lang="zh-CN" altLang="en-US" sz="1400" dirty="0">
+                <a:solidFill>
+                  <a:schemeClr val="accent6">
+                    <a:lumMod val="50000"/>
+                  </a:schemeClr>
+                </a:solidFill>
+              </a:rPr>
+              <a:t>注册中心</a:t>
+            </a:r>
+          </a:p>
+        </p:txBody>
+      </p:sp>
+      <p:sp>
+        <p:nvSpPr>
+          <p:cNvPr id="56" name="矩形 55"/>
+          <p:cNvSpPr/>
+          <p:nvPr/>
+        </p:nvSpPr>
+        <p:spPr>
+          <a:xfrm>
+            <a:off x="6183815" y="4666842"/>
+            <a:ext cx="936104" cy="504056"/>
+          </a:xfrm>
+          <a:prstGeom prst="rect">
+            <a:avLst/>
+          </a:prstGeom>
+          <a:solidFill>
+            <a:schemeClr val="accent3">
+              <a:lumMod val="75000"/>
+            </a:schemeClr>
+          </a:solidFill>
+          <a:ln>
+            <a:noFill/>
+          </a:ln>
+        </p:spPr>
+        <p:style>
+          <a:lnRef idx="2">
+            <a:schemeClr val="accent1">
+              <a:shade val="50000"/>
+            </a:schemeClr>
+          </a:lnRef>
+          <a:fillRef idx="1">
+            <a:schemeClr val="accent1"/>
+          </a:fillRef>
+          <a:effectRef idx="0">
+            <a:schemeClr val="accent1"/>
+          </a:effectRef>
+          <a:fontRef idx="minor">
+            <a:schemeClr val="lt1"/>
+          </a:fontRef>
+        </p:style>
+        <p:txBody>
+          <a:bodyPr rot="0" spcFirstLastPara="0" vertOverflow="overflow" horzOverflow="overflow" vert="horz" wrap="square" lIns="91440" tIns="45720" rIns="91440" bIns="45720" numCol="1" spcCol="0" rtlCol="0" fromWordArt="0" anchor="ctr" anchorCtr="0" forceAA="0" compatLnSpc="1">
+            <a:prstTxWarp prst="textNoShape">
+              <a:avLst/>
+            </a:prstTxWarp>
+            <a:noAutofit/>
+          </a:bodyPr>
+          <a:lstStyle/>
+          <a:p>
+            <a:pPr algn="ctr"/>
+            <a:r>
+              <a:rPr lang="zh-CN" altLang="en-US" sz="1400" dirty="0">
+                <a:solidFill>
+                  <a:schemeClr val="accent4">
+                    <a:lumMod val="50000"/>
+                  </a:schemeClr>
+                </a:solidFill>
+              </a:rPr>
+              <a:t>分布式文件系统</a:t>
+            </a:r>
+          </a:p>
+        </p:txBody>
+      </p:sp>
+      <p:sp>
+        <p:nvSpPr>
+          <p:cNvPr id="57" name="矩形 56"/>
+          <p:cNvSpPr/>
+          <p:nvPr/>
+        </p:nvSpPr>
+        <p:spPr>
+          <a:xfrm>
+            <a:off x="6175679" y="5236159"/>
+            <a:ext cx="936104" cy="504056"/>
+          </a:xfrm>
+          <a:prstGeom prst="rect">
+            <a:avLst/>
+          </a:prstGeom>
+          <a:solidFill>
+            <a:schemeClr val="accent3">
+              <a:lumMod val="75000"/>
+            </a:schemeClr>
+          </a:solidFill>
+          <a:ln>
+            <a:noFill/>
+          </a:ln>
+        </p:spPr>
+        <p:style>
+          <a:lnRef idx="2">
+            <a:schemeClr val="accent1">
+              <a:shade val="50000"/>
+            </a:schemeClr>
+          </a:lnRef>
+          <a:fillRef idx="1">
+            <a:schemeClr val="accent1"/>
+          </a:fillRef>
+          <a:effectRef idx="0">
+            <a:schemeClr val="accent1"/>
+          </a:effectRef>
+          <a:fontRef idx="minor">
+            <a:schemeClr val="lt1"/>
+          </a:fontRef>
+        </p:style>
+        <p:txBody>
+          <a:bodyPr rot="0" spcFirstLastPara="0" vertOverflow="overflow" horzOverflow="overflow" vert="horz" wrap="square" lIns="91440" tIns="45720" rIns="91440" bIns="45720" numCol="1" spcCol="0" rtlCol="0" fromWordArt="0" anchor="ctr" anchorCtr="0" forceAA="0" compatLnSpc="1">
+            <a:prstTxWarp prst="textNoShape">
+              <a:avLst/>
+            </a:prstTxWarp>
+            <a:noAutofit/>
+          </a:bodyPr>
+          <a:lstStyle/>
+          <a:p>
+            <a:pPr algn="ctr"/>
+            <a:r>
+              <a:rPr lang="zh-CN" altLang="en-US" sz="1400" dirty="0">
+                <a:solidFill>
+                  <a:schemeClr val="accent4">
+                    <a:lumMod val="50000"/>
+                  </a:schemeClr>
+                </a:solidFill>
+              </a:rPr>
+              <a:t>管道</a:t>
+            </a:r>
+            <a:endParaRPr lang="en-US" altLang="zh-CN" sz="1400" dirty="0">
               <a:solidFill>
                 <a:schemeClr val="accent4">
                   <a:lumMod val="50000"/>
@@ -9599,19 +10828,27 @@
       </p:sp>
       <p:sp>
         <p:nvSpPr>
-          <p:cNvPr id="13" name="矩形 12"/>
+          <p:cNvPr id="58" name="矩形 57"/>
           <p:cNvSpPr/>
           <p:nvPr/>
         </p:nvSpPr>
         <p:spPr>
           <a:xfrm>
-            <a:off x="3951567" y="3003911"/>
-            <a:ext cx="3240360" cy="3312368"/>
-          </a:xfrm>
-          <a:prstGeom prst="rect">
-            <a:avLst/>
-          </a:prstGeom>
-          <a:noFill/>
+            <a:off x="4095583" y="5793225"/>
+            <a:ext cx="936104" cy="504056"/>
+          </a:xfrm>
+          <a:prstGeom prst="rect">
+            <a:avLst/>
+          </a:prstGeom>
+          <a:solidFill>
+            <a:schemeClr val="accent6">
+              <a:lumMod val="60000"/>
+              <a:lumOff val="40000"/>
+            </a:schemeClr>
+          </a:solidFill>
+          <a:ln>
+            <a:noFill/>
+          </a:ln>
         </p:spPr>
         <p:style>
           <a:lnRef idx="2">
@@ -9630,21 +10867,271 @@
           </a:fontRef>
         </p:style>
         <p:txBody>
-          <a:bodyPr rtlCol="0" anchor="t"/>
+          <a:bodyPr rtlCol="0" anchor="ctr"/>
           <a:lstStyle/>
           <a:p>
             <a:pPr algn="ctr"/>
             <a:r>
-              <a:rPr lang="zh-CN" altLang="en-US" sz="2000" dirty="0">
+              <a:rPr lang="zh-CN" altLang="en-US" sz="1400" dirty="0">
+                <a:solidFill>
+                  <a:schemeClr val="accent6">
+                    <a:lumMod val="50000"/>
+                  </a:schemeClr>
+                </a:solidFill>
+              </a:rPr>
+              <a:t>服务治理</a:t>
+            </a:r>
+          </a:p>
+        </p:txBody>
+      </p:sp>
+      <p:sp>
+        <p:nvSpPr>
+          <p:cNvPr id="59" name="矩形 58"/>
+          <p:cNvSpPr/>
+          <p:nvPr/>
+        </p:nvSpPr>
+        <p:spPr>
+          <a:xfrm>
+            <a:off x="5139699" y="5793225"/>
+            <a:ext cx="936104" cy="504056"/>
+          </a:xfrm>
+          <a:prstGeom prst="rect">
+            <a:avLst/>
+          </a:prstGeom>
+          <a:solidFill>
+            <a:schemeClr val="accent6">
+              <a:lumMod val="60000"/>
+              <a:lumOff val="40000"/>
+            </a:schemeClr>
+          </a:solidFill>
+          <a:ln>
+            <a:noFill/>
+          </a:ln>
+        </p:spPr>
+        <p:style>
+          <a:lnRef idx="2">
+            <a:schemeClr val="accent1">
+              <a:shade val="50000"/>
+            </a:schemeClr>
+          </a:lnRef>
+          <a:fillRef idx="1">
+            <a:schemeClr val="accent1"/>
+          </a:fillRef>
+          <a:effectRef idx="0">
+            <a:schemeClr val="accent1"/>
+          </a:effectRef>
+          <a:fontRef idx="minor">
+            <a:schemeClr val="lt1"/>
+          </a:fontRef>
+        </p:style>
+        <p:txBody>
+          <a:bodyPr rtlCol="0" anchor="ctr"/>
+          <a:lstStyle/>
+          <a:p>
+            <a:pPr algn="ctr"/>
+            <a:r>
+              <a:rPr lang="zh-CN" altLang="en-US" sz="1400" dirty="0">
                 <a:solidFill>
                   <a:schemeClr val="accent4">
                     <a:lumMod val="50000"/>
                   </a:schemeClr>
                 </a:solidFill>
               </a:rPr>
-              <a:t>基础层</a:t>
-            </a:r>
-            <a:endParaRPr lang="zh-CN" altLang="en-US" sz="2000" dirty="0">
+              <a:t>弹性组件及管理</a:t>
+            </a:r>
+          </a:p>
+        </p:txBody>
+      </p:sp>
+      <p:sp>
+        <p:nvSpPr>
+          <p:cNvPr id="60" name="矩形 59"/>
+          <p:cNvSpPr/>
+          <p:nvPr/>
+        </p:nvSpPr>
+        <p:spPr>
+          <a:xfrm>
+            <a:off x="6175679" y="5793225"/>
+            <a:ext cx="936104" cy="504056"/>
+          </a:xfrm>
+          <a:prstGeom prst="rect">
+            <a:avLst/>
+          </a:prstGeom>
+          <a:solidFill>
+            <a:schemeClr val="accent6">
+              <a:lumMod val="60000"/>
+              <a:lumOff val="40000"/>
+            </a:schemeClr>
+          </a:solidFill>
+          <a:ln>
+            <a:noFill/>
+          </a:ln>
+        </p:spPr>
+        <p:style>
+          <a:lnRef idx="2">
+            <a:schemeClr val="accent1">
+              <a:shade val="50000"/>
+            </a:schemeClr>
+          </a:lnRef>
+          <a:fillRef idx="1">
+            <a:schemeClr val="accent1"/>
+          </a:fillRef>
+          <a:effectRef idx="0">
+            <a:schemeClr val="accent1"/>
+          </a:effectRef>
+          <a:fontRef idx="minor">
+            <a:schemeClr val="lt1"/>
+          </a:fontRef>
+        </p:style>
+        <p:txBody>
+          <a:bodyPr rtlCol="0" anchor="ctr"/>
+          <a:lstStyle/>
+          <a:p>
+            <a:pPr algn="ctr"/>
+            <a:r>
+              <a:rPr lang="zh-CN" altLang="en-US" sz="1400" dirty="0">
+                <a:solidFill>
+                  <a:schemeClr val="accent4">
+                    <a:lumMod val="50000"/>
+                  </a:schemeClr>
+                </a:solidFill>
+              </a:rPr>
+              <a:t>安全组件</a:t>
+            </a:r>
+          </a:p>
+        </p:txBody>
+      </p:sp>
+      <p:sp>
+        <p:nvSpPr>
+          <p:cNvPr id="8" name="矩形 7"/>
+          <p:cNvSpPr/>
+          <p:nvPr/>
+        </p:nvSpPr>
+        <p:spPr>
+          <a:xfrm>
+            <a:off x="2007351" y="3507967"/>
+            <a:ext cx="1368152" cy="576064"/>
+          </a:xfrm>
+          <a:prstGeom prst="rect">
+            <a:avLst/>
+          </a:prstGeom>
+          <a:solidFill>
+            <a:schemeClr val="accent3">
+              <a:lumMod val="75000"/>
+            </a:schemeClr>
+          </a:solidFill>
+          <a:ln>
+            <a:noFill/>
+          </a:ln>
+        </p:spPr>
+        <p:style>
+          <a:lnRef idx="2">
+            <a:schemeClr val="accent1">
+              <a:shade val="50000"/>
+            </a:schemeClr>
+          </a:lnRef>
+          <a:fillRef idx="1">
+            <a:schemeClr val="accent1"/>
+          </a:fillRef>
+          <a:effectRef idx="0">
+            <a:schemeClr val="accent1"/>
+          </a:effectRef>
+          <a:fontRef idx="minor">
+            <a:schemeClr val="lt1"/>
+          </a:fontRef>
+        </p:style>
+        <p:txBody>
+          <a:bodyPr rot="0" spcFirstLastPara="0" vertOverflow="overflow" horzOverflow="overflow" vert="horz" wrap="square" lIns="91440" tIns="45720" rIns="91440" bIns="45720" numCol="1" spcCol="0" rtlCol="0" fromWordArt="0" anchor="ctr" anchorCtr="0" forceAA="0" compatLnSpc="1">
+            <a:prstTxWarp prst="textNoShape">
+              <a:avLst/>
+            </a:prstTxWarp>
+            <a:noAutofit/>
+          </a:bodyPr>
+          <a:lstStyle/>
+          <a:p>
+            <a:pPr algn="ctr"/>
+            <a:r>
+              <a:rPr lang="en-US" altLang="zh-CN" sz="1400" dirty="0">
+                <a:solidFill>
+                  <a:schemeClr val="accent4">
+                    <a:lumMod val="50000"/>
+                  </a:schemeClr>
+                </a:solidFill>
+              </a:rPr>
+              <a:t>Web</a:t>
+            </a:r>
+            <a:r>
+              <a:rPr lang="zh-CN" altLang="en-US" sz="1400" dirty="0">
+                <a:solidFill>
+                  <a:schemeClr val="accent4">
+                    <a:lumMod val="50000"/>
+                  </a:schemeClr>
+                </a:solidFill>
+              </a:rPr>
+              <a:t>应用</a:t>
+            </a:r>
+          </a:p>
+        </p:txBody>
+      </p:sp>
+      <p:sp>
+        <p:nvSpPr>
+          <p:cNvPr id="36" name="矩形 35"/>
+          <p:cNvSpPr/>
+          <p:nvPr/>
+        </p:nvSpPr>
+        <p:spPr>
+          <a:xfrm>
+            <a:off x="2011851" y="4202089"/>
+            <a:ext cx="1368152" cy="576064"/>
+          </a:xfrm>
+          <a:prstGeom prst="rect">
+            <a:avLst/>
+          </a:prstGeom>
+          <a:solidFill>
+            <a:schemeClr val="accent3">
+              <a:lumMod val="75000"/>
+            </a:schemeClr>
+          </a:solidFill>
+          <a:ln>
+            <a:noFill/>
+          </a:ln>
+        </p:spPr>
+        <p:style>
+          <a:lnRef idx="2">
+            <a:schemeClr val="accent1">
+              <a:shade val="50000"/>
+            </a:schemeClr>
+          </a:lnRef>
+          <a:fillRef idx="1">
+            <a:schemeClr val="accent1"/>
+          </a:fillRef>
+          <a:effectRef idx="0">
+            <a:schemeClr val="accent1"/>
+          </a:effectRef>
+          <a:fontRef idx="minor">
+            <a:schemeClr val="lt1"/>
+          </a:fontRef>
+        </p:style>
+        <p:txBody>
+          <a:bodyPr rot="0" spcFirstLastPara="0" vertOverflow="overflow" horzOverflow="overflow" vert="horz" wrap="square" lIns="91440" tIns="45720" rIns="91440" bIns="45720" numCol="1" spcCol="0" rtlCol="0" fromWordArt="0" anchor="ctr" anchorCtr="0" forceAA="0" compatLnSpc="1">
+            <a:prstTxWarp prst="textNoShape">
+              <a:avLst/>
+            </a:prstTxWarp>
+            <a:noAutofit/>
+          </a:bodyPr>
+          <a:lstStyle/>
+          <a:p>
+            <a:pPr algn="ctr"/>
+            <a:r>
+              <a:rPr lang="zh-CN" altLang="en-US" sz="1400" dirty="0">
+                <a:solidFill>
+                  <a:schemeClr val="accent4">
+                    <a:lumMod val="50000"/>
+                  </a:schemeClr>
+                </a:solidFill>
+              </a:rPr>
+              <a:t>数据应用</a:t>
+            </a:r>
+            <a:endParaRPr lang="en-US" altLang="zh-CN" sz="1400" dirty="0">
               <a:solidFill>
                 <a:schemeClr val="accent4">
                   <a:lumMod val="50000"/>
@@ -9656,19 +11143,26 @@
       </p:sp>
       <p:sp>
         <p:nvSpPr>
-          <p:cNvPr id="14" name="矩形 13"/>
+          <p:cNvPr id="37" name="矩形 36"/>
           <p:cNvSpPr/>
           <p:nvPr/>
         </p:nvSpPr>
         <p:spPr>
           <a:xfrm>
-            <a:off x="1647311" y="3022909"/>
-            <a:ext cx="2088232" cy="3293370"/>
-          </a:xfrm>
-          <a:prstGeom prst="rect">
-            <a:avLst/>
-          </a:prstGeom>
-          <a:noFill/>
+            <a:off x="1998653" y="4883900"/>
+            <a:ext cx="1368152" cy="576064"/>
+          </a:xfrm>
+          <a:prstGeom prst="rect">
+            <a:avLst/>
+          </a:prstGeom>
+          <a:solidFill>
+            <a:schemeClr val="accent3">
+              <a:lumMod val="75000"/>
+            </a:schemeClr>
+          </a:solidFill>
+          <a:ln>
+            <a:noFill/>
+          </a:ln>
         </p:spPr>
         <p:style>
           <a:lnRef idx="2">
@@ -9687,21 +11181,26 @@
           </a:fontRef>
         </p:style>
         <p:txBody>
-          <a:bodyPr rtlCol="0" anchor="t"/>
+          <a:bodyPr rot="0" spcFirstLastPara="0" vertOverflow="overflow" horzOverflow="overflow" vert="horz" wrap="square" lIns="91440" tIns="45720" rIns="91440" bIns="45720" numCol="1" spcCol="0" rtlCol="0" fromWordArt="0" anchor="ctr" anchorCtr="0" forceAA="0" compatLnSpc="1">
+            <a:prstTxWarp prst="textNoShape">
+              <a:avLst/>
+            </a:prstTxWarp>
+            <a:noAutofit/>
+          </a:bodyPr>
           <a:lstStyle/>
           <a:p>
             <a:pPr algn="ctr"/>
             <a:r>
-              <a:rPr lang="en-US" altLang="zh-CN" sz="2000" dirty="0">
+              <a:rPr lang="zh-CN" altLang="en-US" sz="1400" dirty="0">
                 <a:solidFill>
                   <a:schemeClr val="accent4">
                     <a:lumMod val="50000"/>
                   </a:schemeClr>
                 </a:solidFill>
               </a:rPr>
-              <a:t>CNAs</a:t>
-            </a:r>
-            <a:endParaRPr lang="zh-CN" altLang="en-US" sz="2000" dirty="0">
+              <a:t>任务</a:t>
+            </a:r>
+            <a:endParaRPr lang="en-US" altLang="zh-CN" sz="1400" dirty="0">
               <a:solidFill>
                 <a:schemeClr val="accent4">
                   <a:lumMod val="50000"/>
@@ -9713,21 +11212,22 @@
       </p:sp>
       <p:sp>
         <p:nvSpPr>
-          <p:cNvPr id="15" name="矩形 14"/>
+          <p:cNvPr id="38" name="矩形 37"/>
           <p:cNvSpPr/>
           <p:nvPr/>
         </p:nvSpPr>
         <p:spPr>
           <a:xfrm>
-            <a:off x="7407951" y="3003911"/>
-            <a:ext cx="2016224" cy="3312368"/>
+            <a:off x="2011851" y="5589151"/>
+            <a:ext cx="1368152" cy="576064"/>
           </a:xfrm>
           <a:prstGeom prst="rect">
             <a:avLst/>
           </a:prstGeom>
           <a:solidFill>
-            <a:schemeClr val="accent3">
-              <a:lumMod val="75000"/>
+            <a:schemeClr val="accent6">
+              <a:lumMod val="60000"/>
+              <a:lumOff val="40000"/>
             </a:schemeClr>
           </a:solidFill>
           <a:ln>
@@ -9751,65 +11251,48 @@
           </a:fontRef>
         </p:style>
         <p:txBody>
-          <a:bodyPr rot="0" spcFirstLastPara="0" vertOverflow="overflow" horzOverflow="overflow" vert="horz" wrap="square" lIns="91440" tIns="45720" rIns="91440" bIns="45720" numCol="1" spcCol="0" rtlCol="0" fromWordArt="0" anchor="ctr" anchorCtr="0" forceAA="0" compatLnSpc="1">
-            <a:prstTxWarp prst="textNoShape">
-              <a:avLst/>
-            </a:prstTxWarp>
-            <a:noAutofit/>
-          </a:bodyPr>
+          <a:bodyPr rtlCol="0" anchor="ctr"/>
           <a:lstStyle/>
           <a:p>
             <a:pPr algn="ctr"/>
             <a:r>
-              <a:rPr lang="zh-CN" altLang="en-US" dirty="0">
-                <a:solidFill>
-                  <a:schemeClr val="accent4">
+              <a:rPr lang="zh-CN" altLang="en-US" sz="1400" dirty="0">
+                <a:solidFill>
+                  <a:schemeClr val="accent6">
                     <a:lumMod val="50000"/>
                   </a:schemeClr>
                 </a:solidFill>
               </a:rPr>
-              <a:t>单体应用</a:t>
-            </a:r>
-            <a:endParaRPr lang="en-US" altLang="zh-CN" dirty="0">
+              <a:t>微服务</a:t>
+            </a:r>
+            <a:endParaRPr lang="en-US" altLang="zh-CN" sz="1400" dirty="0">
               <a:solidFill>
-                <a:schemeClr val="accent4">
+                <a:schemeClr val="accent6">
                   <a:lumMod val="50000"/>
                 </a:schemeClr>
               </a:solidFill>
             </a:endParaRPr>
           </a:p>
-          <a:p>
-            <a:pPr algn="ctr"/>
-            <a:r>
-              <a:rPr lang="zh-CN" altLang="en-US" dirty="0">
-                <a:solidFill>
-                  <a:schemeClr val="accent4">
-                    <a:lumMod val="50000"/>
-                  </a:schemeClr>
-                </a:solidFill>
-              </a:rPr>
-              <a:t>（原先应用）</a:t>
-            </a:r>
-          </a:p>
-        </p:txBody>
-      </p:sp>
-      <p:sp>
-        <p:nvSpPr>
-          <p:cNvPr id="17" name="矩形 16"/>
+        </p:txBody>
+      </p:sp>
+      <p:sp>
+        <p:nvSpPr>
+          <p:cNvPr id="4" name="矩形 3"/>
           <p:cNvSpPr/>
           <p:nvPr/>
         </p:nvSpPr>
         <p:spPr>
           <a:xfrm>
-            <a:off x="1647311" y="2211823"/>
-            <a:ext cx="7776864" cy="648072"/>
+            <a:off x="171147" y="2986977"/>
+            <a:ext cx="1008112" cy="360040"/>
           </a:xfrm>
           <a:prstGeom prst="rect">
             <a:avLst/>
           </a:prstGeom>
           <a:solidFill>
-            <a:schemeClr val="accent3">
-              <a:lumMod val="75000"/>
+            <a:schemeClr val="accent6">
+              <a:lumMod val="60000"/>
+              <a:lumOff val="40000"/>
             </a:schemeClr>
           </a:solidFill>
           <a:ln>
@@ -9838,82 +11321,36 @@
           <a:p>
             <a:pPr algn="ctr"/>
             <a:r>
-              <a:rPr lang="zh-CN" altLang="en-US" dirty="0">
+              <a:rPr lang="zh-CN" altLang="en-US" sz="1400" dirty="0">
                 <a:solidFill>
                   <a:schemeClr val="accent4">
                     <a:lumMod val="50000"/>
                   </a:schemeClr>
                 </a:solidFill>
               </a:rPr>
-              <a:t>路由层（路由</a:t>
-            </a:r>
-            <a:r>
-              <a:rPr lang="en-US" altLang="zh-CN" dirty="0">
-                <a:solidFill>
-                  <a:schemeClr val="accent4">
-                    <a:lumMod val="50000"/>
-                  </a:schemeClr>
-                </a:solidFill>
-              </a:rPr>
-              <a:t>/</a:t>
-            </a:r>
-            <a:r>
-              <a:rPr lang="zh-CN" altLang="en-US" dirty="0">
-                <a:solidFill>
-                  <a:schemeClr val="accent4">
-                    <a:lumMod val="50000"/>
-                  </a:schemeClr>
-                </a:solidFill>
-              </a:rPr>
-              <a:t>缓存</a:t>
-            </a:r>
-            <a:r>
-              <a:rPr lang="en-US" altLang="zh-CN" dirty="0">
-                <a:solidFill>
-                  <a:schemeClr val="accent4">
-                    <a:lumMod val="50000"/>
-                  </a:schemeClr>
-                </a:solidFill>
-              </a:rPr>
-              <a:t>/</a:t>
-            </a:r>
-            <a:r>
-              <a:rPr lang="zh-CN" altLang="en-US" dirty="0">
-                <a:solidFill>
-                  <a:schemeClr val="accent4">
-                    <a:lumMod val="50000"/>
-                  </a:schemeClr>
-                </a:solidFill>
-              </a:rPr>
-              <a:t>负载计算）</a:t>
-            </a:r>
-            <a:endParaRPr lang="zh-CN" altLang="en-US" dirty="0">
-              <a:solidFill>
-                <a:schemeClr val="accent4">
-                  <a:lumMod val="50000"/>
-                </a:schemeClr>
-              </a:solidFill>
-            </a:endParaRPr>
-          </a:p>
-        </p:txBody>
-      </p:sp>
-      <p:sp>
-        <p:nvSpPr>
-          <p:cNvPr id="24" name="矩形 23"/>
+              <a:t>项目管理</a:t>
+            </a:r>
+          </a:p>
+        </p:txBody>
+      </p:sp>
+      <p:sp>
+        <p:nvSpPr>
+          <p:cNvPr id="39" name="矩形 38"/>
           <p:cNvSpPr/>
           <p:nvPr/>
         </p:nvSpPr>
         <p:spPr>
           <a:xfrm>
-            <a:off x="1461841" y="787986"/>
-            <a:ext cx="8208912" cy="393680"/>
+            <a:off x="175667" y="3580863"/>
+            <a:ext cx="1008112" cy="360040"/>
           </a:xfrm>
           <a:prstGeom prst="rect">
             <a:avLst/>
           </a:prstGeom>
           <a:solidFill>
-            <a:schemeClr val="bg1">
-              <a:lumMod val="65000"/>
+            <a:schemeClr val="accent6">
+              <a:lumMod val="60000"/>
+              <a:lumOff val="40000"/>
             </a:schemeClr>
           </a:solidFill>
           <a:ln>
@@ -9942,254 +11379,24 @@
           <a:p>
             <a:pPr algn="ctr"/>
             <a:r>
-              <a:rPr lang="zh-CN" altLang="en-US" dirty="0">
+              <a:rPr lang="zh-CN" altLang="en-US" sz="1400" dirty="0">
                 <a:solidFill>
                   <a:schemeClr val="accent4">
                     <a:lumMod val="50000"/>
                   </a:schemeClr>
                 </a:solidFill>
               </a:rPr>
-              <a:t>用户终端</a:t>
-            </a:r>
-            <a:endParaRPr lang="zh-CN" altLang="en-US" dirty="0">
-              <a:solidFill>
-                <a:schemeClr val="accent4">
-                  <a:lumMod val="50000"/>
-                </a:schemeClr>
-              </a:solidFill>
-            </a:endParaRPr>
-          </a:p>
-        </p:txBody>
-      </p:sp>
-      <p:sp>
-        <p:nvSpPr>
-          <p:cNvPr id="26" name="矩形 25"/>
-          <p:cNvSpPr/>
-          <p:nvPr/>
-        </p:nvSpPr>
-        <p:spPr>
-          <a:xfrm>
-            <a:off x="63135" y="2068695"/>
-            <a:ext cx="1224136" cy="5544616"/>
-          </a:xfrm>
-          <a:prstGeom prst="rect">
-            <a:avLst/>
-          </a:prstGeom>
-          <a:noFill/>
-        </p:spPr>
-        <p:style>
-          <a:lnRef idx="2">
-            <a:schemeClr val="accent1">
-              <a:shade val="50000"/>
-            </a:schemeClr>
-          </a:lnRef>
-          <a:fillRef idx="1">
-            <a:schemeClr val="accent1"/>
-          </a:fillRef>
-          <a:effectRef idx="0">
-            <a:schemeClr val="accent1"/>
-          </a:effectRef>
-          <a:fontRef idx="minor">
-            <a:schemeClr val="lt1"/>
-          </a:fontRef>
-        </p:style>
-        <p:txBody>
-          <a:bodyPr rtlCol="0" anchor="t"/>
-          <a:lstStyle/>
-          <a:p>
-            <a:pPr algn="ctr"/>
-            <a:r>
-              <a:rPr lang="zh-CN" altLang="en-US" sz="2000" dirty="0">
+              <a:t>集成</a:t>
+            </a:r>
+            <a:r>
+              <a:rPr lang="en-US" altLang="zh-CN" sz="1400" dirty="0">
                 <a:solidFill>
                   <a:schemeClr val="accent4">
                     <a:lumMod val="50000"/>
                   </a:schemeClr>
                 </a:solidFill>
               </a:rPr>
-              <a:t>开发运维中心</a:t>
-            </a:r>
-            <a:endParaRPr lang="zh-CN" altLang="en-US" sz="2000" dirty="0">
-              <a:solidFill>
-                <a:schemeClr val="accent4">
-                  <a:lumMod val="50000"/>
-                </a:schemeClr>
-              </a:solidFill>
-            </a:endParaRPr>
-          </a:p>
-        </p:txBody>
-      </p:sp>
-      <p:sp>
-        <p:nvSpPr>
-          <p:cNvPr id="27" name="矩形 26"/>
-          <p:cNvSpPr/>
-          <p:nvPr/>
-        </p:nvSpPr>
-        <p:spPr>
-          <a:xfrm>
-            <a:off x="9784215" y="2058985"/>
-            <a:ext cx="703213" cy="5544616"/>
-          </a:xfrm>
-          <a:prstGeom prst="rect">
-            <a:avLst/>
-          </a:prstGeom>
-          <a:noFill/>
-        </p:spPr>
-        <p:style>
-          <a:lnRef idx="2">
-            <a:schemeClr val="accent1">
-              <a:shade val="50000"/>
-            </a:schemeClr>
-          </a:lnRef>
-          <a:fillRef idx="1">
-            <a:schemeClr val="accent1"/>
-          </a:fillRef>
-          <a:effectRef idx="0">
-            <a:schemeClr val="accent1"/>
-          </a:effectRef>
-          <a:fontRef idx="minor">
-            <a:schemeClr val="lt1"/>
-          </a:fontRef>
-        </p:style>
-        <p:txBody>
-          <a:bodyPr rtlCol="0" anchor="t"/>
-          <a:lstStyle/>
-          <a:p>
-            <a:pPr algn="ctr"/>
-            <a:r>
-              <a:rPr lang="zh-CN" altLang="en-US" sz="2000" dirty="0">
-                <a:solidFill>
-                  <a:schemeClr val="accent4">
-                    <a:lumMod val="50000"/>
-                  </a:schemeClr>
-                </a:solidFill>
-              </a:rPr>
-              <a:t>安全中心</a:t>
-            </a:r>
-            <a:endParaRPr lang="zh-CN" altLang="en-US" sz="2000" dirty="0">
-              <a:solidFill>
-                <a:schemeClr val="accent4">
-                  <a:lumMod val="50000"/>
-                </a:schemeClr>
-              </a:solidFill>
-            </a:endParaRPr>
-          </a:p>
-        </p:txBody>
-      </p:sp>
-      <p:sp>
-        <p:nvSpPr>
-          <p:cNvPr id="29" name="矩形 28"/>
-          <p:cNvSpPr/>
-          <p:nvPr/>
-        </p:nvSpPr>
-        <p:spPr>
-          <a:xfrm>
-            <a:off x="10648310" y="2059873"/>
-            <a:ext cx="750633" cy="5544616"/>
-          </a:xfrm>
-          <a:prstGeom prst="rect">
-            <a:avLst/>
-          </a:prstGeom>
-          <a:noFill/>
-        </p:spPr>
-        <p:style>
-          <a:lnRef idx="2">
-            <a:schemeClr val="accent1">
-              <a:shade val="50000"/>
-            </a:schemeClr>
-          </a:lnRef>
-          <a:fillRef idx="1">
-            <a:schemeClr val="accent1"/>
-          </a:fillRef>
-          <a:effectRef idx="0">
-            <a:schemeClr val="accent1"/>
-          </a:effectRef>
-          <a:fontRef idx="minor">
-            <a:schemeClr val="lt1"/>
-          </a:fontRef>
-        </p:style>
-        <p:txBody>
-          <a:bodyPr rtlCol="0" anchor="t"/>
-          <a:lstStyle/>
-          <a:p>
-            <a:pPr algn="ctr"/>
-            <a:r>
-              <a:rPr lang="zh-CN" altLang="en-US" sz="2000" dirty="0">
-                <a:solidFill>
-                  <a:schemeClr val="accent4">
-                    <a:lumMod val="50000"/>
-                  </a:schemeClr>
-                </a:solidFill>
-              </a:rPr>
-              <a:t>管控中心</a:t>
-            </a:r>
-            <a:endParaRPr lang="zh-CN" altLang="en-US" sz="2000" dirty="0">
-              <a:solidFill>
-                <a:schemeClr val="accent4">
-                  <a:lumMod val="50000"/>
-                </a:schemeClr>
-              </a:solidFill>
-            </a:endParaRPr>
-          </a:p>
-        </p:txBody>
-      </p:sp>
-      <p:sp>
-        <p:nvSpPr>
-          <p:cNvPr id="30" name="矩形 29"/>
-          <p:cNvSpPr/>
-          <p:nvPr/>
-        </p:nvSpPr>
-        <p:spPr>
-          <a:xfrm>
-            <a:off x="4102801" y="3507967"/>
-            <a:ext cx="936104" cy="504056"/>
-          </a:xfrm>
-          <a:prstGeom prst="rect">
-            <a:avLst/>
-          </a:prstGeom>
-          <a:solidFill>
-            <a:schemeClr val="accent3">
-              <a:lumMod val="75000"/>
-            </a:schemeClr>
-          </a:solidFill>
-          <a:ln>
-            <a:noFill/>
-          </a:ln>
-        </p:spPr>
-        <p:style>
-          <a:lnRef idx="2">
-            <a:schemeClr val="accent1">
-              <a:shade val="50000"/>
-            </a:schemeClr>
-          </a:lnRef>
-          <a:fillRef idx="1">
-            <a:schemeClr val="accent1"/>
-          </a:fillRef>
-          <a:effectRef idx="0">
-            <a:schemeClr val="accent1"/>
-          </a:effectRef>
-          <a:fontRef idx="minor">
-            <a:schemeClr val="lt1"/>
-          </a:fontRef>
-        </p:style>
-        <p:txBody>
-          <a:bodyPr rot="0" spcFirstLastPara="0" vertOverflow="overflow" horzOverflow="overflow" vert="horz" wrap="square" lIns="91440" tIns="45720" rIns="91440" bIns="45720" numCol="1" spcCol="0" rtlCol="0" fromWordArt="0" anchor="ctr" anchorCtr="0" forceAA="0" compatLnSpc="1">
-            <a:prstTxWarp prst="textNoShape">
-              <a:avLst/>
-            </a:prstTxWarp>
-            <a:noAutofit/>
-          </a:bodyPr>
-          <a:lstStyle/>
-          <a:p>
-            <a:pPr algn="ctr"/>
-            <a:r>
-              <a:rPr lang="zh-CN" altLang="en-US" sz="1400" dirty="0">
-                <a:solidFill>
-                  <a:schemeClr val="accent4">
-                    <a:lumMod val="50000"/>
-                  </a:schemeClr>
-                </a:solidFill>
-              </a:rPr>
-              <a:t>大数据</a:t>
+              <a:t>IDE</a:t>
             </a:r>
             <a:endParaRPr lang="zh-CN" altLang="en-US" sz="1400" dirty="0">
               <a:solidFill>
@@ -10203,14 +11410,14 @@
       </p:sp>
       <p:sp>
         <p:nvSpPr>
-          <p:cNvPr id="42" name="矩形 41"/>
+          <p:cNvPr id="40" name="矩形 39"/>
           <p:cNvSpPr/>
           <p:nvPr/>
         </p:nvSpPr>
         <p:spPr>
           <a:xfrm>
-            <a:off x="4095711" y="4084031"/>
-            <a:ext cx="936104" cy="504056"/>
+            <a:off x="175667" y="4189012"/>
+            <a:ext cx="1008112" cy="360040"/>
           </a:xfrm>
           <a:prstGeom prst="rect">
             <a:avLst/>
@@ -10258,28 +11465,21 @@
                   </a:schemeClr>
                 </a:solidFill>
               </a:rPr>
-              <a:t>负载均衡</a:t>
-            </a:r>
-            <a:endParaRPr lang="en-US" altLang="zh-CN" sz="1400" dirty="0">
-              <a:solidFill>
-                <a:schemeClr val="accent6">
-                  <a:lumMod val="50000"/>
-                </a:schemeClr>
-              </a:solidFill>
-            </a:endParaRPr>
-          </a:p>
-        </p:txBody>
-      </p:sp>
-      <p:sp>
-        <p:nvSpPr>
-          <p:cNvPr id="44" name="矩形 43"/>
+              <a:t>持续集成</a:t>
+            </a:r>
+          </a:p>
+        </p:txBody>
+      </p:sp>
+      <p:sp>
+        <p:nvSpPr>
+          <p:cNvPr id="41" name="矩形 40"/>
           <p:cNvSpPr/>
           <p:nvPr/>
         </p:nvSpPr>
         <p:spPr>
           <a:xfrm>
-            <a:off x="4102801" y="4660095"/>
-            <a:ext cx="936104" cy="504056"/>
+            <a:off x="171147" y="4811746"/>
+            <a:ext cx="1008112" cy="360040"/>
           </a:xfrm>
           <a:prstGeom prst="rect">
             <a:avLst/>
@@ -10322,33 +11522,26 @@
             <a:r>
               <a:rPr lang="zh-CN" altLang="en-US" sz="1400" dirty="0">
                 <a:solidFill>
-                  <a:schemeClr val="accent6">
+                  <a:schemeClr val="accent4">
                     <a:lumMod val="50000"/>
                   </a:schemeClr>
                 </a:solidFill>
               </a:rPr>
-              <a:t>配置中心</a:t>
-            </a:r>
-            <a:endParaRPr lang="zh-CN" altLang="en-US" sz="1400" dirty="0">
-              <a:solidFill>
-                <a:schemeClr val="accent6">
-                  <a:lumMod val="50000"/>
-                </a:schemeClr>
-              </a:solidFill>
-            </a:endParaRPr>
-          </a:p>
-        </p:txBody>
-      </p:sp>
-      <p:sp>
-        <p:nvSpPr>
-          <p:cNvPr id="45" name="矩形 44"/>
+              <a:t>持续部署</a:t>
+            </a:r>
+          </a:p>
+        </p:txBody>
+      </p:sp>
+      <p:sp>
+        <p:nvSpPr>
+          <p:cNvPr id="43" name="矩形 42"/>
           <p:cNvSpPr/>
           <p:nvPr/>
         </p:nvSpPr>
         <p:spPr>
           <a:xfrm>
-            <a:off x="4095583" y="5236159"/>
-            <a:ext cx="936104" cy="504056"/>
+            <a:off x="139663" y="5434073"/>
+            <a:ext cx="1080120" cy="360040"/>
           </a:xfrm>
           <a:prstGeom prst="rect">
             <a:avLst/>
@@ -10391,33 +11584,26 @@
             <a:r>
               <a:rPr lang="zh-CN" altLang="en-US" sz="1400" dirty="0">
                 <a:solidFill>
-                  <a:schemeClr val="accent6">
+                  <a:schemeClr val="accent4">
                     <a:lumMod val="50000"/>
                   </a:schemeClr>
                 </a:solidFill>
               </a:rPr>
-              <a:t>单点登录</a:t>
-            </a:r>
-            <a:endParaRPr lang="zh-CN" altLang="en-US" sz="1400" dirty="0">
-              <a:solidFill>
-                <a:schemeClr val="accent6">
-                  <a:lumMod val="50000"/>
-                </a:schemeClr>
-              </a:solidFill>
-            </a:endParaRPr>
-          </a:p>
-        </p:txBody>
-      </p:sp>
-      <p:sp>
-        <p:nvSpPr>
-          <p:cNvPr id="46" name="矩形 45"/>
+              <a:t>自动化测试</a:t>
+            </a:r>
+          </a:p>
+        </p:txBody>
+      </p:sp>
+      <p:sp>
+        <p:nvSpPr>
+          <p:cNvPr id="49" name="矩形 48"/>
           <p:cNvSpPr/>
           <p:nvPr/>
         </p:nvSpPr>
         <p:spPr>
           <a:xfrm>
-            <a:off x="5139699" y="3507967"/>
-            <a:ext cx="936104" cy="504056"/>
+            <a:off x="175667" y="6029135"/>
+            <a:ext cx="1008112" cy="360040"/>
           </a:xfrm>
           <a:prstGeom prst="rect">
             <a:avLst/>
@@ -10460,12 +11646,372 @@
             <a:r>
               <a:rPr lang="zh-CN" altLang="en-US" sz="1400" dirty="0">
                 <a:solidFill>
+                  <a:schemeClr val="accent6">
+                    <a:lumMod val="50000"/>
+                  </a:schemeClr>
+                </a:solidFill>
+              </a:rPr>
+              <a:t>代码仓库</a:t>
+            </a:r>
+          </a:p>
+        </p:txBody>
+      </p:sp>
+      <p:sp>
+        <p:nvSpPr>
+          <p:cNvPr id="51" name="矩形 50"/>
+          <p:cNvSpPr/>
+          <p:nvPr/>
+        </p:nvSpPr>
+        <p:spPr>
+          <a:xfrm>
+            <a:off x="139663" y="6541190"/>
+            <a:ext cx="1080120" cy="360040"/>
+          </a:xfrm>
+          <a:prstGeom prst="rect">
+            <a:avLst/>
+          </a:prstGeom>
+          <a:solidFill>
+            <a:schemeClr val="accent6">
+              <a:lumMod val="60000"/>
+              <a:lumOff val="40000"/>
+            </a:schemeClr>
+          </a:solidFill>
+          <a:ln>
+            <a:noFill/>
+          </a:ln>
+        </p:spPr>
+        <p:style>
+          <a:lnRef idx="2">
+            <a:schemeClr val="accent1">
+              <a:shade val="50000"/>
+            </a:schemeClr>
+          </a:lnRef>
+          <a:fillRef idx="1">
+            <a:schemeClr val="accent1"/>
+          </a:fillRef>
+          <a:effectRef idx="0">
+            <a:schemeClr val="accent1"/>
+          </a:effectRef>
+          <a:fontRef idx="minor">
+            <a:schemeClr val="lt1"/>
+          </a:fontRef>
+        </p:style>
+        <p:txBody>
+          <a:bodyPr rtlCol="0" anchor="ctr"/>
+          <a:lstStyle/>
+          <a:p>
+            <a:pPr algn="ctr"/>
+            <a:r>
+              <a:rPr lang="zh-CN" altLang="en-US" sz="1400" dirty="0">
+                <a:solidFill>
                   <a:schemeClr val="accent4">
                     <a:lumMod val="50000"/>
                   </a:schemeClr>
                 </a:solidFill>
               </a:rPr>
-              <a:t>任务框架</a:t>
+              <a:t>多语言支持</a:t>
+            </a:r>
+          </a:p>
+        </p:txBody>
+      </p:sp>
+      <p:sp>
+        <p:nvSpPr>
+          <p:cNvPr id="5" name="矩形 4"/>
+          <p:cNvSpPr/>
+          <p:nvPr/>
+        </p:nvSpPr>
+        <p:spPr>
+          <a:xfrm>
+            <a:off x="9886776" y="2950989"/>
+            <a:ext cx="542325" cy="837076"/>
+          </a:xfrm>
+          <a:prstGeom prst="rect">
+            <a:avLst/>
+          </a:prstGeom>
+          <a:solidFill>
+            <a:schemeClr val="accent3">
+              <a:lumMod val="75000"/>
+            </a:schemeClr>
+          </a:solidFill>
+          <a:ln>
+            <a:noFill/>
+          </a:ln>
+        </p:spPr>
+        <p:style>
+          <a:lnRef idx="2">
+            <a:schemeClr val="accent1">
+              <a:shade val="50000"/>
+            </a:schemeClr>
+          </a:lnRef>
+          <a:fillRef idx="1">
+            <a:schemeClr val="accent1"/>
+          </a:fillRef>
+          <a:effectRef idx="0">
+            <a:schemeClr val="accent1"/>
+          </a:effectRef>
+          <a:fontRef idx="minor">
+            <a:schemeClr val="lt1"/>
+          </a:fontRef>
+        </p:style>
+        <p:txBody>
+          <a:bodyPr rot="0" spcFirstLastPara="0" vertOverflow="overflow" horzOverflow="overflow" vert="horz" wrap="square" lIns="91440" tIns="45720" rIns="91440" bIns="45720" numCol="1" spcCol="0" rtlCol="0" fromWordArt="0" anchor="ctr" anchorCtr="0" forceAA="0" compatLnSpc="1">
+            <a:prstTxWarp prst="textNoShape">
+              <a:avLst/>
+            </a:prstTxWarp>
+            <a:noAutofit/>
+          </a:bodyPr>
+          <a:lstStyle/>
+          <a:p>
+            <a:pPr algn="ctr"/>
+            <a:r>
+              <a:rPr lang="zh-CN" altLang="en-US" sz="1400" dirty="0">
+                <a:solidFill>
+                  <a:schemeClr val="accent4">
+                    <a:lumMod val="50000"/>
+                  </a:schemeClr>
+                </a:solidFill>
+              </a:rPr>
+              <a:t>多租户</a:t>
+            </a:r>
+          </a:p>
+        </p:txBody>
+      </p:sp>
+      <p:sp>
+        <p:nvSpPr>
+          <p:cNvPr id="53" name="矩形 52"/>
+          <p:cNvSpPr/>
+          <p:nvPr/>
+        </p:nvSpPr>
+        <p:spPr>
+          <a:xfrm>
+            <a:off x="9886775" y="4055006"/>
+            <a:ext cx="542325" cy="714325"/>
+          </a:xfrm>
+          <a:prstGeom prst="rect">
+            <a:avLst/>
+          </a:prstGeom>
+          <a:solidFill>
+            <a:schemeClr val="accent3">
+              <a:lumMod val="75000"/>
+            </a:schemeClr>
+          </a:solidFill>
+          <a:ln>
+            <a:noFill/>
+          </a:ln>
+        </p:spPr>
+        <p:style>
+          <a:lnRef idx="2">
+            <a:schemeClr val="accent1">
+              <a:shade val="50000"/>
+            </a:schemeClr>
+          </a:lnRef>
+          <a:fillRef idx="1">
+            <a:schemeClr val="accent1"/>
+          </a:fillRef>
+          <a:effectRef idx="0">
+            <a:schemeClr val="accent1"/>
+          </a:effectRef>
+          <a:fontRef idx="minor">
+            <a:schemeClr val="lt1"/>
+          </a:fontRef>
+        </p:style>
+        <p:txBody>
+          <a:bodyPr rot="0" spcFirstLastPara="0" vertOverflow="overflow" horzOverflow="overflow" vert="horz" wrap="square" lIns="91440" tIns="45720" rIns="91440" bIns="45720" numCol="1" spcCol="0" rtlCol="0" fromWordArt="0" anchor="ctr" anchorCtr="0" forceAA="0" compatLnSpc="1">
+            <a:prstTxWarp prst="textNoShape">
+              <a:avLst/>
+            </a:prstTxWarp>
+            <a:noAutofit/>
+          </a:bodyPr>
+          <a:lstStyle/>
+          <a:p>
+            <a:pPr algn="ctr"/>
+            <a:r>
+              <a:rPr lang="zh-CN" altLang="en-US" sz="1400" dirty="0">
+                <a:solidFill>
+                  <a:schemeClr val="accent4">
+                    <a:lumMod val="50000"/>
+                  </a:schemeClr>
+                </a:solidFill>
+              </a:rPr>
+              <a:t>权限控制</a:t>
+            </a:r>
+          </a:p>
+        </p:txBody>
+      </p:sp>
+      <p:sp>
+        <p:nvSpPr>
+          <p:cNvPr id="55" name="矩形 54"/>
+          <p:cNvSpPr/>
+          <p:nvPr/>
+        </p:nvSpPr>
+        <p:spPr>
+          <a:xfrm>
+            <a:off x="9886776" y="5009428"/>
+            <a:ext cx="542324" cy="700633"/>
+          </a:xfrm>
+          <a:prstGeom prst="rect">
+            <a:avLst/>
+          </a:prstGeom>
+          <a:solidFill>
+            <a:schemeClr val="accent3">
+              <a:lumMod val="75000"/>
+            </a:schemeClr>
+          </a:solidFill>
+          <a:ln>
+            <a:noFill/>
+          </a:ln>
+        </p:spPr>
+        <p:style>
+          <a:lnRef idx="2">
+            <a:schemeClr val="accent1">
+              <a:shade val="50000"/>
+            </a:schemeClr>
+          </a:lnRef>
+          <a:fillRef idx="1">
+            <a:schemeClr val="accent1"/>
+          </a:fillRef>
+          <a:effectRef idx="0">
+            <a:schemeClr val="accent1"/>
+          </a:effectRef>
+          <a:fontRef idx="minor">
+            <a:schemeClr val="lt1"/>
+          </a:fontRef>
+        </p:style>
+        <p:txBody>
+          <a:bodyPr rot="0" spcFirstLastPara="0" vertOverflow="overflow" horzOverflow="overflow" vert="horz" wrap="square" lIns="91440" tIns="45720" rIns="91440" bIns="45720" numCol="1" spcCol="0" rtlCol="0" fromWordArt="0" anchor="ctr" anchorCtr="0" forceAA="0" compatLnSpc="1">
+            <a:prstTxWarp prst="textNoShape">
+              <a:avLst/>
+            </a:prstTxWarp>
+            <a:noAutofit/>
+          </a:bodyPr>
+          <a:lstStyle/>
+          <a:p>
+            <a:pPr algn="ctr"/>
+            <a:r>
+              <a:rPr lang="zh-CN" altLang="en-US" sz="1400" dirty="0">
+                <a:solidFill>
+                  <a:schemeClr val="accent4">
+                    <a:lumMod val="50000"/>
+                  </a:schemeClr>
+                </a:solidFill>
+              </a:rPr>
+              <a:t>目录控制</a:t>
+            </a:r>
+          </a:p>
+        </p:txBody>
+      </p:sp>
+      <p:sp>
+        <p:nvSpPr>
+          <p:cNvPr id="61" name="矩形 60"/>
+          <p:cNvSpPr/>
+          <p:nvPr/>
+        </p:nvSpPr>
+        <p:spPr>
+          <a:xfrm>
+            <a:off x="9886776" y="5912968"/>
+            <a:ext cx="542324" cy="614459"/>
+          </a:xfrm>
+          <a:prstGeom prst="rect">
+            <a:avLst/>
+          </a:prstGeom>
+          <a:solidFill>
+            <a:schemeClr val="accent6">
+              <a:lumMod val="60000"/>
+              <a:lumOff val="40000"/>
+            </a:schemeClr>
+          </a:solidFill>
+          <a:ln>
+            <a:noFill/>
+          </a:ln>
+        </p:spPr>
+        <p:style>
+          <a:lnRef idx="2">
+            <a:schemeClr val="accent1">
+              <a:shade val="50000"/>
+            </a:schemeClr>
+          </a:lnRef>
+          <a:fillRef idx="1">
+            <a:schemeClr val="accent1"/>
+          </a:fillRef>
+          <a:effectRef idx="0">
+            <a:schemeClr val="accent1"/>
+          </a:effectRef>
+          <a:fontRef idx="minor">
+            <a:schemeClr val="lt1"/>
+          </a:fontRef>
+        </p:style>
+        <p:txBody>
+          <a:bodyPr rtlCol="0" anchor="ctr"/>
+          <a:lstStyle/>
+          <a:p>
+            <a:pPr algn="ctr"/>
+            <a:r>
+              <a:rPr lang="zh-CN" altLang="en-US" sz="1400" dirty="0">
+                <a:solidFill>
+                  <a:schemeClr val="accent4">
+                    <a:lumMod val="50000"/>
+                  </a:schemeClr>
+                </a:solidFill>
+              </a:rPr>
+              <a:t>安全监控</a:t>
+            </a:r>
+          </a:p>
+        </p:txBody>
+      </p:sp>
+      <p:sp>
+        <p:nvSpPr>
+          <p:cNvPr id="62" name="矩形 61"/>
+          <p:cNvSpPr/>
+          <p:nvPr/>
+        </p:nvSpPr>
+        <p:spPr>
+          <a:xfrm>
+            <a:off x="135143" y="7037247"/>
+            <a:ext cx="1080120" cy="360040"/>
+          </a:xfrm>
+          <a:prstGeom prst="rect">
+            <a:avLst/>
+          </a:prstGeom>
+          <a:solidFill>
+            <a:schemeClr val="accent6">
+              <a:lumMod val="60000"/>
+              <a:lumOff val="40000"/>
+            </a:schemeClr>
+          </a:solidFill>
+          <a:ln>
+            <a:noFill/>
+          </a:ln>
+        </p:spPr>
+        <p:style>
+          <a:lnRef idx="2">
+            <a:schemeClr val="accent1">
+              <a:shade val="50000"/>
+            </a:schemeClr>
+          </a:lnRef>
+          <a:fillRef idx="1">
+            <a:schemeClr val="accent1"/>
+          </a:fillRef>
+          <a:effectRef idx="0">
+            <a:schemeClr val="accent1"/>
+          </a:effectRef>
+          <a:fontRef idx="minor">
+            <a:schemeClr val="lt1"/>
+          </a:fontRef>
+        </p:style>
+        <p:txBody>
+          <a:bodyPr rtlCol="0" anchor="ctr"/>
+          <a:lstStyle/>
+          <a:p>
+            <a:pPr algn="ctr"/>
+            <a:r>
+              <a:rPr lang="en-US" altLang="zh-CN" sz="1400" dirty="0">
+                <a:solidFill>
+                  <a:schemeClr val="accent4">
+                    <a:lumMod val="50000"/>
+                  </a:schemeClr>
+                </a:solidFill>
+              </a:rPr>
+              <a:t>CMDB</a:t>
             </a:r>
             <a:endParaRPr lang="zh-CN" altLang="en-US" sz="1400" dirty="0">
               <a:solidFill>
@@ -10479,21 +12025,22 @@
       </p:sp>
       <p:sp>
         <p:nvSpPr>
-          <p:cNvPr id="47" name="矩形 46"/>
+          <p:cNvPr id="9" name="矩形 8"/>
           <p:cNvSpPr/>
           <p:nvPr/>
         </p:nvSpPr>
         <p:spPr>
           <a:xfrm>
-            <a:off x="5139699" y="4084031"/>
-            <a:ext cx="936104" cy="504056"/>
+            <a:off x="10699590" y="3022909"/>
+            <a:ext cx="648072" cy="701898"/>
           </a:xfrm>
           <a:prstGeom prst="rect">
             <a:avLst/>
           </a:prstGeom>
           <a:solidFill>
-            <a:schemeClr val="accent3">
-              <a:lumMod val="75000"/>
+            <a:schemeClr val="accent6">
+              <a:lumMod val="60000"/>
+              <a:lumOff val="40000"/>
             </a:schemeClr>
           </a:solidFill>
           <a:ln>
@@ -10517,1794 +12064,20 @@
           </a:fontRef>
         </p:style>
         <p:txBody>
-          <a:bodyPr rot="0" spcFirstLastPara="0" vertOverflow="overflow" horzOverflow="overflow" vert="horz" wrap="square" lIns="91440" tIns="45720" rIns="91440" bIns="45720" numCol="1" spcCol="0" rtlCol="0" fromWordArt="0" anchor="ctr" anchorCtr="0" forceAA="0" compatLnSpc="1">
-            <a:prstTxWarp prst="textNoShape">
-              <a:avLst/>
-            </a:prstTxWarp>
-            <a:noAutofit/>
-          </a:bodyPr>
+          <a:bodyPr rtlCol="0" anchor="ctr"/>
           <a:lstStyle/>
           <a:p>
             <a:pPr algn="ctr"/>
             <a:r>
-              <a:rPr lang="zh-CN" altLang="en-US" sz="1400" dirty="0">
+              <a:rPr lang="zh-CN" altLang="en-US" sz="1600" dirty="0">
                 <a:solidFill>
                   <a:schemeClr val="accent4">
                     <a:lumMod val="50000"/>
                   </a:schemeClr>
                 </a:solidFill>
               </a:rPr>
-              <a:t>日志中心</a:t>
-            </a:r>
-            <a:endParaRPr lang="zh-CN" altLang="en-US" sz="1400" dirty="0">
-              <a:solidFill>
-                <a:schemeClr val="accent4">
-                  <a:lumMod val="50000"/>
-                </a:schemeClr>
-              </a:solidFill>
-            </a:endParaRPr>
-          </a:p>
-        </p:txBody>
-      </p:sp>
-      <p:sp>
-        <p:nvSpPr>
-          <p:cNvPr id="48" name="矩形 47"/>
-          <p:cNvSpPr/>
-          <p:nvPr/>
-        </p:nvSpPr>
-        <p:spPr>
-          <a:xfrm>
-            <a:off x="5147835" y="4666842"/>
-            <a:ext cx="936104" cy="504056"/>
-          </a:xfrm>
-          <a:prstGeom prst="rect">
-            <a:avLst/>
-          </a:prstGeom>
-          <a:solidFill>
-            <a:schemeClr val="accent3">
-              <a:lumMod val="75000"/>
-            </a:schemeClr>
-          </a:solidFill>
-          <a:ln>
-            <a:noFill/>
-          </a:ln>
-        </p:spPr>
-        <p:style>
-          <a:lnRef idx="2">
-            <a:schemeClr val="accent1">
-              <a:shade val="50000"/>
-            </a:schemeClr>
-          </a:lnRef>
-          <a:fillRef idx="1">
-            <a:schemeClr val="accent1"/>
-          </a:fillRef>
-          <a:effectRef idx="0">
-            <a:schemeClr val="accent1"/>
-          </a:effectRef>
-          <a:fontRef idx="minor">
-            <a:schemeClr val="lt1"/>
-          </a:fontRef>
-        </p:style>
-        <p:txBody>
-          <a:bodyPr rot="0" spcFirstLastPara="0" vertOverflow="overflow" horzOverflow="overflow" vert="horz" wrap="square" lIns="91440" tIns="45720" rIns="91440" bIns="45720" numCol="1" spcCol="0" rtlCol="0" fromWordArt="0" anchor="ctr" anchorCtr="0" forceAA="0" compatLnSpc="1">
-            <a:prstTxWarp prst="textNoShape">
-              <a:avLst/>
-            </a:prstTxWarp>
-            <a:noAutofit/>
-          </a:bodyPr>
-          <a:lstStyle/>
-          <a:p>
-            <a:pPr algn="ctr"/>
-            <a:r>
-              <a:rPr lang="zh-CN" altLang="en-US" sz="1400" dirty="0">
-                <a:solidFill>
-                  <a:schemeClr val="accent6">
-                    <a:lumMod val="50000"/>
-                  </a:schemeClr>
-                </a:solidFill>
-              </a:rPr>
-              <a:t>分布式数据库</a:t>
-            </a:r>
-            <a:endParaRPr lang="zh-CN" altLang="en-US" sz="1400" dirty="0">
-              <a:solidFill>
-                <a:schemeClr val="accent6">
-                  <a:lumMod val="50000"/>
-                </a:schemeClr>
-              </a:solidFill>
-            </a:endParaRPr>
-          </a:p>
-        </p:txBody>
-      </p:sp>
-      <p:sp>
-        <p:nvSpPr>
-          <p:cNvPr id="50" name="矩形 49"/>
-          <p:cNvSpPr/>
-          <p:nvPr/>
-        </p:nvSpPr>
-        <p:spPr>
-          <a:xfrm>
-            <a:off x="5139699" y="5236159"/>
-            <a:ext cx="936104" cy="504056"/>
-          </a:xfrm>
-          <a:prstGeom prst="rect">
-            <a:avLst/>
-          </a:prstGeom>
-          <a:solidFill>
-            <a:schemeClr val="accent3">
-              <a:lumMod val="75000"/>
-            </a:schemeClr>
-          </a:solidFill>
-          <a:ln>
-            <a:noFill/>
-          </a:ln>
-        </p:spPr>
-        <p:style>
-          <a:lnRef idx="2">
-            <a:schemeClr val="accent1">
-              <a:shade val="50000"/>
-            </a:schemeClr>
-          </a:lnRef>
-          <a:fillRef idx="1">
-            <a:schemeClr val="accent1"/>
-          </a:fillRef>
-          <a:effectRef idx="0">
-            <a:schemeClr val="accent1"/>
-          </a:effectRef>
-          <a:fontRef idx="minor">
-            <a:schemeClr val="lt1"/>
-          </a:fontRef>
-        </p:style>
-        <p:txBody>
-          <a:bodyPr rot="0" spcFirstLastPara="0" vertOverflow="overflow" horzOverflow="overflow" vert="horz" wrap="square" lIns="91440" tIns="45720" rIns="91440" bIns="45720" numCol="1" spcCol="0" rtlCol="0" fromWordArt="0" anchor="ctr" anchorCtr="0" forceAA="0" compatLnSpc="1">
-            <a:prstTxWarp prst="textNoShape">
-              <a:avLst/>
-            </a:prstTxWarp>
-            <a:noAutofit/>
-          </a:bodyPr>
-          <a:lstStyle/>
-          <a:p>
-            <a:pPr algn="ctr"/>
-            <a:r>
-              <a:rPr lang="zh-CN" altLang="en-US" sz="1400" dirty="0">
-                <a:solidFill>
-                  <a:schemeClr val="accent4">
-                    <a:lumMod val="50000"/>
-                  </a:schemeClr>
-                </a:solidFill>
-              </a:rPr>
-              <a:t>分布式缓存</a:t>
-            </a:r>
-            <a:endParaRPr lang="zh-CN" altLang="en-US" sz="1400" dirty="0">
-              <a:solidFill>
-                <a:schemeClr val="accent4">
-                  <a:lumMod val="50000"/>
-                </a:schemeClr>
-              </a:solidFill>
-            </a:endParaRPr>
-          </a:p>
-        </p:txBody>
-      </p:sp>
-      <p:sp>
-        <p:nvSpPr>
-          <p:cNvPr id="52" name="矩形 51"/>
-          <p:cNvSpPr/>
-          <p:nvPr/>
-        </p:nvSpPr>
-        <p:spPr>
-          <a:xfrm>
-            <a:off x="6175679" y="3507967"/>
-            <a:ext cx="936104" cy="504056"/>
-          </a:xfrm>
-          <a:prstGeom prst="rect">
-            <a:avLst/>
-          </a:prstGeom>
-          <a:solidFill>
-            <a:schemeClr val="accent6">
-              <a:lumMod val="60000"/>
-              <a:lumOff val="40000"/>
-            </a:schemeClr>
-          </a:solidFill>
-          <a:ln>
-            <a:noFill/>
-          </a:ln>
-        </p:spPr>
-        <p:style>
-          <a:lnRef idx="2">
-            <a:schemeClr val="accent1">
-              <a:shade val="50000"/>
-            </a:schemeClr>
-          </a:lnRef>
-          <a:fillRef idx="1">
-            <a:schemeClr val="accent1"/>
-          </a:fillRef>
-          <a:effectRef idx="0">
-            <a:schemeClr val="accent1"/>
-          </a:effectRef>
-          <a:fontRef idx="minor">
-            <a:schemeClr val="lt1"/>
-          </a:fontRef>
-        </p:style>
-        <p:txBody>
-          <a:bodyPr rtlCol="0" anchor="ctr"/>
-          <a:lstStyle/>
-          <a:p>
-            <a:pPr algn="ctr"/>
-            <a:r>
-              <a:rPr lang="zh-CN" altLang="en-US" sz="1400" dirty="0">
-                <a:solidFill>
-                  <a:schemeClr val="accent6">
-                    <a:lumMod val="50000"/>
-                  </a:schemeClr>
-                </a:solidFill>
-              </a:rPr>
-              <a:t>智慧</a:t>
-            </a:r>
-            <a:r>
-              <a:rPr lang="zh-CN" altLang="en-US" sz="1400" dirty="0">
-                <a:solidFill>
-                  <a:schemeClr val="accent6">
-                    <a:lumMod val="50000"/>
-                  </a:schemeClr>
-                </a:solidFill>
-              </a:rPr>
-              <a:t>组件</a:t>
-            </a:r>
-            <a:endParaRPr lang="zh-CN" altLang="en-US" sz="1400" dirty="0">
-              <a:solidFill>
-                <a:schemeClr val="accent6">
-                  <a:lumMod val="50000"/>
-                </a:schemeClr>
-              </a:solidFill>
-            </a:endParaRPr>
-          </a:p>
-        </p:txBody>
-      </p:sp>
-      <p:sp>
-        <p:nvSpPr>
-          <p:cNvPr id="54" name="矩形 53"/>
-          <p:cNvSpPr/>
-          <p:nvPr/>
-        </p:nvSpPr>
-        <p:spPr>
-          <a:xfrm>
-            <a:off x="6175679" y="4084031"/>
-            <a:ext cx="936104" cy="504056"/>
-          </a:xfrm>
-          <a:prstGeom prst="rect">
-            <a:avLst/>
-          </a:prstGeom>
-          <a:solidFill>
-            <a:schemeClr val="accent6">
-              <a:lumMod val="60000"/>
-              <a:lumOff val="40000"/>
-            </a:schemeClr>
-          </a:solidFill>
-          <a:ln>
-            <a:noFill/>
-          </a:ln>
-        </p:spPr>
-        <p:style>
-          <a:lnRef idx="2">
-            <a:schemeClr val="accent1">
-              <a:shade val="50000"/>
-            </a:schemeClr>
-          </a:lnRef>
-          <a:fillRef idx="1">
-            <a:schemeClr val="accent1"/>
-          </a:fillRef>
-          <a:effectRef idx="0">
-            <a:schemeClr val="accent1"/>
-          </a:effectRef>
-          <a:fontRef idx="minor">
-            <a:schemeClr val="lt1"/>
-          </a:fontRef>
-        </p:style>
-        <p:txBody>
-          <a:bodyPr rtlCol="0" anchor="ctr"/>
-          <a:lstStyle/>
-          <a:p>
-            <a:pPr algn="ctr"/>
-            <a:r>
-              <a:rPr lang="zh-CN" altLang="en-US" sz="1400" dirty="0">
-                <a:solidFill>
-                  <a:schemeClr val="accent6">
-                    <a:lumMod val="50000"/>
-                  </a:schemeClr>
-                </a:solidFill>
-              </a:rPr>
-              <a:t>注册中心</a:t>
-            </a:r>
-            <a:endParaRPr lang="zh-CN" altLang="en-US" sz="1400" dirty="0">
-              <a:solidFill>
-                <a:schemeClr val="accent6">
-                  <a:lumMod val="50000"/>
-                </a:schemeClr>
-              </a:solidFill>
-            </a:endParaRPr>
-          </a:p>
-        </p:txBody>
-      </p:sp>
-      <p:sp>
-        <p:nvSpPr>
-          <p:cNvPr id="56" name="矩形 55"/>
-          <p:cNvSpPr/>
-          <p:nvPr/>
-        </p:nvSpPr>
-        <p:spPr>
-          <a:xfrm>
-            <a:off x="6183815" y="4666842"/>
-            <a:ext cx="936104" cy="504056"/>
-          </a:xfrm>
-          <a:prstGeom prst="rect">
-            <a:avLst/>
-          </a:prstGeom>
-          <a:solidFill>
-            <a:schemeClr val="accent3">
-              <a:lumMod val="75000"/>
-            </a:schemeClr>
-          </a:solidFill>
-          <a:ln>
-            <a:noFill/>
-          </a:ln>
-        </p:spPr>
-        <p:style>
-          <a:lnRef idx="2">
-            <a:schemeClr val="accent1">
-              <a:shade val="50000"/>
-            </a:schemeClr>
-          </a:lnRef>
-          <a:fillRef idx="1">
-            <a:schemeClr val="accent1"/>
-          </a:fillRef>
-          <a:effectRef idx="0">
-            <a:schemeClr val="accent1"/>
-          </a:effectRef>
-          <a:fontRef idx="minor">
-            <a:schemeClr val="lt1"/>
-          </a:fontRef>
-        </p:style>
-        <p:txBody>
-          <a:bodyPr rot="0" spcFirstLastPara="0" vertOverflow="overflow" horzOverflow="overflow" vert="horz" wrap="square" lIns="91440" tIns="45720" rIns="91440" bIns="45720" numCol="1" spcCol="0" rtlCol="0" fromWordArt="0" anchor="ctr" anchorCtr="0" forceAA="0" compatLnSpc="1">
-            <a:prstTxWarp prst="textNoShape">
-              <a:avLst/>
-            </a:prstTxWarp>
-            <a:noAutofit/>
-          </a:bodyPr>
-          <a:lstStyle/>
-          <a:p>
-            <a:pPr algn="ctr"/>
-            <a:r>
-              <a:rPr lang="zh-CN" altLang="en-US" sz="1400" dirty="0">
-                <a:solidFill>
-                  <a:schemeClr val="accent4">
-                    <a:lumMod val="50000"/>
-                  </a:schemeClr>
-                </a:solidFill>
-              </a:rPr>
-              <a:t>分布式文件系统</a:t>
-            </a:r>
-            <a:endParaRPr lang="zh-CN" altLang="en-US" sz="1400" dirty="0">
-              <a:solidFill>
-                <a:schemeClr val="accent4">
-                  <a:lumMod val="50000"/>
-                </a:schemeClr>
-              </a:solidFill>
-            </a:endParaRPr>
-          </a:p>
-        </p:txBody>
-      </p:sp>
-      <p:sp>
-        <p:nvSpPr>
-          <p:cNvPr id="57" name="矩形 56"/>
-          <p:cNvSpPr/>
-          <p:nvPr/>
-        </p:nvSpPr>
-        <p:spPr>
-          <a:xfrm>
-            <a:off x="6175679" y="5236159"/>
-            <a:ext cx="936104" cy="504056"/>
-          </a:xfrm>
-          <a:prstGeom prst="rect">
-            <a:avLst/>
-          </a:prstGeom>
-          <a:solidFill>
-            <a:schemeClr val="accent3">
-              <a:lumMod val="75000"/>
-            </a:schemeClr>
-          </a:solidFill>
-          <a:ln>
-            <a:noFill/>
-          </a:ln>
-        </p:spPr>
-        <p:style>
-          <a:lnRef idx="2">
-            <a:schemeClr val="accent1">
-              <a:shade val="50000"/>
-            </a:schemeClr>
-          </a:lnRef>
-          <a:fillRef idx="1">
-            <a:schemeClr val="accent1"/>
-          </a:fillRef>
-          <a:effectRef idx="0">
-            <a:schemeClr val="accent1"/>
-          </a:effectRef>
-          <a:fontRef idx="minor">
-            <a:schemeClr val="lt1"/>
-          </a:fontRef>
-        </p:style>
-        <p:txBody>
-          <a:bodyPr rot="0" spcFirstLastPara="0" vertOverflow="overflow" horzOverflow="overflow" vert="horz" wrap="square" lIns="91440" tIns="45720" rIns="91440" bIns="45720" numCol="1" spcCol="0" rtlCol="0" fromWordArt="0" anchor="ctr" anchorCtr="0" forceAA="0" compatLnSpc="1">
-            <a:prstTxWarp prst="textNoShape">
-              <a:avLst/>
-            </a:prstTxWarp>
-            <a:noAutofit/>
-          </a:bodyPr>
-          <a:lstStyle/>
-          <a:p>
-            <a:pPr algn="ctr"/>
-            <a:r>
-              <a:rPr lang="zh-CN" altLang="en-US" sz="1400" dirty="0">
-                <a:solidFill>
-                  <a:schemeClr val="accent4">
-                    <a:lumMod val="50000"/>
-                  </a:schemeClr>
-                </a:solidFill>
-              </a:rPr>
-              <a:t>管道</a:t>
-            </a:r>
-            <a:endParaRPr lang="en-US" altLang="zh-CN" sz="1400" dirty="0">
-              <a:solidFill>
-                <a:schemeClr val="accent4">
-                  <a:lumMod val="50000"/>
-                </a:schemeClr>
-              </a:solidFill>
-            </a:endParaRPr>
-          </a:p>
-        </p:txBody>
-      </p:sp>
-      <p:sp>
-        <p:nvSpPr>
-          <p:cNvPr id="58" name="矩形 57"/>
-          <p:cNvSpPr/>
-          <p:nvPr/>
-        </p:nvSpPr>
-        <p:spPr>
-          <a:xfrm>
-            <a:off x="4095583" y="5793225"/>
-            <a:ext cx="936104" cy="504056"/>
-          </a:xfrm>
-          <a:prstGeom prst="rect">
-            <a:avLst/>
-          </a:prstGeom>
-          <a:solidFill>
-            <a:schemeClr val="accent6">
-              <a:lumMod val="60000"/>
-              <a:lumOff val="40000"/>
-            </a:schemeClr>
-          </a:solidFill>
-          <a:ln>
-            <a:noFill/>
-          </a:ln>
-        </p:spPr>
-        <p:style>
-          <a:lnRef idx="2">
-            <a:schemeClr val="accent1">
-              <a:shade val="50000"/>
-            </a:schemeClr>
-          </a:lnRef>
-          <a:fillRef idx="1">
-            <a:schemeClr val="accent1"/>
-          </a:fillRef>
-          <a:effectRef idx="0">
-            <a:schemeClr val="accent1"/>
-          </a:effectRef>
-          <a:fontRef idx="minor">
-            <a:schemeClr val="lt1"/>
-          </a:fontRef>
-        </p:style>
-        <p:txBody>
-          <a:bodyPr rtlCol="0" anchor="ctr"/>
-          <a:lstStyle/>
-          <a:p>
-            <a:pPr algn="ctr"/>
-            <a:r>
-              <a:rPr lang="zh-CN" altLang="en-US" sz="1400" dirty="0">
-                <a:solidFill>
-                  <a:schemeClr val="accent6">
-                    <a:lumMod val="50000"/>
-                  </a:schemeClr>
-                </a:solidFill>
-              </a:rPr>
-              <a:t>服务治理</a:t>
-            </a:r>
-          </a:p>
-        </p:txBody>
-      </p:sp>
-      <p:sp>
-        <p:nvSpPr>
-          <p:cNvPr id="59" name="矩形 58"/>
-          <p:cNvSpPr/>
-          <p:nvPr/>
-        </p:nvSpPr>
-        <p:spPr>
-          <a:xfrm>
-            <a:off x="5139699" y="5793225"/>
-            <a:ext cx="936104" cy="504056"/>
-          </a:xfrm>
-          <a:prstGeom prst="rect">
-            <a:avLst/>
-          </a:prstGeom>
-          <a:solidFill>
-            <a:schemeClr val="accent6">
-              <a:lumMod val="60000"/>
-              <a:lumOff val="40000"/>
-            </a:schemeClr>
-          </a:solidFill>
-          <a:ln>
-            <a:noFill/>
-          </a:ln>
-        </p:spPr>
-        <p:style>
-          <a:lnRef idx="2">
-            <a:schemeClr val="accent1">
-              <a:shade val="50000"/>
-            </a:schemeClr>
-          </a:lnRef>
-          <a:fillRef idx="1">
-            <a:schemeClr val="accent1"/>
-          </a:fillRef>
-          <a:effectRef idx="0">
-            <a:schemeClr val="accent1"/>
-          </a:effectRef>
-          <a:fontRef idx="minor">
-            <a:schemeClr val="lt1"/>
-          </a:fontRef>
-        </p:style>
-        <p:txBody>
-          <a:bodyPr rtlCol="0" anchor="ctr"/>
-          <a:lstStyle/>
-          <a:p>
-            <a:pPr algn="ctr"/>
-            <a:r>
-              <a:rPr lang="zh-CN" altLang="en-US" sz="1400" dirty="0">
-                <a:solidFill>
-                  <a:schemeClr val="accent4">
-                    <a:lumMod val="50000"/>
-                  </a:schemeClr>
-                </a:solidFill>
-              </a:rPr>
-              <a:t>弹性组件及管理</a:t>
-            </a:r>
-          </a:p>
-        </p:txBody>
-      </p:sp>
-      <p:sp>
-        <p:nvSpPr>
-          <p:cNvPr id="60" name="矩形 59"/>
-          <p:cNvSpPr/>
-          <p:nvPr/>
-        </p:nvSpPr>
-        <p:spPr>
-          <a:xfrm>
-            <a:off x="6175679" y="5793225"/>
-            <a:ext cx="936104" cy="504056"/>
-          </a:xfrm>
-          <a:prstGeom prst="rect">
-            <a:avLst/>
-          </a:prstGeom>
-          <a:solidFill>
-            <a:schemeClr val="accent6">
-              <a:lumMod val="60000"/>
-              <a:lumOff val="40000"/>
-            </a:schemeClr>
-          </a:solidFill>
-          <a:ln>
-            <a:noFill/>
-          </a:ln>
-        </p:spPr>
-        <p:style>
-          <a:lnRef idx="2">
-            <a:schemeClr val="accent1">
-              <a:shade val="50000"/>
-            </a:schemeClr>
-          </a:lnRef>
-          <a:fillRef idx="1">
-            <a:schemeClr val="accent1"/>
-          </a:fillRef>
-          <a:effectRef idx="0">
-            <a:schemeClr val="accent1"/>
-          </a:effectRef>
-          <a:fontRef idx="minor">
-            <a:schemeClr val="lt1"/>
-          </a:fontRef>
-        </p:style>
-        <p:txBody>
-          <a:bodyPr rtlCol="0" anchor="ctr"/>
-          <a:lstStyle/>
-          <a:p>
-            <a:pPr algn="ctr"/>
-            <a:r>
-              <a:rPr lang="zh-CN" altLang="en-US" sz="1400" dirty="0">
-                <a:solidFill>
-                  <a:schemeClr val="accent4">
-                    <a:lumMod val="50000"/>
-                  </a:schemeClr>
-                </a:solidFill>
-              </a:rPr>
-              <a:t>安全组件</a:t>
-            </a:r>
-            <a:endParaRPr lang="zh-CN" altLang="en-US" sz="1400" dirty="0">
-              <a:solidFill>
-                <a:schemeClr val="accent4">
-                  <a:lumMod val="50000"/>
-                </a:schemeClr>
-              </a:solidFill>
-            </a:endParaRPr>
-          </a:p>
-        </p:txBody>
-      </p:sp>
-      <p:sp>
-        <p:nvSpPr>
-          <p:cNvPr id="8" name="矩形 7"/>
-          <p:cNvSpPr/>
-          <p:nvPr/>
-        </p:nvSpPr>
-        <p:spPr>
-          <a:xfrm>
-            <a:off x="2007351" y="3507967"/>
-            <a:ext cx="1368152" cy="576064"/>
-          </a:xfrm>
-          <a:prstGeom prst="rect">
-            <a:avLst/>
-          </a:prstGeom>
-          <a:solidFill>
-            <a:schemeClr val="accent3">
-              <a:lumMod val="75000"/>
-            </a:schemeClr>
-          </a:solidFill>
-          <a:ln>
-            <a:noFill/>
-          </a:ln>
-        </p:spPr>
-        <p:style>
-          <a:lnRef idx="2">
-            <a:schemeClr val="accent1">
-              <a:shade val="50000"/>
-            </a:schemeClr>
-          </a:lnRef>
-          <a:fillRef idx="1">
-            <a:schemeClr val="accent1"/>
-          </a:fillRef>
-          <a:effectRef idx="0">
-            <a:schemeClr val="accent1"/>
-          </a:effectRef>
-          <a:fontRef idx="minor">
-            <a:schemeClr val="lt1"/>
-          </a:fontRef>
-        </p:style>
-        <p:txBody>
-          <a:bodyPr rot="0" spcFirstLastPara="0" vertOverflow="overflow" horzOverflow="overflow" vert="horz" wrap="square" lIns="91440" tIns="45720" rIns="91440" bIns="45720" numCol="1" spcCol="0" rtlCol="0" fromWordArt="0" anchor="ctr" anchorCtr="0" forceAA="0" compatLnSpc="1">
-            <a:prstTxWarp prst="textNoShape">
-              <a:avLst/>
-            </a:prstTxWarp>
-            <a:noAutofit/>
-          </a:bodyPr>
-          <a:lstStyle/>
-          <a:p>
-            <a:pPr algn="ctr"/>
-            <a:r>
-              <a:rPr lang="en-US" altLang="zh-CN" sz="1400" dirty="0">
-                <a:solidFill>
-                  <a:schemeClr val="accent4">
-                    <a:lumMod val="50000"/>
-                  </a:schemeClr>
-                </a:solidFill>
-              </a:rPr>
-              <a:t>Web</a:t>
-            </a:r>
-            <a:r>
-              <a:rPr lang="zh-CN" altLang="en-US" sz="1400" dirty="0">
-                <a:solidFill>
-                  <a:schemeClr val="accent4">
-                    <a:lumMod val="50000"/>
-                  </a:schemeClr>
-                </a:solidFill>
-              </a:rPr>
-              <a:t>应用</a:t>
-            </a:r>
-            <a:endParaRPr lang="zh-CN" altLang="en-US" sz="1400" dirty="0">
-              <a:solidFill>
-                <a:schemeClr val="accent4">
-                  <a:lumMod val="50000"/>
-                </a:schemeClr>
-              </a:solidFill>
-            </a:endParaRPr>
-          </a:p>
-        </p:txBody>
-      </p:sp>
-      <p:sp>
-        <p:nvSpPr>
-          <p:cNvPr id="36" name="矩形 35"/>
-          <p:cNvSpPr/>
-          <p:nvPr/>
-        </p:nvSpPr>
-        <p:spPr>
-          <a:xfrm>
-            <a:off x="2011851" y="4202089"/>
-            <a:ext cx="1368152" cy="576064"/>
-          </a:xfrm>
-          <a:prstGeom prst="rect">
-            <a:avLst/>
-          </a:prstGeom>
-          <a:solidFill>
-            <a:schemeClr val="accent3">
-              <a:lumMod val="75000"/>
-            </a:schemeClr>
-          </a:solidFill>
-          <a:ln>
-            <a:noFill/>
-          </a:ln>
-        </p:spPr>
-        <p:style>
-          <a:lnRef idx="2">
-            <a:schemeClr val="accent1">
-              <a:shade val="50000"/>
-            </a:schemeClr>
-          </a:lnRef>
-          <a:fillRef idx="1">
-            <a:schemeClr val="accent1"/>
-          </a:fillRef>
-          <a:effectRef idx="0">
-            <a:schemeClr val="accent1"/>
-          </a:effectRef>
-          <a:fontRef idx="minor">
-            <a:schemeClr val="lt1"/>
-          </a:fontRef>
-        </p:style>
-        <p:txBody>
-          <a:bodyPr rot="0" spcFirstLastPara="0" vertOverflow="overflow" horzOverflow="overflow" vert="horz" wrap="square" lIns="91440" tIns="45720" rIns="91440" bIns="45720" numCol="1" spcCol="0" rtlCol="0" fromWordArt="0" anchor="ctr" anchorCtr="0" forceAA="0" compatLnSpc="1">
-            <a:prstTxWarp prst="textNoShape">
-              <a:avLst/>
-            </a:prstTxWarp>
-            <a:noAutofit/>
-          </a:bodyPr>
-          <a:lstStyle/>
-          <a:p>
-            <a:pPr algn="ctr"/>
-            <a:r>
-              <a:rPr lang="zh-CN" altLang="en-US" sz="1400" dirty="0">
-                <a:solidFill>
-                  <a:schemeClr val="accent4">
-                    <a:lumMod val="50000"/>
-                  </a:schemeClr>
-                </a:solidFill>
-              </a:rPr>
-              <a:t>数据应用</a:t>
-            </a:r>
-            <a:endParaRPr lang="en-US" altLang="zh-CN" sz="1400" dirty="0">
-              <a:solidFill>
-                <a:schemeClr val="accent4">
-                  <a:lumMod val="50000"/>
-                </a:schemeClr>
-              </a:solidFill>
-            </a:endParaRPr>
-          </a:p>
-        </p:txBody>
-      </p:sp>
-      <p:sp>
-        <p:nvSpPr>
-          <p:cNvPr id="37" name="矩形 36"/>
-          <p:cNvSpPr/>
-          <p:nvPr/>
-        </p:nvSpPr>
-        <p:spPr>
-          <a:xfrm>
-            <a:off x="1998653" y="4883900"/>
-            <a:ext cx="1368152" cy="576064"/>
-          </a:xfrm>
-          <a:prstGeom prst="rect">
-            <a:avLst/>
-          </a:prstGeom>
-          <a:solidFill>
-            <a:schemeClr val="accent3">
-              <a:lumMod val="75000"/>
-            </a:schemeClr>
-          </a:solidFill>
-          <a:ln>
-            <a:noFill/>
-          </a:ln>
-        </p:spPr>
-        <p:style>
-          <a:lnRef idx="2">
-            <a:schemeClr val="accent1">
-              <a:shade val="50000"/>
-            </a:schemeClr>
-          </a:lnRef>
-          <a:fillRef idx="1">
-            <a:schemeClr val="accent1"/>
-          </a:fillRef>
-          <a:effectRef idx="0">
-            <a:schemeClr val="accent1"/>
-          </a:effectRef>
-          <a:fontRef idx="minor">
-            <a:schemeClr val="lt1"/>
-          </a:fontRef>
-        </p:style>
-        <p:txBody>
-          <a:bodyPr rot="0" spcFirstLastPara="0" vertOverflow="overflow" horzOverflow="overflow" vert="horz" wrap="square" lIns="91440" tIns="45720" rIns="91440" bIns="45720" numCol="1" spcCol="0" rtlCol="0" fromWordArt="0" anchor="ctr" anchorCtr="0" forceAA="0" compatLnSpc="1">
-            <a:prstTxWarp prst="textNoShape">
-              <a:avLst/>
-            </a:prstTxWarp>
-            <a:noAutofit/>
-          </a:bodyPr>
-          <a:lstStyle/>
-          <a:p>
-            <a:pPr algn="ctr"/>
-            <a:r>
-              <a:rPr lang="zh-CN" altLang="en-US" sz="1400" dirty="0">
-                <a:solidFill>
-                  <a:schemeClr val="accent4">
-                    <a:lumMod val="50000"/>
-                  </a:schemeClr>
-                </a:solidFill>
-              </a:rPr>
-              <a:t>任务</a:t>
-            </a:r>
-            <a:endParaRPr lang="en-US" altLang="zh-CN" sz="1400" dirty="0">
-              <a:solidFill>
-                <a:schemeClr val="accent4">
-                  <a:lumMod val="50000"/>
-                </a:schemeClr>
-              </a:solidFill>
-            </a:endParaRPr>
-          </a:p>
-        </p:txBody>
-      </p:sp>
-      <p:sp>
-        <p:nvSpPr>
-          <p:cNvPr id="38" name="矩形 37"/>
-          <p:cNvSpPr/>
-          <p:nvPr/>
-        </p:nvSpPr>
-        <p:spPr>
-          <a:xfrm>
-            <a:off x="2011851" y="5589151"/>
-            <a:ext cx="1368152" cy="576064"/>
-          </a:xfrm>
-          <a:prstGeom prst="rect">
-            <a:avLst/>
-          </a:prstGeom>
-          <a:solidFill>
-            <a:schemeClr val="accent6">
-              <a:lumMod val="60000"/>
-              <a:lumOff val="40000"/>
-            </a:schemeClr>
-          </a:solidFill>
-          <a:ln>
-            <a:noFill/>
-          </a:ln>
-        </p:spPr>
-        <p:style>
-          <a:lnRef idx="2">
-            <a:schemeClr val="accent1">
-              <a:shade val="50000"/>
-            </a:schemeClr>
-          </a:lnRef>
-          <a:fillRef idx="1">
-            <a:schemeClr val="accent1"/>
-          </a:fillRef>
-          <a:effectRef idx="0">
-            <a:schemeClr val="accent1"/>
-          </a:effectRef>
-          <a:fontRef idx="minor">
-            <a:schemeClr val="lt1"/>
-          </a:fontRef>
-        </p:style>
-        <p:txBody>
-          <a:bodyPr rtlCol="0" anchor="ctr"/>
-          <a:lstStyle/>
-          <a:p>
-            <a:pPr algn="ctr"/>
-            <a:r>
-              <a:rPr lang="zh-CN" altLang="en-US" sz="1400" dirty="0">
-                <a:solidFill>
-                  <a:schemeClr val="accent6">
-                    <a:lumMod val="50000"/>
-                  </a:schemeClr>
-                </a:solidFill>
-              </a:rPr>
-              <a:t>微服务</a:t>
-            </a:r>
-            <a:endParaRPr lang="en-US" altLang="zh-CN" sz="1400" dirty="0">
-              <a:solidFill>
-                <a:schemeClr val="accent6">
-                  <a:lumMod val="50000"/>
-                </a:schemeClr>
-              </a:solidFill>
-            </a:endParaRPr>
-          </a:p>
-        </p:txBody>
-      </p:sp>
-      <p:sp>
-        <p:nvSpPr>
-          <p:cNvPr id="4" name="矩形 3"/>
-          <p:cNvSpPr/>
-          <p:nvPr/>
-        </p:nvSpPr>
-        <p:spPr>
-          <a:xfrm>
-            <a:off x="171147" y="2986977"/>
-            <a:ext cx="1008112" cy="360040"/>
-          </a:xfrm>
-          <a:prstGeom prst="rect">
-            <a:avLst/>
-          </a:prstGeom>
-          <a:solidFill>
-            <a:schemeClr val="accent6">
-              <a:lumMod val="60000"/>
-              <a:lumOff val="40000"/>
-            </a:schemeClr>
-          </a:solidFill>
-          <a:ln>
-            <a:noFill/>
-          </a:ln>
-        </p:spPr>
-        <p:style>
-          <a:lnRef idx="2">
-            <a:schemeClr val="accent1">
-              <a:shade val="50000"/>
-            </a:schemeClr>
-          </a:lnRef>
-          <a:fillRef idx="1">
-            <a:schemeClr val="accent1"/>
-          </a:fillRef>
-          <a:effectRef idx="0">
-            <a:schemeClr val="accent1"/>
-          </a:effectRef>
-          <a:fontRef idx="minor">
-            <a:schemeClr val="lt1"/>
-          </a:fontRef>
-        </p:style>
-        <p:txBody>
-          <a:bodyPr rtlCol="0" anchor="ctr"/>
-          <a:lstStyle/>
-          <a:p>
-            <a:pPr algn="ctr"/>
-            <a:r>
-              <a:rPr lang="zh-CN" altLang="en-US" sz="1400" dirty="0">
-                <a:solidFill>
-                  <a:schemeClr val="accent4">
-                    <a:lumMod val="50000"/>
-                  </a:schemeClr>
-                </a:solidFill>
-              </a:rPr>
-              <a:t>项目管理</a:t>
-            </a:r>
-            <a:endParaRPr lang="zh-CN" altLang="en-US" sz="1400" dirty="0">
-              <a:solidFill>
-                <a:schemeClr val="accent4">
-                  <a:lumMod val="50000"/>
-                </a:schemeClr>
-              </a:solidFill>
-            </a:endParaRPr>
-          </a:p>
-        </p:txBody>
-      </p:sp>
-      <p:sp>
-        <p:nvSpPr>
-          <p:cNvPr id="39" name="矩形 38"/>
-          <p:cNvSpPr/>
-          <p:nvPr/>
-        </p:nvSpPr>
-        <p:spPr>
-          <a:xfrm>
-            <a:off x="175667" y="3580863"/>
-            <a:ext cx="1008112" cy="360040"/>
-          </a:xfrm>
-          <a:prstGeom prst="rect">
-            <a:avLst/>
-          </a:prstGeom>
-          <a:solidFill>
-            <a:schemeClr val="accent6">
-              <a:lumMod val="60000"/>
-              <a:lumOff val="40000"/>
-            </a:schemeClr>
-          </a:solidFill>
-          <a:ln>
-            <a:noFill/>
-          </a:ln>
-        </p:spPr>
-        <p:style>
-          <a:lnRef idx="2">
-            <a:schemeClr val="accent1">
-              <a:shade val="50000"/>
-            </a:schemeClr>
-          </a:lnRef>
-          <a:fillRef idx="1">
-            <a:schemeClr val="accent1"/>
-          </a:fillRef>
-          <a:effectRef idx="0">
-            <a:schemeClr val="accent1"/>
-          </a:effectRef>
-          <a:fontRef idx="minor">
-            <a:schemeClr val="lt1"/>
-          </a:fontRef>
-        </p:style>
-        <p:txBody>
-          <a:bodyPr rtlCol="0" anchor="ctr"/>
-          <a:lstStyle/>
-          <a:p>
-            <a:pPr algn="ctr"/>
-            <a:r>
-              <a:rPr lang="zh-CN" altLang="en-US" sz="1400" dirty="0">
-                <a:solidFill>
-                  <a:schemeClr val="accent4">
-                    <a:lumMod val="50000"/>
-                  </a:schemeClr>
-                </a:solidFill>
-              </a:rPr>
-              <a:t>集成</a:t>
-            </a:r>
-            <a:r>
-              <a:rPr lang="en-US" altLang="zh-CN" sz="1400" dirty="0">
-                <a:solidFill>
-                  <a:schemeClr val="accent4">
-                    <a:lumMod val="50000"/>
-                  </a:schemeClr>
-                </a:solidFill>
-              </a:rPr>
-              <a:t>IDE</a:t>
-            </a:r>
-            <a:endParaRPr lang="zh-CN" altLang="en-US" sz="1400" dirty="0">
-              <a:solidFill>
-                <a:schemeClr val="accent4">
-                  <a:lumMod val="50000"/>
-                </a:schemeClr>
-              </a:solidFill>
-            </a:endParaRPr>
-          </a:p>
-        </p:txBody>
-      </p:sp>
-      <p:sp>
-        <p:nvSpPr>
-          <p:cNvPr id="40" name="矩形 39"/>
-          <p:cNvSpPr/>
-          <p:nvPr/>
-        </p:nvSpPr>
-        <p:spPr>
-          <a:xfrm>
-            <a:off x="175667" y="4189012"/>
-            <a:ext cx="1008112" cy="360040"/>
-          </a:xfrm>
-          <a:prstGeom prst="rect">
-            <a:avLst/>
-          </a:prstGeom>
-          <a:solidFill>
-            <a:schemeClr val="accent3">
-              <a:lumMod val="75000"/>
-            </a:schemeClr>
-          </a:solidFill>
-          <a:ln>
-            <a:noFill/>
-          </a:ln>
-        </p:spPr>
-        <p:style>
-          <a:lnRef idx="2">
-            <a:schemeClr val="accent1">
-              <a:shade val="50000"/>
-            </a:schemeClr>
-          </a:lnRef>
-          <a:fillRef idx="1">
-            <a:schemeClr val="accent1"/>
-          </a:fillRef>
-          <a:effectRef idx="0">
-            <a:schemeClr val="accent1"/>
-          </a:effectRef>
-          <a:fontRef idx="minor">
-            <a:schemeClr val="lt1"/>
-          </a:fontRef>
-        </p:style>
-        <p:txBody>
-          <a:bodyPr rot="0" spcFirstLastPara="0" vertOverflow="overflow" horzOverflow="overflow" vert="horz" wrap="square" lIns="91440" tIns="45720" rIns="91440" bIns="45720" numCol="1" spcCol="0" rtlCol="0" fromWordArt="0" anchor="ctr" anchorCtr="0" forceAA="0" compatLnSpc="1">
-            <a:prstTxWarp prst="textNoShape">
-              <a:avLst/>
-            </a:prstTxWarp>
-            <a:noAutofit/>
-          </a:bodyPr>
-          <a:lstStyle/>
-          <a:p>
-            <a:pPr algn="ctr"/>
-            <a:r>
-              <a:rPr lang="zh-CN" altLang="en-US" sz="1400" dirty="0">
-                <a:solidFill>
-                  <a:schemeClr val="accent6">
-                    <a:lumMod val="50000"/>
-                  </a:schemeClr>
-                </a:solidFill>
-              </a:rPr>
-              <a:t>持续集成</a:t>
-            </a:r>
-            <a:endParaRPr lang="zh-CN" altLang="en-US" sz="1400" dirty="0">
-              <a:solidFill>
-                <a:schemeClr val="accent6">
-                  <a:lumMod val="50000"/>
-                </a:schemeClr>
-              </a:solidFill>
-            </a:endParaRPr>
-          </a:p>
-        </p:txBody>
-      </p:sp>
-      <p:sp>
-        <p:nvSpPr>
-          <p:cNvPr id="41" name="矩形 40"/>
-          <p:cNvSpPr/>
-          <p:nvPr/>
-        </p:nvSpPr>
-        <p:spPr>
-          <a:xfrm>
-            <a:off x="171147" y="4811746"/>
-            <a:ext cx="1008112" cy="360040"/>
-          </a:xfrm>
-          <a:prstGeom prst="rect">
-            <a:avLst/>
-          </a:prstGeom>
-          <a:solidFill>
-            <a:schemeClr val="accent3">
-              <a:lumMod val="75000"/>
-            </a:schemeClr>
-          </a:solidFill>
-          <a:ln>
-            <a:noFill/>
-          </a:ln>
-        </p:spPr>
-        <p:style>
-          <a:lnRef idx="2">
-            <a:schemeClr val="accent1">
-              <a:shade val="50000"/>
-            </a:schemeClr>
-          </a:lnRef>
-          <a:fillRef idx="1">
-            <a:schemeClr val="accent1"/>
-          </a:fillRef>
-          <a:effectRef idx="0">
-            <a:schemeClr val="accent1"/>
-          </a:effectRef>
-          <a:fontRef idx="minor">
-            <a:schemeClr val="lt1"/>
-          </a:fontRef>
-        </p:style>
-        <p:txBody>
-          <a:bodyPr rot="0" spcFirstLastPara="0" vertOverflow="overflow" horzOverflow="overflow" vert="horz" wrap="square" lIns="91440" tIns="45720" rIns="91440" bIns="45720" numCol="1" spcCol="0" rtlCol="0" fromWordArt="0" anchor="ctr" anchorCtr="0" forceAA="0" compatLnSpc="1">
-            <a:prstTxWarp prst="textNoShape">
-              <a:avLst/>
-            </a:prstTxWarp>
-            <a:noAutofit/>
-          </a:bodyPr>
-          <a:lstStyle/>
-          <a:p>
-            <a:pPr algn="ctr"/>
-            <a:r>
-              <a:rPr lang="zh-CN" altLang="en-US" sz="1400" dirty="0">
-                <a:solidFill>
-                  <a:schemeClr val="accent4">
-                    <a:lumMod val="50000"/>
-                  </a:schemeClr>
-                </a:solidFill>
-              </a:rPr>
-              <a:t>持续部署</a:t>
-            </a:r>
-            <a:endParaRPr lang="zh-CN" altLang="en-US" sz="1400" dirty="0">
-              <a:solidFill>
-                <a:schemeClr val="accent4">
-                  <a:lumMod val="50000"/>
-                </a:schemeClr>
-              </a:solidFill>
-            </a:endParaRPr>
-          </a:p>
-        </p:txBody>
-      </p:sp>
-      <p:sp>
-        <p:nvSpPr>
-          <p:cNvPr id="43" name="矩形 42"/>
-          <p:cNvSpPr/>
-          <p:nvPr/>
-        </p:nvSpPr>
-        <p:spPr>
-          <a:xfrm>
-            <a:off x="139663" y="5434073"/>
-            <a:ext cx="1080120" cy="360040"/>
-          </a:xfrm>
-          <a:prstGeom prst="rect">
-            <a:avLst/>
-          </a:prstGeom>
-          <a:solidFill>
-            <a:schemeClr val="accent3">
-              <a:lumMod val="75000"/>
-            </a:schemeClr>
-          </a:solidFill>
-          <a:ln>
-            <a:noFill/>
-          </a:ln>
-        </p:spPr>
-        <p:style>
-          <a:lnRef idx="2">
-            <a:schemeClr val="accent1">
-              <a:shade val="50000"/>
-            </a:schemeClr>
-          </a:lnRef>
-          <a:fillRef idx="1">
-            <a:schemeClr val="accent1"/>
-          </a:fillRef>
-          <a:effectRef idx="0">
-            <a:schemeClr val="accent1"/>
-          </a:effectRef>
-          <a:fontRef idx="minor">
-            <a:schemeClr val="lt1"/>
-          </a:fontRef>
-        </p:style>
-        <p:txBody>
-          <a:bodyPr rot="0" spcFirstLastPara="0" vertOverflow="overflow" horzOverflow="overflow" vert="horz" wrap="square" lIns="91440" tIns="45720" rIns="91440" bIns="45720" numCol="1" spcCol="0" rtlCol="0" fromWordArt="0" anchor="ctr" anchorCtr="0" forceAA="0" compatLnSpc="1">
-            <a:prstTxWarp prst="textNoShape">
-              <a:avLst/>
-            </a:prstTxWarp>
-            <a:noAutofit/>
-          </a:bodyPr>
-          <a:lstStyle/>
-          <a:p>
-            <a:pPr algn="ctr"/>
-            <a:r>
-              <a:rPr lang="zh-CN" altLang="en-US" sz="1400" dirty="0">
-                <a:solidFill>
-                  <a:schemeClr val="accent4">
-                    <a:lumMod val="50000"/>
-                  </a:schemeClr>
-                </a:solidFill>
-              </a:rPr>
-              <a:t>自动化测试</a:t>
-            </a:r>
-            <a:endParaRPr lang="zh-CN" altLang="en-US" sz="1400" dirty="0">
-              <a:solidFill>
-                <a:schemeClr val="accent4">
-                  <a:lumMod val="50000"/>
-                </a:schemeClr>
-              </a:solidFill>
-            </a:endParaRPr>
-          </a:p>
-        </p:txBody>
-      </p:sp>
-      <p:sp>
-        <p:nvSpPr>
-          <p:cNvPr id="49" name="矩形 48"/>
-          <p:cNvSpPr/>
-          <p:nvPr/>
-        </p:nvSpPr>
-        <p:spPr>
-          <a:xfrm>
-            <a:off x="175667" y="6029135"/>
-            <a:ext cx="1008112" cy="360040"/>
-          </a:xfrm>
-          <a:prstGeom prst="rect">
-            <a:avLst/>
-          </a:prstGeom>
-          <a:solidFill>
-            <a:schemeClr val="accent3">
-              <a:lumMod val="75000"/>
-            </a:schemeClr>
-          </a:solidFill>
-          <a:ln>
-            <a:noFill/>
-          </a:ln>
-        </p:spPr>
-        <p:style>
-          <a:lnRef idx="2">
-            <a:schemeClr val="accent1">
-              <a:shade val="50000"/>
-            </a:schemeClr>
-          </a:lnRef>
-          <a:fillRef idx="1">
-            <a:schemeClr val="accent1"/>
-          </a:fillRef>
-          <a:effectRef idx="0">
-            <a:schemeClr val="accent1"/>
-          </a:effectRef>
-          <a:fontRef idx="minor">
-            <a:schemeClr val="lt1"/>
-          </a:fontRef>
-        </p:style>
-        <p:txBody>
-          <a:bodyPr rot="0" spcFirstLastPara="0" vertOverflow="overflow" horzOverflow="overflow" vert="horz" wrap="square" lIns="91440" tIns="45720" rIns="91440" bIns="45720" numCol="1" spcCol="0" rtlCol="0" fromWordArt="0" anchor="ctr" anchorCtr="0" forceAA="0" compatLnSpc="1">
-            <a:prstTxWarp prst="textNoShape">
-              <a:avLst/>
-            </a:prstTxWarp>
-            <a:noAutofit/>
-          </a:bodyPr>
-          <a:lstStyle/>
-          <a:p>
-            <a:pPr algn="ctr"/>
-            <a:r>
-              <a:rPr lang="zh-CN" altLang="en-US" sz="1400" dirty="0">
-                <a:solidFill>
-                  <a:schemeClr val="accent6">
-                    <a:lumMod val="50000"/>
-                  </a:schemeClr>
-                </a:solidFill>
-              </a:rPr>
-              <a:t>代码仓库</a:t>
-            </a:r>
-            <a:endParaRPr lang="zh-CN" altLang="en-US" sz="1400" dirty="0">
-              <a:solidFill>
-                <a:schemeClr val="accent6">
-                  <a:lumMod val="50000"/>
-                </a:schemeClr>
-              </a:solidFill>
-            </a:endParaRPr>
-          </a:p>
-        </p:txBody>
-      </p:sp>
-      <p:sp>
-        <p:nvSpPr>
-          <p:cNvPr id="51" name="矩形 50"/>
-          <p:cNvSpPr/>
-          <p:nvPr/>
-        </p:nvSpPr>
-        <p:spPr>
-          <a:xfrm>
-            <a:off x="139663" y="6541190"/>
-            <a:ext cx="1080120" cy="360040"/>
-          </a:xfrm>
-          <a:prstGeom prst="rect">
-            <a:avLst/>
-          </a:prstGeom>
-          <a:solidFill>
-            <a:schemeClr val="accent6">
-              <a:lumMod val="60000"/>
-              <a:lumOff val="40000"/>
-            </a:schemeClr>
-          </a:solidFill>
-          <a:ln>
-            <a:noFill/>
-          </a:ln>
-        </p:spPr>
-        <p:style>
-          <a:lnRef idx="2">
-            <a:schemeClr val="accent1">
-              <a:shade val="50000"/>
-            </a:schemeClr>
-          </a:lnRef>
-          <a:fillRef idx="1">
-            <a:schemeClr val="accent1"/>
-          </a:fillRef>
-          <a:effectRef idx="0">
-            <a:schemeClr val="accent1"/>
-          </a:effectRef>
-          <a:fontRef idx="minor">
-            <a:schemeClr val="lt1"/>
-          </a:fontRef>
-        </p:style>
-        <p:txBody>
-          <a:bodyPr rtlCol="0" anchor="ctr"/>
-          <a:lstStyle/>
-          <a:p>
-            <a:pPr algn="ctr"/>
-            <a:r>
-              <a:rPr lang="zh-CN" altLang="en-US" sz="1400" dirty="0">
-                <a:solidFill>
-                  <a:schemeClr val="accent4">
-                    <a:lumMod val="50000"/>
-                  </a:schemeClr>
-                </a:solidFill>
-              </a:rPr>
-              <a:t>多语言支持</a:t>
-            </a:r>
-            <a:endParaRPr lang="zh-CN" altLang="en-US" sz="1400" dirty="0">
-              <a:solidFill>
-                <a:schemeClr val="accent4">
-                  <a:lumMod val="50000"/>
-                </a:schemeClr>
-              </a:solidFill>
-            </a:endParaRPr>
-          </a:p>
-        </p:txBody>
-      </p:sp>
-      <p:sp>
-        <p:nvSpPr>
-          <p:cNvPr id="5" name="矩形 4"/>
-          <p:cNvSpPr/>
-          <p:nvPr/>
-        </p:nvSpPr>
-        <p:spPr>
-          <a:xfrm>
-            <a:off x="9886776" y="2950989"/>
-            <a:ext cx="542325" cy="837076"/>
-          </a:xfrm>
-          <a:prstGeom prst="rect">
-            <a:avLst/>
-          </a:prstGeom>
-          <a:solidFill>
-            <a:schemeClr val="accent3">
-              <a:lumMod val="75000"/>
-            </a:schemeClr>
-          </a:solidFill>
-          <a:ln>
-            <a:noFill/>
-          </a:ln>
-        </p:spPr>
-        <p:style>
-          <a:lnRef idx="2">
-            <a:schemeClr val="accent1">
-              <a:shade val="50000"/>
-            </a:schemeClr>
-          </a:lnRef>
-          <a:fillRef idx="1">
-            <a:schemeClr val="accent1"/>
-          </a:fillRef>
-          <a:effectRef idx="0">
-            <a:schemeClr val="accent1"/>
-          </a:effectRef>
-          <a:fontRef idx="minor">
-            <a:schemeClr val="lt1"/>
-          </a:fontRef>
-        </p:style>
-        <p:txBody>
-          <a:bodyPr rot="0" spcFirstLastPara="0" vertOverflow="overflow" horzOverflow="overflow" vert="horz" wrap="square" lIns="91440" tIns="45720" rIns="91440" bIns="45720" numCol="1" spcCol="0" rtlCol="0" fromWordArt="0" anchor="ctr" anchorCtr="0" forceAA="0" compatLnSpc="1">
-            <a:prstTxWarp prst="textNoShape">
-              <a:avLst/>
-            </a:prstTxWarp>
-            <a:noAutofit/>
-          </a:bodyPr>
-          <a:lstStyle/>
-          <a:p>
-            <a:pPr algn="ctr"/>
-            <a:r>
-              <a:rPr lang="zh-CN" altLang="en-US" sz="1400" dirty="0">
-                <a:solidFill>
-                  <a:schemeClr val="accent4">
-                    <a:lumMod val="50000"/>
-                  </a:schemeClr>
-                </a:solidFill>
-              </a:rPr>
-              <a:t>多租户</a:t>
-            </a:r>
-            <a:endParaRPr lang="zh-CN" altLang="en-US" sz="1400" dirty="0">
-              <a:solidFill>
-                <a:schemeClr val="accent4">
-                  <a:lumMod val="50000"/>
-                </a:schemeClr>
-              </a:solidFill>
-            </a:endParaRPr>
-          </a:p>
-        </p:txBody>
-      </p:sp>
-      <p:sp>
-        <p:nvSpPr>
-          <p:cNvPr id="53" name="矩形 52"/>
-          <p:cNvSpPr/>
-          <p:nvPr/>
-        </p:nvSpPr>
-        <p:spPr>
-          <a:xfrm>
-            <a:off x="9886775" y="4055006"/>
-            <a:ext cx="542325" cy="714325"/>
-          </a:xfrm>
-          <a:prstGeom prst="rect">
-            <a:avLst/>
-          </a:prstGeom>
-          <a:solidFill>
-            <a:schemeClr val="accent3">
-              <a:lumMod val="75000"/>
-            </a:schemeClr>
-          </a:solidFill>
-          <a:ln>
-            <a:noFill/>
-          </a:ln>
-        </p:spPr>
-        <p:style>
-          <a:lnRef idx="2">
-            <a:schemeClr val="accent1">
-              <a:shade val="50000"/>
-            </a:schemeClr>
-          </a:lnRef>
-          <a:fillRef idx="1">
-            <a:schemeClr val="accent1"/>
-          </a:fillRef>
-          <a:effectRef idx="0">
-            <a:schemeClr val="accent1"/>
-          </a:effectRef>
-          <a:fontRef idx="minor">
-            <a:schemeClr val="lt1"/>
-          </a:fontRef>
-        </p:style>
-        <p:txBody>
-          <a:bodyPr rot="0" spcFirstLastPara="0" vertOverflow="overflow" horzOverflow="overflow" vert="horz" wrap="square" lIns="91440" tIns="45720" rIns="91440" bIns="45720" numCol="1" spcCol="0" rtlCol="0" fromWordArt="0" anchor="ctr" anchorCtr="0" forceAA="0" compatLnSpc="1">
-            <a:prstTxWarp prst="textNoShape">
-              <a:avLst/>
-            </a:prstTxWarp>
-            <a:noAutofit/>
-          </a:bodyPr>
-          <a:lstStyle/>
-          <a:p>
-            <a:pPr algn="ctr"/>
-            <a:r>
-              <a:rPr lang="zh-CN" altLang="en-US" sz="1400" dirty="0">
-                <a:solidFill>
-                  <a:schemeClr val="accent4">
-                    <a:lumMod val="50000"/>
-                  </a:schemeClr>
-                </a:solidFill>
-              </a:rPr>
-              <a:t>权限控制</a:t>
-            </a:r>
-            <a:endParaRPr lang="zh-CN" altLang="en-US" sz="1400" dirty="0">
-              <a:solidFill>
-                <a:schemeClr val="accent4">
-                  <a:lumMod val="50000"/>
-                </a:schemeClr>
-              </a:solidFill>
-            </a:endParaRPr>
-          </a:p>
-        </p:txBody>
-      </p:sp>
-      <p:sp>
-        <p:nvSpPr>
-          <p:cNvPr id="55" name="矩形 54"/>
-          <p:cNvSpPr/>
-          <p:nvPr/>
-        </p:nvSpPr>
-        <p:spPr>
-          <a:xfrm>
-            <a:off x="9886776" y="5009428"/>
-            <a:ext cx="542324" cy="700633"/>
-          </a:xfrm>
-          <a:prstGeom prst="rect">
-            <a:avLst/>
-          </a:prstGeom>
-          <a:solidFill>
-            <a:schemeClr val="accent3">
-              <a:lumMod val="75000"/>
-            </a:schemeClr>
-          </a:solidFill>
-          <a:ln>
-            <a:noFill/>
-          </a:ln>
-        </p:spPr>
-        <p:style>
-          <a:lnRef idx="2">
-            <a:schemeClr val="accent1">
-              <a:shade val="50000"/>
-            </a:schemeClr>
-          </a:lnRef>
-          <a:fillRef idx="1">
-            <a:schemeClr val="accent1"/>
-          </a:fillRef>
-          <a:effectRef idx="0">
-            <a:schemeClr val="accent1"/>
-          </a:effectRef>
-          <a:fontRef idx="minor">
-            <a:schemeClr val="lt1"/>
-          </a:fontRef>
-        </p:style>
-        <p:txBody>
-          <a:bodyPr rot="0" spcFirstLastPara="0" vertOverflow="overflow" horzOverflow="overflow" vert="horz" wrap="square" lIns="91440" tIns="45720" rIns="91440" bIns="45720" numCol="1" spcCol="0" rtlCol="0" fromWordArt="0" anchor="ctr" anchorCtr="0" forceAA="0" compatLnSpc="1">
-            <a:prstTxWarp prst="textNoShape">
-              <a:avLst/>
-            </a:prstTxWarp>
-            <a:noAutofit/>
-          </a:bodyPr>
-          <a:lstStyle/>
-          <a:p>
-            <a:pPr algn="ctr"/>
-            <a:r>
-              <a:rPr lang="zh-CN" altLang="en-US" sz="1400" dirty="0">
-                <a:solidFill>
-                  <a:schemeClr val="accent4">
-                    <a:lumMod val="50000"/>
-                  </a:schemeClr>
-                </a:solidFill>
-              </a:rPr>
-              <a:t>目录控制</a:t>
-            </a:r>
-            <a:endParaRPr lang="zh-CN" altLang="en-US" sz="1400" dirty="0">
-              <a:solidFill>
-                <a:schemeClr val="accent4">
-                  <a:lumMod val="50000"/>
-                </a:schemeClr>
-              </a:solidFill>
-            </a:endParaRPr>
-          </a:p>
-        </p:txBody>
-      </p:sp>
-      <p:sp>
-        <p:nvSpPr>
-          <p:cNvPr id="61" name="矩形 60"/>
-          <p:cNvSpPr/>
-          <p:nvPr/>
-        </p:nvSpPr>
-        <p:spPr>
-          <a:xfrm>
-            <a:off x="9886776" y="5912968"/>
-            <a:ext cx="542324" cy="614459"/>
-          </a:xfrm>
-          <a:prstGeom prst="rect">
-            <a:avLst/>
-          </a:prstGeom>
-          <a:solidFill>
-            <a:schemeClr val="accent6">
-              <a:lumMod val="60000"/>
-              <a:lumOff val="40000"/>
-            </a:schemeClr>
-          </a:solidFill>
-          <a:ln>
-            <a:noFill/>
-          </a:ln>
-        </p:spPr>
-        <p:style>
-          <a:lnRef idx="2">
-            <a:schemeClr val="accent1">
-              <a:shade val="50000"/>
-            </a:schemeClr>
-          </a:lnRef>
-          <a:fillRef idx="1">
-            <a:schemeClr val="accent1"/>
-          </a:fillRef>
-          <a:effectRef idx="0">
-            <a:schemeClr val="accent1"/>
-          </a:effectRef>
-          <a:fontRef idx="minor">
-            <a:schemeClr val="lt1"/>
-          </a:fontRef>
-        </p:style>
-        <p:txBody>
-          <a:bodyPr rtlCol="0" anchor="ctr"/>
-          <a:lstStyle/>
-          <a:p>
-            <a:pPr algn="ctr"/>
-            <a:r>
-              <a:rPr lang="zh-CN" altLang="en-US" sz="1400" dirty="0">
-                <a:solidFill>
-                  <a:schemeClr val="accent4">
-                    <a:lumMod val="50000"/>
-                  </a:schemeClr>
-                </a:solidFill>
-              </a:rPr>
-              <a:t>安全监控</a:t>
-            </a:r>
-            <a:endParaRPr lang="zh-CN" altLang="en-US" sz="1400" dirty="0">
-              <a:solidFill>
-                <a:schemeClr val="accent4">
-                  <a:lumMod val="50000"/>
-                </a:schemeClr>
-              </a:solidFill>
-            </a:endParaRPr>
-          </a:p>
-        </p:txBody>
-      </p:sp>
-      <p:sp>
-        <p:nvSpPr>
-          <p:cNvPr id="62" name="矩形 61"/>
-          <p:cNvSpPr/>
-          <p:nvPr/>
-        </p:nvSpPr>
-        <p:spPr>
-          <a:xfrm>
-            <a:off x="135143" y="7037247"/>
-            <a:ext cx="1080120" cy="360040"/>
-          </a:xfrm>
-          <a:prstGeom prst="rect">
-            <a:avLst/>
-          </a:prstGeom>
-          <a:solidFill>
-            <a:schemeClr val="accent6">
-              <a:lumMod val="60000"/>
-              <a:lumOff val="40000"/>
-            </a:schemeClr>
-          </a:solidFill>
-          <a:ln>
-            <a:noFill/>
-          </a:ln>
-        </p:spPr>
-        <p:style>
-          <a:lnRef idx="2">
-            <a:schemeClr val="accent1">
-              <a:shade val="50000"/>
-            </a:schemeClr>
-          </a:lnRef>
-          <a:fillRef idx="1">
-            <a:schemeClr val="accent1"/>
-          </a:fillRef>
-          <a:effectRef idx="0">
-            <a:schemeClr val="accent1"/>
-          </a:effectRef>
-          <a:fontRef idx="minor">
-            <a:schemeClr val="lt1"/>
-          </a:fontRef>
-        </p:style>
-        <p:txBody>
-          <a:bodyPr rtlCol="0" anchor="ctr"/>
-          <a:lstStyle/>
-          <a:p>
-            <a:pPr algn="ctr"/>
-            <a:r>
-              <a:rPr lang="en-US" altLang="zh-CN" sz="1400" dirty="0">
-                <a:solidFill>
-                  <a:schemeClr val="accent4">
-                    <a:lumMod val="50000"/>
-                  </a:schemeClr>
-                </a:solidFill>
-              </a:rPr>
-              <a:t>CMDB</a:t>
-            </a:r>
-            <a:endParaRPr lang="zh-CN" altLang="en-US" sz="1400" dirty="0">
-              <a:solidFill>
-                <a:schemeClr val="accent4">
-                  <a:lumMod val="50000"/>
-                </a:schemeClr>
-              </a:solidFill>
-            </a:endParaRPr>
-          </a:p>
-        </p:txBody>
-      </p:sp>
-      <p:sp>
-        <p:nvSpPr>
-          <p:cNvPr id="9" name="矩形 8"/>
-          <p:cNvSpPr/>
-          <p:nvPr/>
-        </p:nvSpPr>
-        <p:spPr>
-          <a:xfrm>
-            <a:off x="10699590" y="3022909"/>
-            <a:ext cx="648072" cy="701898"/>
-          </a:xfrm>
-          <a:prstGeom prst="rect">
-            <a:avLst/>
-          </a:prstGeom>
-          <a:solidFill>
-            <a:schemeClr val="accent6">
-              <a:lumMod val="60000"/>
-              <a:lumOff val="40000"/>
-            </a:schemeClr>
-          </a:solidFill>
-          <a:ln>
-            <a:noFill/>
-          </a:ln>
-        </p:spPr>
-        <p:style>
-          <a:lnRef idx="2">
-            <a:schemeClr val="accent1">
-              <a:shade val="50000"/>
-            </a:schemeClr>
-          </a:lnRef>
-          <a:fillRef idx="1">
-            <a:schemeClr val="accent1"/>
-          </a:fillRef>
-          <a:effectRef idx="0">
-            <a:schemeClr val="accent1"/>
-          </a:effectRef>
-          <a:fontRef idx="minor">
-            <a:schemeClr val="lt1"/>
-          </a:fontRef>
-        </p:style>
-        <p:txBody>
-          <a:bodyPr rtlCol="0" anchor="ctr"/>
-          <a:lstStyle/>
-          <a:p>
-            <a:pPr algn="ctr"/>
-            <a:r>
-              <a:rPr lang="zh-CN" altLang="en-US" sz="1600" dirty="0">
-                <a:solidFill>
-                  <a:schemeClr val="accent4">
-                    <a:lumMod val="50000"/>
-                  </a:schemeClr>
-                </a:solidFill>
-              </a:rPr>
               <a:t>平台日志</a:t>
             </a:r>
-            <a:endParaRPr lang="zh-CN" altLang="en-US" sz="1600" dirty="0">
-              <a:solidFill>
-                <a:schemeClr val="accent4">
-                  <a:lumMod val="50000"/>
-                </a:schemeClr>
-              </a:solidFill>
-            </a:endParaRPr>
           </a:p>
         </p:txBody>
       </p:sp>

--- a/c云服务架构/Paas架构设计.pptx
+++ b/c云服务架构/Paas架构设计.pptx
@@ -210,7 +210,7 @@
           <a:p>
             <a:fld id="{FCF34936-9BE8-4133-A782-55B70958D9F1}" type="datetimeFigureOut">
               <a:rPr lang="zh-CN" altLang="en-US" smtClean="0"/>
-              <a:t>2017/4/17</a:t>
+              <a:t>2017/4/20</a:t>
             </a:fld>
             <a:endParaRPr lang="zh-CN" altLang="en-US"/>
           </a:p>
@@ -2095,7 +2095,7 @@
           <a:p>
             <a:fld id="{A9A3A160-64B0-433E-876E-E206ABB7688A}" type="datetimeFigureOut">
               <a:rPr lang="zh-CN" altLang="en-US" smtClean="0"/>
-              <a:t>2017/4/17</a:t>
+              <a:t>2017/4/20</a:t>
             </a:fld>
             <a:endParaRPr lang="zh-CN" altLang="en-US"/>
           </a:p>
@@ -2307,7 +2307,7 @@
           <a:p>
             <a:fld id="{A9A3A160-64B0-433E-876E-E206ABB7688A}" type="datetimeFigureOut">
               <a:rPr lang="zh-CN" altLang="en-US" smtClean="0"/>
-              <a:t>2017/4/17</a:t>
+              <a:t>2017/4/20</a:t>
             </a:fld>
             <a:endParaRPr lang="zh-CN" altLang="en-US"/>
           </a:p>
@@ -2494,7 +2494,7 @@
           <a:p>
             <a:fld id="{A9A3A160-64B0-433E-876E-E206ABB7688A}" type="datetimeFigureOut">
               <a:rPr lang="zh-CN" altLang="en-US" smtClean="0"/>
-              <a:t>2017/4/17</a:t>
+              <a:t>2017/4/20</a:t>
             </a:fld>
             <a:endParaRPr lang="zh-CN" altLang="en-US"/>
           </a:p>
@@ -2591,7 +2591,7 @@
           <a:p>
             <a:fld id="{A9A3A160-64B0-433E-876E-E206ABB7688A}" type="datetimeFigureOut">
               <a:rPr lang="zh-CN" altLang="en-US" smtClean="0"/>
-              <a:t>2017/4/17</a:t>
+              <a:t>2017/4/20</a:t>
             </a:fld>
             <a:endParaRPr lang="zh-CN" altLang="en-US"/>
           </a:p>
@@ -3187,7 +3187,7 @@
           <a:p>
             <a:fld id="{A9A3A160-64B0-433E-876E-E206ABB7688A}" type="datetimeFigureOut">
               <a:rPr lang="zh-CN" altLang="en-US" smtClean="0"/>
-              <a:t>2017/4/17</a:t>
+              <a:t>2017/4/20</a:t>
             </a:fld>
             <a:endParaRPr lang="zh-CN" altLang="en-US"/>
           </a:p>
@@ -3284,7 +3284,7 @@
           <a:p>
             <a:fld id="{A9A3A160-64B0-433E-876E-E206ABB7688A}" type="datetimeFigureOut">
               <a:rPr lang="zh-CN" altLang="en-US" smtClean="0"/>
-              <a:t>2017/4/17</a:t>
+              <a:t>2017/4/20</a:t>
             </a:fld>
             <a:endParaRPr lang="zh-CN" altLang="en-US"/>
           </a:p>
@@ -3889,7 +3889,7 @@
           <a:p>
             <a:fld id="{A9A3A160-64B0-433E-876E-E206ABB7688A}" type="datetimeFigureOut">
               <a:rPr lang="zh-CN" altLang="en-US" smtClean="0"/>
-              <a:t>2017/4/17</a:t>
+              <a:t>2017/4/20</a:t>
             </a:fld>
             <a:endParaRPr lang="zh-CN" altLang="en-US"/>
           </a:p>
@@ -4032,7 +4032,7 @@
           <a:p>
             <a:fld id="{A9A3A160-64B0-433E-876E-E206ABB7688A}" type="datetimeFigureOut">
               <a:rPr lang="zh-CN" altLang="en-US" smtClean="0"/>
-              <a:t>2017/4/17</a:t>
+              <a:t>2017/4/20</a:t>
             </a:fld>
             <a:endParaRPr lang="zh-CN" altLang="en-US"/>
           </a:p>
@@ -4129,7 +4129,7 @@
           <a:p>
             <a:fld id="{A9A3A160-64B0-433E-876E-E206ABB7688A}" type="datetimeFigureOut">
               <a:rPr lang="zh-CN" altLang="en-US" smtClean="0"/>
-              <a:t>2017/4/17</a:t>
+              <a:t>2017/4/20</a:t>
             </a:fld>
             <a:endParaRPr lang="zh-CN" altLang="en-US"/>
           </a:p>
@@ -4413,7 +4413,7 @@
           <a:p>
             <a:fld id="{A9A3A160-64B0-433E-876E-E206ABB7688A}" type="datetimeFigureOut">
               <a:rPr lang="zh-CN" altLang="en-US" smtClean="0"/>
-              <a:t>2017/4/17</a:t>
+              <a:t>2017/4/20</a:t>
             </a:fld>
             <a:endParaRPr lang="zh-CN" altLang="en-US"/>
           </a:p>
@@ -4935,7 +4935,7 @@
           <a:p>
             <a:fld id="{A9A3A160-64B0-433E-876E-E206ABB7688A}" type="datetimeFigureOut">
               <a:rPr lang="zh-CN" altLang="en-US" smtClean="0"/>
-              <a:t>2017/4/17</a:t>
+              <a:t>2017/4/20</a:t>
             </a:fld>
             <a:endParaRPr lang="zh-CN" altLang="en-US"/>
           </a:p>
@@ -5455,7 +5455,7 @@
           <a:p>
             <a:fld id="{A9A3A160-64B0-433E-876E-E206ABB7688A}" type="datetimeFigureOut">
               <a:rPr lang="zh-CN" altLang="en-US" smtClean="0"/>
-              <a:t>2017/4/17</a:t>
+              <a:t>2017/4/20</a:t>
             </a:fld>
             <a:endParaRPr lang="zh-CN" altLang="en-US"/>
           </a:p>
@@ -12952,7 +12952,11 @@
             <a:pPr algn="ctr"/>
             <a:r>
               <a:rPr lang="zh-CN" altLang="en-US" dirty="0" smtClean="0"/>
-              <a:t>数据仓库及</a:t>
+              <a:t>数据</a:t>
+            </a:r>
+            <a:r>
+              <a:rPr lang="zh-CN" altLang="en-US" dirty="0" smtClean="0"/>
+              <a:t>仓库</a:t>
             </a:r>
             <a:endParaRPr lang="zh-CN" altLang="en-US" dirty="0"/>
           </a:p>
